--- a/Practical Arduino - Ground Up.pptx
+++ b/Practical Arduino - Ground Up.pptx
@@ -107,6 +107,11 @@
       </a:defRPr>
     </a:lvl9pPr>
   </p:defaultTextStyle>
+  <p:extLst>
+    <p:ext uri="{EFAFB233-063F-42B5-8137-9DF3F51BA10A}">
+      <p15:sldGuideLst xmlns:p15="http://schemas.microsoft.com/office/powerpoint/2012/main"/>
+    </p:ext>
+  </p:extLst>
 </p:presentation>
 </file>
 
@@ -160,7 +165,7 @@
           <a:noFill/>
           <a:extLst>
             <a:ext uri="{909E8E84-426E-40dd-AFC4-6F175D3DCCD1}">
-              <a14:hiddenFill xmlns:a14="http://schemas.microsoft.com/office/drawing/2010/main" xmlns="">
+              <a14:hiddenFill xmlns="" xmlns:a14="http://schemas.microsoft.com/office/drawing/2010/main">
                 <a:solidFill>
                   <a:srgbClr val="FFFFFF"/>
                 </a:solidFill>
@@ -220,7 +225,7 @@
             </a:ln>
             <a:extLst>
               <a:ext uri="{91240B29-F687-4f45-9708-019B960494DF}">
-                <a14:hiddenLine xmlns:a14="http://schemas.microsoft.com/office/drawing/2010/main" xmlns="" w="9525">
+                <a14:hiddenLine xmlns="" xmlns:a14="http://schemas.microsoft.com/office/drawing/2010/main" w="9525">
                   <a:solidFill>
                     <a:srgbClr val="000000"/>
                   </a:solidFill>
@@ -310,7 +315,7 @@
             </a:ln>
             <a:extLst>
               <a:ext uri="{91240B29-F687-4f45-9708-019B960494DF}">
-                <a14:hiddenLine xmlns:a14="http://schemas.microsoft.com/office/drawing/2010/main" xmlns="" w="9525">
+                <a14:hiddenLine xmlns="" xmlns:a14="http://schemas.microsoft.com/office/drawing/2010/main" w="9525">
                   <a:solidFill>
                     <a:srgbClr val="000000"/>
                   </a:solidFill>
@@ -400,7 +405,7 @@
             </a:ln>
             <a:extLst>
               <a:ext uri="{91240B29-F687-4f45-9708-019B960494DF}">
-                <a14:hiddenLine xmlns:a14="http://schemas.microsoft.com/office/drawing/2010/main" xmlns="" w="9525">
+                <a14:hiddenLine xmlns="" xmlns:a14="http://schemas.microsoft.com/office/drawing/2010/main" w="9525">
                   <a:solidFill>
                     <a:srgbClr val="000000"/>
                   </a:solidFill>
@@ -434,7 +439,7 @@
             </a:ln>
             <a:extLst>
               <a:ext uri="{91240B29-F687-4f45-9708-019B960494DF}">
-                <a14:hiddenLine xmlns:a14="http://schemas.microsoft.com/office/drawing/2010/main" xmlns="" w="9525">
+                <a14:hiddenLine xmlns="" xmlns:a14="http://schemas.microsoft.com/office/drawing/2010/main" w="9525">
                   <a:solidFill>
                     <a:srgbClr val="000000"/>
                   </a:solidFill>
@@ -524,7 +529,7 @@
             </a:ln>
             <a:extLst>
               <a:ext uri="{91240B29-F687-4f45-9708-019B960494DF}">
-                <a14:hiddenLine xmlns:a14="http://schemas.microsoft.com/office/drawing/2010/main" xmlns="" w="9525">
+                <a14:hiddenLine xmlns="" xmlns:a14="http://schemas.microsoft.com/office/drawing/2010/main" w="9525">
                   <a:solidFill>
                     <a:srgbClr val="000000"/>
                   </a:solidFill>
@@ -586,7 +591,7 @@
             </a:ln>
             <a:extLst>
               <a:ext uri="{91240B29-F687-4f45-9708-019B960494DF}">
-                <a14:hiddenLine xmlns:a14="http://schemas.microsoft.com/office/drawing/2010/main" xmlns="" w="9525">
+                <a14:hiddenLine xmlns="" xmlns:a14="http://schemas.microsoft.com/office/drawing/2010/main" w="9525">
                   <a:solidFill>
                     <a:srgbClr val="000000"/>
                   </a:solidFill>
@@ -648,7 +653,7 @@
             </a:ln>
             <a:extLst>
               <a:ext uri="{91240B29-F687-4f45-9708-019B960494DF}">
-                <a14:hiddenLine xmlns:a14="http://schemas.microsoft.com/office/drawing/2010/main" xmlns="" w="9525">
+                <a14:hiddenLine xmlns="" xmlns:a14="http://schemas.microsoft.com/office/drawing/2010/main" w="9525">
                   <a:solidFill>
                     <a:srgbClr val="000000"/>
                   </a:solidFill>
@@ -738,7 +743,7 @@
             </a:ln>
             <a:extLst>
               <a:ext uri="{91240B29-F687-4f45-9708-019B960494DF}">
-                <a14:hiddenLine xmlns:a14="http://schemas.microsoft.com/office/drawing/2010/main" xmlns="" w="9525">
+                <a14:hiddenLine xmlns="" xmlns:a14="http://schemas.microsoft.com/office/drawing/2010/main" w="9525">
                   <a:solidFill>
                     <a:srgbClr val="000000"/>
                   </a:solidFill>
@@ -800,7 +805,7 @@
             </a:ln>
             <a:extLst>
               <a:ext uri="{91240B29-F687-4f45-9708-019B960494DF}">
-                <a14:hiddenLine xmlns:a14="http://schemas.microsoft.com/office/drawing/2010/main" xmlns="" w="9525">
+                <a14:hiddenLine xmlns="" xmlns:a14="http://schemas.microsoft.com/office/drawing/2010/main" w="9525">
                   <a:solidFill>
                     <a:srgbClr val="000000"/>
                   </a:solidFill>
@@ -862,7 +867,7 @@
             </a:ln>
             <a:extLst>
               <a:ext uri="{91240B29-F687-4f45-9708-019B960494DF}">
-                <a14:hiddenLine xmlns:a14="http://schemas.microsoft.com/office/drawing/2010/main" xmlns="" w="9525">
+                <a14:hiddenLine xmlns="" xmlns:a14="http://schemas.microsoft.com/office/drawing/2010/main" w="9525">
                   <a:solidFill>
                     <a:srgbClr val="000000"/>
                   </a:solidFill>
@@ -952,7 +957,7 @@
             </a:ln>
             <a:extLst>
               <a:ext uri="{91240B29-F687-4f45-9708-019B960494DF}">
-                <a14:hiddenLine xmlns:a14="http://schemas.microsoft.com/office/drawing/2010/main" xmlns="" w="9525">
+                <a14:hiddenLine xmlns="" xmlns:a14="http://schemas.microsoft.com/office/drawing/2010/main" w="9525">
                   <a:solidFill>
                     <a:srgbClr val="000000"/>
                   </a:solidFill>
@@ -1042,7 +1047,7 @@
             </a:ln>
             <a:extLst>
               <a:ext uri="{91240B29-F687-4f45-9708-019B960494DF}">
-                <a14:hiddenLine xmlns:a14="http://schemas.microsoft.com/office/drawing/2010/main" xmlns="" w="9525">
+                <a14:hiddenLine xmlns="" xmlns:a14="http://schemas.microsoft.com/office/drawing/2010/main" w="9525">
                   <a:solidFill>
                     <a:srgbClr val="000000"/>
                   </a:solidFill>
@@ -1104,7 +1109,7 @@
             </a:ln>
             <a:extLst>
               <a:ext uri="{91240B29-F687-4f45-9708-019B960494DF}">
-                <a14:hiddenLine xmlns:a14="http://schemas.microsoft.com/office/drawing/2010/main" xmlns="" w="9525">
+                <a14:hiddenLine xmlns="" xmlns:a14="http://schemas.microsoft.com/office/drawing/2010/main" w="9525">
                   <a:solidFill>
                     <a:srgbClr val="000000"/>
                   </a:solidFill>
@@ -1214,7 +1219,7 @@
             </a:ln>
             <a:extLst>
               <a:ext uri="{91240B29-F687-4f45-9708-019B960494DF}">
-                <a14:hiddenLine xmlns:a14="http://schemas.microsoft.com/office/drawing/2010/main" xmlns="" w="9525">
+                <a14:hiddenLine xmlns="" xmlns:a14="http://schemas.microsoft.com/office/drawing/2010/main" w="9525">
                   <a:solidFill>
                     <a:srgbClr val="000000"/>
                   </a:solidFill>
@@ -1276,7 +1281,7 @@
             </a:ln>
             <a:extLst>
               <a:ext uri="{91240B29-F687-4f45-9708-019B960494DF}">
-                <a14:hiddenLine xmlns:a14="http://schemas.microsoft.com/office/drawing/2010/main" xmlns="" w="9525">
+                <a14:hiddenLine xmlns="" xmlns:a14="http://schemas.microsoft.com/office/drawing/2010/main" w="9525">
                   <a:solidFill>
                     <a:srgbClr val="000000"/>
                   </a:solidFill>
@@ -1366,7 +1371,7 @@
             </a:ln>
             <a:extLst>
               <a:ext uri="{91240B29-F687-4f45-9708-019B960494DF}">
-                <a14:hiddenLine xmlns:a14="http://schemas.microsoft.com/office/drawing/2010/main" xmlns="" w="9525">
+                <a14:hiddenLine xmlns="" xmlns:a14="http://schemas.microsoft.com/office/drawing/2010/main" w="9525">
                   <a:solidFill>
                     <a:srgbClr val="000000"/>
                   </a:solidFill>
@@ -1456,7 +1461,7 @@
             </a:ln>
             <a:extLst>
               <a:ext uri="{91240B29-F687-4f45-9708-019B960494DF}">
-                <a14:hiddenLine xmlns:a14="http://schemas.microsoft.com/office/drawing/2010/main" xmlns="" w="9525">
+                <a14:hiddenLine xmlns="" xmlns:a14="http://schemas.microsoft.com/office/drawing/2010/main" w="9525">
                   <a:solidFill>
                     <a:srgbClr val="000000"/>
                   </a:solidFill>
@@ -1518,7 +1523,7 @@
             </a:ln>
             <a:extLst>
               <a:ext uri="{91240B29-F687-4f45-9708-019B960494DF}">
-                <a14:hiddenLine xmlns:a14="http://schemas.microsoft.com/office/drawing/2010/main" xmlns="" w="9525">
+                <a14:hiddenLine xmlns="" xmlns:a14="http://schemas.microsoft.com/office/drawing/2010/main" w="9525">
                   <a:solidFill>
                     <a:srgbClr val="000000"/>
                   </a:solidFill>
@@ -1608,7 +1613,7 @@
             </a:ln>
             <a:extLst>
               <a:ext uri="{91240B29-F687-4f45-9708-019B960494DF}">
-                <a14:hiddenLine xmlns:a14="http://schemas.microsoft.com/office/drawing/2010/main" xmlns="" w="9525">
+                <a14:hiddenLine xmlns="" xmlns:a14="http://schemas.microsoft.com/office/drawing/2010/main" w="9525">
                   <a:solidFill>
                     <a:srgbClr val="000000"/>
                   </a:solidFill>
@@ -1698,7 +1703,7 @@
             </a:ln>
             <a:extLst>
               <a:ext uri="{91240B29-F687-4f45-9708-019B960494DF}">
-                <a14:hiddenLine xmlns:a14="http://schemas.microsoft.com/office/drawing/2010/main" xmlns="" w="9525">
+                <a14:hiddenLine xmlns="" xmlns:a14="http://schemas.microsoft.com/office/drawing/2010/main" w="9525">
                   <a:solidFill>
                     <a:srgbClr val="000000"/>
                   </a:solidFill>
@@ -1754,7 +1759,7 @@
             </a:ln>
             <a:extLst>
               <a:ext uri="{91240B29-F687-4f45-9708-019B960494DF}">
-                <a14:hiddenLine xmlns:a14="http://schemas.microsoft.com/office/drawing/2010/main" xmlns="" w="9525">
+                <a14:hiddenLine xmlns="" xmlns:a14="http://schemas.microsoft.com/office/drawing/2010/main" w="9525">
                   <a:solidFill>
                     <a:srgbClr val="000000"/>
                   </a:solidFill>
@@ -1844,7 +1849,7 @@
             </a:ln>
             <a:extLst>
               <a:ext uri="{91240B29-F687-4f45-9708-019B960494DF}">
-                <a14:hiddenLine xmlns:a14="http://schemas.microsoft.com/office/drawing/2010/main" xmlns="" w="9525">
+                <a14:hiddenLine xmlns="" xmlns:a14="http://schemas.microsoft.com/office/drawing/2010/main" w="9525">
                   <a:solidFill>
                     <a:srgbClr val="000000"/>
                   </a:solidFill>
@@ -1900,7 +1905,7 @@
             </a:ln>
             <a:extLst>
               <a:ext uri="{91240B29-F687-4f45-9708-019B960494DF}">
-                <a14:hiddenLine xmlns:a14="http://schemas.microsoft.com/office/drawing/2010/main" xmlns="" w="9525">
+                <a14:hiddenLine xmlns="" xmlns:a14="http://schemas.microsoft.com/office/drawing/2010/main" w="9525">
                   <a:solidFill>
                     <a:srgbClr val="000000"/>
                   </a:solidFill>
@@ -1990,7 +1995,7 @@
             </a:ln>
             <a:extLst>
               <a:ext uri="{91240B29-F687-4f45-9708-019B960494DF}">
-                <a14:hiddenLine xmlns:a14="http://schemas.microsoft.com/office/drawing/2010/main" xmlns="" w="9525">
+                <a14:hiddenLine xmlns="" xmlns:a14="http://schemas.microsoft.com/office/drawing/2010/main" w="9525">
                   <a:solidFill>
                     <a:srgbClr val="000000"/>
                   </a:solidFill>
@@ -2058,7 +2063,7 @@
             </a:ln>
             <a:extLst>
               <a:ext uri="{91240B29-F687-4f45-9708-019B960494DF}">
-                <a14:hiddenLine xmlns:a14="http://schemas.microsoft.com/office/drawing/2010/main" xmlns="" w="9525">
+                <a14:hiddenLine xmlns="" xmlns:a14="http://schemas.microsoft.com/office/drawing/2010/main" w="9525">
                   <a:solidFill>
                     <a:srgbClr val="000000"/>
                   </a:solidFill>
@@ -2148,7 +2153,7 @@
             </a:ln>
             <a:extLst>
               <a:ext uri="{91240B29-F687-4f45-9708-019B960494DF}">
-                <a14:hiddenLine xmlns:a14="http://schemas.microsoft.com/office/drawing/2010/main" xmlns="" w="9525">
+                <a14:hiddenLine xmlns="" xmlns:a14="http://schemas.microsoft.com/office/drawing/2010/main" w="9525">
                   <a:solidFill>
                     <a:srgbClr val="000000"/>
                   </a:solidFill>
@@ -2216,7 +2221,7 @@
             </a:ln>
             <a:extLst>
               <a:ext uri="{91240B29-F687-4f45-9708-019B960494DF}">
-                <a14:hiddenLine xmlns:a14="http://schemas.microsoft.com/office/drawing/2010/main" xmlns="" w="9525">
+                <a14:hiddenLine xmlns="" xmlns:a14="http://schemas.microsoft.com/office/drawing/2010/main" w="9525">
                   <a:solidFill>
                     <a:srgbClr val="000000"/>
                   </a:solidFill>
@@ -2306,7 +2311,7 @@
             </a:ln>
             <a:extLst>
               <a:ext uri="{91240B29-F687-4f45-9708-019B960494DF}">
-                <a14:hiddenLine xmlns:a14="http://schemas.microsoft.com/office/drawing/2010/main" xmlns="" w="9525">
+                <a14:hiddenLine xmlns="" xmlns:a14="http://schemas.microsoft.com/office/drawing/2010/main" w="9525">
                   <a:solidFill>
                     <a:srgbClr val="000000"/>
                   </a:solidFill>
@@ -2340,7 +2345,7 @@
             </a:ln>
             <a:extLst>
               <a:ext uri="{91240B29-F687-4f45-9708-019B960494DF}">
-                <a14:hiddenLine xmlns:a14="http://schemas.microsoft.com/office/drawing/2010/main" xmlns="" w="9525">
+                <a14:hiddenLine xmlns="" xmlns:a14="http://schemas.microsoft.com/office/drawing/2010/main" w="9525">
                   <a:solidFill>
                     <a:srgbClr val="000000"/>
                   </a:solidFill>
@@ -2430,7 +2435,7 @@
             </a:ln>
             <a:extLst>
               <a:ext uri="{91240B29-F687-4f45-9708-019B960494DF}">
-                <a14:hiddenLine xmlns:a14="http://schemas.microsoft.com/office/drawing/2010/main" xmlns="" w="9525">
+                <a14:hiddenLine xmlns="" xmlns:a14="http://schemas.microsoft.com/office/drawing/2010/main" w="9525">
                   <a:solidFill>
                     <a:srgbClr val="000000"/>
                   </a:solidFill>
@@ -2492,7 +2497,7 @@
             </a:ln>
             <a:extLst>
               <a:ext uri="{91240B29-F687-4f45-9708-019B960494DF}">
-                <a14:hiddenLine xmlns:a14="http://schemas.microsoft.com/office/drawing/2010/main" xmlns="" w="9525">
+                <a14:hiddenLine xmlns="" xmlns:a14="http://schemas.microsoft.com/office/drawing/2010/main" w="9525">
                   <a:solidFill>
                     <a:srgbClr val="000000"/>
                   </a:solidFill>
@@ -2554,7 +2559,7 @@
             </a:ln>
             <a:extLst>
               <a:ext uri="{91240B29-F687-4f45-9708-019B960494DF}">
-                <a14:hiddenLine xmlns:a14="http://schemas.microsoft.com/office/drawing/2010/main" xmlns="" w="9525">
+                <a14:hiddenLine xmlns="" xmlns:a14="http://schemas.microsoft.com/office/drawing/2010/main" w="9525">
                   <a:solidFill>
                     <a:srgbClr val="000000"/>
                   </a:solidFill>
@@ -2644,7 +2649,7 @@
             </a:ln>
             <a:extLst>
               <a:ext uri="{91240B29-F687-4f45-9708-019B960494DF}">
-                <a14:hiddenLine xmlns:a14="http://schemas.microsoft.com/office/drawing/2010/main" xmlns="" w="9525">
+                <a14:hiddenLine xmlns="" xmlns:a14="http://schemas.microsoft.com/office/drawing/2010/main" w="9525">
                   <a:solidFill>
                     <a:srgbClr val="000000"/>
                   </a:solidFill>
@@ -2712,7 +2717,7 @@
             </a:ln>
             <a:extLst>
               <a:ext uri="{91240B29-F687-4f45-9708-019B960494DF}">
-                <a14:hiddenLine xmlns:a14="http://schemas.microsoft.com/office/drawing/2010/main" xmlns="" w="9525">
+                <a14:hiddenLine xmlns="" xmlns:a14="http://schemas.microsoft.com/office/drawing/2010/main" w="9525">
                   <a:solidFill>
                     <a:srgbClr val="000000"/>
                   </a:solidFill>
@@ -2774,7 +2779,7 @@
             </a:ln>
             <a:extLst>
               <a:ext uri="{91240B29-F687-4f45-9708-019B960494DF}">
-                <a14:hiddenLine xmlns:a14="http://schemas.microsoft.com/office/drawing/2010/main" xmlns="" w="9525">
+                <a14:hiddenLine xmlns="" xmlns:a14="http://schemas.microsoft.com/office/drawing/2010/main" w="9525">
                   <a:solidFill>
                     <a:srgbClr val="000000"/>
                   </a:solidFill>
@@ -2864,7 +2869,7 @@
             </a:ln>
             <a:extLst>
               <a:ext uri="{91240B29-F687-4f45-9708-019B960494DF}">
-                <a14:hiddenLine xmlns:a14="http://schemas.microsoft.com/office/drawing/2010/main" xmlns="" w="9525">
+                <a14:hiddenLine xmlns="" xmlns:a14="http://schemas.microsoft.com/office/drawing/2010/main" w="9525">
                   <a:solidFill>
                     <a:srgbClr val="000000"/>
                   </a:solidFill>
@@ -2926,7 +2931,7 @@
             </a:ln>
             <a:extLst>
               <a:ext uri="{91240B29-F687-4f45-9708-019B960494DF}">
-                <a14:hiddenLine xmlns:a14="http://schemas.microsoft.com/office/drawing/2010/main" xmlns="" w="9525">
+                <a14:hiddenLine xmlns="" xmlns:a14="http://schemas.microsoft.com/office/drawing/2010/main" w="9525">
                   <a:solidFill>
                     <a:srgbClr val="000000"/>
                   </a:solidFill>
@@ -3016,7 +3021,7 @@
             </a:ln>
             <a:extLst>
               <a:ext uri="{91240B29-F687-4f45-9708-019B960494DF}">
-                <a14:hiddenLine xmlns:a14="http://schemas.microsoft.com/office/drawing/2010/main" xmlns="" w="9525">
+                <a14:hiddenLine xmlns="" xmlns:a14="http://schemas.microsoft.com/office/drawing/2010/main" w="9525">
                   <a:solidFill>
                     <a:srgbClr val="000000"/>
                   </a:solidFill>
@@ -3078,7 +3083,7 @@
             </a:ln>
             <a:extLst>
               <a:ext uri="{91240B29-F687-4f45-9708-019B960494DF}">
-                <a14:hiddenLine xmlns:a14="http://schemas.microsoft.com/office/drawing/2010/main" xmlns="" w="9525">
+                <a14:hiddenLine xmlns="" xmlns:a14="http://schemas.microsoft.com/office/drawing/2010/main" w="9525">
                   <a:solidFill>
                     <a:srgbClr val="000000"/>
                   </a:solidFill>
@@ -3168,7 +3173,7 @@
             </a:ln>
             <a:extLst>
               <a:ext uri="{91240B29-F687-4f45-9708-019B960494DF}">
-                <a14:hiddenLine xmlns:a14="http://schemas.microsoft.com/office/drawing/2010/main" xmlns="" w="9525">
+                <a14:hiddenLine xmlns="" xmlns:a14="http://schemas.microsoft.com/office/drawing/2010/main" w="9525">
                   <a:solidFill>
                     <a:srgbClr val="000000"/>
                   </a:solidFill>
@@ -3202,7 +3207,7 @@
             </a:ln>
             <a:extLst>
               <a:ext uri="{91240B29-F687-4f45-9708-019B960494DF}">
-                <a14:hiddenLine xmlns:a14="http://schemas.microsoft.com/office/drawing/2010/main" xmlns="" w="9525">
+                <a14:hiddenLine xmlns="" xmlns:a14="http://schemas.microsoft.com/office/drawing/2010/main" w="9525">
                   <a:solidFill>
                     <a:srgbClr val="000000"/>
                   </a:solidFill>
@@ -3267,7 +3272,7 @@
             </a:ln>
             <a:extLst>
               <a:ext uri="{91240B29-F687-4f45-9708-019B960494DF}">
-                <a14:hiddenLine xmlns:a14="http://schemas.microsoft.com/office/drawing/2010/main" xmlns="" w="9525">
+                <a14:hiddenLine xmlns="" xmlns:a14="http://schemas.microsoft.com/office/drawing/2010/main" w="9525">
                   <a:solidFill>
                     <a:srgbClr val="000000"/>
                   </a:solidFill>
@@ -3357,7 +3362,7 @@
             </a:ln>
             <a:extLst>
               <a:ext uri="{91240B29-F687-4f45-9708-019B960494DF}">
-                <a14:hiddenLine xmlns:a14="http://schemas.microsoft.com/office/drawing/2010/main" xmlns="" w="9525">
+                <a14:hiddenLine xmlns="" xmlns:a14="http://schemas.microsoft.com/office/drawing/2010/main" w="9525">
                   <a:solidFill>
                     <a:srgbClr val="000000"/>
                   </a:solidFill>
@@ -3419,7 +3424,7 @@
             </a:ln>
             <a:extLst>
               <a:ext uri="{91240B29-F687-4f45-9708-019B960494DF}">
-                <a14:hiddenLine xmlns:a14="http://schemas.microsoft.com/office/drawing/2010/main" xmlns="" w="9525">
+                <a14:hiddenLine xmlns="" xmlns:a14="http://schemas.microsoft.com/office/drawing/2010/main" w="9525">
                   <a:solidFill>
                     <a:srgbClr val="000000"/>
                   </a:solidFill>
@@ -3509,7 +3514,7 @@
             </a:ln>
             <a:extLst>
               <a:ext uri="{91240B29-F687-4f45-9708-019B960494DF}">
-                <a14:hiddenLine xmlns:a14="http://schemas.microsoft.com/office/drawing/2010/main" xmlns="" w="9525">
+                <a14:hiddenLine xmlns="" xmlns:a14="http://schemas.microsoft.com/office/drawing/2010/main" w="9525">
                   <a:solidFill>
                     <a:srgbClr val="000000"/>
                   </a:solidFill>
@@ -3599,7 +3604,7 @@
             </a:ln>
             <a:extLst>
               <a:ext uri="{91240B29-F687-4f45-9708-019B960494DF}">
-                <a14:hiddenLine xmlns:a14="http://schemas.microsoft.com/office/drawing/2010/main" xmlns="" w="9525">
+                <a14:hiddenLine xmlns="" xmlns:a14="http://schemas.microsoft.com/office/drawing/2010/main" w="9525">
                   <a:solidFill>
                     <a:srgbClr val="000000"/>
                   </a:solidFill>
@@ -3664,7 +3669,7 @@
             </a:ln>
             <a:extLst>
               <a:ext uri="{91240B29-F687-4f45-9708-019B960494DF}">
-                <a14:hiddenLine xmlns:a14="http://schemas.microsoft.com/office/drawing/2010/main" xmlns="" w="9525">
+                <a14:hiddenLine xmlns="" xmlns:a14="http://schemas.microsoft.com/office/drawing/2010/main" w="9525">
                   <a:solidFill>
                     <a:srgbClr val="000000"/>
                   </a:solidFill>
@@ -3726,7 +3731,7 @@
             </a:ln>
             <a:extLst>
               <a:ext uri="{91240B29-F687-4f45-9708-019B960494DF}">
-                <a14:hiddenLine xmlns:a14="http://schemas.microsoft.com/office/drawing/2010/main" xmlns="" w="9525">
+                <a14:hiddenLine xmlns="" xmlns:a14="http://schemas.microsoft.com/office/drawing/2010/main" w="9525">
                   <a:solidFill>
                     <a:srgbClr val="000000"/>
                   </a:solidFill>
@@ -3816,7 +3821,7 @@
             </a:ln>
             <a:extLst>
               <a:ext uri="{91240B29-F687-4f45-9708-019B960494DF}">
-                <a14:hiddenLine xmlns:a14="http://schemas.microsoft.com/office/drawing/2010/main" xmlns="" w="9525">
+                <a14:hiddenLine xmlns="" xmlns:a14="http://schemas.microsoft.com/office/drawing/2010/main" w="9525">
                   <a:solidFill>
                     <a:srgbClr val="000000"/>
                   </a:solidFill>
@@ -3906,7 +3911,7 @@
             </a:ln>
             <a:extLst>
               <a:ext uri="{91240B29-F687-4f45-9708-019B960494DF}">
-                <a14:hiddenLine xmlns:a14="http://schemas.microsoft.com/office/drawing/2010/main" xmlns="" w="9525">
+                <a14:hiddenLine xmlns="" xmlns:a14="http://schemas.microsoft.com/office/drawing/2010/main" w="9525">
                   <a:solidFill>
                     <a:srgbClr val="000000"/>
                   </a:solidFill>
@@ -3968,7 +3973,7 @@
             </a:ln>
             <a:extLst>
               <a:ext uri="{91240B29-F687-4f45-9708-019B960494DF}">
-                <a14:hiddenLine xmlns:a14="http://schemas.microsoft.com/office/drawing/2010/main" xmlns="" w="9525">
+                <a14:hiddenLine xmlns="" xmlns:a14="http://schemas.microsoft.com/office/drawing/2010/main" w="9525">
                   <a:solidFill>
                     <a:srgbClr val="000000"/>
                   </a:solidFill>
@@ -4088,7 +4093,7 @@
             </a:ln>
             <a:extLst>
               <a:ext uri="{91240B29-F687-4f45-9708-019B960494DF}">
-                <a14:hiddenLine xmlns:a14="http://schemas.microsoft.com/office/drawing/2010/main" xmlns="" w="9525">
+                <a14:hiddenLine xmlns="" xmlns:a14="http://schemas.microsoft.com/office/drawing/2010/main" w="9525">
                   <a:solidFill>
                     <a:srgbClr val="000000"/>
                   </a:solidFill>
@@ -4156,7 +4161,7 @@
             </a:ln>
             <a:extLst>
               <a:ext uri="{91240B29-F687-4f45-9708-019B960494DF}">
-                <a14:hiddenLine xmlns:a14="http://schemas.microsoft.com/office/drawing/2010/main" xmlns="" w="9525">
+                <a14:hiddenLine xmlns="" xmlns:a14="http://schemas.microsoft.com/office/drawing/2010/main" w="9525">
                   <a:solidFill>
                     <a:srgbClr val="000000"/>
                   </a:solidFill>
@@ -4246,7 +4251,7 @@
             </a:ln>
             <a:extLst>
               <a:ext uri="{91240B29-F687-4f45-9708-019B960494DF}">
-                <a14:hiddenLine xmlns:a14="http://schemas.microsoft.com/office/drawing/2010/main" xmlns="" w="9525">
+                <a14:hiddenLine xmlns="" xmlns:a14="http://schemas.microsoft.com/office/drawing/2010/main" w="9525">
                   <a:solidFill>
                     <a:srgbClr val="000000"/>
                   </a:solidFill>
@@ -8968,7 +8973,7 @@
           <a:noFill/>
           <a:extLst>
             <a:ext uri="{909E8E84-426E-40dd-AFC4-6F175D3DCCD1}">
-              <a14:hiddenFill xmlns:a14="http://schemas.microsoft.com/office/drawing/2010/main" xmlns="">
+              <a14:hiddenFill xmlns="" xmlns:a14="http://schemas.microsoft.com/office/drawing/2010/main">
                 <a:solidFill>
                   <a:srgbClr val="FFFFFF"/>
                 </a:solidFill>
@@ -9042,7 +9047,7 @@
               </a:ln>
               <a:extLst>
                 <a:ext uri="{91240B29-F687-4f45-9708-019B960494DF}">
-                  <a14:hiddenLine xmlns:a14="http://schemas.microsoft.com/office/drawing/2010/main" xmlns="" w="9525">
+                  <a14:hiddenLine xmlns="" xmlns:a14="http://schemas.microsoft.com/office/drawing/2010/main" w="9525">
                     <a:solidFill>
                       <a:srgbClr val="000000"/>
                     </a:solidFill>
@@ -9132,7 +9137,7 @@
               </a:ln>
               <a:extLst>
                 <a:ext uri="{91240B29-F687-4f45-9708-019B960494DF}">
-                  <a14:hiddenLine xmlns:a14="http://schemas.microsoft.com/office/drawing/2010/main" xmlns="" w="9525">
+                  <a14:hiddenLine xmlns="" xmlns:a14="http://schemas.microsoft.com/office/drawing/2010/main" w="9525">
                     <a:solidFill>
                       <a:srgbClr val="000000"/>
                     </a:solidFill>
@@ -9222,7 +9227,7 @@
               </a:ln>
               <a:extLst>
                 <a:ext uri="{91240B29-F687-4f45-9708-019B960494DF}">
-                  <a14:hiddenLine xmlns:a14="http://schemas.microsoft.com/office/drawing/2010/main" xmlns="" w="9525">
+                  <a14:hiddenLine xmlns="" xmlns:a14="http://schemas.microsoft.com/office/drawing/2010/main" w="9525">
                     <a:solidFill>
                       <a:srgbClr val="000000"/>
                     </a:solidFill>
@@ -9284,7 +9289,7 @@
               </a:ln>
               <a:extLst>
                 <a:ext uri="{91240B29-F687-4f45-9708-019B960494DF}">
-                  <a14:hiddenLine xmlns:a14="http://schemas.microsoft.com/office/drawing/2010/main" xmlns="" w="9525">
+                  <a14:hiddenLine xmlns="" xmlns:a14="http://schemas.microsoft.com/office/drawing/2010/main" w="9525">
                     <a:solidFill>
                       <a:srgbClr val="000000"/>
                     </a:solidFill>
@@ -9374,7 +9379,7 @@
               </a:ln>
               <a:extLst>
                 <a:ext uri="{91240B29-F687-4f45-9708-019B960494DF}">
-                  <a14:hiddenLine xmlns:a14="http://schemas.microsoft.com/office/drawing/2010/main" xmlns="" w="9525">
+                  <a14:hiddenLine xmlns="" xmlns:a14="http://schemas.microsoft.com/office/drawing/2010/main" w="9525">
                     <a:solidFill>
                       <a:srgbClr val="000000"/>
                     </a:solidFill>
@@ -9436,7 +9441,7 @@
               </a:ln>
               <a:extLst>
                 <a:ext uri="{91240B29-F687-4f45-9708-019B960494DF}">
-                  <a14:hiddenLine xmlns:a14="http://schemas.microsoft.com/office/drawing/2010/main" xmlns="" w="9525">
+                  <a14:hiddenLine xmlns="" xmlns:a14="http://schemas.microsoft.com/office/drawing/2010/main" w="9525">
                     <a:solidFill>
                       <a:srgbClr val="000000"/>
                     </a:solidFill>
@@ -9498,7 +9503,7 @@
               </a:ln>
               <a:extLst>
                 <a:ext uri="{91240B29-F687-4f45-9708-019B960494DF}">
-                  <a14:hiddenLine xmlns:a14="http://schemas.microsoft.com/office/drawing/2010/main" xmlns="" w="9525">
+                  <a14:hiddenLine xmlns="" xmlns:a14="http://schemas.microsoft.com/office/drawing/2010/main" w="9525">
                     <a:solidFill>
                       <a:srgbClr val="000000"/>
                     </a:solidFill>
@@ -9588,7 +9593,7 @@
               </a:ln>
               <a:extLst>
                 <a:ext uri="{91240B29-F687-4f45-9708-019B960494DF}">
-                  <a14:hiddenLine xmlns:a14="http://schemas.microsoft.com/office/drawing/2010/main" xmlns="" w="9525">
+                  <a14:hiddenLine xmlns="" xmlns:a14="http://schemas.microsoft.com/office/drawing/2010/main" w="9525">
                     <a:solidFill>
                       <a:srgbClr val="000000"/>
                     </a:solidFill>
@@ -9678,7 +9683,7 @@
               </a:ln>
               <a:extLst>
                 <a:ext uri="{91240B29-F687-4f45-9708-019B960494DF}">
-                  <a14:hiddenLine xmlns:a14="http://schemas.microsoft.com/office/drawing/2010/main" xmlns="" w="9525">
+                  <a14:hiddenLine xmlns="" xmlns:a14="http://schemas.microsoft.com/office/drawing/2010/main" w="9525">
                     <a:solidFill>
                       <a:srgbClr val="000000"/>
                     </a:solidFill>
@@ -9740,7 +9745,7 @@
               </a:ln>
               <a:extLst>
                 <a:ext uri="{91240B29-F687-4f45-9708-019B960494DF}">
-                  <a14:hiddenLine xmlns:a14="http://schemas.microsoft.com/office/drawing/2010/main" xmlns="" w="9525">
+                  <a14:hiddenLine xmlns="" xmlns:a14="http://schemas.microsoft.com/office/drawing/2010/main" w="9525">
                     <a:solidFill>
                       <a:srgbClr val="000000"/>
                     </a:solidFill>
@@ -9850,7 +9855,7 @@
               </a:ln>
               <a:extLst>
                 <a:ext uri="{91240B29-F687-4f45-9708-019B960494DF}">
-                  <a14:hiddenLine xmlns:a14="http://schemas.microsoft.com/office/drawing/2010/main" xmlns="" w="9525">
+                  <a14:hiddenLine xmlns="" xmlns:a14="http://schemas.microsoft.com/office/drawing/2010/main" w="9525">
                     <a:solidFill>
                       <a:srgbClr val="000000"/>
                     </a:solidFill>
@@ -9934,7 +9939,7 @@
               </a:ln>
               <a:extLst>
                 <a:ext uri="{91240B29-F687-4f45-9708-019B960494DF}">
-                  <a14:hiddenLine xmlns:a14="http://schemas.microsoft.com/office/drawing/2010/main" xmlns="" w="9525">
+                  <a14:hiddenLine xmlns="" xmlns:a14="http://schemas.microsoft.com/office/drawing/2010/main" w="9525">
                     <a:solidFill>
                       <a:srgbClr val="000000"/>
                     </a:solidFill>
@@ -9996,7 +10001,7 @@
               </a:ln>
               <a:extLst>
                 <a:ext uri="{91240B29-F687-4f45-9708-019B960494DF}">
-                  <a14:hiddenLine xmlns:a14="http://schemas.microsoft.com/office/drawing/2010/main" xmlns="" w="9525">
+                  <a14:hiddenLine xmlns="" xmlns:a14="http://schemas.microsoft.com/office/drawing/2010/main" w="9525">
                     <a:solidFill>
                       <a:srgbClr val="000000"/>
                     </a:solidFill>
@@ -10058,7 +10063,7 @@
               </a:ln>
               <a:extLst>
                 <a:ext uri="{91240B29-F687-4f45-9708-019B960494DF}">
-                  <a14:hiddenLine xmlns:a14="http://schemas.microsoft.com/office/drawing/2010/main" xmlns="" w="9525">
+                  <a14:hiddenLine xmlns="" xmlns:a14="http://schemas.microsoft.com/office/drawing/2010/main" w="9525">
                     <a:solidFill>
                       <a:srgbClr val="000000"/>
                     </a:solidFill>
@@ -10148,7 +10153,7 @@
               </a:ln>
               <a:extLst>
                 <a:ext uri="{91240B29-F687-4f45-9708-019B960494DF}">
-                  <a14:hiddenLine xmlns:a14="http://schemas.microsoft.com/office/drawing/2010/main" xmlns="" w="9525">
+                  <a14:hiddenLine xmlns="" xmlns:a14="http://schemas.microsoft.com/office/drawing/2010/main" w="9525">
                     <a:solidFill>
                       <a:srgbClr val="000000"/>
                     </a:solidFill>
@@ -10182,7 +10187,7 @@
               </a:ln>
               <a:extLst>
                 <a:ext uri="{91240B29-F687-4f45-9708-019B960494DF}">
-                  <a14:hiddenLine xmlns:a14="http://schemas.microsoft.com/office/drawing/2010/main" xmlns="" w="9525">
+                  <a14:hiddenLine xmlns="" xmlns:a14="http://schemas.microsoft.com/office/drawing/2010/main" w="9525">
                     <a:solidFill>
                       <a:srgbClr val="000000"/>
                     </a:solidFill>
@@ -10247,7 +10252,7 @@
               </a:ln>
               <a:extLst>
                 <a:ext uri="{91240B29-F687-4f45-9708-019B960494DF}">
-                  <a14:hiddenLine xmlns:a14="http://schemas.microsoft.com/office/drawing/2010/main" xmlns="" w="9525">
+                  <a14:hiddenLine xmlns="" xmlns:a14="http://schemas.microsoft.com/office/drawing/2010/main" w="9525">
                     <a:solidFill>
                       <a:srgbClr val="000000"/>
                     </a:solidFill>
@@ -10337,7 +10342,7 @@
               </a:ln>
               <a:extLst>
                 <a:ext uri="{91240B29-F687-4f45-9708-019B960494DF}">
-                  <a14:hiddenLine xmlns:a14="http://schemas.microsoft.com/office/drawing/2010/main" xmlns="" w="9525">
+                  <a14:hiddenLine xmlns="" xmlns:a14="http://schemas.microsoft.com/office/drawing/2010/main" w="9525">
                     <a:solidFill>
                       <a:srgbClr val="000000"/>
                     </a:solidFill>
@@ -10399,7 +10404,7 @@
               </a:ln>
               <a:extLst>
                 <a:ext uri="{91240B29-F687-4f45-9708-019B960494DF}">
-                  <a14:hiddenLine xmlns:a14="http://schemas.microsoft.com/office/drawing/2010/main" xmlns="" w="9525">
+                  <a14:hiddenLine xmlns="" xmlns:a14="http://schemas.microsoft.com/office/drawing/2010/main" w="9525">
                     <a:solidFill>
                       <a:srgbClr val="000000"/>
                     </a:solidFill>
@@ -10489,7 +10494,7 @@
               </a:ln>
               <a:extLst>
                 <a:ext uri="{91240B29-F687-4f45-9708-019B960494DF}">
-                  <a14:hiddenLine xmlns:a14="http://schemas.microsoft.com/office/drawing/2010/main" xmlns="" w="9525">
+                  <a14:hiddenLine xmlns="" xmlns:a14="http://schemas.microsoft.com/office/drawing/2010/main" w="9525">
                     <a:solidFill>
                       <a:srgbClr val="000000"/>
                     </a:solidFill>
@@ -10554,7 +10559,7 @@
               </a:ln>
               <a:extLst>
                 <a:ext uri="{91240B29-F687-4f45-9708-019B960494DF}">
-                  <a14:hiddenLine xmlns:a14="http://schemas.microsoft.com/office/drawing/2010/main" xmlns="" w="9525">
+                  <a14:hiddenLine xmlns="" xmlns:a14="http://schemas.microsoft.com/office/drawing/2010/main" w="9525">
                     <a:solidFill>
                       <a:srgbClr val="000000"/>
                     </a:solidFill>
@@ -10616,7 +10621,7 @@
               </a:ln>
               <a:extLst>
                 <a:ext uri="{91240B29-F687-4f45-9708-019B960494DF}">
-                  <a14:hiddenLine xmlns:a14="http://schemas.microsoft.com/office/drawing/2010/main" xmlns="" w="9525">
+                  <a14:hiddenLine xmlns="" xmlns:a14="http://schemas.microsoft.com/office/drawing/2010/main" w="9525">
                     <a:solidFill>
                       <a:srgbClr val="000000"/>
                     </a:solidFill>
@@ -10706,7 +10711,7 @@
               </a:ln>
               <a:extLst>
                 <a:ext uri="{91240B29-F687-4f45-9708-019B960494DF}">
-                  <a14:hiddenLine xmlns:a14="http://schemas.microsoft.com/office/drawing/2010/main" xmlns="" w="9525">
+                  <a14:hiddenLine xmlns="" xmlns:a14="http://schemas.microsoft.com/office/drawing/2010/main" w="9525">
                     <a:solidFill>
                       <a:srgbClr val="000000"/>
                     </a:solidFill>
@@ -10796,7 +10801,7 @@
               </a:ln>
               <a:extLst>
                 <a:ext uri="{91240B29-F687-4f45-9708-019B960494DF}">
-                  <a14:hiddenLine xmlns:a14="http://schemas.microsoft.com/office/drawing/2010/main" xmlns="" w="9525">
+                  <a14:hiddenLine xmlns="" xmlns:a14="http://schemas.microsoft.com/office/drawing/2010/main" w="9525">
                     <a:solidFill>
                       <a:srgbClr val="000000"/>
                     </a:solidFill>
@@ -10861,7 +10866,7 @@
               </a:ln>
               <a:extLst>
                 <a:ext uri="{91240B29-F687-4f45-9708-019B960494DF}">
-                  <a14:hiddenLine xmlns:a14="http://schemas.microsoft.com/office/drawing/2010/main" xmlns="" w="9525">
+                  <a14:hiddenLine xmlns="" xmlns:a14="http://schemas.microsoft.com/office/drawing/2010/main" w="9525">
                     <a:solidFill>
                       <a:srgbClr val="000000"/>
                     </a:solidFill>
@@ -10981,7 +10986,7 @@
               </a:ln>
               <a:extLst>
                 <a:ext uri="{91240B29-F687-4f45-9708-019B960494DF}">
-                  <a14:hiddenLine xmlns:a14="http://schemas.microsoft.com/office/drawing/2010/main" xmlns="" w="9525">
+                  <a14:hiddenLine xmlns="" xmlns:a14="http://schemas.microsoft.com/office/drawing/2010/main" w="9525">
                     <a:solidFill>
                       <a:srgbClr val="000000"/>
                     </a:solidFill>
@@ -11079,7 +11084,7 @@
               </a:ln>
               <a:extLst>
                 <a:ext uri="{91240B29-F687-4f45-9708-019B960494DF}">
-                  <a14:hiddenLine xmlns:a14="http://schemas.microsoft.com/office/drawing/2010/main" xmlns="" w="9525">
+                  <a14:hiddenLine xmlns="" xmlns:a14="http://schemas.microsoft.com/office/drawing/2010/main" w="9525">
                     <a:solidFill>
                       <a:srgbClr val="000000"/>
                     </a:solidFill>
@@ -11194,7 +11199,7 @@
               </a:ln>
               <a:extLst>
                 <a:ext uri="{91240B29-F687-4f45-9708-019B960494DF}">
-                  <a14:hiddenLine xmlns:a14="http://schemas.microsoft.com/office/drawing/2010/main" xmlns="" w="9525">
+                  <a14:hiddenLine xmlns="" xmlns:a14="http://schemas.microsoft.com/office/drawing/2010/main" w="9525">
                     <a:solidFill>
                       <a:srgbClr val="000000"/>
                     </a:solidFill>
@@ -11284,7 +11289,7 @@
               </a:ln>
               <a:extLst>
                 <a:ext uri="{91240B29-F687-4f45-9708-019B960494DF}">
-                  <a14:hiddenLine xmlns:a14="http://schemas.microsoft.com/office/drawing/2010/main" xmlns="" w="9525">
+                  <a14:hiddenLine xmlns="" xmlns:a14="http://schemas.microsoft.com/office/drawing/2010/main" w="9525">
                     <a:solidFill>
                       <a:srgbClr val="000000"/>
                     </a:solidFill>
@@ -11349,7 +11354,7 @@
               </a:ln>
               <a:extLst>
                 <a:ext uri="{91240B29-F687-4f45-9708-019B960494DF}">
-                  <a14:hiddenLine xmlns:a14="http://schemas.microsoft.com/office/drawing/2010/main" xmlns="" w="9525">
+                  <a14:hiddenLine xmlns="" xmlns:a14="http://schemas.microsoft.com/office/drawing/2010/main" w="9525">
                     <a:solidFill>
                       <a:srgbClr val="000000"/>
                     </a:solidFill>
@@ -11439,7 +11444,7 @@
               </a:ln>
               <a:extLst>
                 <a:ext uri="{91240B29-F687-4f45-9708-019B960494DF}">
-                  <a14:hiddenLine xmlns:a14="http://schemas.microsoft.com/office/drawing/2010/main" xmlns="" w="9525">
+                  <a14:hiddenLine xmlns="" xmlns:a14="http://schemas.microsoft.com/office/drawing/2010/main" w="9525">
                     <a:solidFill>
                       <a:srgbClr val="000000"/>
                     </a:solidFill>
@@ -11507,7 +11512,7 @@
               </a:ln>
               <a:extLst>
                 <a:ext uri="{91240B29-F687-4f45-9708-019B960494DF}">
-                  <a14:hiddenLine xmlns:a14="http://schemas.microsoft.com/office/drawing/2010/main" xmlns="" w="9525">
+                  <a14:hiddenLine xmlns="" xmlns:a14="http://schemas.microsoft.com/office/drawing/2010/main" w="9525">
                     <a:solidFill>
                       <a:srgbClr val="000000"/>
                     </a:solidFill>
@@ -11597,7 +11602,7 @@
               </a:ln>
               <a:extLst>
                 <a:ext uri="{91240B29-F687-4f45-9708-019B960494DF}">
-                  <a14:hiddenLine xmlns:a14="http://schemas.microsoft.com/office/drawing/2010/main" xmlns="" w="9525">
+                  <a14:hiddenLine xmlns="" xmlns:a14="http://schemas.microsoft.com/office/drawing/2010/main" w="9525">
                     <a:solidFill>
                       <a:srgbClr val="000000"/>
                     </a:solidFill>
@@ -11665,7 +11670,7 @@
               </a:ln>
               <a:extLst>
                 <a:ext uri="{91240B29-F687-4f45-9708-019B960494DF}">
-                  <a14:hiddenLine xmlns:a14="http://schemas.microsoft.com/office/drawing/2010/main" xmlns="" w="9525">
+                  <a14:hiddenLine xmlns="" xmlns:a14="http://schemas.microsoft.com/office/drawing/2010/main" w="9525">
                     <a:solidFill>
                       <a:srgbClr val="000000"/>
                     </a:solidFill>
@@ -11755,7 +11760,7 @@
               </a:ln>
               <a:extLst>
                 <a:ext uri="{91240B29-F687-4f45-9708-019B960494DF}">
-                  <a14:hiddenLine xmlns:a14="http://schemas.microsoft.com/office/drawing/2010/main" xmlns="" w="9525">
+                  <a14:hiddenLine xmlns="" xmlns:a14="http://schemas.microsoft.com/office/drawing/2010/main" w="9525">
                     <a:solidFill>
                       <a:srgbClr val="000000"/>
                     </a:solidFill>
@@ -11789,7 +11794,7 @@
               </a:ln>
               <a:extLst>
                 <a:ext uri="{91240B29-F687-4f45-9708-019B960494DF}">
-                  <a14:hiddenLine xmlns:a14="http://schemas.microsoft.com/office/drawing/2010/main" xmlns="" w="9525">
+                  <a14:hiddenLine xmlns="" xmlns:a14="http://schemas.microsoft.com/office/drawing/2010/main" w="9525">
                     <a:solidFill>
                       <a:srgbClr val="000000"/>
                     </a:solidFill>
@@ -12949,8 +12954,13 @@
           <a:p>
             <a:r>
               <a:rPr lang="en-US" sz="1400" dirty="0"/>
-              <a:t>I use this ‘six-pack’ board as a ‘LEGO’ brick for Arduino projects using the NANO</a:t>
+              <a:t>I use this ‘six-pack’ board as a ‘LEGO’ brick for Arduino projects using </a:t>
             </a:r>
+            <a:r>
+              <a:rPr lang="en-US" sz="1400"/>
+              <a:t>the NANO.</a:t>
+            </a:r>
+            <a:endParaRPr lang="en-US" sz="1400" dirty="0"/>
           </a:p>
         </p:txBody>
       </p:sp>

--- a/Practical Arduino - Ground Up.pptx
+++ b/Practical Arduino - Ground Up.pptx
@@ -165,7 +165,7 @@
           <a:noFill/>
           <a:extLst>
             <a:ext uri="{909E8E84-426E-40dd-AFC4-6F175D3DCCD1}">
-              <a14:hiddenFill xmlns="" xmlns:a14="http://schemas.microsoft.com/office/drawing/2010/main">
+              <a14:hiddenFill xmlns:a14="http://schemas.microsoft.com/office/drawing/2010/main" xmlns="">
                 <a:solidFill>
                   <a:srgbClr val="FFFFFF"/>
                 </a:solidFill>
@@ -225,7 +225,7 @@
             </a:ln>
             <a:extLst>
               <a:ext uri="{91240B29-F687-4f45-9708-019B960494DF}">
-                <a14:hiddenLine xmlns="" xmlns:a14="http://schemas.microsoft.com/office/drawing/2010/main" w="9525">
+                <a14:hiddenLine xmlns:a14="http://schemas.microsoft.com/office/drawing/2010/main" xmlns="" w="9525">
                   <a:solidFill>
                     <a:srgbClr val="000000"/>
                   </a:solidFill>
@@ -315,7 +315,7 @@
             </a:ln>
             <a:extLst>
               <a:ext uri="{91240B29-F687-4f45-9708-019B960494DF}">
-                <a14:hiddenLine xmlns="" xmlns:a14="http://schemas.microsoft.com/office/drawing/2010/main" w="9525">
+                <a14:hiddenLine xmlns:a14="http://schemas.microsoft.com/office/drawing/2010/main" xmlns="" w="9525">
                   <a:solidFill>
                     <a:srgbClr val="000000"/>
                   </a:solidFill>
@@ -405,7 +405,7 @@
             </a:ln>
             <a:extLst>
               <a:ext uri="{91240B29-F687-4f45-9708-019B960494DF}">
-                <a14:hiddenLine xmlns="" xmlns:a14="http://schemas.microsoft.com/office/drawing/2010/main" w="9525">
+                <a14:hiddenLine xmlns:a14="http://schemas.microsoft.com/office/drawing/2010/main" xmlns="" w="9525">
                   <a:solidFill>
                     <a:srgbClr val="000000"/>
                   </a:solidFill>
@@ -439,7 +439,7 @@
             </a:ln>
             <a:extLst>
               <a:ext uri="{91240B29-F687-4f45-9708-019B960494DF}">
-                <a14:hiddenLine xmlns="" xmlns:a14="http://schemas.microsoft.com/office/drawing/2010/main" w="9525">
+                <a14:hiddenLine xmlns:a14="http://schemas.microsoft.com/office/drawing/2010/main" xmlns="" w="9525">
                   <a:solidFill>
                     <a:srgbClr val="000000"/>
                   </a:solidFill>
@@ -529,7 +529,7 @@
             </a:ln>
             <a:extLst>
               <a:ext uri="{91240B29-F687-4f45-9708-019B960494DF}">
-                <a14:hiddenLine xmlns="" xmlns:a14="http://schemas.microsoft.com/office/drawing/2010/main" w="9525">
+                <a14:hiddenLine xmlns:a14="http://schemas.microsoft.com/office/drawing/2010/main" xmlns="" w="9525">
                   <a:solidFill>
                     <a:srgbClr val="000000"/>
                   </a:solidFill>
@@ -591,7 +591,7 @@
             </a:ln>
             <a:extLst>
               <a:ext uri="{91240B29-F687-4f45-9708-019B960494DF}">
-                <a14:hiddenLine xmlns="" xmlns:a14="http://schemas.microsoft.com/office/drawing/2010/main" w="9525">
+                <a14:hiddenLine xmlns:a14="http://schemas.microsoft.com/office/drawing/2010/main" xmlns="" w="9525">
                   <a:solidFill>
                     <a:srgbClr val="000000"/>
                   </a:solidFill>
@@ -653,7 +653,7 @@
             </a:ln>
             <a:extLst>
               <a:ext uri="{91240B29-F687-4f45-9708-019B960494DF}">
-                <a14:hiddenLine xmlns="" xmlns:a14="http://schemas.microsoft.com/office/drawing/2010/main" w="9525">
+                <a14:hiddenLine xmlns:a14="http://schemas.microsoft.com/office/drawing/2010/main" xmlns="" w="9525">
                   <a:solidFill>
                     <a:srgbClr val="000000"/>
                   </a:solidFill>
@@ -743,7 +743,7 @@
             </a:ln>
             <a:extLst>
               <a:ext uri="{91240B29-F687-4f45-9708-019B960494DF}">
-                <a14:hiddenLine xmlns="" xmlns:a14="http://schemas.microsoft.com/office/drawing/2010/main" w="9525">
+                <a14:hiddenLine xmlns:a14="http://schemas.microsoft.com/office/drawing/2010/main" xmlns="" w="9525">
                   <a:solidFill>
                     <a:srgbClr val="000000"/>
                   </a:solidFill>
@@ -805,7 +805,7 @@
             </a:ln>
             <a:extLst>
               <a:ext uri="{91240B29-F687-4f45-9708-019B960494DF}">
-                <a14:hiddenLine xmlns="" xmlns:a14="http://schemas.microsoft.com/office/drawing/2010/main" w="9525">
+                <a14:hiddenLine xmlns:a14="http://schemas.microsoft.com/office/drawing/2010/main" xmlns="" w="9525">
                   <a:solidFill>
                     <a:srgbClr val="000000"/>
                   </a:solidFill>
@@ -867,7 +867,7 @@
             </a:ln>
             <a:extLst>
               <a:ext uri="{91240B29-F687-4f45-9708-019B960494DF}">
-                <a14:hiddenLine xmlns="" xmlns:a14="http://schemas.microsoft.com/office/drawing/2010/main" w="9525">
+                <a14:hiddenLine xmlns:a14="http://schemas.microsoft.com/office/drawing/2010/main" xmlns="" w="9525">
                   <a:solidFill>
                     <a:srgbClr val="000000"/>
                   </a:solidFill>
@@ -957,7 +957,7 @@
             </a:ln>
             <a:extLst>
               <a:ext uri="{91240B29-F687-4f45-9708-019B960494DF}">
-                <a14:hiddenLine xmlns="" xmlns:a14="http://schemas.microsoft.com/office/drawing/2010/main" w="9525">
+                <a14:hiddenLine xmlns:a14="http://schemas.microsoft.com/office/drawing/2010/main" xmlns="" w="9525">
                   <a:solidFill>
                     <a:srgbClr val="000000"/>
                   </a:solidFill>
@@ -1047,7 +1047,7 @@
             </a:ln>
             <a:extLst>
               <a:ext uri="{91240B29-F687-4f45-9708-019B960494DF}">
-                <a14:hiddenLine xmlns="" xmlns:a14="http://schemas.microsoft.com/office/drawing/2010/main" w="9525">
+                <a14:hiddenLine xmlns:a14="http://schemas.microsoft.com/office/drawing/2010/main" xmlns="" w="9525">
                   <a:solidFill>
                     <a:srgbClr val="000000"/>
                   </a:solidFill>
@@ -1109,7 +1109,7 @@
             </a:ln>
             <a:extLst>
               <a:ext uri="{91240B29-F687-4f45-9708-019B960494DF}">
-                <a14:hiddenLine xmlns="" xmlns:a14="http://schemas.microsoft.com/office/drawing/2010/main" w="9525">
+                <a14:hiddenLine xmlns:a14="http://schemas.microsoft.com/office/drawing/2010/main" xmlns="" w="9525">
                   <a:solidFill>
                     <a:srgbClr val="000000"/>
                   </a:solidFill>
@@ -1219,7 +1219,7 @@
             </a:ln>
             <a:extLst>
               <a:ext uri="{91240B29-F687-4f45-9708-019B960494DF}">
-                <a14:hiddenLine xmlns="" xmlns:a14="http://schemas.microsoft.com/office/drawing/2010/main" w="9525">
+                <a14:hiddenLine xmlns:a14="http://schemas.microsoft.com/office/drawing/2010/main" xmlns="" w="9525">
                   <a:solidFill>
                     <a:srgbClr val="000000"/>
                   </a:solidFill>
@@ -1281,7 +1281,7 @@
             </a:ln>
             <a:extLst>
               <a:ext uri="{91240B29-F687-4f45-9708-019B960494DF}">
-                <a14:hiddenLine xmlns="" xmlns:a14="http://schemas.microsoft.com/office/drawing/2010/main" w="9525">
+                <a14:hiddenLine xmlns:a14="http://schemas.microsoft.com/office/drawing/2010/main" xmlns="" w="9525">
                   <a:solidFill>
                     <a:srgbClr val="000000"/>
                   </a:solidFill>
@@ -1371,7 +1371,7 @@
             </a:ln>
             <a:extLst>
               <a:ext uri="{91240B29-F687-4f45-9708-019B960494DF}">
-                <a14:hiddenLine xmlns="" xmlns:a14="http://schemas.microsoft.com/office/drawing/2010/main" w="9525">
+                <a14:hiddenLine xmlns:a14="http://schemas.microsoft.com/office/drawing/2010/main" xmlns="" w="9525">
                   <a:solidFill>
                     <a:srgbClr val="000000"/>
                   </a:solidFill>
@@ -1461,7 +1461,7 @@
             </a:ln>
             <a:extLst>
               <a:ext uri="{91240B29-F687-4f45-9708-019B960494DF}">
-                <a14:hiddenLine xmlns="" xmlns:a14="http://schemas.microsoft.com/office/drawing/2010/main" w="9525">
+                <a14:hiddenLine xmlns:a14="http://schemas.microsoft.com/office/drawing/2010/main" xmlns="" w="9525">
                   <a:solidFill>
                     <a:srgbClr val="000000"/>
                   </a:solidFill>
@@ -1523,7 +1523,7 @@
             </a:ln>
             <a:extLst>
               <a:ext uri="{91240B29-F687-4f45-9708-019B960494DF}">
-                <a14:hiddenLine xmlns="" xmlns:a14="http://schemas.microsoft.com/office/drawing/2010/main" w="9525">
+                <a14:hiddenLine xmlns:a14="http://schemas.microsoft.com/office/drawing/2010/main" xmlns="" w="9525">
                   <a:solidFill>
                     <a:srgbClr val="000000"/>
                   </a:solidFill>
@@ -1613,7 +1613,7 @@
             </a:ln>
             <a:extLst>
               <a:ext uri="{91240B29-F687-4f45-9708-019B960494DF}">
-                <a14:hiddenLine xmlns="" xmlns:a14="http://schemas.microsoft.com/office/drawing/2010/main" w="9525">
+                <a14:hiddenLine xmlns:a14="http://schemas.microsoft.com/office/drawing/2010/main" xmlns="" w="9525">
                   <a:solidFill>
                     <a:srgbClr val="000000"/>
                   </a:solidFill>
@@ -1703,7 +1703,7 @@
             </a:ln>
             <a:extLst>
               <a:ext uri="{91240B29-F687-4f45-9708-019B960494DF}">
-                <a14:hiddenLine xmlns="" xmlns:a14="http://schemas.microsoft.com/office/drawing/2010/main" w="9525">
+                <a14:hiddenLine xmlns:a14="http://schemas.microsoft.com/office/drawing/2010/main" xmlns="" w="9525">
                   <a:solidFill>
                     <a:srgbClr val="000000"/>
                   </a:solidFill>
@@ -1759,7 +1759,7 @@
             </a:ln>
             <a:extLst>
               <a:ext uri="{91240B29-F687-4f45-9708-019B960494DF}">
-                <a14:hiddenLine xmlns="" xmlns:a14="http://schemas.microsoft.com/office/drawing/2010/main" w="9525">
+                <a14:hiddenLine xmlns:a14="http://schemas.microsoft.com/office/drawing/2010/main" xmlns="" w="9525">
                   <a:solidFill>
                     <a:srgbClr val="000000"/>
                   </a:solidFill>
@@ -1849,7 +1849,7 @@
             </a:ln>
             <a:extLst>
               <a:ext uri="{91240B29-F687-4f45-9708-019B960494DF}">
-                <a14:hiddenLine xmlns="" xmlns:a14="http://schemas.microsoft.com/office/drawing/2010/main" w="9525">
+                <a14:hiddenLine xmlns:a14="http://schemas.microsoft.com/office/drawing/2010/main" xmlns="" w="9525">
                   <a:solidFill>
                     <a:srgbClr val="000000"/>
                   </a:solidFill>
@@ -1905,7 +1905,7 @@
             </a:ln>
             <a:extLst>
               <a:ext uri="{91240B29-F687-4f45-9708-019B960494DF}">
-                <a14:hiddenLine xmlns="" xmlns:a14="http://schemas.microsoft.com/office/drawing/2010/main" w="9525">
+                <a14:hiddenLine xmlns:a14="http://schemas.microsoft.com/office/drawing/2010/main" xmlns="" w="9525">
                   <a:solidFill>
                     <a:srgbClr val="000000"/>
                   </a:solidFill>
@@ -1995,7 +1995,7 @@
             </a:ln>
             <a:extLst>
               <a:ext uri="{91240B29-F687-4f45-9708-019B960494DF}">
-                <a14:hiddenLine xmlns="" xmlns:a14="http://schemas.microsoft.com/office/drawing/2010/main" w="9525">
+                <a14:hiddenLine xmlns:a14="http://schemas.microsoft.com/office/drawing/2010/main" xmlns="" w="9525">
                   <a:solidFill>
                     <a:srgbClr val="000000"/>
                   </a:solidFill>
@@ -2063,7 +2063,7 @@
             </a:ln>
             <a:extLst>
               <a:ext uri="{91240B29-F687-4f45-9708-019B960494DF}">
-                <a14:hiddenLine xmlns="" xmlns:a14="http://schemas.microsoft.com/office/drawing/2010/main" w="9525">
+                <a14:hiddenLine xmlns:a14="http://schemas.microsoft.com/office/drawing/2010/main" xmlns="" w="9525">
                   <a:solidFill>
                     <a:srgbClr val="000000"/>
                   </a:solidFill>
@@ -2153,7 +2153,7 @@
             </a:ln>
             <a:extLst>
               <a:ext uri="{91240B29-F687-4f45-9708-019B960494DF}">
-                <a14:hiddenLine xmlns="" xmlns:a14="http://schemas.microsoft.com/office/drawing/2010/main" w="9525">
+                <a14:hiddenLine xmlns:a14="http://schemas.microsoft.com/office/drawing/2010/main" xmlns="" w="9525">
                   <a:solidFill>
                     <a:srgbClr val="000000"/>
                   </a:solidFill>
@@ -2221,7 +2221,7 @@
             </a:ln>
             <a:extLst>
               <a:ext uri="{91240B29-F687-4f45-9708-019B960494DF}">
-                <a14:hiddenLine xmlns="" xmlns:a14="http://schemas.microsoft.com/office/drawing/2010/main" w="9525">
+                <a14:hiddenLine xmlns:a14="http://schemas.microsoft.com/office/drawing/2010/main" xmlns="" w="9525">
                   <a:solidFill>
                     <a:srgbClr val="000000"/>
                   </a:solidFill>
@@ -2311,7 +2311,7 @@
             </a:ln>
             <a:extLst>
               <a:ext uri="{91240B29-F687-4f45-9708-019B960494DF}">
-                <a14:hiddenLine xmlns="" xmlns:a14="http://schemas.microsoft.com/office/drawing/2010/main" w="9525">
+                <a14:hiddenLine xmlns:a14="http://schemas.microsoft.com/office/drawing/2010/main" xmlns="" w="9525">
                   <a:solidFill>
                     <a:srgbClr val="000000"/>
                   </a:solidFill>
@@ -2345,7 +2345,7 @@
             </a:ln>
             <a:extLst>
               <a:ext uri="{91240B29-F687-4f45-9708-019B960494DF}">
-                <a14:hiddenLine xmlns="" xmlns:a14="http://schemas.microsoft.com/office/drawing/2010/main" w="9525">
+                <a14:hiddenLine xmlns:a14="http://schemas.microsoft.com/office/drawing/2010/main" xmlns="" w="9525">
                   <a:solidFill>
                     <a:srgbClr val="000000"/>
                   </a:solidFill>
@@ -2435,7 +2435,7 @@
             </a:ln>
             <a:extLst>
               <a:ext uri="{91240B29-F687-4f45-9708-019B960494DF}">
-                <a14:hiddenLine xmlns="" xmlns:a14="http://schemas.microsoft.com/office/drawing/2010/main" w="9525">
+                <a14:hiddenLine xmlns:a14="http://schemas.microsoft.com/office/drawing/2010/main" xmlns="" w="9525">
                   <a:solidFill>
                     <a:srgbClr val="000000"/>
                   </a:solidFill>
@@ -2497,7 +2497,7 @@
             </a:ln>
             <a:extLst>
               <a:ext uri="{91240B29-F687-4f45-9708-019B960494DF}">
-                <a14:hiddenLine xmlns="" xmlns:a14="http://schemas.microsoft.com/office/drawing/2010/main" w="9525">
+                <a14:hiddenLine xmlns:a14="http://schemas.microsoft.com/office/drawing/2010/main" xmlns="" w="9525">
                   <a:solidFill>
                     <a:srgbClr val="000000"/>
                   </a:solidFill>
@@ -2559,7 +2559,7 @@
             </a:ln>
             <a:extLst>
               <a:ext uri="{91240B29-F687-4f45-9708-019B960494DF}">
-                <a14:hiddenLine xmlns="" xmlns:a14="http://schemas.microsoft.com/office/drawing/2010/main" w="9525">
+                <a14:hiddenLine xmlns:a14="http://schemas.microsoft.com/office/drawing/2010/main" xmlns="" w="9525">
                   <a:solidFill>
                     <a:srgbClr val="000000"/>
                   </a:solidFill>
@@ -2649,7 +2649,7 @@
             </a:ln>
             <a:extLst>
               <a:ext uri="{91240B29-F687-4f45-9708-019B960494DF}">
-                <a14:hiddenLine xmlns="" xmlns:a14="http://schemas.microsoft.com/office/drawing/2010/main" w="9525">
+                <a14:hiddenLine xmlns:a14="http://schemas.microsoft.com/office/drawing/2010/main" xmlns="" w="9525">
                   <a:solidFill>
                     <a:srgbClr val="000000"/>
                   </a:solidFill>
@@ -2717,7 +2717,7 @@
             </a:ln>
             <a:extLst>
               <a:ext uri="{91240B29-F687-4f45-9708-019B960494DF}">
-                <a14:hiddenLine xmlns="" xmlns:a14="http://schemas.microsoft.com/office/drawing/2010/main" w="9525">
+                <a14:hiddenLine xmlns:a14="http://schemas.microsoft.com/office/drawing/2010/main" xmlns="" w="9525">
                   <a:solidFill>
                     <a:srgbClr val="000000"/>
                   </a:solidFill>
@@ -2779,7 +2779,7 @@
             </a:ln>
             <a:extLst>
               <a:ext uri="{91240B29-F687-4f45-9708-019B960494DF}">
-                <a14:hiddenLine xmlns="" xmlns:a14="http://schemas.microsoft.com/office/drawing/2010/main" w="9525">
+                <a14:hiddenLine xmlns:a14="http://schemas.microsoft.com/office/drawing/2010/main" xmlns="" w="9525">
                   <a:solidFill>
                     <a:srgbClr val="000000"/>
                   </a:solidFill>
@@ -2869,7 +2869,7 @@
             </a:ln>
             <a:extLst>
               <a:ext uri="{91240B29-F687-4f45-9708-019B960494DF}">
-                <a14:hiddenLine xmlns="" xmlns:a14="http://schemas.microsoft.com/office/drawing/2010/main" w="9525">
+                <a14:hiddenLine xmlns:a14="http://schemas.microsoft.com/office/drawing/2010/main" xmlns="" w="9525">
                   <a:solidFill>
                     <a:srgbClr val="000000"/>
                   </a:solidFill>
@@ -2931,7 +2931,7 @@
             </a:ln>
             <a:extLst>
               <a:ext uri="{91240B29-F687-4f45-9708-019B960494DF}">
-                <a14:hiddenLine xmlns="" xmlns:a14="http://schemas.microsoft.com/office/drawing/2010/main" w="9525">
+                <a14:hiddenLine xmlns:a14="http://schemas.microsoft.com/office/drawing/2010/main" xmlns="" w="9525">
                   <a:solidFill>
                     <a:srgbClr val="000000"/>
                   </a:solidFill>
@@ -3021,7 +3021,7 @@
             </a:ln>
             <a:extLst>
               <a:ext uri="{91240B29-F687-4f45-9708-019B960494DF}">
-                <a14:hiddenLine xmlns="" xmlns:a14="http://schemas.microsoft.com/office/drawing/2010/main" w="9525">
+                <a14:hiddenLine xmlns:a14="http://schemas.microsoft.com/office/drawing/2010/main" xmlns="" w="9525">
                   <a:solidFill>
                     <a:srgbClr val="000000"/>
                   </a:solidFill>
@@ -3083,7 +3083,7 @@
             </a:ln>
             <a:extLst>
               <a:ext uri="{91240B29-F687-4f45-9708-019B960494DF}">
-                <a14:hiddenLine xmlns="" xmlns:a14="http://schemas.microsoft.com/office/drawing/2010/main" w="9525">
+                <a14:hiddenLine xmlns:a14="http://schemas.microsoft.com/office/drawing/2010/main" xmlns="" w="9525">
                   <a:solidFill>
                     <a:srgbClr val="000000"/>
                   </a:solidFill>
@@ -3173,7 +3173,7 @@
             </a:ln>
             <a:extLst>
               <a:ext uri="{91240B29-F687-4f45-9708-019B960494DF}">
-                <a14:hiddenLine xmlns="" xmlns:a14="http://schemas.microsoft.com/office/drawing/2010/main" w="9525">
+                <a14:hiddenLine xmlns:a14="http://schemas.microsoft.com/office/drawing/2010/main" xmlns="" w="9525">
                   <a:solidFill>
                     <a:srgbClr val="000000"/>
                   </a:solidFill>
@@ -3207,7 +3207,7 @@
             </a:ln>
             <a:extLst>
               <a:ext uri="{91240B29-F687-4f45-9708-019B960494DF}">
-                <a14:hiddenLine xmlns="" xmlns:a14="http://schemas.microsoft.com/office/drawing/2010/main" w="9525">
+                <a14:hiddenLine xmlns:a14="http://schemas.microsoft.com/office/drawing/2010/main" xmlns="" w="9525">
                   <a:solidFill>
                     <a:srgbClr val="000000"/>
                   </a:solidFill>
@@ -3272,7 +3272,7 @@
             </a:ln>
             <a:extLst>
               <a:ext uri="{91240B29-F687-4f45-9708-019B960494DF}">
-                <a14:hiddenLine xmlns="" xmlns:a14="http://schemas.microsoft.com/office/drawing/2010/main" w="9525">
+                <a14:hiddenLine xmlns:a14="http://schemas.microsoft.com/office/drawing/2010/main" xmlns="" w="9525">
                   <a:solidFill>
                     <a:srgbClr val="000000"/>
                   </a:solidFill>
@@ -3362,7 +3362,7 @@
             </a:ln>
             <a:extLst>
               <a:ext uri="{91240B29-F687-4f45-9708-019B960494DF}">
-                <a14:hiddenLine xmlns="" xmlns:a14="http://schemas.microsoft.com/office/drawing/2010/main" w="9525">
+                <a14:hiddenLine xmlns:a14="http://schemas.microsoft.com/office/drawing/2010/main" xmlns="" w="9525">
                   <a:solidFill>
                     <a:srgbClr val="000000"/>
                   </a:solidFill>
@@ -3424,7 +3424,7 @@
             </a:ln>
             <a:extLst>
               <a:ext uri="{91240B29-F687-4f45-9708-019B960494DF}">
-                <a14:hiddenLine xmlns="" xmlns:a14="http://schemas.microsoft.com/office/drawing/2010/main" w="9525">
+                <a14:hiddenLine xmlns:a14="http://schemas.microsoft.com/office/drawing/2010/main" xmlns="" w="9525">
                   <a:solidFill>
                     <a:srgbClr val="000000"/>
                   </a:solidFill>
@@ -3514,7 +3514,7 @@
             </a:ln>
             <a:extLst>
               <a:ext uri="{91240B29-F687-4f45-9708-019B960494DF}">
-                <a14:hiddenLine xmlns="" xmlns:a14="http://schemas.microsoft.com/office/drawing/2010/main" w="9525">
+                <a14:hiddenLine xmlns:a14="http://schemas.microsoft.com/office/drawing/2010/main" xmlns="" w="9525">
                   <a:solidFill>
                     <a:srgbClr val="000000"/>
                   </a:solidFill>
@@ -3604,7 +3604,7 @@
             </a:ln>
             <a:extLst>
               <a:ext uri="{91240B29-F687-4f45-9708-019B960494DF}">
-                <a14:hiddenLine xmlns="" xmlns:a14="http://schemas.microsoft.com/office/drawing/2010/main" w="9525">
+                <a14:hiddenLine xmlns:a14="http://schemas.microsoft.com/office/drawing/2010/main" xmlns="" w="9525">
                   <a:solidFill>
                     <a:srgbClr val="000000"/>
                   </a:solidFill>
@@ -3669,7 +3669,7 @@
             </a:ln>
             <a:extLst>
               <a:ext uri="{91240B29-F687-4f45-9708-019B960494DF}">
-                <a14:hiddenLine xmlns="" xmlns:a14="http://schemas.microsoft.com/office/drawing/2010/main" w="9525">
+                <a14:hiddenLine xmlns:a14="http://schemas.microsoft.com/office/drawing/2010/main" xmlns="" w="9525">
                   <a:solidFill>
                     <a:srgbClr val="000000"/>
                   </a:solidFill>
@@ -3731,7 +3731,7 @@
             </a:ln>
             <a:extLst>
               <a:ext uri="{91240B29-F687-4f45-9708-019B960494DF}">
-                <a14:hiddenLine xmlns="" xmlns:a14="http://schemas.microsoft.com/office/drawing/2010/main" w="9525">
+                <a14:hiddenLine xmlns:a14="http://schemas.microsoft.com/office/drawing/2010/main" xmlns="" w="9525">
                   <a:solidFill>
                     <a:srgbClr val="000000"/>
                   </a:solidFill>
@@ -3821,7 +3821,7 @@
             </a:ln>
             <a:extLst>
               <a:ext uri="{91240B29-F687-4f45-9708-019B960494DF}">
-                <a14:hiddenLine xmlns="" xmlns:a14="http://schemas.microsoft.com/office/drawing/2010/main" w="9525">
+                <a14:hiddenLine xmlns:a14="http://schemas.microsoft.com/office/drawing/2010/main" xmlns="" w="9525">
                   <a:solidFill>
                     <a:srgbClr val="000000"/>
                   </a:solidFill>
@@ -3911,7 +3911,7 @@
             </a:ln>
             <a:extLst>
               <a:ext uri="{91240B29-F687-4f45-9708-019B960494DF}">
-                <a14:hiddenLine xmlns="" xmlns:a14="http://schemas.microsoft.com/office/drawing/2010/main" w="9525">
+                <a14:hiddenLine xmlns:a14="http://schemas.microsoft.com/office/drawing/2010/main" xmlns="" w="9525">
                   <a:solidFill>
                     <a:srgbClr val="000000"/>
                   </a:solidFill>
@@ -3973,7 +3973,7 @@
             </a:ln>
             <a:extLst>
               <a:ext uri="{91240B29-F687-4f45-9708-019B960494DF}">
-                <a14:hiddenLine xmlns="" xmlns:a14="http://schemas.microsoft.com/office/drawing/2010/main" w="9525">
+                <a14:hiddenLine xmlns:a14="http://schemas.microsoft.com/office/drawing/2010/main" xmlns="" w="9525">
                   <a:solidFill>
                     <a:srgbClr val="000000"/>
                   </a:solidFill>
@@ -4093,7 +4093,7 @@
             </a:ln>
             <a:extLst>
               <a:ext uri="{91240B29-F687-4f45-9708-019B960494DF}">
-                <a14:hiddenLine xmlns="" xmlns:a14="http://schemas.microsoft.com/office/drawing/2010/main" w="9525">
+                <a14:hiddenLine xmlns:a14="http://schemas.microsoft.com/office/drawing/2010/main" xmlns="" w="9525">
                   <a:solidFill>
                     <a:srgbClr val="000000"/>
                   </a:solidFill>
@@ -4161,7 +4161,7 @@
             </a:ln>
             <a:extLst>
               <a:ext uri="{91240B29-F687-4f45-9708-019B960494DF}">
-                <a14:hiddenLine xmlns="" xmlns:a14="http://schemas.microsoft.com/office/drawing/2010/main" w="9525">
+                <a14:hiddenLine xmlns:a14="http://schemas.microsoft.com/office/drawing/2010/main" xmlns="" w="9525">
                   <a:solidFill>
                     <a:srgbClr val="000000"/>
                   </a:solidFill>
@@ -4251,7 +4251,7 @@
             </a:ln>
             <a:extLst>
               <a:ext uri="{91240B29-F687-4f45-9708-019B960494DF}">
-                <a14:hiddenLine xmlns="" xmlns:a14="http://schemas.microsoft.com/office/drawing/2010/main" w="9525">
+                <a14:hiddenLine xmlns:a14="http://schemas.microsoft.com/office/drawing/2010/main" xmlns="" w="9525">
                   <a:solidFill>
                     <a:srgbClr val="000000"/>
                   </a:solidFill>
@@ -8973,7 +8973,7 @@
           <a:noFill/>
           <a:extLst>
             <a:ext uri="{909E8E84-426E-40dd-AFC4-6F175D3DCCD1}">
-              <a14:hiddenFill xmlns="" xmlns:a14="http://schemas.microsoft.com/office/drawing/2010/main">
+              <a14:hiddenFill xmlns:a14="http://schemas.microsoft.com/office/drawing/2010/main" xmlns="">
                 <a:solidFill>
                   <a:srgbClr val="FFFFFF"/>
                 </a:solidFill>
@@ -9047,7 +9047,7 @@
               </a:ln>
               <a:extLst>
                 <a:ext uri="{91240B29-F687-4f45-9708-019B960494DF}">
-                  <a14:hiddenLine xmlns="" xmlns:a14="http://schemas.microsoft.com/office/drawing/2010/main" w="9525">
+                  <a14:hiddenLine xmlns:a14="http://schemas.microsoft.com/office/drawing/2010/main" xmlns="" w="9525">
                     <a:solidFill>
                       <a:srgbClr val="000000"/>
                     </a:solidFill>
@@ -9137,7 +9137,7 @@
               </a:ln>
               <a:extLst>
                 <a:ext uri="{91240B29-F687-4f45-9708-019B960494DF}">
-                  <a14:hiddenLine xmlns="" xmlns:a14="http://schemas.microsoft.com/office/drawing/2010/main" w="9525">
+                  <a14:hiddenLine xmlns:a14="http://schemas.microsoft.com/office/drawing/2010/main" xmlns="" w="9525">
                     <a:solidFill>
                       <a:srgbClr val="000000"/>
                     </a:solidFill>
@@ -9227,7 +9227,7 @@
               </a:ln>
               <a:extLst>
                 <a:ext uri="{91240B29-F687-4f45-9708-019B960494DF}">
-                  <a14:hiddenLine xmlns="" xmlns:a14="http://schemas.microsoft.com/office/drawing/2010/main" w="9525">
+                  <a14:hiddenLine xmlns:a14="http://schemas.microsoft.com/office/drawing/2010/main" xmlns="" w="9525">
                     <a:solidFill>
                       <a:srgbClr val="000000"/>
                     </a:solidFill>
@@ -9289,7 +9289,7 @@
               </a:ln>
               <a:extLst>
                 <a:ext uri="{91240B29-F687-4f45-9708-019B960494DF}">
-                  <a14:hiddenLine xmlns="" xmlns:a14="http://schemas.microsoft.com/office/drawing/2010/main" w="9525">
+                  <a14:hiddenLine xmlns:a14="http://schemas.microsoft.com/office/drawing/2010/main" xmlns="" w="9525">
                     <a:solidFill>
                       <a:srgbClr val="000000"/>
                     </a:solidFill>
@@ -9379,7 +9379,7 @@
               </a:ln>
               <a:extLst>
                 <a:ext uri="{91240B29-F687-4f45-9708-019B960494DF}">
-                  <a14:hiddenLine xmlns="" xmlns:a14="http://schemas.microsoft.com/office/drawing/2010/main" w="9525">
+                  <a14:hiddenLine xmlns:a14="http://schemas.microsoft.com/office/drawing/2010/main" xmlns="" w="9525">
                     <a:solidFill>
                       <a:srgbClr val="000000"/>
                     </a:solidFill>
@@ -9441,7 +9441,7 @@
               </a:ln>
               <a:extLst>
                 <a:ext uri="{91240B29-F687-4f45-9708-019B960494DF}">
-                  <a14:hiddenLine xmlns="" xmlns:a14="http://schemas.microsoft.com/office/drawing/2010/main" w="9525">
+                  <a14:hiddenLine xmlns:a14="http://schemas.microsoft.com/office/drawing/2010/main" xmlns="" w="9525">
                     <a:solidFill>
                       <a:srgbClr val="000000"/>
                     </a:solidFill>
@@ -9503,7 +9503,7 @@
               </a:ln>
               <a:extLst>
                 <a:ext uri="{91240B29-F687-4f45-9708-019B960494DF}">
-                  <a14:hiddenLine xmlns="" xmlns:a14="http://schemas.microsoft.com/office/drawing/2010/main" w="9525">
+                  <a14:hiddenLine xmlns:a14="http://schemas.microsoft.com/office/drawing/2010/main" xmlns="" w="9525">
                     <a:solidFill>
                       <a:srgbClr val="000000"/>
                     </a:solidFill>
@@ -9593,7 +9593,7 @@
               </a:ln>
               <a:extLst>
                 <a:ext uri="{91240B29-F687-4f45-9708-019B960494DF}">
-                  <a14:hiddenLine xmlns="" xmlns:a14="http://schemas.microsoft.com/office/drawing/2010/main" w="9525">
+                  <a14:hiddenLine xmlns:a14="http://schemas.microsoft.com/office/drawing/2010/main" xmlns="" w="9525">
                     <a:solidFill>
                       <a:srgbClr val="000000"/>
                     </a:solidFill>
@@ -9683,7 +9683,7 @@
               </a:ln>
               <a:extLst>
                 <a:ext uri="{91240B29-F687-4f45-9708-019B960494DF}">
-                  <a14:hiddenLine xmlns="" xmlns:a14="http://schemas.microsoft.com/office/drawing/2010/main" w="9525">
+                  <a14:hiddenLine xmlns:a14="http://schemas.microsoft.com/office/drawing/2010/main" xmlns="" w="9525">
                     <a:solidFill>
                       <a:srgbClr val="000000"/>
                     </a:solidFill>
@@ -9745,7 +9745,7 @@
               </a:ln>
               <a:extLst>
                 <a:ext uri="{91240B29-F687-4f45-9708-019B960494DF}">
-                  <a14:hiddenLine xmlns="" xmlns:a14="http://schemas.microsoft.com/office/drawing/2010/main" w="9525">
+                  <a14:hiddenLine xmlns:a14="http://schemas.microsoft.com/office/drawing/2010/main" xmlns="" w="9525">
                     <a:solidFill>
                       <a:srgbClr val="000000"/>
                     </a:solidFill>
@@ -9855,7 +9855,7 @@
               </a:ln>
               <a:extLst>
                 <a:ext uri="{91240B29-F687-4f45-9708-019B960494DF}">
-                  <a14:hiddenLine xmlns="" xmlns:a14="http://schemas.microsoft.com/office/drawing/2010/main" w="9525">
+                  <a14:hiddenLine xmlns:a14="http://schemas.microsoft.com/office/drawing/2010/main" xmlns="" w="9525">
                     <a:solidFill>
                       <a:srgbClr val="000000"/>
                     </a:solidFill>
@@ -9939,7 +9939,7 @@
               </a:ln>
               <a:extLst>
                 <a:ext uri="{91240B29-F687-4f45-9708-019B960494DF}">
-                  <a14:hiddenLine xmlns="" xmlns:a14="http://schemas.microsoft.com/office/drawing/2010/main" w="9525">
+                  <a14:hiddenLine xmlns:a14="http://schemas.microsoft.com/office/drawing/2010/main" xmlns="" w="9525">
                     <a:solidFill>
                       <a:srgbClr val="000000"/>
                     </a:solidFill>
@@ -10001,7 +10001,7 @@
               </a:ln>
               <a:extLst>
                 <a:ext uri="{91240B29-F687-4f45-9708-019B960494DF}">
-                  <a14:hiddenLine xmlns="" xmlns:a14="http://schemas.microsoft.com/office/drawing/2010/main" w="9525">
+                  <a14:hiddenLine xmlns:a14="http://schemas.microsoft.com/office/drawing/2010/main" xmlns="" w="9525">
                     <a:solidFill>
                       <a:srgbClr val="000000"/>
                     </a:solidFill>
@@ -10063,7 +10063,7 @@
               </a:ln>
               <a:extLst>
                 <a:ext uri="{91240B29-F687-4f45-9708-019B960494DF}">
-                  <a14:hiddenLine xmlns="" xmlns:a14="http://schemas.microsoft.com/office/drawing/2010/main" w="9525">
+                  <a14:hiddenLine xmlns:a14="http://schemas.microsoft.com/office/drawing/2010/main" xmlns="" w="9525">
                     <a:solidFill>
                       <a:srgbClr val="000000"/>
                     </a:solidFill>
@@ -10153,7 +10153,7 @@
               </a:ln>
               <a:extLst>
                 <a:ext uri="{91240B29-F687-4f45-9708-019B960494DF}">
-                  <a14:hiddenLine xmlns="" xmlns:a14="http://schemas.microsoft.com/office/drawing/2010/main" w="9525">
+                  <a14:hiddenLine xmlns:a14="http://schemas.microsoft.com/office/drawing/2010/main" xmlns="" w="9525">
                     <a:solidFill>
                       <a:srgbClr val="000000"/>
                     </a:solidFill>
@@ -10187,7 +10187,7 @@
               </a:ln>
               <a:extLst>
                 <a:ext uri="{91240B29-F687-4f45-9708-019B960494DF}">
-                  <a14:hiddenLine xmlns="" xmlns:a14="http://schemas.microsoft.com/office/drawing/2010/main" w="9525">
+                  <a14:hiddenLine xmlns:a14="http://schemas.microsoft.com/office/drawing/2010/main" xmlns="" w="9525">
                     <a:solidFill>
                       <a:srgbClr val="000000"/>
                     </a:solidFill>
@@ -10252,7 +10252,7 @@
               </a:ln>
               <a:extLst>
                 <a:ext uri="{91240B29-F687-4f45-9708-019B960494DF}">
-                  <a14:hiddenLine xmlns="" xmlns:a14="http://schemas.microsoft.com/office/drawing/2010/main" w="9525">
+                  <a14:hiddenLine xmlns:a14="http://schemas.microsoft.com/office/drawing/2010/main" xmlns="" w="9525">
                     <a:solidFill>
                       <a:srgbClr val="000000"/>
                     </a:solidFill>
@@ -10342,7 +10342,7 @@
               </a:ln>
               <a:extLst>
                 <a:ext uri="{91240B29-F687-4f45-9708-019B960494DF}">
-                  <a14:hiddenLine xmlns="" xmlns:a14="http://schemas.microsoft.com/office/drawing/2010/main" w="9525">
+                  <a14:hiddenLine xmlns:a14="http://schemas.microsoft.com/office/drawing/2010/main" xmlns="" w="9525">
                     <a:solidFill>
                       <a:srgbClr val="000000"/>
                     </a:solidFill>
@@ -10404,7 +10404,7 @@
               </a:ln>
               <a:extLst>
                 <a:ext uri="{91240B29-F687-4f45-9708-019B960494DF}">
-                  <a14:hiddenLine xmlns="" xmlns:a14="http://schemas.microsoft.com/office/drawing/2010/main" w="9525">
+                  <a14:hiddenLine xmlns:a14="http://schemas.microsoft.com/office/drawing/2010/main" xmlns="" w="9525">
                     <a:solidFill>
                       <a:srgbClr val="000000"/>
                     </a:solidFill>
@@ -10494,7 +10494,7 @@
               </a:ln>
               <a:extLst>
                 <a:ext uri="{91240B29-F687-4f45-9708-019B960494DF}">
-                  <a14:hiddenLine xmlns="" xmlns:a14="http://schemas.microsoft.com/office/drawing/2010/main" w="9525">
+                  <a14:hiddenLine xmlns:a14="http://schemas.microsoft.com/office/drawing/2010/main" xmlns="" w="9525">
                     <a:solidFill>
                       <a:srgbClr val="000000"/>
                     </a:solidFill>
@@ -10559,7 +10559,7 @@
               </a:ln>
               <a:extLst>
                 <a:ext uri="{91240B29-F687-4f45-9708-019B960494DF}">
-                  <a14:hiddenLine xmlns="" xmlns:a14="http://schemas.microsoft.com/office/drawing/2010/main" w="9525">
+                  <a14:hiddenLine xmlns:a14="http://schemas.microsoft.com/office/drawing/2010/main" xmlns="" w="9525">
                     <a:solidFill>
                       <a:srgbClr val="000000"/>
                     </a:solidFill>
@@ -10621,7 +10621,7 @@
               </a:ln>
               <a:extLst>
                 <a:ext uri="{91240B29-F687-4f45-9708-019B960494DF}">
-                  <a14:hiddenLine xmlns="" xmlns:a14="http://schemas.microsoft.com/office/drawing/2010/main" w="9525">
+                  <a14:hiddenLine xmlns:a14="http://schemas.microsoft.com/office/drawing/2010/main" xmlns="" w="9525">
                     <a:solidFill>
                       <a:srgbClr val="000000"/>
                     </a:solidFill>
@@ -10711,7 +10711,7 @@
               </a:ln>
               <a:extLst>
                 <a:ext uri="{91240B29-F687-4f45-9708-019B960494DF}">
-                  <a14:hiddenLine xmlns="" xmlns:a14="http://schemas.microsoft.com/office/drawing/2010/main" w="9525">
+                  <a14:hiddenLine xmlns:a14="http://schemas.microsoft.com/office/drawing/2010/main" xmlns="" w="9525">
                     <a:solidFill>
                       <a:srgbClr val="000000"/>
                     </a:solidFill>
@@ -10801,7 +10801,7 @@
               </a:ln>
               <a:extLst>
                 <a:ext uri="{91240B29-F687-4f45-9708-019B960494DF}">
-                  <a14:hiddenLine xmlns="" xmlns:a14="http://schemas.microsoft.com/office/drawing/2010/main" w="9525">
+                  <a14:hiddenLine xmlns:a14="http://schemas.microsoft.com/office/drawing/2010/main" xmlns="" w="9525">
                     <a:solidFill>
                       <a:srgbClr val="000000"/>
                     </a:solidFill>
@@ -10866,7 +10866,7 @@
               </a:ln>
               <a:extLst>
                 <a:ext uri="{91240B29-F687-4f45-9708-019B960494DF}">
-                  <a14:hiddenLine xmlns="" xmlns:a14="http://schemas.microsoft.com/office/drawing/2010/main" w="9525">
+                  <a14:hiddenLine xmlns:a14="http://schemas.microsoft.com/office/drawing/2010/main" xmlns="" w="9525">
                     <a:solidFill>
                       <a:srgbClr val="000000"/>
                     </a:solidFill>
@@ -10986,7 +10986,7 @@
               </a:ln>
               <a:extLst>
                 <a:ext uri="{91240B29-F687-4f45-9708-019B960494DF}">
-                  <a14:hiddenLine xmlns="" xmlns:a14="http://schemas.microsoft.com/office/drawing/2010/main" w="9525">
+                  <a14:hiddenLine xmlns:a14="http://schemas.microsoft.com/office/drawing/2010/main" xmlns="" w="9525">
                     <a:solidFill>
                       <a:srgbClr val="000000"/>
                     </a:solidFill>
@@ -11084,7 +11084,7 @@
               </a:ln>
               <a:extLst>
                 <a:ext uri="{91240B29-F687-4f45-9708-019B960494DF}">
-                  <a14:hiddenLine xmlns="" xmlns:a14="http://schemas.microsoft.com/office/drawing/2010/main" w="9525">
+                  <a14:hiddenLine xmlns:a14="http://schemas.microsoft.com/office/drawing/2010/main" xmlns="" w="9525">
                     <a:solidFill>
                       <a:srgbClr val="000000"/>
                     </a:solidFill>
@@ -11199,7 +11199,7 @@
               </a:ln>
               <a:extLst>
                 <a:ext uri="{91240B29-F687-4f45-9708-019B960494DF}">
-                  <a14:hiddenLine xmlns="" xmlns:a14="http://schemas.microsoft.com/office/drawing/2010/main" w="9525">
+                  <a14:hiddenLine xmlns:a14="http://schemas.microsoft.com/office/drawing/2010/main" xmlns="" w="9525">
                     <a:solidFill>
                       <a:srgbClr val="000000"/>
                     </a:solidFill>
@@ -11289,7 +11289,7 @@
               </a:ln>
               <a:extLst>
                 <a:ext uri="{91240B29-F687-4f45-9708-019B960494DF}">
-                  <a14:hiddenLine xmlns="" xmlns:a14="http://schemas.microsoft.com/office/drawing/2010/main" w="9525">
+                  <a14:hiddenLine xmlns:a14="http://schemas.microsoft.com/office/drawing/2010/main" xmlns="" w="9525">
                     <a:solidFill>
                       <a:srgbClr val="000000"/>
                     </a:solidFill>
@@ -11354,7 +11354,7 @@
               </a:ln>
               <a:extLst>
                 <a:ext uri="{91240B29-F687-4f45-9708-019B960494DF}">
-                  <a14:hiddenLine xmlns="" xmlns:a14="http://schemas.microsoft.com/office/drawing/2010/main" w="9525">
+                  <a14:hiddenLine xmlns:a14="http://schemas.microsoft.com/office/drawing/2010/main" xmlns="" w="9525">
                     <a:solidFill>
                       <a:srgbClr val="000000"/>
                     </a:solidFill>
@@ -11444,7 +11444,7 @@
               </a:ln>
               <a:extLst>
                 <a:ext uri="{91240B29-F687-4f45-9708-019B960494DF}">
-                  <a14:hiddenLine xmlns="" xmlns:a14="http://schemas.microsoft.com/office/drawing/2010/main" w="9525">
+                  <a14:hiddenLine xmlns:a14="http://schemas.microsoft.com/office/drawing/2010/main" xmlns="" w="9525">
                     <a:solidFill>
                       <a:srgbClr val="000000"/>
                     </a:solidFill>
@@ -11512,7 +11512,7 @@
               </a:ln>
               <a:extLst>
                 <a:ext uri="{91240B29-F687-4f45-9708-019B960494DF}">
-                  <a14:hiddenLine xmlns="" xmlns:a14="http://schemas.microsoft.com/office/drawing/2010/main" w="9525">
+                  <a14:hiddenLine xmlns:a14="http://schemas.microsoft.com/office/drawing/2010/main" xmlns="" w="9525">
                     <a:solidFill>
                       <a:srgbClr val="000000"/>
                     </a:solidFill>
@@ -11602,7 +11602,7 @@
               </a:ln>
               <a:extLst>
                 <a:ext uri="{91240B29-F687-4f45-9708-019B960494DF}">
-                  <a14:hiddenLine xmlns="" xmlns:a14="http://schemas.microsoft.com/office/drawing/2010/main" w="9525">
+                  <a14:hiddenLine xmlns:a14="http://schemas.microsoft.com/office/drawing/2010/main" xmlns="" w="9525">
                     <a:solidFill>
                       <a:srgbClr val="000000"/>
                     </a:solidFill>
@@ -11670,7 +11670,7 @@
               </a:ln>
               <a:extLst>
                 <a:ext uri="{91240B29-F687-4f45-9708-019B960494DF}">
-                  <a14:hiddenLine xmlns="" xmlns:a14="http://schemas.microsoft.com/office/drawing/2010/main" w="9525">
+                  <a14:hiddenLine xmlns:a14="http://schemas.microsoft.com/office/drawing/2010/main" xmlns="" w="9525">
                     <a:solidFill>
                       <a:srgbClr val="000000"/>
                     </a:solidFill>
@@ -11760,7 +11760,7 @@
               </a:ln>
               <a:extLst>
                 <a:ext uri="{91240B29-F687-4f45-9708-019B960494DF}">
-                  <a14:hiddenLine xmlns="" xmlns:a14="http://schemas.microsoft.com/office/drawing/2010/main" w="9525">
+                  <a14:hiddenLine xmlns:a14="http://schemas.microsoft.com/office/drawing/2010/main" xmlns="" w="9525">
                     <a:solidFill>
                       <a:srgbClr val="000000"/>
                     </a:solidFill>
@@ -11794,7 +11794,7 @@
               </a:ln>
               <a:extLst>
                 <a:ext uri="{91240B29-F687-4f45-9708-019B960494DF}">
-                  <a14:hiddenLine xmlns="" xmlns:a14="http://schemas.microsoft.com/office/drawing/2010/main" w="9525">
+                  <a14:hiddenLine xmlns:a14="http://schemas.microsoft.com/office/drawing/2010/main" xmlns="" w="9525">
                     <a:solidFill>
                       <a:srgbClr val="000000"/>
                     </a:solidFill>
@@ -12696,7 +12696,7 @@
         <p:spPr>
           <a:xfrm>
             <a:off x="8422547" y="1317072"/>
-            <a:ext cx="3389152" cy="4247317"/>
+            <a:ext cx="3389152" cy="4031873"/>
           </a:xfrm>
           <a:prstGeom prst="rect">
             <a:avLst/>
@@ -12745,7 +12745,7 @@
             </a:pPr>
             <a:r>
               <a:rPr lang="en-US" sz="1400" dirty="0"/>
-              <a:t>Find some space for a small breadboard area.</a:t>
+              <a:t>Add 2 board mounted Pushbuttons as DI’s for future experiments and testing.</a:t>
             </a:r>
           </a:p>
           <a:p>
@@ -12755,7 +12755,17 @@
             </a:pPr>
             <a:r>
               <a:rPr lang="en-US" sz="1400" dirty="0"/>
-              <a:t>Bring out currently unused digital and analog I/O</a:t>
+              <a:t>Find space for a small test area.</a:t>
+            </a:r>
+          </a:p>
+          <a:p>
+            <a:pPr marL="285750" indent="-285750">
+              <a:buFont typeface="Arial" panose="020B0604020202020204" pitchFamily="34" charset="0"/>
+              <a:buChar char="•"/>
+            </a:pPr>
+            <a:r>
+              <a:rPr lang="en-US" sz="1400" dirty="0"/>
+              <a:t>Bring out unused digital and analog I/O</a:t>
             </a:r>
           </a:p>
           <a:p>
@@ -12773,15 +12783,8 @@
             </a:r>
             <a:r>
               <a:rPr lang="en-US" sz="1400" dirty="0"/>
-              <a:t>  </a:t>
+              <a:t> </a:t>
             </a:r>
-          </a:p>
-          <a:p>
-            <a:pPr marL="285750" indent="-285750">
-              <a:buFont typeface="Arial" panose="020B0604020202020204" pitchFamily="34" charset="0"/>
-              <a:buChar char="•"/>
-            </a:pPr>
-            <a:endParaRPr lang="en-US" sz="1400" dirty="0"/>
           </a:p>
           <a:p>
             <a:pPr marL="285750" indent="-285750">

--- a/Practical Arduino - Ground Up.pptx
+++ b/Practical Arduino - Ground Up.pptx
@@ -8,7 +8,6 @@
     <p:sldId id="256" r:id="rId2"/>
     <p:sldId id="257" r:id="rId3"/>
     <p:sldId id="258" r:id="rId4"/>
-    <p:sldId id="259" r:id="rId5"/>
   </p:sldIdLst>
   <p:sldSz cx="12192000" cy="6858000"/>
   <p:notesSz cx="6858000" cy="9144000"/>
@@ -165,7 +164,7 @@
           <a:noFill/>
           <a:extLst>
             <a:ext uri="{909E8E84-426E-40dd-AFC4-6F175D3DCCD1}">
-              <a14:hiddenFill xmlns:a14="http://schemas.microsoft.com/office/drawing/2010/main" xmlns="">
+              <a14:hiddenFill xmlns="" xmlns:a14="http://schemas.microsoft.com/office/drawing/2010/main">
                 <a:solidFill>
                   <a:srgbClr val="FFFFFF"/>
                 </a:solidFill>
@@ -225,7 +224,7 @@
             </a:ln>
             <a:extLst>
               <a:ext uri="{91240B29-F687-4f45-9708-019B960494DF}">
-                <a14:hiddenLine xmlns:a14="http://schemas.microsoft.com/office/drawing/2010/main" xmlns="" w="9525">
+                <a14:hiddenLine xmlns="" xmlns:a14="http://schemas.microsoft.com/office/drawing/2010/main" w="9525">
                   <a:solidFill>
                     <a:srgbClr val="000000"/>
                   </a:solidFill>
@@ -315,7 +314,7 @@
             </a:ln>
             <a:extLst>
               <a:ext uri="{91240B29-F687-4f45-9708-019B960494DF}">
-                <a14:hiddenLine xmlns:a14="http://schemas.microsoft.com/office/drawing/2010/main" xmlns="" w="9525">
+                <a14:hiddenLine xmlns="" xmlns:a14="http://schemas.microsoft.com/office/drawing/2010/main" w="9525">
                   <a:solidFill>
                     <a:srgbClr val="000000"/>
                   </a:solidFill>
@@ -405,7 +404,7 @@
             </a:ln>
             <a:extLst>
               <a:ext uri="{91240B29-F687-4f45-9708-019B960494DF}">
-                <a14:hiddenLine xmlns:a14="http://schemas.microsoft.com/office/drawing/2010/main" xmlns="" w="9525">
+                <a14:hiddenLine xmlns="" xmlns:a14="http://schemas.microsoft.com/office/drawing/2010/main" w="9525">
                   <a:solidFill>
                     <a:srgbClr val="000000"/>
                   </a:solidFill>
@@ -439,7 +438,7 @@
             </a:ln>
             <a:extLst>
               <a:ext uri="{91240B29-F687-4f45-9708-019B960494DF}">
-                <a14:hiddenLine xmlns:a14="http://schemas.microsoft.com/office/drawing/2010/main" xmlns="" w="9525">
+                <a14:hiddenLine xmlns="" xmlns:a14="http://schemas.microsoft.com/office/drawing/2010/main" w="9525">
                   <a:solidFill>
                     <a:srgbClr val="000000"/>
                   </a:solidFill>
@@ -529,7 +528,7 @@
             </a:ln>
             <a:extLst>
               <a:ext uri="{91240B29-F687-4f45-9708-019B960494DF}">
-                <a14:hiddenLine xmlns:a14="http://schemas.microsoft.com/office/drawing/2010/main" xmlns="" w="9525">
+                <a14:hiddenLine xmlns="" xmlns:a14="http://schemas.microsoft.com/office/drawing/2010/main" w="9525">
                   <a:solidFill>
                     <a:srgbClr val="000000"/>
                   </a:solidFill>
@@ -591,7 +590,7 @@
             </a:ln>
             <a:extLst>
               <a:ext uri="{91240B29-F687-4f45-9708-019B960494DF}">
-                <a14:hiddenLine xmlns:a14="http://schemas.microsoft.com/office/drawing/2010/main" xmlns="" w="9525">
+                <a14:hiddenLine xmlns="" xmlns:a14="http://schemas.microsoft.com/office/drawing/2010/main" w="9525">
                   <a:solidFill>
                     <a:srgbClr val="000000"/>
                   </a:solidFill>
@@ -653,7 +652,7 @@
             </a:ln>
             <a:extLst>
               <a:ext uri="{91240B29-F687-4f45-9708-019B960494DF}">
-                <a14:hiddenLine xmlns:a14="http://schemas.microsoft.com/office/drawing/2010/main" xmlns="" w="9525">
+                <a14:hiddenLine xmlns="" xmlns:a14="http://schemas.microsoft.com/office/drawing/2010/main" w="9525">
                   <a:solidFill>
                     <a:srgbClr val="000000"/>
                   </a:solidFill>
@@ -743,7 +742,7 @@
             </a:ln>
             <a:extLst>
               <a:ext uri="{91240B29-F687-4f45-9708-019B960494DF}">
-                <a14:hiddenLine xmlns:a14="http://schemas.microsoft.com/office/drawing/2010/main" xmlns="" w="9525">
+                <a14:hiddenLine xmlns="" xmlns:a14="http://schemas.microsoft.com/office/drawing/2010/main" w="9525">
                   <a:solidFill>
                     <a:srgbClr val="000000"/>
                   </a:solidFill>
@@ -805,7 +804,7 @@
             </a:ln>
             <a:extLst>
               <a:ext uri="{91240B29-F687-4f45-9708-019B960494DF}">
-                <a14:hiddenLine xmlns:a14="http://schemas.microsoft.com/office/drawing/2010/main" xmlns="" w="9525">
+                <a14:hiddenLine xmlns="" xmlns:a14="http://schemas.microsoft.com/office/drawing/2010/main" w="9525">
                   <a:solidFill>
                     <a:srgbClr val="000000"/>
                   </a:solidFill>
@@ -867,7 +866,7 @@
             </a:ln>
             <a:extLst>
               <a:ext uri="{91240B29-F687-4f45-9708-019B960494DF}">
-                <a14:hiddenLine xmlns:a14="http://schemas.microsoft.com/office/drawing/2010/main" xmlns="" w="9525">
+                <a14:hiddenLine xmlns="" xmlns:a14="http://schemas.microsoft.com/office/drawing/2010/main" w="9525">
                   <a:solidFill>
                     <a:srgbClr val="000000"/>
                   </a:solidFill>
@@ -957,7 +956,7 @@
             </a:ln>
             <a:extLst>
               <a:ext uri="{91240B29-F687-4f45-9708-019B960494DF}">
-                <a14:hiddenLine xmlns:a14="http://schemas.microsoft.com/office/drawing/2010/main" xmlns="" w="9525">
+                <a14:hiddenLine xmlns="" xmlns:a14="http://schemas.microsoft.com/office/drawing/2010/main" w="9525">
                   <a:solidFill>
                     <a:srgbClr val="000000"/>
                   </a:solidFill>
@@ -1047,7 +1046,7 @@
             </a:ln>
             <a:extLst>
               <a:ext uri="{91240B29-F687-4f45-9708-019B960494DF}">
-                <a14:hiddenLine xmlns:a14="http://schemas.microsoft.com/office/drawing/2010/main" xmlns="" w="9525">
+                <a14:hiddenLine xmlns="" xmlns:a14="http://schemas.microsoft.com/office/drawing/2010/main" w="9525">
                   <a:solidFill>
                     <a:srgbClr val="000000"/>
                   </a:solidFill>
@@ -1109,7 +1108,7 @@
             </a:ln>
             <a:extLst>
               <a:ext uri="{91240B29-F687-4f45-9708-019B960494DF}">
-                <a14:hiddenLine xmlns:a14="http://schemas.microsoft.com/office/drawing/2010/main" xmlns="" w="9525">
+                <a14:hiddenLine xmlns="" xmlns:a14="http://schemas.microsoft.com/office/drawing/2010/main" w="9525">
                   <a:solidFill>
                     <a:srgbClr val="000000"/>
                   </a:solidFill>
@@ -1219,7 +1218,7 @@
             </a:ln>
             <a:extLst>
               <a:ext uri="{91240B29-F687-4f45-9708-019B960494DF}">
-                <a14:hiddenLine xmlns:a14="http://schemas.microsoft.com/office/drawing/2010/main" xmlns="" w="9525">
+                <a14:hiddenLine xmlns="" xmlns:a14="http://schemas.microsoft.com/office/drawing/2010/main" w="9525">
                   <a:solidFill>
                     <a:srgbClr val="000000"/>
                   </a:solidFill>
@@ -1281,7 +1280,7 @@
             </a:ln>
             <a:extLst>
               <a:ext uri="{91240B29-F687-4f45-9708-019B960494DF}">
-                <a14:hiddenLine xmlns:a14="http://schemas.microsoft.com/office/drawing/2010/main" xmlns="" w="9525">
+                <a14:hiddenLine xmlns="" xmlns:a14="http://schemas.microsoft.com/office/drawing/2010/main" w="9525">
                   <a:solidFill>
                     <a:srgbClr val="000000"/>
                   </a:solidFill>
@@ -1371,7 +1370,7 @@
             </a:ln>
             <a:extLst>
               <a:ext uri="{91240B29-F687-4f45-9708-019B960494DF}">
-                <a14:hiddenLine xmlns:a14="http://schemas.microsoft.com/office/drawing/2010/main" xmlns="" w="9525">
+                <a14:hiddenLine xmlns="" xmlns:a14="http://schemas.microsoft.com/office/drawing/2010/main" w="9525">
                   <a:solidFill>
                     <a:srgbClr val="000000"/>
                   </a:solidFill>
@@ -1461,7 +1460,7 @@
             </a:ln>
             <a:extLst>
               <a:ext uri="{91240B29-F687-4f45-9708-019B960494DF}">
-                <a14:hiddenLine xmlns:a14="http://schemas.microsoft.com/office/drawing/2010/main" xmlns="" w="9525">
+                <a14:hiddenLine xmlns="" xmlns:a14="http://schemas.microsoft.com/office/drawing/2010/main" w="9525">
                   <a:solidFill>
                     <a:srgbClr val="000000"/>
                   </a:solidFill>
@@ -1523,7 +1522,7 @@
             </a:ln>
             <a:extLst>
               <a:ext uri="{91240B29-F687-4f45-9708-019B960494DF}">
-                <a14:hiddenLine xmlns:a14="http://schemas.microsoft.com/office/drawing/2010/main" xmlns="" w="9525">
+                <a14:hiddenLine xmlns="" xmlns:a14="http://schemas.microsoft.com/office/drawing/2010/main" w="9525">
                   <a:solidFill>
                     <a:srgbClr val="000000"/>
                   </a:solidFill>
@@ -1613,7 +1612,7 @@
             </a:ln>
             <a:extLst>
               <a:ext uri="{91240B29-F687-4f45-9708-019B960494DF}">
-                <a14:hiddenLine xmlns:a14="http://schemas.microsoft.com/office/drawing/2010/main" xmlns="" w="9525">
+                <a14:hiddenLine xmlns="" xmlns:a14="http://schemas.microsoft.com/office/drawing/2010/main" w="9525">
                   <a:solidFill>
                     <a:srgbClr val="000000"/>
                   </a:solidFill>
@@ -1703,7 +1702,7 @@
             </a:ln>
             <a:extLst>
               <a:ext uri="{91240B29-F687-4f45-9708-019B960494DF}">
-                <a14:hiddenLine xmlns:a14="http://schemas.microsoft.com/office/drawing/2010/main" xmlns="" w="9525">
+                <a14:hiddenLine xmlns="" xmlns:a14="http://schemas.microsoft.com/office/drawing/2010/main" w="9525">
                   <a:solidFill>
                     <a:srgbClr val="000000"/>
                   </a:solidFill>
@@ -1759,7 +1758,7 @@
             </a:ln>
             <a:extLst>
               <a:ext uri="{91240B29-F687-4f45-9708-019B960494DF}">
-                <a14:hiddenLine xmlns:a14="http://schemas.microsoft.com/office/drawing/2010/main" xmlns="" w="9525">
+                <a14:hiddenLine xmlns="" xmlns:a14="http://schemas.microsoft.com/office/drawing/2010/main" w="9525">
                   <a:solidFill>
                     <a:srgbClr val="000000"/>
                   </a:solidFill>
@@ -1849,7 +1848,7 @@
             </a:ln>
             <a:extLst>
               <a:ext uri="{91240B29-F687-4f45-9708-019B960494DF}">
-                <a14:hiddenLine xmlns:a14="http://schemas.microsoft.com/office/drawing/2010/main" xmlns="" w="9525">
+                <a14:hiddenLine xmlns="" xmlns:a14="http://schemas.microsoft.com/office/drawing/2010/main" w="9525">
                   <a:solidFill>
                     <a:srgbClr val="000000"/>
                   </a:solidFill>
@@ -1905,7 +1904,7 @@
             </a:ln>
             <a:extLst>
               <a:ext uri="{91240B29-F687-4f45-9708-019B960494DF}">
-                <a14:hiddenLine xmlns:a14="http://schemas.microsoft.com/office/drawing/2010/main" xmlns="" w="9525">
+                <a14:hiddenLine xmlns="" xmlns:a14="http://schemas.microsoft.com/office/drawing/2010/main" w="9525">
                   <a:solidFill>
                     <a:srgbClr val="000000"/>
                   </a:solidFill>
@@ -1995,7 +1994,7 @@
             </a:ln>
             <a:extLst>
               <a:ext uri="{91240B29-F687-4f45-9708-019B960494DF}">
-                <a14:hiddenLine xmlns:a14="http://schemas.microsoft.com/office/drawing/2010/main" xmlns="" w="9525">
+                <a14:hiddenLine xmlns="" xmlns:a14="http://schemas.microsoft.com/office/drawing/2010/main" w="9525">
                   <a:solidFill>
                     <a:srgbClr val="000000"/>
                   </a:solidFill>
@@ -2063,7 +2062,7 @@
             </a:ln>
             <a:extLst>
               <a:ext uri="{91240B29-F687-4f45-9708-019B960494DF}">
-                <a14:hiddenLine xmlns:a14="http://schemas.microsoft.com/office/drawing/2010/main" xmlns="" w="9525">
+                <a14:hiddenLine xmlns="" xmlns:a14="http://schemas.microsoft.com/office/drawing/2010/main" w="9525">
                   <a:solidFill>
                     <a:srgbClr val="000000"/>
                   </a:solidFill>
@@ -2153,7 +2152,7 @@
             </a:ln>
             <a:extLst>
               <a:ext uri="{91240B29-F687-4f45-9708-019B960494DF}">
-                <a14:hiddenLine xmlns:a14="http://schemas.microsoft.com/office/drawing/2010/main" xmlns="" w="9525">
+                <a14:hiddenLine xmlns="" xmlns:a14="http://schemas.microsoft.com/office/drawing/2010/main" w="9525">
                   <a:solidFill>
                     <a:srgbClr val="000000"/>
                   </a:solidFill>
@@ -2221,7 +2220,7 @@
             </a:ln>
             <a:extLst>
               <a:ext uri="{91240B29-F687-4f45-9708-019B960494DF}">
-                <a14:hiddenLine xmlns:a14="http://schemas.microsoft.com/office/drawing/2010/main" xmlns="" w="9525">
+                <a14:hiddenLine xmlns="" xmlns:a14="http://schemas.microsoft.com/office/drawing/2010/main" w="9525">
                   <a:solidFill>
                     <a:srgbClr val="000000"/>
                   </a:solidFill>
@@ -2311,7 +2310,7 @@
             </a:ln>
             <a:extLst>
               <a:ext uri="{91240B29-F687-4f45-9708-019B960494DF}">
-                <a14:hiddenLine xmlns:a14="http://schemas.microsoft.com/office/drawing/2010/main" xmlns="" w="9525">
+                <a14:hiddenLine xmlns="" xmlns:a14="http://schemas.microsoft.com/office/drawing/2010/main" w="9525">
                   <a:solidFill>
                     <a:srgbClr val="000000"/>
                   </a:solidFill>
@@ -2345,7 +2344,7 @@
             </a:ln>
             <a:extLst>
               <a:ext uri="{91240B29-F687-4f45-9708-019B960494DF}">
-                <a14:hiddenLine xmlns:a14="http://schemas.microsoft.com/office/drawing/2010/main" xmlns="" w="9525">
+                <a14:hiddenLine xmlns="" xmlns:a14="http://schemas.microsoft.com/office/drawing/2010/main" w="9525">
                   <a:solidFill>
                     <a:srgbClr val="000000"/>
                   </a:solidFill>
@@ -2435,7 +2434,7 @@
             </a:ln>
             <a:extLst>
               <a:ext uri="{91240B29-F687-4f45-9708-019B960494DF}">
-                <a14:hiddenLine xmlns:a14="http://schemas.microsoft.com/office/drawing/2010/main" xmlns="" w="9525">
+                <a14:hiddenLine xmlns="" xmlns:a14="http://schemas.microsoft.com/office/drawing/2010/main" w="9525">
                   <a:solidFill>
                     <a:srgbClr val="000000"/>
                   </a:solidFill>
@@ -2497,7 +2496,7 @@
             </a:ln>
             <a:extLst>
               <a:ext uri="{91240B29-F687-4f45-9708-019B960494DF}">
-                <a14:hiddenLine xmlns:a14="http://schemas.microsoft.com/office/drawing/2010/main" xmlns="" w="9525">
+                <a14:hiddenLine xmlns="" xmlns:a14="http://schemas.microsoft.com/office/drawing/2010/main" w="9525">
                   <a:solidFill>
                     <a:srgbClr val="000000"/>
                   </a:solidFill>
@@ -2559,7 +2558,7 @@
             </a:ln>
             <a:extLst>
               <a:ext uri="{91240B29-F687-4f45-9708-019B960494DF}">
-                <a14:hiddenLine xmlns:a14="http://schemas.microsoft.com/office/drawing/2010/main" xmlns="" w="9525">
+                <a14:hiddenLine xmlns="" xmlns:a14="http://schemas.microsoft.com/office/drawing/2010/main" w="9525">
                   <a:solidFill>
                     <a:srgbClr val="000000"/>
                   </a:solidFill>
@@ -2649,7 +2648,7 @@
             </a:ln>
             <a:extLst>
               <a:ext uri="{91240B29-F687-4f45-9708-019B960494DF}">
-                <a14:hiddenLine xmlns:a14="http://schemas.microsoft.com/office/drawing/2010/main" xmlns="" w="9525">
+                <a14:hiddenLine xmlns="" xmlns:a14="http://schemas.microsoft.com/office/drawing/2010/main" w="9525">
                   <a:solidFill>
                     <a:srgbClr val="000000"/>
                   </a:solidFill>
@@ -2717,7 +2716,7 @@
             </a:ln>
             <a:extLst>
               <a:ext uri="{91240B29-F687-4f45-9708-019B960494DF}">
-                <a14:hiddenLine xmlns:a14="http://schemas.microsoft.com/office/drawing/2010/main" xmlns="" w="9525">
+                <a14:hiddenLine xmlns="" xmlns:a14="http://schemas.microsoft.com/office/drawing/2010/main" w="9525">
                   <a:solidFill>
                     <a:srgbClr val="000000"/>
                   </a:solidFill>
@@ -2779,7 +2778,7 @@
             </a:ln>
             <a:extLst>
               <a:ext uri="{91240B29-F687-4f45-9708-019B960494DF}">
-                <a14:hiddenLine xmlns:a14="http://schemas.microsoft.com/office/drawing/2010/main" xmlns="" w="9525">
+                <a14:hiddenLine xmlns="" xmlns:a14="http://schemas.microsoft.com/office/drawing/2010/main" w="9525">
                   <a:solidFill>
                     <a:srgbClr val="000000"/>
                   </a:solidFill>
@@ -2869,7 +2868,7 @@
             </a:ln>
             <a:extLst>
               <a:ext uri="{91240B29-F687-4f45-9708-019B960494DF}">
-                <a14:hiddenLine xmlns:a14="http://schemas.microsoft.com/office/drawing/2010/main" xmlns="" w="9525">
+                <a14:hiddenLine xmlns="" xmlns:a14="http://schemas.microsoft.com/office/drawing/2010/main" w="9525">
                   <a:solidFill>
                     <a:srgbClr val="000000"/>
                   </a:solidFill>
@@ -2931,7 +2930,7 @@
             </a:ln>
             <a:extLst>
               <a:ext uri="{91240B29-F687-4f45-9708-019B960494DF}">
-                <a14:hiddenLine xmlns:a14="http://schemas.microsoft.com/office/drawing/2010/main" xmlns="" w="9525">
+                <a14:hiddenLine xmlns="" xmlns:a14="http://schemas.microsoft.com/office/drawing/2010/main" w="9525">
                   <a:solidFill>
                     <a:srgbClr val="000000"/>
                   </a:solidFill>
@@ -3021,7 +3020,7 @@
             </a:ln>
             <a:extLst>
               <a:ext uri="{91240B29-F687-4f45-9708-019B960494DF}">
-                <a14:hiddenLine xmlns:a14="http://schemas.microsoft.com/office/drawing/2010/main" xmlns="" w="9525">
+                <a14:hiddenLine xmlns="" xmlns:a14="http://schemas.microsoft.com/office/drawing/2010/main" w="9525">
                   <a:solidFill>
                     <a:srgbClr val="000000"/>
                   </a:solidFill>
@@ -3083,7 +3082,7 @@
             </a:ln>
             <a:extLst>
               <a:ext uri="{91240B29-F687-4f45-9708-019B960494DF}">
-                <a14:hiddenLine xmlns:a14="http://schemas.microsoft.com/office/drawing/2010/main" xmlns="" w="9525">
+                <a14:hiddenLine xmlns="" xmlns:a14="http://schemas.microsoft.com/office/drawing/2010/main" w="9525">
                   <a:solidFill>
                     <a:srgbClr val="000000"/>
                   </a:solidFill>
@@ -3173,7 +3172,7 @@
             </a:ln>
             <a:extLst>
               <a:ext uri="{91240B29-F687-4f45-9708-019B960494DF}">
-                <a14:hiddenLine xmlns:a14="http://schemas.microsoft.com/office/drawing/2010/main" xmlns="" w="9525">
+                <a14:hiddenLine xmlns="" xmlns:a14="http://schemas.microsoft.com/office/drawing/2010/main" w="9525">
                   <a:solidFill>
                     <a:srgbClr val="000000"/>
                   </a:solidFill>
@@ -3207,7 +3206,7 @@
             </a:ln>
             <a:extLst>
               <a:ext uri="{91240B29-F687-4f45-9708-019B960494DF}">
-                <a14:hiddenLine xmlns:a14="http://schemas.microsoft.com/office/drawing/2010/main" xmlns="" w="9525">
+                <a14:hiddenLine xmlns="" xmlns:a14="http://schemas.microsoft.com/office/drawing/2010/main" w="9525">
                   <a:solidFill>
                     <a:srgbClr val="000000"/>
                   </a:solidFill>
@@ -3272,7 +3271,7 @@
             </a:ln>
             <a:extLst>
               <a:ext uri="{91240B29-F687-4f45-9708-019B960494DF}">
-                <a14:hiddenLine xmlns:a14="http://schemas.microsoft.com/office/drawing/2010/main" xmlns="" w="9525">
+                <a14:hiddenLine xmlns="" xmlns:a14="http://schemas.microsoft.com/office/drawing/2010/main" w="9525">
                   <a:solidFill>
                     <a:srgbClr val="000000"/>
                   </a:solidFill>
@@ -3362,7 +3361,7 @@
             </a:ln>
             <a:extLst>
               <a:ext uri="{91240B29-F687-4f45-9708-019B960494DF}">
-                <a14:hiddenLine xmlns:a14="http://schemas.microsoft.com/office/drawing/2010/main" xmlns="" w="9525">
+                <a14:hiddenLine xmlns="" xmlns:a14="http://schemas.microsoft.com/office/drawing/2010/main" w="9525">
                   <a:solidFill>
                     <a:srgbClr val="000000"/>
                   </a:solidFill>
@@ -3424,7 +3423,7 @@
             </a:ln>
             <a:extLst>
               <a:ext uri="{91240B29-F687-4f45-9708-019B960494DF}">
-                <a14:hiddenLine xmlns:a14="http://schemas.microsoft.com/office/drawing/2010/main" xmlns="" w="9525">
+                <a14:hiddenLine xmlns="" xmlns:a14="http://schemas.microsoft.com/office/drawing/2010/main" w="9525">
                   <a:solidFill>
                     <a:srgbClr val="000000"/>
                   </a:solidFill>
@@ -3514,7 +3513,7 @@
             </a:ln>
             <a:extLst>
               <a:ext uri="{91240B29-F687-4f45-9708-019B960494DF}">
-                <a14:hiddenLine xmlns:a14="http://schemas.microsoft.com/office/drawing/2010/main" xmlns="" w="9525">
+                <a14:hiddenLine xmlns="" xmlns:a14="http://schemas.microsoft.com/office/drawing/2010/main" w="9525">
                   <a:solidFill>
                     <a:srgbClr val="000000"/>
                   </a:solidFill>
@@ -3604,7 +3603,7 @@
             </a:ln>
             <a:extLst>
               <a:ext uri="{91240B29-F687-4f45-9708-019B960494DF}">
-                <a14:hiddenLine xmlns:a14="http://schemas.microsoft.com/office/drawing/2010/main" xmlns="" w="9525">
+                <a14:hiddenLine xmlns="" xmlns:a14="http://schemas.microsoft.com/office/drawing/2010/main" w="9525">
                   <a:solidFill>
                     <a:srgbClr val="000000"/>
                   </a:solidFill>
@@ -3669,7 +3668,7 @@
             </a:ln>
             <a:extLst>
               <a:ext uri="{91240B29-F687-4f45-9708-019B960494DF}">
-                <a14:hiddenLine xmlns:a14="http://schemas.microsoft.com/office/drawing/2010/main" xmlns="" w="9525">
+                <a14:hiddenLine xmlns="" xmlns:a14="http://schemas.microsoft.com/office/drawing/2010/main" w="9525">
                   <a:solidFill>
                     <a:srgbClr val="000000"/>
                   </a:solidFill>
@@ -3731,7 +3730,7 @@
             </a:ln>
             <a:extLst>
               <a:ext uri="{91240B29-F687-4f45-9708-019B960494DF}">
-                <a14:hiddenLine xmlns:a14="http://schemas.microsoft.com/office/drawing/2010/main" xmlns="" w="9525">
+                <a14:hiddenLine xmlns="" xmlns:a14="http://schemas.microsoft.com/office/drawing/2010/main" w="9525">
                   <a:solidFill>
                     <a:srgbClr val="000000"/>
                   </a:solidFill>
@@ -3821,7 +3820,7 @@
             </a:ln>
             <a:extLst>
               <a:ext uri="{91240B29-F687-4f45-9708-019B960494DF}">
-                <a14:hiddenLine xmlns:a14="http://schemas.microsoft.com/office/drawing/2010/main" xmlns="" w="9525">
+                <a14:hiddenLine xmlns="" xmlns:a14="http://schemas.microsoft.com/office/drawing/2010/main" w="9525">
                   <a:solidFill>
                     <a:srgbClr val="000000"/>
                   </a:solidFill>
@@ -3911,7 +3910,7 @@
             </a:ln>
             <a:extLst>
               <a:ext uri="{91240B29-F687-4f45-9708-019B960494DF}">
-                <a14:hiddenLine xmlns:a14="http://schemas.microsoft.com/office/drawing/2010/main" xmlns="" w="9525">
+                <a14:hiddenLine xmlns="" xmlns:a14="http://schemas.microsoft.com/office/drawing/2010/main" w="9525">
                   <a:solidFill>
                     <a:srgbClr val="000000"/>
                   </a:solidFill>
@@ -3973,7 +3972,7 @@
             </a:ln>
             <a:extLst>
               <a:ext uri="{91240B29-F687-4f45-9708-019B960494DF}">
-                <a14:hiddenLine xmlns:a14="http://schemas.microsoft.com/office/drawing/2010/main" xmlns="" w="9525">
+                <a14:hiddenLine xmlns="" xmlns:a14="http://schemas.microsoft.com/office/drawing/2010/main" w="9525">
                   <a:solidFill>
                     <a:srgbClr val="000000"/>
                   </a:solidFill>
@@ -4093,7 +4092,7 @@
             </a:ln>
             <a:extLst>
               <a:ext uri="{91240B29-F687-4f45-9708-019B960494DF}">
-                <a14:hiddenLine xmlns:a14="http://schemas.microsoft.com/office/drawing/2010/main" xmlns="" w="9525">
+                <a14:hiddenLine xmlns="" xmlns:a14="http://schemas.microsoft.com/office/drawing/2010/main" w="9525">
                   <a:solidFill>
                     <a:srgbClr val="000000"/>
                   </a:solidFill>
@@ -4161,7 +4160,7 @@
             </a:ln>
             <a:extLst>
               <a:ext uri="{91240B29-F687-4f45-9708-019B960494DF}">
-                <a14:hiddenLine xmlns:a14="http://schemas.microsoft.com/office/drawing/2010/main" xmlns="" w="9525">
+                <a14:hiddenLine xmlns="" xmlns:a14="http://schemas.microsoft.com/office/drawing/2010/main" w="9525">
                   <a:solidFill>
                     <a:srgbClr val="000000"/>
                   </a:solidFill>
@@ -4251,7 +4250,7 @@
             </a:ln>
             <a:extLst>
               <a:ext uri="{91240B29-F687-4f45-9708-019B960494DF}">
-                <a14:hiddenLine xmlns:a14="http://schemas.microsoft.com/office/drawing/2010/main" xmlns="" w="9525">
+                <a14:hiddenLine xmlns="" xmlns:a14="http://schemas.microsoft.com/office/drawing/2010/main" w="9525">
                   <a:solidFill>
                     <a:srgbClr val="000000"/>
                   </a:solidFill>
@@ -4391,7 +4390,7 @@
           <a:p>
             <a:fld id="{48A87A34-81AB-432B-8DAE-1953F412C126}" type="datetimeFigureOut">
               <a:rPr lang="en-US" dirty="0"/>
-              <a:t>12/15/2021</a:t>
+              <a:t>1/8/2022</a:t>
             </a:fld>
             <a:endParaRPr lang="en-US" dirty="0"/>
           </a:p>
@@ -4653,7 +4652,7 @@
           <a:p>
             <a:fld id="{48A87A34-81AB-432B-8DAE-1953F412C126}" type="datetimeFigureOut">
               <a:rPr lang="en-US" dirty="0"/>
-              <a:t>12/15/2021</a:t>
+              <a:t>1/8/2022</a:t>
             </a:fld>
             <a:endParaRPr lang="en-US" dirty="0"/>
           </a:p>
@@ -4844,7 +4843,7 @@
           <a:p>
             <a:fld id="{48A87A34-81AB-432B-8DAE-1953F412C126}" type="datetimeFigureOut">
               <a:rPr lang="en-US" dirty="0"/>
-              <a:t>12/15/2021</a:t>
+              <a:t>1/8/2022</a:t>
             </a:fld>
             <a:endParaRPr lang="en-US" dirty="0"/>
           </a:p>
@@ -5102,7 +5101,7 @@
           <a:p>
             <a:fld id="{48A87A34-81AB-432B-8DAE-1953F412C126}" type="datetimeFigureOut">
               <a:rPr lang="en-US" dirty="0"/>
-              <a:t>12/15/2021</a:t>
+              <a:t>1/8/2022</a:t>
             </a:fld>
             <a:endParaRPr lang="en-US" dirty="0"/>
           </a:p>
@@ -5531,7 +5530,7 @@
           <a:p>
             <a:fld id="{48A87A34-81AB-432B-8DAE-1953F412C126}" type="datetimeFigureOut">
               <a:rPr lang="en-US" dirty="0"/>
-              <a:t>12/15/2021</a:t>
+              <a:t>1/8/2022</a:t>
             </a:fld>
             <a:endParaRPr lang="en-US" dirty="0"/>
           </a:p>
@@ -6072,7 +6071,7 @@
           <a:p>
             <a:fld id="{48A87A34-81AB-432B-8DAE-1953F412C126}" type="datetimeFigureOut">
               <a:rPr lang="en-US" dirty="0"/>
-              <a:t>12/15/2021</a:t>
+              <a:t>1/8/2022</a:t>
             </a:fld>
             <a:endParaRPr lang="en-US" dirty="0"/>
           </a:p>
@@ -6787,7 +6786,7 @@
           <a:p>
             <a:fld id="{48A87A34-81AB-432B-8DAE-1953F412C126}" type="datetimeFigureOut">
               <a:rPr lang="en-US" dirty="0"/>
-              <a:t>12/15/2021</a:t>
+              <a:t>1/8/2022</a:t>
             </a:fld>
             <a:endParaRPr lang="en-US" dirty="0"/>
           </a:p>
@@ -6952,7 +6951,7 @@
           <a:p>
             <a:fld id="{48A87A34-81AB-432B-8DAE-1953F412C126}" type="datetimeFigureOut">
               <a:rPr lang="en-US" dirty="0"/>
-              <a:t>12/15/2021</a:t>
+              <a:t>1/8/2022</a:t>
             </a:fld>
             <a:endParaRPr lang="en-US" dirty="0"/>
           </a:p>
@@ -7127,7 +7126,7 @@
           <a:p>
             <a:fld id="{48A87A34-81AB-432B-8DAE-1953F412C126}" type="datetimeFigureOut">
               <a:rPr lang="en-US" dirty="0"/>
-              <a:t>12/15/2021</a:t>
+              <a:t>1/8/2022</a:t>
             </a:fld>
             <a:endParaRPr lang="en-US" dirty="0"/>
           </a:p>
@@ -7292,7 +7291,7 @@
           <a:p>
             <a:fld id="{48A87A34-81AB-432B-8DAE-1953F412C126}" type="datetimeFigureOut">
               <a:rPr lang="en-US" dirty="0"/>
-              <a:t>12/15/2021</a:t>
+              <a:t>1/8/2022</a:t>
             </a:fld>
             <a:endParaRPr lang="en-US" dirty="0"/>
           </a:p>
@@ -7537,7 +7536,7 @@
           <a:p>
             <a:fld id="{48A87A34-81AB-432B-8DAE-1953F412C126}" type="datetimeFigureOut">
               <a:rPr lang="en-US" dirty="0"/>
-              <a:t>12/15/2021</a:t>
+              <a:t>1/8/2022</a:t>
             </a:fld>
             <a:endParaRPr lang="en-US" dirty="0"/>
           </a:p>
@@ -7764,7 +7763,7 @@
           <a:p>
             <a:fld id="{48A87A34-81AB-432B-8DAE-1953F412C126}" type="datetimeFigureOut">
               <a:rPr lang="en-US" dirty="0"/>
-              <a:t>12/15/2021</a:t>
+              <a:t>1/8/2022</a:t>
             </a:fld>
             <a:endParaRPr lang="en-US" dirty="0"/>
           </a:p>
@@ -8140,7 +8139,7 @@
           <a:p>
             <a:fld id="{48A87A34-81AB-432B-8DAE-1953F412C126}" type="datetimeFigureOut">
               <a:rPr lang="en-US" dirty="0"/>
-              <a:t>12/15/2021</a:t>
+              <a:t>1/8/2022</a:t>
             </a:fld>
             <a:endParaRPr lang="en-US" dirty="0"/>
           </a:p>
@@ -8253,7 +8252,7 @@
           <a:p>
             <a:fld id="{48A87A34-81AB-432B-8DAE-1953F412C126}" type="datetimeFigureOut">
               <a:rPr lang="en-US" dirty="0"/>
-              <a:t>12/15/2021</a:t>
+              <a:t>1/8/2022</a:t>
             </a:fld>
             <a:endParaRPr lang="en-US" dirty="0"/>
           </a:p>
@@ -8343,7 +8342,7 @@
           <a:p>
             <a:fld id="{48A87A34-81AB-432B-8DAE-1953F412C126}" type="datetimeFigureOut">
               <a:rPr lang="en-US" dirty="0"/>
-              <a:t>12/15/2021</a:t>
+              <a:t>1/8/2022</a:t>
             </a:fld>
             <a:endParaRPr lang="en-US" dirty="0"/>
           </a:p>
@@ -8587,7 +8586,7 @@
           <a:p>
             <a:fld id="{48A87A34-81AB-432B-8DAE-1953F412C126}" type="datetimeFigureOut">
               <a:rPr lang="en-US" dirty="0"/>
-              <a:t>12/15/2021</a:t>
+              <a:t>1/8/2022</a:t>
             </a:fld>
             <a:endParaRPr lang="en-US" dirty="0"/>
           </a:p>
@@ -8862,7 +8861,7 @@
           <a:p>
             <a:fld id="{48A87A34-81AB-432B-8DAE-1953F412C126}" type="datetimeFigureOut">
               <a:rPr lang="en-US" dirty="0"/>
-              <a:t>12/15/2021</a:t>
+              <a:t>1/8/2022</a:t>
             </a:fld>
             <a:endParaRPr lang="en-US" dirty="0"/>
           </a:p>
@@ -8973,7 +8972,7 @@
           <a:noFill/>
           <a:extLst>
             <a:ext uri="{909E8E84-426E-40dd-AFC4-6F175D3DCCD1}">
-              <a14:hiddenFill xmlns:a14="http://schemas.microsoft.com/office/drawing/2010/main" xmlns="">
+              <a14:hiddenFill xmlns="" xmlns:a14="http://schemas.microsoft.com/office/drawing/2010/main">
                 <a:solidFill>
                   <a:srgbClr val="FFFFFF"/>
                 </a:solidFill>
@@ -9047,7 +9046,7 @@
               </a:ln>
               <a:extLst>
                 <a:ext uri="{91240B29-F687-4f45-9708-019B960494DF}">
-                  <a14:hiddenLine xmlns:a14="http://schemas.microsoft.com/office/drawing/2010/main" xmlns="" w="9525">
+                  <a14:hiddenLine xmlns="" xmlns:a14="http://schemas.microsoft.com/office/drawing/2010/main" w="9525">
                     <a:solidFill>
                       <a:srgbClr val="000000"/>
                     </a:solidFill>
@@ -9137,7 +9136,7 @@
               </a:ln>
               <a:extLst>
                 <a:ext uri="{91240B29-F687-4f45-9708-019B960494DF}">
-                  <a14:hiddenLine xmlns:a14="http://schemas.microsoft.com/office/drawing/2010/main" xmlns="" w="9525">
+                  <a14:hiddenLine xmlns="" xmlns:a14="http://schemas.microsoft.com/office/drawing/2010/main" w="9525">
                     <a:solidFill>
                       <a:srgbClr val="000000"/>
                     </a:solidFill>
@@ -9227,7 +9226,7 @@
               </a:ln>
               <a:extLst>
                 <a:ext uri="{91240B29-F687-4f45-9708-019B960494DF}">
-                  <a14:hiddenLine xmlns:a14="http://schemas.microsoft.com/office/drawing/2010/main" xmlns="" w="9525">
+                  <a14:hiddenLine xmlns="" xmlns:a14="http://schemas.microsoft.com/office/drawing/2010/main" w="9525">
                     <a:solidFill>
                       <a:srgbClr val="000000"/>
                     </a:solidFill>
@@ -9289,7 +9288,7 @@
               </a:ln>
               <a:extLst>
                 <a:ext uri="{91240B29-F687-4f45-9708-019B960494DF}">
-                  <a14:hiddenLine xmlns:a14="http://schemas.microsoft.com/office/drawing/2010/main" xmlns="" w="9525">
+                  <a14:hiddenLine xmlns="" xmlns:a14="http://schemas.microsoft.com/office/drawing/2010/main" w="9525">
                     <a:solidFill>
                       <a:srgbClr val="000000"/>
                     </a:solidFill>
@@ -9379,7 +9378,7 @@
               </a:ln>
               <a:extLst>
                 <a:ext uri="{91240B29-F687-4f45-9708-019B960494DF}">
-                  <a14:hiddenLine xmlns:a14="http://schemas.microsoft.com/office/drawing/2010/main" xmlns="" w="9525">
+                  <a14:hiddenLine xmlns="" xmlns:a14="http://schemas.microsoft.com/office/drawing/2010/main" w="9525">
                     <a:solidFill>
                       <a:srgbClr val="000000"/>
                     </a:solidFill>
@@ -9441,7 +9440,7 @@
               </a:ln>
               <a:extLst>
                 <a:ext uri="{91240B29-F687-4f45-9708-019B960494DF}">
-                  <a14:hiddenLine xmlns:a14="http://schemas.microsoft.com/office/drawing/2010/main" xmlns="" w="9525">
+                  <a14:hiddenLine xmlns="" xmlns:a14="http://schemas.microsoft.com/office/drawing/2010/main" w="9525">
                     <a:solidFill>
                       <a:srgbClr val="000000"/>
                     </a:solidFill>
@@ -9503,7 +9502,7 @@
               </a:ln>
               <a:extLst>
                 <a:ext uri="{91240B29-F687-4f45-9708-019B960494DF}">
-                  <a14:hiddenLine xmlns:a14="http://schemas.microsoft.com/office/drawing/2010/main" xmlns="" w="9525">
+                  <a14:hiddenLine xmlns="" xmlns:a14="http://schemas.microsoft.com/office/drawing/2010/main" w="9525">
                     <a:solidFill>
                       <a:srgbClr val="000000"/>
                     </a:solidFill>
@@ -9593,7 +9592,7 @@
               </a:ln>
               <a:extLst>
                 <a:ext uri="{91240B29-F687-4f45-9708-019B960494DF}">
-                  <a14:hiddenLine xmlns:a14="http://schemas.microsoft.com/office/drawing/2010/main" xmlns="" w="9525">
+                  <a14:hiddenLine xmlns="" xmlns:a14="http://schemas.microsoft.com/office/drawing/2010/main" w="9525">
                     <a:solidFill>
                       <a:srgbClr val="000000"/>
                     </a:solidFill>
@@ -9683,7 +9682,7 @@
               </a:ln>
               <a:extLst>
                 <a:ext uri="{91240B29-F687-4f45-9708-019B960494DF}">
-                  <a14:hiddenLine xmlns:a14="http://schemas.microsoft.com/office/drawing/2010/main" xmlns="" w="9525">
+                  <a14:hiddenLine xmlns="" xmlns:a14="http://schemas.microsoft.com/office/drawing/2010/main" w="9525">
                     <a:solidFill>
                       <a:srgbClr val="000000"/>
                     </a:solidFill>
@@ -9745,7 +9744,7 @@
               </a:ln>
               <a:extLst>
                 <a:ext uri="{91240B29-F687-4f45-9708-019B960494DF}">
-                  <a14:hiddenLine xmlns:a14="http://schemas.microsoft.com/office/drawing/2010/main" xmlns="" w="9525">
+                  <a14:hiddenLine xmlns="" xmlns:a14="http://schemas.microsoft.com/office/drawing/2010/main" w="9525">
                     <a:solidFill>
                       <a:srgbClr val="000000"/>
                     </a:solidFill>
@@ -9855,7 +9854,7 @@
               </a:ln>
               <a:extLst>
                 <a:ext uri="{91240B29-F687-4f45-9708-019B960494DF}">
-                  <a14:hiddenLine xmlns:a14="http://schemas.microsoft.com/office/drawing/2010/main" xmlns="" w="9525">
+                  <a14:hiddenLine xmlns="" xmlns:a14="http://schemas.microsoft.com/office/drawing/2010/main" w="9525">
                     <a:solidFill>
                       <a:srgbClr val="000000"/>
                     </a:solidFill>
@@ -9939,7 +9938,7 @@
               </a:ln>
               <a:extLst>
                 <a:ext uri="{91240B29-F687-4f45-9708-019B960494DF}">
-                  <a14:hiddenLine xmlns:a14="http://schemas.microsoft.com/office/drawing/2010/main" xmlns="" w="9525">
+                  <a14:hiddenLine xmlns="" xmlns:a14="http://schemas.microsoft.com/office/drawing/2010/main" w="9525">
                     <a:solidFill>
                       <a:srgbClr val="000000"/>
                     </a:solidFill>
@@ -10001,7 +10000,7 @@
               </a:ln>
               <a:extLst>
                 <a:ext uri="{91240B29-F687-4f45-9708-019B960494DF}">
-                  <a14:hiddenLine xmlns:a14="http://schemas.microsoft.com/office/drawing/2010/main" xmlns="" w="9525">
+                  <a14:hiddenLine xmlns="" xmlns:a14="http://schemas.microsoft.com/office/drawing/2010/main" w="9525">
                     <a:solidFill>
                       <a:srgbClr val="000000"/>
                     </a:solidFill>
@@ -10063,7 +10062,7 @@
               </a:ln>
               <a:extLst>
                 <a:ext uri="{91240B29-F687-4f45-9708-019B960494DF}">
-                  <a14:hiddenLine xmlns:a14="http://schemas.microsoft.com/office/drawing/2010/main" xmlns="" w="9525">
+                  <a14:hiddenLine xmlns="" xmlns:a14="http://schemas.microsoft.com/office/drawing/2010/main" w="9525">
                     <a:solidFill>
                       <a:srgbClr val="000000"/>
                     </a:solidFill>
@@ -10153,7 +10152,7 @@
               </a:ln>
               <a:extLst>
                 <a:ext uri="{91240B29-F687-4f45-9708-019B960494DF}">
-                  <a14:hiddenLine xmlns:a14="http://schemas.microsoft.com/office/drawing/2010/main" xmlns="" w="9525">
+                  <a14:hiddenLine xmlns="" xmlns:a14="http://schemas.microsoft.com/office/drawing/2010/main" w="9525">
                     <a:solidFill>
                       <a:srgbClr val="000000"/>
                     </a:solidFill>
@@ -10187,7 +10186,7 @@
               </a:ln>
               <a:extLst>
                 <a:ext uri="{91240B29-F687-4f45-9708-019B960494DF}">
-                  <a14:hiddenLine xmlns:a14="http://schemas.microsoft.com/office/drawing/2010/main" xmlns="" w="9525">
+                  <a14:hiddenLine xmlns="" xmlns:a14="http://schemas.microsoft.com/office/drawing/2010/main" w="9525">
                     <a:solidFill>
                       <a:srgbClr val="000000"/>
                     </a:solidFill>
@@ -10252,7 +10251,7 @@
               </a:ln>
               <a:extLst>
                 <a:ext uri="{91240B29-F687-4f45-9708-019B960494DF}">
-                  <a14:hiddenLine xmlns:a14="http://schemas.microsoft.com/office/drawing/2010/main" xmlns="" w="9525">
+                  <a14:hiddenLine xmlns="" xmlns:a14="http://schemas.microsoft.com/office/drawing/2010/main" w="9525">
                     <a:solidFill>
                       <a:srgbClr val="000000"/>
                     </a:solidFill>
@@ -10342,7 +10341,7 @@
               </a:ln>
               <a:extLst>
                 <a:ext uri="{91240B29-F687-4f45-9708-019B960494DF}">
-                  <a14:hiddenLine xmlns:a14="http://schemas.microsoft.com/office/drawing/2010/main" xmlns="" w="9525">
+                  <a14:hiddenLine xmlns="" xmlns:a14="http://schemas.microsoft.com/office/drawing/2010/main" w="9525">
                     <a:solidFill>
                       <a:srgbClr val="000000"/>
                     </a:solidFill>
@@ -10404,7 +10403,7 @@
               </a:ln>
               <a:extLst>
                 <a:ext uri="{91240B29-F687-4f45-9708-019B960494DF}">
-                  <a14:hiddenLine xmlns:a14="http://schemas.microsoft.com/office/drawing/2010/main" xmlns="" w="9525">
+                  <a14:hiddenLine xmlns="" xmlns:a14="http://schemas.microsoft.com/office/drawing/2010/main" w="9525">
                     <a:solidFill>
                       <a:srgbClr val="000000"/>
                     </a:solidFill>
@@ -10494,7 +10493,7 @@
               </a:ln>
               <a:extLst>
                 <a:ext uri="{91240B29-F687-4f45-9708-019B960494DF}">
-                  <a14:hiddenLine xmlns:a14="http://schemas.microsoft.com/office/drawing/2010/main" xmlns="" w="9525">
+                  <a14:hiddenLine xmlns="" xmlns:a14="http://schemas.microsoft.com/office/drawing/2010/main" w="9525">
                     <a:solidFill>
                       <a:srgbClr val="000000"/>
                     </a:solidFill>
@@ -10559,7 +10558,7 @@
               </a:ln>
               <a:extLst>
                 <a:ext uri="{91240B29-F687-4f45-9708-019B960494DF}">
-                  <a14:hiddenLine xmlns:a14="http://schemas.microsoft.com/office/drawing/2010/main" xmlns="" w="9525">
+                  <a14:hiddenLine xmlns="" xmlns:a14="http://schemas.microsoft.com/office/drawing/2010/main" w="9525">
                     <a:solidFill>
                       <a:srgbClr val="000000"/>
                     </a:solidFill>
@@ -10621,7 +10620,7 @@
               </a:ln>
               <a:extLst>
                 <a:ext uri="{91240B29-F687-4f45-9708-019B960494DF}">
-                  <a14:hiddenLine xmlns:a14="http://schemas.microsoft.com/office/drawing/2010/main" xmlns="" w="9525">
+                  <a14:hiddenLine xmlns="" xmlns:a14="http://schemas.microsoft.com/office/drawing/2010/main" w="9525">
                     <a:solidFill>
                       <a:srgbClr val="000000"/>
                     </a:solidFill>
@@ -10711,7 +10710,7 @@
               </a:ln>
               <a:extLst>
                 <a:ext uri="{91240B29-F687-4f45-9708-019B960494DF}">
-                  <a14:hiddenLine xmlns:a14="http://schemas.microsoft.com/office/drawing/2010/main" xmlns="" w="9525">
+                  <a14:hiddenLine xmlns="" xmlns:a14="http://schemas.microsoft.com/office/drawing/2010/main" w="9525">
                     <a:solidFill>
                       <a:srgbClr val="000000"/>
                     </a:solidFill>
@@ -10801,7 +10800,7 @@
               </a:ln>
               <a:extLst>
                 <a:ext uri="{91240B29-F687-4f45-9708-019B960494DF}">
-                  <a14:hiddenLine xmlns:a14="http://schemas.microsoft.com/office/drawing/2010/main" xmlns="" w="9525">
+                  <a14:hiddenLine xmlns="" xmlns:a14="http://schemas.microsoft.com/office/drawing/2010/main" w="9525">
                     <a:solidFill>
                       <a:srgbClr val="000000"/>
                     </a:solidFill>
@@ -10866,7 +10865,7 @@
               </a:ln>
               <a:extLst>
                 <a:ext uri="{91240B29-F687-4f45-9708-019B960494DF}">
-                  <a14:hiddenLine xmlns:a14="http://schemas.microsoft.com/office/drawing/2010/main" xmlns="" w="9525">
+                  <a14:hiddenLine xmlns="" xmlns:a14="http://schemas.microsoft.com/office/drawing/2010/main" w="9525">
                     <a:solidFill>
                       <a:srgbClr val="000000"/>
                     </a:solidFill>
@@ -10986,7 +10985,7 @@
               </a:ln>
               <a:extLst>
                 <a:ext uri="{91240B29-F687-4f45-9708-019B960494DF}">
-                  <a14:hiddenLine xmlns:a14="http://schemas.microsoft.com/office/drawing/2010/main" xmlns="" w="9525">
+                  <a14:hiddenLine xmlns="" xmlns:a14="http://schemas.microsoft.com/office/drawing/2010/main" w="9525">
                     <a:solidFill>
                       <a:srgbClr val="000000"/>
                     </a:solidFill>
@@ -11084,7 +11083,7 @@
               </a:ln>
               <a:extLst>
                 <a:ext uri="{91240B29-F687-4f45-9708-019B960494DF}">
-                  <a14:hiddenLine xmlns:a14="http://schemas.microsoft.com/office/drawing/2010/main" xmlns="" w="9525">
+                  <a14:hiddenLine xmlns="" xmlns:a14="http://schemas.microsoft.com/office/drawing/2010/main" w="9525">
                     <a:solidFill>
                       <a:srgbClr val="000000"/>
                     </a:solidFill>
@@ -11199,7 +11198,7 @@
               </a:ln>
               <a:extLst>
                 <a:ext uri="{91240B29-F687-4f45-9708-019B960494DF}">
-                  <a14:hiddenLine xmlns:a14="http://schemas.microsoft.com/office/drawing/2010/main" xmlns="" w="9525">
+                  <a14:hiddenLine xmlns="" xmlns:a14="http://schemas.microsoft.com/office/drawing/2010/main" w="9525">
                     <a:solidFill>
                       <a:srgbClr val="000000"/>
                     </a:solidFill>
@@ -11289,7 +11288,7 @@
               </a:ln>
               <a:extLst>
                 <a:ext uri="{91240B29-F687-4f45-9708-019B960494DF}">
-                  <a14:hiddenLine xmlns:a14="http://schemas.microsoft.com/office/drawing/2010/main" xmlns="" w="9525">
+                  <a14:hiddenLine xmlns="" xmlns:a14="http://schemas.microsoft.com/office/drawing/2010/main" w="9525">
                     <a:solidFill>
                       <a:srgbClr val="000000"/>
                     </a:solidFill>
@@ -11354,7 +11353,7 @@
               </a:ln>
               <a:extLst>
                 <a:ext uri="{91240B29-F687-4f45-9708-019B960494DF}">
-                  <a14:hiddenLine xmlns:a14="http://schemas.microsoft.com/office/drawing/2010/main" xmlns="" w="9525">
+                  <a14:hiddenLine xmlns="" xmlns:a14="http://schemas.microsoft.com/office/drawing/2010/main" w="9525">
                     <a:solidFill>
                       <a:srgbClr val="000000"/>
                     </a:solidFill>
@@ -11444,7 +11443,7 @@
               </a:ln>
               <a:extLst>
                 <a:ext uri="{91240B29-F687-4f45-9708-019B960494DF}">
-                  <a14:hiddenLine xmlns:a14="http://schemas.microsoft.com/office/drawing/2010/main" xmlns="" w="9525">
+                  <a14:hiddenLine xmlns="" xmlns:a14="http://schemas.microsoft.com/office/drawing/2010/main" w="9525">
                     <a:solidFill>
                       <a:srgbClr val="000000"/>
                     </a:solidFill>
@@ -11512,7 +11511,7 @@
               </a:ln>
               <a:extLst>
                 <a:ext uri="{91240B29-F687-4f45-9708-019B960494DF}">
-                  <a14:hiddenLine xmlns:a14="http://schemas.microsoft.com/office/drawing/2010/main" xmlns="" w="9525">
+                  <a14:hiddenLine xmlns="" xmlns:a14="http://schemas.microsoft.com/office/drawing/2010/main" w="9525">
                     <a:solidFill>
                       <a:srgbClr val="000000"/>
                     </a:solidFill>
@@ -11602,7 +11601,7 @@
               </a:ln>
               <a:extLst>
                 <a:ext uri="{91240B29-F687-4f45-9708-019B960494DF}">
-                  <a14:hiddenLine xmlns:a14="http://schemas.microsoft.com/office/drawing/2010/main" xmlns="" w="9525">
+                  <a14:hiddenLine xmlns="" xmlns:a14="http://schemas.microsoft.com/office/drawing/2010/main" w="9525">
                     <a:solidFill>
                       <a:srgbClr val="000000"/>
                     </a:solidFill>
@@ -11670,7 +11669,7 @@
               </a:ln>
               <a:extLst>
                 <a:ext uri="{91240B29-F687-4f45-9708-019B960494DF}">
-                  <a14:hiddenLine xmlns:a14="http://schemas.microsoft.com/office/drawing/2010/main" xmlns="" w="9525">
+                  <a14:hiddenLine xmlns="" xmlns:a14="http://schemas.microsoft.com/office/drawing/2010/main" w="9525">
                     <a:solidFill>
                       <a:srgbClr val="000000"/>
                     </a:solidFill>
@@ -11760,7 +11759,7 @@
               </a:ln>
               <a:extLst>
                 <a:ext uri="{91240B29-F687-4f45-9708-019B960494DF}">
-                  <a14:hiddenLine xmlns:a14="http://schemas.microsoft.com/office/drawing/2010/main" xmlns="" w="9525">
+                  <a14:hiddenLine xmlns="" xmlns:a14="http://schemas.microsoft.com/office/drawing/2010/main" w="9525">
                     <a:solidFill>
                       <a:srgbClr val="000000"/>
                     </a:solidFill>
@@ -11794,7 +11793,7 @@
               </a:ln>
               <a:extLst>
                 <a:ext uri="{91240B29-F687-4f45-9708-019B960494DF}">
-                  <a14:hiddenLine xmlns:a14="http://schemas.microsoft.com/office/drawing/2010/main" xmlns="" w="9525">
+                  <a14:hiddenLine xmlns="" xmlns:a14="http://schemas.microsoft.com/office/drawing/2010/main" w="9525">
                     <a:solidFill>
                       <a:srgbClr val="000000"/>
                     </a:solidFill>
@@ -11935,7 +11934,7 @@
             <a:fld id="{48A87A34-81AB-432B-8DAE-1953F412C126}" type="datetimeFigureOut">
               <a:rPr lang="en-US" dirty="0"/>
               <a:pPr/>
-              <a:t>12/15/2021</a:t>
+              <a:t>1/8/2022</a:t>
             </a:fld>
             <a:endParaRPr lang="en-US" dirty="0"/>
           </a:p>
@@ -12485,7 +12484,7 @@
         </p:nvSpPr>
         <p:spPr>
           <a:xfrm>
-            <a:off x="1141413" y="618518"/>
+            <a:off x="1141412" y="118787"/>
             <a:ext cx="9905998" cy="639831"/>
           </a:xfrm>
         </p:spPr>
@@ -12505,7 +12504,7 @@
                   <a:srgbClr val="FFFF00"/>
                 </a:solidFill>
               </a:rPr>
-              <a:t>(assumes the audience are absolute beginners)</a:t>
+              <a:t>(assumes no Prior electronics or Arduino knowledge)</a:t>
             </a:r>
             <a:endParaRPr lang="en-US" dirty="0">
               <a:solidFill>
@@ -12533,37 +12532,43 @@
         </p:nvSpPr>
         <p:spPr>
           <a:xfrm>
-            <a:off x="1141412" y="1258349"/>
-            <a:ext cx="9905999" cy="5352176"/>
+            <a:off x="1141411" y="758618"/>
+            <a:ext cx="9905999" cy="5865466"/>
           </a:xfrm>
         </p:spPr>
         <p:txBody>
           <a:bodyPr>
-            <a:normAutofit lnSpcReduction="10000"/>
+            <a:normAutofit fontScale="85000" lnSpcReduction="20000"/>
           </a:bodyPr>
           <a:lstStyle/>
           <a:p>
+            <a:pPr marL="457200" indent="-457200">
+              <a:buFont typeface="+mj-lt"/>
+              <a:buAutoNum type="arabicPeriod"/>
+            </a:pPr>
             <a:r>
               <a:rPr lang="en-US" dirty="0"/>
-              <a:t>Ohms Law, Components and Symbols. Review Design Objectives.</a:t>
+              <a:t>Review Design Objectives. What you will learn. What you will need. Primer on Components and Symbols. Conductors, Insulators and Ohms Law. Introduce the kit and the included parts and how to obtain one.</a:t>
             </a:r>
           </a:p>
           <a:p>
+            <a:pPr marL="457200" indent="-457200">
+              <a:buFont typeface="+mj-lt"/>
+              <a:buAutoNum type="arabicPeriod"/>
+            </a:pPr>
             <a:r>
               <a:rPr lang="en-US" dirty="0"/>
-              <a:t>Schematic vs PCB. Start simple. Work up to this design complete walkthrough. (parts orientation, details, tips and tricks, how to solder, assemble board.) Home work – build some of the board.</a:t>
+              <a:t>Schematic vs PCB. Start it simple. Work up to this design complete walkthrough. (parts orientation, details, tips and tricks, how to solder, assemble board.) Build up the power supply portion the board. How to test your work with visual inspection and basic electrical testing. </a:t>
             </a:r>
           </a:p>
           <a:p>
+            <a:pPr marL="457200" indent="-457200">
+              <a:buFont typeface="+mj-lt"/>
+              <a:buAutoNum type="arabicPeriod"/>
+            </a:pPr>
             <a:r>
               <a:rPr lang="en-US" dirty="0"/>
-              <a:t>Opportunity to share and review. Ask questions. Check work so far.          Home work – finish the build</a:t>
-            </a:r>
-          </a:p>
-          <a:p>
-            <a:r>
-              <a:rPr lang="en-US" dirty="0"/>
-              <a:t>Basic electrical testing. The Arduino IDE. Use of test programs: Blink, Servo </a:t>
+              <a:t>Finish the build. Introduce The Arduino IDE. Use of in built test programs like Blink, Servo </a:t>
             </a:r>
             <a:r>
               <a:rPr lang="en-US" dirty="0" err="1"/>
@@ -12572,19 +12577,74 @@
             <a:endParaRPr lang="en-US" dirty="0"/>
           </a:p>
           <a:p>
+            <a:pPr marL="457200" indent="-457200">
+              <a:buFont typeface="+mj-lt"/>
+              <a:buAutoNum type="arabicPeriod"/>
+            </a:pPr>
             <a:r>
               <a:rPr lang="en-US" dirty="0"/>
-              <a:t>Arduino IDE and simple program design. Use of serial monitor for debugging</a:t>
+              <a:t>More on Arduino IDE and simple program design. Use of serial monitor for debugging. Examples of practical use (Each as a standalone short video) </a:t>
             </a:r>
           </a:p>
           <a:p>
+            <a:pPr marL="914400" lvl="1" indent="-457200">
+              <a:buFont typeface="+mj-lt"/>
+              <a:buAutoNum type="arabicPeriod"/>
+            </a:pPr>
             <a:r>
               <a:rPr lang="en-US" dirty="0"/>
-              <a:t>Examples of practical use (We can decide how deep to go with these but each could be anything from a conversation to its own lesson) - Infrared detectors, LDR sensors, LED outputs, motor control, LCD displays.</a:t>
+              <a:t>LED outputs              (timing and random light)</a:t>
             </a:r>
           </a:p>
           <a:p>
-            <a:endParaRPr lang="en-US" dirty="0"/>
+            <a:pPr marL="914400" lvl="1" indent="-457200">
+              <a:buFont typeface="+mj-lt"/>
+              <a:buAutoNum type="arabicPeriod"/>
+            </a:pPr>
+            <a:r>
+              <a:rPr lang="en-US" dirty="0"/>
+              <a:t>Button Inputs             (debouncing and controlling program flow)</a:t>
+            </a:r>
+          </a:p>
+          <a:p>
+            <a:pPr marL="914400" lvl="1" indent="-457200">
+              <a:buFont typeface="+mj-lt"/>
+              <a:buAutoNum type="arabicPeriod"/>
+            </a:pPr>
+            <a:r>
+              <a:rPr lang="en-US" dirty="0"/>
+              <a:t>Infrared detectors     (sensor needed)</a:t>
+            </a:r>
+          </a:p>
+          <a:p>
+            <a:pPr marL="914400" lvl="1" indent="-457200">
+              <a:buFont typeface="+mj-lt"/>
+              <a:buAutoNum type="arabicPeriod"/>
+            </a:pPr>
+            <a:r>
+              <a:rPr lang="en-US" dirty="0"/>
+              <a:t>LDR sensors               (LDR needed)</a:t>
+            </a:r>
+          </a:p>
+          <a:p>
+            <a:pPr marL="914400" lvl="1" indent="-457200">
+              <a:buFont typeface="+mj-lt"/>
+              <a:buAutoNum type="arabicPeriod"/>
+            </a:pPr>
+            <a:r>
+              <a:rPr lang="en-US" dirty="0"/>
+              <a:t>Motor Control           (Motor Shield needed)</a:t>
+            </a:r>
+          </a:p>
+          <a:p>
+            <a:pPr marL="914400" lvl="1" indent="-457200">
+              <a:buFont typeface="+mj-lt"/>
+              <a:buAutoNum type="arabicPeriod"/>
+            </a:pPr>
+            <a:r>
+              <a:rPr lang="en-US" dirty="0"/>
+              <a:t>LCD displays            (LCD display needed)</a:t>
+            </a:r>
           </a:p>
         </p:txBody>
       </p:sp>
@@ -12636,7 +12696,7 @@
         </p:nvSpPr>
         <p:spPr>
           <a:xfrm>
-            <a:off x="1141413" y="618518"/>
+            <a:off x="1300902" y="182583"/>
             <a:ext cx="9905998" cy="639831"/>
           </a:xfrm>
         </p:spPr>
@@ -12646,41 +12706,11 @@
           <a:p>
             <a:r>
               <a:rPr lang="en-US" dirty="0"/>
-              <a:t>Schematic</a:t>
+              <a:t>General Requirements</a:t>
             </a:r>
           </a:p>
         </p:txBody>
       </p:sp>
-      <p:pic>
-        <p:nvPicPr>
-          <p:cNvPr id="5" name="Picture 4">
-            <a:extLst>
-              <a:ext uri="{FF2B5EF4-FFF2-40B4-BE49-F238E27FC236}">
-                <a16:creationId xmlns:a16="http://schemas.microsoft.com/office/drawing/2014/main" id="{AED7FDB1-09B8-4DCC-A874-4D5719FC4CF1}"/>
-              </a:ext>
-            </a:extLst>
-          </p:cNvPr>
-          <p:cNvPicPr>
-            <a:picLocks noChangeAspect="1"/>
-          </p:cNvPicPr>
-          <p:nvPr/>
-        </p:nvPicPr>
-        <p:blipFill>
-          <a:blip r:embed="rId2"/>
-          <a:stretch>
-            <a:fillRect/>
-          </a:stretch>
-        </p:blipFill>
-        <p:spPr>
-          <a:xfrm>
-            <a:off x="1069099" y="1420227"/>
-            <a:ext cx="7257337" cy="4144162"/>
-          </a:xfrm>
-          <a:prstGeom prst="rect">
-            <a:avLst/>
-          </a:prstGeom>
-        </p:spPr>
-      </p:pic>
       <p:sp>
         <p:nvSpPr>
           <p:cNvPr id="6" name="TextBox 5">
@@ -12695,8 +12725,8 @@
         </p:nvSpPr>
         <p:spPr>
           <a:xfrm>
-            <a:off x="8422547" y="1317072"/>
-            <a:ext cx="3389152" cy="4031873"/>
+            <a:off x="1050506" y="774243"/>
+            <a:ext cx="10769708" cy="1661993"/>
           </a:xfrm>
           <a:prstGeom prst="rect">
             <a:avLst/>
@@ -12715,7 +12745,7 @@
                   <a:srgbClr val="FFFF00"/>
                 </a:solidFill>
               </a:rPr>
-              <a:t>Initial Improvement Ideas:</a:t>
+              <a:t>Basis:</a:t>
             </a:r>
           </a:p>
           <a:p>
@@ -12725,7 +12755,7 @@
             </a:pPr>
             <a:r>
               <a:rPr lang="en-US" sz="1400" dirty="0"/>
-              <a:t>Make pinout of header pins align with standard servo pinout. (currently they align with I/R sensors which as it turns out are not standardized at all)</a:t>
+              <a:t>An Arduino based hardware and software project that will serve as a learning platform</a:t>
             </a:r>
           </a:p>
           <a:p>
@@ -12735,7 +12765,7 @@
             </a:pPr>
             <a:r>
               <a:rPr lang="en-US" sz="1400" dirty="0"/>
-              <a:t>Increase value of current limiting resistors from 470 ohms to 680 ohms (or higher)</a:t>
+              <a:t>Finished product very useful in a variety of situations on any layout.</a:t>
             </a:r>
           </a:p>
           <a:p>
@@ -12745,7 +12775,7 @@
             </a:pPr>
             <a:r>
               <a:rPr lang="en-US" sz="1400" dirty="0"/>
-              <a:t>Add 2 board mounted Pushbuttons as DI’s for future experiments and testing.</a:t>
+              <a:t>Ideally ordered a kit complete with the Arduino NANO (clone)</a:t>
             </a:r>
           </a:p>
           <a:p>
@@ -12755,7 +12785,7 @@
             </a:pPr>
             <a:r>
               <a:rPr lang="en-US" sz="1400" dirty="0"/>
-              <a:t>Find space for a small test area.</a:t>
+              <a:t>PCB design should be flexible in that I/O can be reconfigured without too much fuss. (for example taking the LED’s off board) </a:t>
             </a:r>
           </a:p>
           <a:p>
@@ -12765,7 +12795,7 @@
             </a:pPr>
             <a:r>
               <a:rPr lang="en-US" sz="1400" dirty="0"/>
-              <a:t>Bring out unused digital and analog I/O</a:t>
+              <a:t>A series of videos can be made for self paced learning (able to pause, go back, review and check)</a:t>
             </a:r>
           </a:p>
           <a:p>
@@ -12775,158 +12805,1020 @@
             </a:pPr>
             <a:r>
               <a:rPr lang="en-US" sz="1400" dirty="0"/>
-              <a:t>Possibly a dedicated header for I2C using A4/A5/+5 and </a:t>
-            </a:r>
-            <a:r>
-              <a:rPr lang="en-US" sz="1400" dirty="0" err="1"/>
-              <a:t>Gnd</a:t>
-            </a:r>
-            <a:r>
-              <a:rPr lang="en-US" sz="1400" dirty="0"/>
-              <a:t> </a:t>
-            </a:r>
-          </a:p>
-          <a:p>
-            <a:pPr marL="285750" indent="-285750">
-              <a:buFont typeface="Arial" panose="020B0604020202020204" pitchFamily="34" charset="0"/>
-              <a:buChar char="•"/>
-            </a:pPr>
-            <a:r>
-              <a:rPr lang="en-US" sz="1400" dirty="0"/>
-              <a:t>NB: Doing all of these would likely increase the size (and cost) of the board which is currently 50mm x 50 mm. (last cost was ~$3 each when I ordered 10 for club use)</a:t>
+              <a:t>No expectation of ‘live sessions’ other than maybe introducing the kit once it is available</a:t>
             </a:r>
           </a:p>
         </p:txBody>
       </p:sp>
-    </p:spTree>
-    <p:extLst>
-      <p:ext uri="{BB962C8B-B14F-4D97-AF65-F5344CB8AC3E}">
-        <p14:creationId xmlns:p14="http://schemas.microsoft.com/office/powerpoint/2010/main" val="3085551083"/>
-      </p:ext>
-    </p:extLst>
-  </p:cSld>
-  <p:clrMapOvr>
-    <a:masterClrMapping/>
-  </p:clrMapOvr>
-</p:sld>
-</file>
-
-<file path=ppt/slides/slide4.xml><?xml version="1.0" encoding="utf-8"?>
-<p:sld xmlns:a="http://schemas.openxmlformats.org/drawingml/2006/main" xmlns:r="http://schemas.openxmlformats.org/officeDocument/2006/relationships" xmlns:p="http://schemas.openxmlformats.org/presentationml/2006/main">
-  <p:cSld>
-    <p:spTree>
-      <p:nvGrpSpPr>
-        <p:cNvPr id="1" name=""/>
-        <p:cNvGrpSpPr/>
-        <p:nvPr/>
-      </p:nvGrpSpPr>
-      <p:grpSpPr>
-        <a:xfrm>
-          <a:off x="0" y="0"/>
-          <a:ext cx="0" cy="0"/>
-          <a:chOff x="0" y="0"/>
-          <a:chExt cx="0" cy="0"/>
-        </a:xfrm>
-      </p:grpSpPr>
-      <p:sp>
-        <p:nvSpPr>
-          <p:cNvPr id="2" name="Title 1">
+      <p:grpSp>
+        <p:nvGrpSpPr>
+          <p:cNvPr id="30" name="Group 29">
             <a:extLst>
               <a:ext uri="{FF2B5EF4-FFF2-40B4-BE49-F238E27FC236}">
-                <a16:creationId xmlns:a16="http://schemas.microsoft.com/office/drawing/2014/main" id="{8C873460-C33C-4FF0-878E-AA3CE63D36D6}"/>
+                <a16:creationId xmlns:a16="http://schemas.microsoft.com/office/drawing/2014/main" id="{54C6B80D-D93B-4E84-8AAD-9A769FD1FDD3}"/>
               </a:ext>
             </a:extLst>
           </p:cNvPr>
-          <p:cNvSpPr>
-            <a:spLocks noGrp="1"/>
-          </p:cNvSpPr>
-          <p:nvPr>
-            <p:ph type="title"/>
-          </p:nvPr>
-        </p:nvSpPr>
-        <p:spPr>
+          <p:cNvGrpSpPr/>
+          <p:nvPr/>
+        </p:nvGrpSpPr>
+        <p:grpSpPr>
           <a:xfrm>
-            <a:off x="1077351" y="1325461"/>
-            <a:ext cx="9905998" cy="639831"/>
+            <a:off x="1137681" y="2690037"/>
+            <a:ext cx="4582634" cy="2955851"/>
+            <a:chOff x="4369979" y="2721934"/>
+            <a:chExt cx="4582634" cy="2955851"/>
           </a:xfrm>
-        </p:spPr>
-        <p:txBody>
-          <a:bodyPr/>
-          <a:lstStyle/>
-          <a:p>
-            <a:r>
-              <a:rPr lang="en-US" dirty="0"/>
-              <a:t>PCB</a:t>
-            </a:r>
-          </a:p>
-        </p:txBody>
-      </p:sp>
-      <p:pic>
-        <p:nvPicPr>
-          <p:cNvPr id="4" name="Picture 3">
+        </p:grpSpPr>
+        <p:sp>
+          <p:nvSpPr>
+            <p:cNvPr id="7" name="Rectangle 6">
+              <a:extLst>
+                <a:ext uri="{FF2B5EF4-FFF2-40B4-BE49-F238E27FC236}">
+                  <a16:creationId xmlns:a16="http://schemas.microsoft.com/office/drawing/2014/main" id="{6D60CD06-5AD6-41D8-9408-7E2E4D76BE0F}"/>
+                </a:ext>
+              </a:extLst>
+            </p:cNvPr>
+            <p:cNvSpPr/>
+            <p:nvPr/>
+          </p:nvSpPr>
+          <p:spPr>
+            <a:xfrm>
+              <a:off x="4369979" y="2721934"/>
+              <a:ext cx="4582633" cy="2955851"/>
+            </a:xfrm>
+            <a:prstGeom prst="rect">
+              <a:avLst/>
+            </a:prstGeom>
+            <a:solidFill>
+              <a:schemeClr val="accent6">
+                <a:lumMod val="40000"/>
+                <a:lumOff val="60000"/>
+              </a:schemeClr>
+            </a:solidFill>
+          </p:spPr>
+          <p:style>
+            <a:lnRef idx="2">
+              <a:schemeClr val="accent1">
+                <a:shade val="50000"/>
+              </a:schemeClr>
+            </a:lnRef>
+            <a:fillRef idx="1">
+              <a:schemeClr val="accent1"/>
+            </a:fillRef>
+            <a:effectRef idx="0">
+              <a:schemeClr val="accent1"/>
+            </a:effectRef>
+            <a:fontRef idx="minor">
+              <a:schemeClr val="lt1"/>
+            </a:fontRef>
+          </p:style>
+          <p:txBody>
+            <a:bodyPr rtlCol="0" anchor="ctr"/>
+            <a:lstStyle/>
+            <a:p>
+              <a:pPr algn="ctr"/>
+              <a:endParaRPr lang="en-US" dirty="0"/>
+            </a:p>
+          </p:txBody>
+        </p:sp>
+        <p:sp>
+          <p:nvSpPr>
+            <p:cNvPr id="3" name="Rectangle 2">
+              <a:extLst>
+                <a:ext uri="{FF2B5EF4-FFF2-40B4-BE49-F238E27FC236}">
+                  <a16:creationId xmlns:a16="http://schemas.microsoft.com/office/drawing/2014/main" id="{80FAA80A-D503-4ED9-9FB4-D70897C0F32E}"/>
+                </a:ext>
+              </a:extLst>
+            </p:cNvPr>
+            <p:cNvSpPr/>
+            <p:nvPr/>
+          </p:nvSpPr>
+          <p:spPr>
+            <a:xfrm rot="16200000">
+              <a:off x="5121109" y="3968836"/>
+              <a:ext cx="2628503" cy="515679"/>
+            </a:xfrm>
+            <a:prstGeom prst="rect">
+              <a:avLst/>
+            </a:prstGeom>
+          </p:spPr>
+          <p:style>
+            <a:lnRef idx="2">
+              <a:schemeClr val="accent1">
+                <a:shade val="50000"/>
+              </a:schemeClr>
+            </a:lnRef>
+            <a:fillRef idx="1">
+              <a:schemeClr val="accent1"/>
+            </a:fillRef>
+            <a:effectRef idx="0">
+              <a:schemeClr val="accent1"/>
+            </a:effectRef>
+            <a:fontRef idx="minor">
+              <a:schemeClr val="lt1"/>
+            </a:fontRef>
+          </p:style>
+          <p:txBody>
+            <a:bodyPr rtlCol="0" anchor="ctr"/>
+            <a:lstStyle/>
+            <a:p>
+              <a:pPr algn="ctr"/>
+              <a:r>
+                <a:rPr lang="en-US" sz="2400" dirty="0">
+                  <a:solidFill>
+                    <a:srgbClr val="002060"/>
+                  </a:solidFill>
+                </a:rPr>
+                <a:t>NANO V3 MCU</a:t>
+              </a:r>
+            </a:p>
+          </p:txBody>
+        </p:sp>
+        <p:sp>
+          <p:nvSpPr>
+            <p:cNvPr id="4" name="TextBox 3">
+              <a:extLst>
+                <a:ext uri="{FF2B5EF4-FFF2-40B4-BE49-F238E27FC236}">
+                  <a16:creationId xmlns:a16="http://schemas.microsoft.com/office/drawing/2014/main" id="{4694AB84-0E1A-4414-86EE-0FE4A7D434FB}"/>
+                </a:ext>
+              </a:extLst>
+            </p:cNvPr>
+            <p:cNvSpPr txBox="1"/>
+            <p:nvPr/>
+          </p:nvSpPr>
+          <p:spPr>
+            <a:xfrm>
+              <a:off x="7485319" y="5308453"/>
+              <a:ext cx="1467294" cy="369332"/>
+            </a:xfrm>
+            <a:prstGeom prst="rect">
+              <a:avLst/>
+            </a:prstGeom>
+            <a:noFill/>
+          </p:spPr>
+          <p:txBody>
+            <a:bodyPr wrap="square" rtlCol="0">
+              <a:spAutoFit/>
+            </a:bodyPr>
+            <a:lstStyle/>
+            <a:p>
+              <a:r>
+                <a:rPr lang="en-US" dirty="0"/>
+                <a:t>Carrier Board</a:t>
+              </a:r>
+            </a:p>
+          </p:txBody>
+        </p:sp>
+        <p:grpSp>
+          <p:nvGrpSpPr>
+            <p:cNvPr id="10" name="Group 9">
+              <a:extLst>
+                <a:ext uri="{FF2B5EF4-FFF2-40B4-BE49-F238E27FC236}">
+                  <a16:creationId xmlns:a16="http://schemas.microsoft.com/office/drawing/2014/main" id="{29C6628B-208C-49FA-AF7A-B4D074C555DF}"/>
+                </a:ext>
+              </a:extLst>
+            </p:cNvPr>
+            <p:cNvGrpSpPr/>
+            <p:nvPr/>
+          </p:nvGrpSpPr>
+          <p:grpSpPr>
+            <a:xfrm>
+              <a:off x="7302802" y="3059793"/>
+              <a:ext cx="1637415" cy="577081"/>
+              <a:chOff x="7302803" y="3336877"/>
+              <a:chExt cx="1637415" cy="577081"/>
+            </a:xfrm>
+          </p:grpSpPr>
+          <p:sp>
+            <p:nvSpPr>
+              <p:cNvPr id="8" name="Arrow: Left 7">
+                <a:extLst>
+                  <a:ext uri="{FF2B5EF4-FFF2-40B4-BE49-F238E27FC236}">
+                    <a16:creationId xmlns:a16="http://schemas.microsoft.com/office/drawing/2014/main" id="{A5A1255F-0D46-480F-84E5-DEC3E2E55449}"/>
+                  </a:ext>
+                </a:extLst>
+              </p:cNvPr>
+              <p:cNvSpPr/>
+              <p:nvPr/>
+            </p:nvSpPr>
+            <p:spPr>
+              <a:xfrm rot="10800000">
+                <a:off x="7302803" y="3385849"/>
+                <a:ext cx="903768" cy="322614"/>
+              </a:xfrm>
+              <a:prstGeom prst="leftArrow">
+                <a:avLst/>
+              </a:prstGeom>
+              <a:solidFill>
+                <a:schemeClr val="accent2">
+                  <a:lumMod val="20000"/>
+                  <a:lumOff val="80000"/>
+                </a:schemeClr>
+              </a:solidFill>
+            </p:spPr>
+            <p:style>
+              <a:lnRef idx="2">
+                <a:schemeClr val="accent1">
+                  <a:shade val="50000"/>
+                </a:schemeClr>
+              </a:lnRef>
+              <a:fillRef idx="1">
+                <a:schemeClr val="accent1"/>
+              </a:fillRef>
+              <a:effectRef idx="0">
+                <a:schemeClr val="accent1"/>
+              </a:effectRef>
+              <a:fontRef idx="minor">
+                <a:schemeClr val="lt1"/>
+              </a:fontRef>
+            </p:style>
+            <p:txBody>
+              <a:bodyPr rtlCol="0" anchor="ctr"/>
+              <a:lstStyle/>
+              <a:p>
+                <a:pPr algn="ctr"/>
+                <a:endParaRPr lang="en-US"/>
+              </a:p>
+            </p:txBody>
+          </p:sp>
+          <p:sp>
+            <p:nvSpPr>
+              <p:cNvPr id="9" name="TextBox 8">
+                <a:extLst>
+                  <a:ext uri="{FF2B5EF4-FFF2-40B4-BE49-F238E27FC236}">
+                    <a16:creationId xmlns:a16="http://schemas.microsoft.com/office/drawing/2014/main" id="{05830F3C-3843-4989-96E0-1FC7BABFE25D}"/>
+                  </a:ext>
+                </a:extLst>
+              </p:cNvPr>
+              <p:cNvSpPr txBox="1"/>
+              <p:nvPr/>
+            </p:nvSpPr>
+            <p:spPr>
+              <a:xfrm>
+                <a:off x="8206571" y="3336877"/>
+                <a:ext cx="733647" cy="577081"/>
+              </a:xfrm>
+              <a:prstGeom prst="rect">
+                <a:avLst/>
+              </a:prstGeom>
+              <a:noFill/>
+            </p:spPr>
+            <p:txBody>
+              <a:bodyPr wrap="square" rtlCol="0">
+                <a:spAutoFit/>
+              </a:bodyPr>
+              <a:lstStyle/>
+              <a:p>
+                <a:r>
+                  <a:rPr lang="en-US" sz="1050" dirty="0">
+                    <a:solidFill>
+                      <a:srgbClr val="FF0000"/>
+                    </a:solidFill>
+                  </a:rPr>
+                  <a:t>4 LED on board via R680</a:t>
+                </a:r>
+              </a:p>
+            </p:txBody>
+          </p:sp>
+        </p:grpSp>
+        <p:grpSp>
+          <p:nvGrpSpPr>
+            <p:cNvPr id="11" name="Group 10">
+              <a:extLst>
+                <a:ext uri="{FF2B5EF4-FFF2-40B4-BE49-F238E27FC236}">
+                  <a16:creationId xmlns:a16="http://schemas.microsoft.com/office/drawing/2014/main" id="{DAB38E6B-6704-4184-928D-43D11B292E22}"/>
+                </a:ext>
+              </a:extLst>
+            </p:cNvPr>
+            <p:cNvGrpSpPr/>
+            <p:nvPr/>
+          </p:nvGrpSpPr>
+          <p:grpSpPr>
+            <a:xfrm>
+              <a:off x="7302802" y="3674960"/>
+              <a:ext cx="1637415" cy="577081"/>
+              <a:chOff x="7302803" y="3336877"/>
+              <a:chExt cx="1637415" cy="577081"/>
+            </a:xfrm>
+          </p:grpSpPr>
+          <p:sp>
+            <p:nvSpPr>
+              <p:cNvPr id="12" name="Arrow: Left 11">
+                <a:extLst>
+                  <a:ext uri="{FF2B5EF4-FFF2-40B4-BE49-F238E27FC236}">
+                    <a16:creationId xmlns:a16="http://schemas.microsoft.com/office/drawing/2014/main" id="{63DA68DF-9F54-4E46-BBF1-00D61941AE85}"/>
+                  </a:ext>
+                </a:extLst>
+              </p:cNvPr>
+              <p:cNvSpPr/>
+              <p:nvPr/>
+            </p:nvSpPr>
+            <p:spPr>
+              <a:xfrm rot="10800000">
+                <a:off x="7302803" y="3385849"/>
+                <a:ext cx="903768" cy="322614"/>
+              </a:xfrm>
+              <a:prstGeom prst="leftArrow">
+                <a:avLst/>
+              </a:prstGeom>
+              <a:solidFill>
+                <a:schemeClr val="accent2">
+                  <a:lumMod val="20000"/>
+                  <a:lumOff val="80000"/>
+                </a:schemeClr>
+              </a:solidFill>
+            </p:spPr>
+            <p:style>
+              <a:lnRef idx="2">
+                <a:schemeClr val="accent1">
+                  <a:shade val="50000"/>
+                </a:schemeClr>
+              </a:lnRef>
+              <a:fillRef idx="1">
+                <a:schemeClr val="accent1"/>
+              </a:fillRef>
+              <a:effectRef idx="0">
+                <a:schemeClr val="accent1"/>
+              </a:effectRef>
+              <a:fontRef idx="minor">
+                <a:schemeClr val="lt1"/>
+              </a:fontRef>
+            </p:style>
+            <p:txBody>
+              <a:bodyPr rtlCol="0" anchor="ctr"/>
+              <a:lstStyle/>
+              <a:p>
+                <a:pPr algn="ctr"/>
+                <a:endParaRPr lang="en-US"/>
+              </a:p>
+            </p:txBody>
+          </p:sp>
+          <p:sp>
+            <p:nvSpPr>
+              <p:cNvPr id="13" name="TextBox 12">
+                <a:extLst>
+                  <a:ext uri="{FF2B5EF4-FFF2-40B4-BE49-F238E27FC236}">
+                    <a16:creationId xmlns:a16="http://schemas.microsoft.com/office/drawing/2014/main" id="{1C5FE09E-1F25-47B2-B2B2-1D3679872AE6}"/>
+                  </a:ext>
+                </a:extLst>
+              </p:cNvPr>
+              <p:cNvSpPr txBox="1"/>
+              <p:nvPr/>
+            </p:nvSpPr>
+            <p:spPr>
+              <a:xfrm>
+                <a:off x="8206571" y="3336877"/>
+                <a:ext cx="733647" cy="577081"/>
+              </a:xfrm>
+              <a:prstGeom prst="rect">
+                <a:avLst/>
+              </a:prstGeom>
+              <a:noFill/>
+            </p:spPr>
+            <p:txBody>
+              <a:bodyPr wrap="square" rtlCol="0">
+                <a:spAutoFit/>
+              </a:bodyPr>
+              <a:lstStyle/>
+              <a:p>
+                <a:r>
+                  <a:rPr lang="en-US" sz="1050" dirty="0">
+                    <a:solidFill>
+                      <a:srgbClr val="FF0000"/>
+                    </a:solidFill>
+                  </a:rPr>
+                  <a:t>2 SERVO via 3pin Header</a:t>
+                </a:r>
+              </a:p>
+            </p:txBody>
+          </p:sp>
+        </p:grpSp>
+        <p:grpSp>
+          <p:nvGrpSpPr>
+            <p:cNvPr id="14" name="Group 13">
+              <a:extLst>
+                <a:ext uri="{FF2B5EF4-FFF2-40B4-BE49-F238E27FC236}">
+                  <a16:creationId xmlns:a16="http://schemas.microsoft.com/office/drawing/2014/main" id="{A0CF104E-8E91-4FC7-BA30-10678EF49A08}"/>
+                </a:ext>
+              </a:extLst>
+            </p:cNvPr>
+            <p:cNvGrpSpPr/>
+            <p:nvPr/>
+          </p:nvGrpSpPr>
+          <p:grpSpPr>
+            <a:xfrm>
+              <a:off x="7274438" y="4898780"/>
+              <a:ext cx="1637415" cy="415498"/>
+              <a:chOff x="7274439" y="3945530"/>
+              <a:chExt cx="1637415" cy="415498"/>
+            </a:xfrm>
+          </p:grpSpPr>
+          <p:sp>
+            <p:nvSpPr>
+              <p:cNvPr id="15" name="Arrow: Left 14">
+                <a:extLst>
+                  <a:ext uri="{FF2B5EF4-FFF2-40B4-BE49-F238E27FC236}">
+                    <a16:creationId xmlns:a16="http://schemas.microsoft.com/office/drawing/2014/main" id="{C36A6D7C-D500-4A0C-B0A2-76DEF24F9EF1}"/>
+                  </a:ext>
+                </a:extLst>
+              </p:cNvPr>
+              <p:cNvSpPr/>
+              <p:nvPr/>
+            </p:nvSpPr>
+            <p:spPr>
+              <a:xfrm rot="10800000">
+                <a:off x="7274439" y="3994502"/>
+                <a:ext cx="903768" cy="322614"/>
+              </a:xfrm>
+              <a:prstGeom prst="leftArrow">
+                <a:avLst/>
+              </a:prstGeom>
+              <a:solidFill>
+                <a:schemeClr val="accent2">
+                  <a:lumMod val="20000"/>
+                  <a:lumOff val="80000"/>
+                </a:schemeClr>
+              </a:solidFill>
+            </p:spPr>
+            <p:style>
+              <a:lnRef idx="2">
+                <a:schemeClr val="accent1">
+                  <a:shade val="50000"/>
+                </a:schemeClr>
+              </a:lnRef>
+              <a:fillRef idx="1">
+                <a:schemeClr val="accent1"/>
+              </a:fillRef>
+              <a:effectRef idx="0">
+                <a:schemeClr val="accent1"/>
+              </a:effectRef>
+              <a:fontRef idx="minor">
+                <a:schemeClr val="lt1"/>
+              </a:fontRef>
+            </p:style>
+            <p:txBody>
+              <a:bodyPr rtlCol="0" anchor="ctr"/>
+              <a:lstStyle/>
+              <a:p>
+                <a:pPr algn="ctr"/>
+                <a:endParaRPr lang="en-US"/>
+              </a:p>
+            </p:txBody>
+          </p:sp>
+          <p:sp>
+            <p:nvSpPr>
+              <p:cNvPr id="16" name="TextBox 15">
+                <a:extLst>
+                  <a:ext uri="{FF2B5EF4-FFF2-40B4-BE49-F238E27FC236}">
+                    <a16:creationId xmlns:a16="http://schemas.microsoft.com/office/drawing/2014/main" id="{0B8F406B-A2C8-44F1-8708-E4467A51CED1}"/>
+                  </a:ext>
+                </a:extLst>
+              </p:cNvPr>
+              <p:cNvSpPr txBox="1"/>
+              <p:nvPr/>
+            </p:nvSpPr>
+            <p:spPr>
+              <a:xfrm>
+                <a:off x="8178207" y="3945530"/>
+                <a:ext cx="733647" cy="415498"/>
+              </a:xfrm>
+              <a:prstGeom prst="rect">
+                <a:avLst/>
+              </a:prstGeom>
+              <a:noFill/>
+            </p:spPr>
+            <p:txBody>
+              <a:bodyPr wrap="square" rtlCol="0">
+                <a:spAutoFit/>
+              </a:bodyPr>
+              <a:lstStyle/>
+              <a:p>
+                <a:r>
+                  <a:rPr lang="en-US" sz="1050" dirty="0">
+                    <a:solidFill>
+                      <a:srgbClr val="FF0000"/>
+                    </a:solidFill>
+                  </a:rPr>
+                  <a:t>I2C via A4/A5</a:t>
+                </a:r>
+              </a:p>
+            </p:txBody>
+          </p:sp>
+        </p:grpSp>
+        <p:grpSp>
+          <p:nvGrpSpPr>
+            <p:cNvPr id="17" name="Group 16">
+              <a:extLst>
+                <a:ext uri="{FF2B5EF4-FFF2-40B4-BE49-F238E27FC236}">
+                  <a16:creationId xmlns:a16="http://schemas.microsoft.com/office/drawing/2014/main" id="{D898D3E3-1567-4B56-A6CD-DEF842517454}"/>
+                </a:ext>
+              </a:extLst>
+            </p:cNvPr>
+            <p:cNvGrpSpPr/>
+            <p:nvPr/>
+          </p:nvGrpSpPr>
+          <p:grpSpPr>
+            <a:xfrm>
+              <a:off x="4515311" y="4271320"/>
+              <a:ext cx="1662209" cy="427674"/>
+              <a:chOff x="6804856" y="3684872"/>
+              <a:chExt cx="1662209" cy="427674"/>
+            </a:xfrm>
+          </p:grpSpPr>
+          <p:sp>
+            <p:nvSpPr>
+              <p:cNvPr id="18" name="Arrow: Left 17">
+                <a:extLst>
+                  <a:ext uri="{FF2B5EF4-FFF2-40B4-BE49-F238E27FC236}">
+                    <a16:creationId xmlns:a16="http://schemas.microsoft.com/office/drawing/2014/main" id="{0BDACD90-6678-4D95-8B99-CC5C83FEF758}"/>
+                  </a:ext>
+                </a:extLst>
+              </p:cNvPr>
+              <p:cNvSpPr/>
+              <p:nvPr/>
+            </p:nvSpPr>
+            <p:spPr>
+              <a:xfrm rot="10800000">
+                <a:off x="7563297" y="3789932"/>
+                <a:ext cx="903768" cy="322614"/>
+              </a:xfrm>
+              <a:prstGeom prst="leftArrow">
+                <a:avLst/>
+              </a:prstGeom>
+              <a:solidFill>
+                <a:schemeClr val="accent3">
+                  <a:lumMod val="40000"/>
+                  <a:lumOff val="60000"/>
+                </a:schemeClr>
+              </a:solidFill>
+            </p:spPr>
+            <p:style>
+              <a:lnRef idx="2">
+                <a:schemeClr val="accent1">
+                  <a:shade val="50000"/>
+                </a:schemeClr>
+              </a:lnRef>
+              <a:fillRef idx="1">
+                <a:schemeClr val="accent1"/>
+              </a:fillRef>
+              <a:effectRef idx="0">
+                <a:schemeClr val="accent1"/>
+              </a:effectRef>
+              <a:fontRef idx="minor">
+                <a:schemeClr val="lt1"/>
+              </a:fontRef>
+            </p:style>
+            <p:txBody>
+              <a:bodyPr rtlCol="0" anchor="ctr"/>
+              <a:lstStyle/>
+              <a:p>
+                <a:pPr algn="ctr"/>
+                <a:endParaRPr lang="en-US"/>
+              </a:p>
+            </p:txBody>
+          </p:sp>
+          <p:sp>
+            <p:nvSpPr>
+              <p:cNvPr id="19" name="TextBox 18">
+                <a:extLst>
+                  <a:ext uri="{FF2B5EF4-FFF2-40B4-BE49-F238E27FC236}">
+                    <a16:creationId xmlns:a16="http://schemas.microsoft.com/office/drawing/2014/main" id="{ADAB2F03-234A-49F8-9980-9C758D30B74F}"/>
+                  </a:ext>
+                </a:extLst>
+              </p:cNvPr>
+              <p:cNvSpPr txBox="1"/>
+              <p:nvPr/>
+            </p:nvSpPr>
+            <p:spPr>
+              <a:xfrm>
+                <a:off x="6804856" y="3684872"/>
+                <a:ext cx="839960" cy="415498"/>
+              </a:xfrm>
+              <a:prstGeom prst="rect">
+                <a:avLst/>
+              </a:prstGeom>
+              <a:noFill/>
+            </p:spPr>
+            <p:txBody>
+              <a:bodyPr wrap="square" rtlCol="0">
+                <a:spAutoFit/>
+              </a:bodyPr>
+              <a:lstStyle/>
+              <a:p>
+                <a:r>
+                  <a:rPr lang="en-US" sz="1050" dirty="0">
+                    <a:solidFill>
+                      <a:srgbClr val="FF0000"/>
+                    </a:solidFill>
+                  </a:rPr>
+                  <a:t>2 Buttons on board</a:t>
+                </a:r>
+              </a:p>
+            </p:txBody>
+          </p:sp>
+        </p:grpSp>
+        <p:grpSp>
+          <p:nvGrpSpPr>
+            <p:cNvPr id="20" name="Group 19">
+              <a:extLst>
+                <a:ext uri="{FF2B5EF4-FFF2-40B4-BE49-F238E27FC236}">
+                  <a16:creationId xmlns:a16="http://schemas.microsoft.com/office/drawing/2014/main" id="{97096704-22EA-46A4-8DF2-755B85208523}"/>
+                </a:ext>
+              </a:extLst>
+            </p:cNvPr>
+            <p:cNvGrpSpPr/>
+            <p:nvPr/>
+          </p:nvGrpSpPr>
+          <p:grpSpPr>
+            <a:xfrm>
+              <a:off x="4481633" y="3697870"/>
+              <a:ext cx="1706524" cy="427674"/>
+              <a:chOff x="6760541" y="3684872"/>
+              <a:chExt cx="1706524" cy="427674"/>
+            </a:xfrm>
+          </p:grpSpPr>
+          <p:sp>
+            <p:nvSpPr>
+              <p:cNvPr id="21" name="Arrow: Left 20">
+                <a:extLst>
+                  <a:ext uri="{FF2B5EF4-FFF2-40B4-BE49-F238E27FC236}">
+                    <a16:creationId xmlns:a16="http://schemas.microsoft.com/office/drawing/2014/main" id="{10D46FCF-FE4C-4350-9F0F-73BFC27F6D74}"/>
+                  </a:ext>
+                </a:extLst>
+              </p:cNvPr>
+              <p:cNvSpPr/>
+              <p:nvPr/>
+            </p:nvSpPr>
+            <p:spPr>
+              <a:xfrm rot="10800000">
+                <a:off x="7563297" y="3789932"/>
+                <a:ext cx="903768" cy="322614"/>
+              </a:xfrm>
+              <a:prstGeom prst="leftArrow">
+                <a:avLst/>
+              </a:prstGeom>
+              <a:solidFill>
+                <a:schemeClr val="accent3">
+                  <a:lumMod val="40000"/>
+                  <a:lumOff val="60000"/>
+                </a:schemeClr>
+              </a:solidFill>
+            </p:spPr>
+            <p:style>
+              <a:lnRef idx="2">
+                <a:schemeClr val="accent1">
+                  <a:shade val="50000"/>
+                </a:schemeClr>
+              </a:lnRef>
+              <a:fillRef idx="1">
+                <a:schemeClr val="accent1"/>
+              </a:fillRef>
+              <a:effectRef idx="0">
+                <a:schemeClr val="accent1"/>
+              </a:effectRef>
+              <a:fontRef idx="minor">
+                <a:schemeClr val="lt1"/>
+              </a:fontRef>
+            </p:style>
+            <p:txBody>
+              <a:bodyPr rtlCol="0" anchor="ctr"/>
+              <a:lstStyle/>
+              <a:p>
+                <a:pPr algn="ctr"/>
+                <a:endParaRPr lang="en-US"/>
+              </a:p>
+            </p:txBody>
+          </p:sp>
+          <p:sp>
+            <p:nvSpPr>
+              <p:cNvPr id="22" name="TextBox 21">
+                <a:extLst>
+                  <a:ext uri="{FF2B5EF4-FFF2-40B4-BE49-F238E27FC236}">
+                    <a16:creationId xmlns:a16="http://schemas.microsoft.com/office/drawing/2014/main" id="{B60FFE42-C553-4051-8233-E4AB471F0832}"/>
+                  </a:ext>
+                </a:extLst>
+              </p:cNvPr>
+              <p:cNvSpPr txBox="1"/>
+              <p:nvPr/>
+            </p:nvSpPr>
+            <p:spPr>
+              <a:xfrm>
+                <a:off x="6760541" y="3684872"/>
+                <a:ext cx="1047297" cy="415498"/>
+              </a:xfrm>
+              <a:prstGeom prst="rect">
+                <a:avLst/>
+              </a:prstGeom>
+              <a:noFill/>
+            </p:spPr>
+            <p:txBody>
+              <a:bodyPr wrap="square" rtlCol="0">
+                <a:spAutoFit/>
+              </a:bodyPr>
+              <a:lstStyle/>
+              <a:p>
+                <a:r>
+                  <a:rPr lang="en-US" sz="1050" dirty="0">
+                    <a:solidFill>
+                      <a:srgbClr val="FF0000"/>
+                    </a:solidFill>
+                  </a:rPr>
+                  <a:t>DCC signal via optocoupler</a:t>
+                </a:r>
+              </a:p>
+            </p:txBody>
+          </p:sp>
+        </p:grpSp>
+        <p:grpSp>
+          <p:nvGrpSpPr>
+            <p:cNvPr id="23" name="Group 22">
+              <a:extLst>
+                <a:ext uri="{FF2B5EF4-FFF2-40B4-BE49-F238E27FC236}">
+                  <a16:creationId xmlns:a16="http://schemas.microsoft.com/office/drawing/2014/main" id="{AFFCAB3C-5F59-4516-B9C9-2211595B5856}"/>
+                </a:ext>
+              </a:extLst>
+            </p:cNvPr>
+            <p:cNvGrpSpPr/>
+            <p:nvPr/>
+          </p:nvGrpSpPr>
+          <p:grpSpPr>
+            <a:xfrm>
+              <a:off x="4451501" y="4834559"/>
+              <a:ext cx="1726019" cy="427674"/>
+              <a:chOff x="6741046" y="3684872"/>
+              <a:chExt cx="1726019" cy="427674"/>
+            </a:xfrm>
+          </p:grpSpPr>
+          <p:sp>
+            <p:nvSpPr>
+              <p:cNvPr id="24" name="Arrow: Left 23">
+                <a:extLst>
+                  <a:ext uri="{FF2B5EF4-FFF2-40B4-BE49-F238E27FC236}">
+                    <a16:creationId xmlns:a16="http://schemas.microsoft.com/office/drawing/2014/main" id="{62B633E5-0E44-4DD1-B40D-B3C2A87015D2}"/>
+                  </a:ext>
+                </a:extLst>
+              </p:cNvPr>
+              <p:cNvSpPr/>
+              <p:nvPr/>
+            </p:nvSpPr>
+            <p:spPr>
+              <a:xfrm rot="10800000">
+                <a:off x="7563297" y="3789932"/>
+                <a:ext cx="903768" cy="322614"/>
+              </a:xfrm>
+              <a:prstGeom prst="leftArrow">
+                <a:avLst/>
+              </a:prstGeom>
+              <a:solidFill>
+                <a:schemeClr val="accent3">
+                  <a:lumMod val="40000"/>
+                  <a:lumOff val="60000"/>
+                </a:schemeClr>
+              </a:solidFill>
+            </p:spPr>
+            <p:style>
+              <a:lnRef idx="2">
+                <a:schemeClr val="accent1">
+                  <a:shade val="50000"/>
+                </a:schemeClr>
+              </a:lnRef>
+              <a:fillRef idx="1">
+                <a:schemeClr val="accent1"/>
+              </a:fillRef>
+              <a:effectRef idx="0">
+                <a:schemeClr val="accent1"/>
+              </a:effectRef>
+              <a:fontRef idx="minor">
+                <a:schemeClr val="lt1"/>
+              </a:fontRef>
+            </p:style>
+            <p:txBody>
+              <a:bodyPr rtlCol="0" anchor="ctr"/>
+              <a:lstStyle/>
+              <a:p>
+                <a:pPr algn="ctr"/>
+                <a:endParaRPr lang="en-US"/>
+              </a:p>
+            </p:txBody>
+          </p:sp>
+          <p:sp>
+            <p:nvSpPr>
+              <p:cNvPr id="25" name="TextBox 24">
+                <a:extLst>
+                  <a:ext uri="{FF2B5EF4-FFF2-40B4-BE49-F238E27FC236}">
+                    <a16:creationId xmlns:a16="http://schemas.microsoft.com/office/drawing/2014/main" id="{29430618-B3E9-4A71-9F0E-814782035187}"/>
+                  </a:ext>
+                </a:extLst>
+              </p:cNvPr>
+              <p:cNvSpPr txBox="1"/>
+              <p:nvPr/>
+            </p:nvSpPr>
+            <p:spPr>
+              <a:xfrm>
+                <a:off x="6741046" y="3684872"/>
+                <a:ext cx="903769" cy="415498"/>
+              </a:xfrm>
+              <a:prstGeom prst="rect">
+                <a:avLst/>
+              </a:prstGeom>
+              <a:noFill/>
+            </p:spPr>
+            <p:txBody>
+              <a:bodyPr wrap="square" rtlCol="0">
+                <a:spAutoFit/>
+              </a:bodyPr>
+              <a:lstStyle/>
+              <a:p>
+                <a:r>
+                  <a:rPr lang="en-US" sz="1050" dirty="0">
+                    <a:solidFill>
+                      <a:srgbClr val="FF0000"/>
+                    </a:solidFill>
+                  </a:rPr>
+                  <a:t>4 Sensors via 3 pin header</a:t>
+                </a:r>
+              </a:p>
+            </p:txBody>
+          </p:sp>
+        </p:grpSp>
+        <p:grpSp>
+          <p:nvGrpSpPr>
+            <p:cNvPr id="26" name="Group 25">
+              <a:extLst>
+                <a:ext uri="{FF2B5EF4-FFF2-40B4-BE49-F238E27FC236}">
+                  <a16:creationId xmlns:a16="http://schemas.microsoft.com/office/drawing/2014/main" id="{6BDFFBF0-5D80-437E-B639-3BFF62118346}"/>
+                </a:ext>
+              </a:extLst>
+            </p:cNvPr>
+            <p:cNvGrpSpPr/>
+            <p:nvPr/>
+          </p:nvGrpSpPr>
+          <p:grpSpPr>
+            <a:xfrm>
+              <a:off x="4468335" y="3197723"/>
+              <a:ext cx="1709185" cy="457466"/>
+              <a:chOff x="6757880" y="3789932"/>
+              <a:chExt cx="1709185" cy="457466"/>
+            </a:xfrm>
+          </p:grpSpPr>
+          <p:sp>
+            <p:nvSpPr>
+              <p:cNvPr id="27" name="Arrow: Left 26">
+                <a:extLst>
+                  <a:ext uri="{FF2B5EF4-FFF2-40B4-BE49-F238E27FC236}">
+                    <a16:creationId xmlns:a16="http://schemas.microsoft.com/office/drawing/2014/main" id="{525214C0-397A-4015-8050-81D36CC1899D}"/>
+                  </a:ext>
+                </a:extLst>
+              </p:cNvPr>
+              <p:cNvSpPr/>
+              <p:nvPr/>
+            </p:nvSpPr>
+            <p:spPr>
+              <a:xfrm rot="10800000">
+                <a:off x="7563297" y="3789932"/>
+                <a:ext cx="903768" cy="322614"/>
+              </a:xfrm>
+              <a:prstGeom prst="leftArrow">
+                <a:avLst/>
+              </a:prstGeom>
+              <a:solidFill>
+                <a:schemeClr val="tx1">
+                  <a:lumMod val="75000"/>
+                </a:schemeClr>
+              </a:solidFill>
+            </p:spPr>
+            <p:style>
+              <a:lnRef idx="2">
+                <a:schemeClr val="accent1">
+                  <a:shade val="50000"/>
+                </a:schemeClr>
+              </a:lnRef>
+              <a:fillRef idx="1">
+                <a:schemeClr val="accent1"/>
+              </a:fillRef>
+              <a:effectRef idx="0">
+                <a:schemeClr val="accent1"/>
+              </a:effectRef>
+              <a:fontRef idx="minor">
+                <a:schemeClr val="lt1"/>
+              </a:fontRef>
+            </p:style>
+            <p:txBody>
+              <a:bodyPr rtlCol="0" anchor="ctr"/>
+              <a:lstStyle/>
+              <a:p>
+                <a:pPr algn="ctr"/>
+                <a:endParaRPr lang="en-US"/>
+              </a:p>
+            </p:txBody>
+          </p:sp>
+          <p:sp>
+            <p:nvSpPr>
+              <p:cNvPr id="28" name="TextBox 27">
+                <a:extLst>
+                  <a:ext uri="{FF2B5EF4-FFF2-40B4-BE49-F238E27FC236}">
+                    <a16:creationId xmlns:a16="http://schemas.microsoft.com/office/drawing/2014/main" id="{753C5505-1169-4F27-9C02-E278B8093D5D}"/>
+                  </a:ext>
+                </a:extLst>
+              </p:cNvPr>
+              <p:cNvSpPr txBox="1"/>
+              <p:nvPr/>
+            </p:nvSpPr>
+            <p:spPr>
+              <a:xfrm>
+                <a:off x="6757880" y="3831900"/>
+                <a:ext cx="962241" cy="415498"/>
+              </a:xfrm>
+              <a:prstGeom prst="rect">
+                <a:avLst/>
+              </a:prstGeom>
+              <a:noFill/>
+            </p:spPr>
+            <p:txBody>
+              <a:bodyPr wrap="square" rtlCol="0">
+                <a:spAutoFit/>
+              </a:bodyPr>
+              <a:lstStyle/>
+              <a:p>
+                <a:r>
+                  <a:rPr lang="en-US" sz="1050" dirty="0">
+                    <a:solidFill>
+                      <a:srgbClr val="FF0000"/>
+                    </a:solidFill>
+                  </a:rPr>
+                  <a:t>AC/DC or DCC powered</a:t>
+                </a:r>
+              </a:p>
+            </p:txBody>
+          </p:sp>
+        </p:grpSp>
+        <p:sp>
+          <p:nvSpPr>
+            <p:cNvPr id="29" name="Rectangle 28">
+              <a:extLst>
+                <a:ext uri="{FF2B5EF4-FFF2-40B4-BE49-F238E27FC236}">
+                  <a16:creationId xmlns:a16="http://schemas.microsoft.com/office/drawing/2014/main" id="{FE6B8BFF-0189-418E-9316-4540A38BC80C}"/>
+                </a:ext>
+              </a:extLst>
+            </p:cNvPr>
+            <p:cNvSpPr/>
+            <p:nvPr/>
+          </p:nvSpPr>
+          <p:spPr>
+            <a:xfrm rot="16200000">
+              <a:off x="5718309" y="3968835"/>
+              <a:ext cx="2628503" cy="515679"/>
+            </a:xfrm>
+            <a:prstGeom prst="rect">
+              <a:avLst/>
+            </a:prstGeom>
+          </p:spPr>
+          <p:style>
+            <a:lnRef idx="2">
+              <a:schemeClr val="accent1">
+                <a:shade val="50000"/>
+              </a:schemeClr>
+            </a:lnRef>
+            <a:fillRef idx="1">
+              <a:schemeClr val="accent1"/>
+            </a:fillRef>
+            <a:effectRef idx="0">
+              <a:schemeClr val="accent1"/>
+            </a:effectRef>
+            <a:fontRef idx="minor">
+              <a:schemeClr val="lt1"/>
+            </a:fontRef>
+          </p:style>
+          <p:txBody>
+            <a:bodyPr rtlCol="0" anchor="ctr"/>
+            <a:lstStyle/>
+            <a:p>
+              <a:pPr algn="ctr"/>
+              <a:r>
+                <a:rPr lang="en-US" sz="1400" i="0" u="none" strike="noStrike" baseline="0" dirty="0">
+                  <a:latin typeface="Arial" panose="020B0604020202020204" pitchFamily="34" charset="0"/>
+                  <a:cs typeface="Arial" panose="020B0604020202020204" pitchFamily="34" charset="0"/>
+                </a:rPr>
+                <a:t>ULN2803A </a:t>
+              </a:r>
+              <a:r>
+                <a:rPr lang="en-US" sz="1400" dirty="0">
+                  <a:latin typeface="Arial" panose="020B0604020202020204" pitchFamily="34" charset="0"/>
+                  <a:cs typeface="Arial" panose="020B0604020202020204" pitchFamily="34" charset="0"/>
+                </a:rPr>
+                <a:t>Output Driver</a:t>
+              </a:r>
+            </a:p>
+          </p:txBody>
+        </p:sp>
+      </p:grpSp>
+      <p:sp>
+        <p:nvSpPr>
+          <p:cNvPr id="31" name="TextBox 30">
             <a:extLst>
               <a:ext uri="{FF2B5EF4-FFF2-40B4-BE49-F238E27FC236}">
-                <a16:creationId xmlns:a16="http://schemas.microsoft.com/office/drawing/2014/main" id="{31C4F1AA-B52C-4CDC-825C-AAE34D0E1EA8}"/>
-              </a:ext>
-            </a:extLst>
-          </p:cNvPr>
-          <p:cNvPicPr>
-            <a:picLocks noChangeAspect="1"/>
-          </p:cNvPicPr>
-          <p:nvPr/>
-        </p:nvPicPr>
-        <p:blipFill>
-          <a:blip r:embed="rId2"/>
-          <a:stretch>
-            <a:fillRect/>
-          </a:stretch>
-        </p:blipFill>
-        <p:spPr>
-          <a:xfrm>
-            <a:off x="1141413" y="1258349"/>
-            <a:ext cx="5279745" cy="5259897"/>
-          </a:xfrm>
-          <a:prstGeom prst="rect">
-            <a:avLst/>
-          </a:prstGeom>
-        </p:spPr>
-      </p:pic>
-      <p:pic>
-        <p:nvPicPr>
-          <p:cNvPr id="7" name="Picture 6">
-            <a:extLst>
-              <a:ext uri="{FF2B5EF4-FFF2-40B4-BE49-F238E27FC236}">
-                <a16:creationId xmlns:a16="http://schemas.microsoft.com/office/drawing/2014/main" id="{5ED53517-C5E0-492A-AABD-3AE5079A4831}"/>
-              </a:ext>
-            </a:extLst>
-          </p:cNvPr>
-          <p:cNvPicPr>
-            <a:picLocks noChangeAspect="1"/>
-          </p:cNvPicPr>
-          <p:nvPr/>
-        </p:nvPicPr>
-        <p:blipFill>
-          <a:blip r:embed="rId3"/>
-          <a:stretch>
-            <a:fillRect/>
-          </a:stretch>
-        </p:blipFill>
-        <p:spPr>
-          <a:xfrm>
-            <a:off x="8285718" y="1258349"/>
-            <a:ext cx="2697631" cy="2852257"/>
-          </a:xfrm>
-          <a:prstGeom prst="rect">
-            <a:avLst/>
-          </a:prstGeom>
-        </p:spPr>
-      </p:pic>
-      <p:sp>
-        <p:nvSpPr>
-          <p:cNvPr id="8" name="TextBox 7">
-            <a:extLst>
-              <a:ext uri="{FF2B5EF4-FFF2-40B4-BE49-F238E27FC236}">
-                <a16:creationId xmlns:a16="http://schemas.microsoft.com/office/drawing/2014/main" id="{C6448B36-ABC2-4279-BFBF-70F70BB7CCA9}"/>
+                <a16:creationId xmlns:a16="http://schemas.microsoft.com/office/drawing/2014/main" id="{BDEEAAD5-240C-41C9-BC9B-F863216A9BDC}"/>
               </a:ext>
             </a:extLst>
           </p:cNvPr>
@@ -12935,8 +13827,8 @@
         </p:nvSpPr>
         <p:spPr>
           <a:xfrm>
-            <a:off x="7757212" y="4177718"/>
-            <a:ext cx="3389152" cy="954107"/>
+            <a:off x="5865645" y="2594512"/>
+            <a:ext cx="5708127" cy="3385542"/>
           </a:xfrm>
           <a:prstGeom prst="rect">
             <a:avLst/>
@@ -12950,27 +13842,242 @@
           <a:lstStyle/>
           <a:p>
             <a:r>
-              <a:rPr lang="en-US" sz="1400" dirty="0"/>
-              <a:t>Photo above is of an R1 (my previous design) To give a general idea of size. </a:t>
+              <a:rPr lang="en-US" dirty="0">
+                <a:solidFill>
+                  <a:srgbClr val="FFFF00"/>
+                </a:solidFill>
+              </a:rPr>
+              <a:t>Feature List:</a:t>
             </a:r>
           </a:p>
           <a:p>
+            <a:pPr marL="285750" indent="-285750">
+              <a:buFont typeface="Arial" panose="020B0604020202020204" pitchFamily="34" charset="0"/>
+              <a:buChar char="•"/>
+            </a:pPr>
             <a:r>
               <a:rPr lang="en-US" sz="1400" dirty="0"/>
-              <a:t>I use this ‘six-pack’ board as a ‘LEGO’ brick for Arduino projects using </a:t>
+              <a:t>Socketable NANO on a carrier board.</a:t>
+            </a:r>
+          </a:p>
+          <a:p>
+            <a:pPr marL="285750" indent="-285750">
+              <a:buFont typeface="Arial" panose="020B0604020202020204" pitchFamily="34" charset="0"/>
+              <a:buChar char="•"/>
+            </a:pPr>
+            <a:r>
+              <a:rPr lang="en-US" sz="1400" dirty="0"/>
+              <a:t>Carrier board itself has mounting holes.</a:t>
+            </a:r>
+          </a:p>
+          <a:p>
+            <a:pPr marL="285750" indent="-285750">
+              <a:buFont typeface="Arial" panose="020B0604020202020204" pitchFamily="34" charset="0"/>
+              <a:buChar char="•"/>
+            </a:pPr>
+            <a:r>
+              <a:rPr lang="en-US" sz="1400" dirty="0"/>
+              <a:t>Flexible power  AC/DC/DCC regulated to 12 vdc at NANO Vin</a:t>
+            </a:r>
+          </a:p>
+          <a:p>
+            <a:pPr marL="285750" indent="-285750">
+              <a:buFont typeface="Arial" panose="020B0604020202020204" pitchFamily="34" charset="0"/>
+              <a:buChar char="•"/>
+            </a:pPr>
+            <a:r>
+              <a:rPr lang="en-US" sz="1400" dirty="0"/>
+              <a:t>NANO itself produces the 5 VDC for sensors and servos</a:t>
+            </a:r>
+          </a:p>
+          <a:p>
+            <a:pPr marL="285750" indent="-285750">
+              <a:buFont typeface="Arial" panose="020B0604020202020204" pitchFamily="34" charset="0"/>
+              <a:buChar char="•"/>
+            </a:pPr>
+            <a:r>
+              <a:rPr lang="en-US" sz="1400" dirty="0"/>
+              <a:t>Header pins to align with standard servo pinout</a:t>
+            </a:r>
+          </a:p>
+          <a:p>
+            <a:pPr marL="285750" indent="-285750">
+              <a:buFont typeface="Arial" panose="020B0604020202020204" pitchFamily="34" charset="0"/>
+              <a:buChar char="•"/>
+            </a:pPr>
+            <a:r>
+              <a:rPr lang="en-US" sz="1400" dirty="0"/>
+              <a:t>On board R680/R1K current limiting resistors</a:t>
+            </a:r>
+          </a:p>
+          <a:p>
+            <a:pPr marL="285750" indent="-285750">
+              <a:buFont typeface="Arial" panose="020B0604020202020204" pitchFamily="34" charset="0"/>
+              <a:buChar char="•"/>
+            </a:pPr>
+            <a:r>
+              <a:rPr lang="en-US" sz="1400" dirty="0"/>
+              <a:t>2 board mounted Pushbuttons as DI’s </a:t>
+            </a:r>
+          </a:p>
+          <a:p>
+            <a:pPr marL="285750" indent="-285750">
+              <a:buFont typeface="Arial" panose="020B0604020202020204" pitchFamily="34" charset="0"/>
+              <a:buChar char="•"/>
+            </a:pPr>
+            <a:r>
+              <a:rPr lang="en-US" sz="1400" dirty="0"/>
+              <a:t>Prototype test area.</a:t>
+            </a:r>
+          </a:p>
+          <a:p>
+            <a:pPr marL="285750" indent="-285750">
+              <a:buFont typeface="Arial" panose="020B0604020202020204" pitchFamily="34" charset="0"/>
+              <a:buChar char="•"/>
+            </a:pPr>
+            <a:r>
+              <a:rPr lang="en-US" sz="1400" dirty="0"/>
+              <a:t>Bring out unused digital and analog I/O</a:t>
+            </a:r>
+          </a:p>
+          <a:p>
+            <a:pPr marL="285750" indent="-285750">
+              <a:buFont typeface="Arial" panose="020B0604020202020204" pitchFamily="34" charset="0"/>
+              <a:buChar char="•"/>
+            </a:pPr>
+            <a:r>
+              <a:rPr lang="en-US" sz="1400" dirty="0"/>
+              <a:t>A dedicated header for I2C using A4/A5/+5 and </a:t>
             </a:r>
             <a:r>
-              <a:rPr lang="en-US" sz="1400"/>
-              <a:t>the NANO.</a:t>
+              <a:rPr lang="en-US" sz="1400" dirty="0" err="1"/>
+              <a:t>Gnd</a:t>
             </a:r>
+            <a:r>
+              <a:rPr lang="en-US" sz="1400" dirty="0"/>
+              <a:t> </a:t>
+            </a:r>
+          </a:p>
+          <a:p>
+            <a:pPr marL="285750" indent="-285750">
+              <a:buFont typeface="Arial" panose="020B0604020202020204" pitchFamily="34" charset="0"/>
+              <a:buChar char="•"/>
+            </a:pPr>
+            <a:r>
+              <a:rPr lang="en-US" sz="1400" dirty="0"/>
+              <a:t>Pull up resistors for LDR and I2C usage.</a:t>
+            </a:r>
+          </a:p>
+          <a:p>
+            <a:pPr marL="285750" indent="-285750">
+              <a:buFont typeface="Arial" panose="020B0604020202020204" pitchFamily="34" charset="0"/>
+              <a:buChar char="•"/>
+            </a:pPr>
             <a:endParaRPr lang="en-US" sz="1400" dirty="0"/>
+          </a:p>
+          <a:p>
+            <a:r>
+              <a:rPr lang="en-US" sz="1400" dirty="0"/>
+              <a:t>It may be that not all I/O is usable at the same time but that would be the going in objective</a:t>
+            </a:r>
+          </a:p>
+        </p:txBody>
+      </p:sp>
+      <p:sp>
+        <p:nvSpPr>
+          <p:cNvPr id="32" name="Arrow: Left 31">
+            <a:extLst>
+              <a:ext uri="{FF2B5EF4-FFF2-40B4-BE49-F238E27FC236}">
+                <a16:creationId xmlns:a16="http://schemas.microsoft.com/office/drawing/2014/main" id="{7C67F660-CD91-4F54-B40F-1240359F5162}"/>
+              </a:ext>
+            </a:extLst>
+          </p:cNvPr>
+          <p:cNvSpPr/>
+          <p:nvPr/>
+        </p:nvSpPr>
+        <p:spPr>
+          <a:xfrm rot="10800000">
+            <a:off x="4075831" y="4379014"/>
+            <a:ext cx="903768" cy="322614"/>
+          </a:xfrm>
+          <a:prstGeom prst="leftArrow">
+            <a:avLst/>
+          </a:prstGeom>
+          <a:solidFill>
+            <a:schemeClr val="accent2">
+              <a:lumMod val="20000"/>
+              <a:lumOff val="80000"/>
+            </a:schemeClr>
+          </a:solidFill>
+        </p:spPr>
+        <p:style>
+          <a:lnRef idx="2">
+            <a:schemeClr val="accent1">
+              <a:shade val="50000"/>
+            </a:schemeClr>
+          </a:lnRef>
+          <a:fillRef idx="1">
+            <a:schemeClr val="accent1"/>
+          </a:fillRef>
+          <a:effectRef idx="0">
+            <a:schemeClr val="accent1"/>
+          </a:effectRef>
+          <a:fontRef idx="minor">
+            <a:schemeClr val="lt1"/>
+          </a:fontRef>
+        </p:style>
+        <p:txBody>
+          <a:bodyPr rtlCol="0" anchor="ctr"/>
+          <a:lstStyle/>
+          <a:p>
+            <a:pPr algn="ctr"/>
+            <a:endParaRPr lang="en-US"/>
+          </a:p>
+        </p:txBody>
+      </p:sp>
+      <p:sp>
+        <p:nvSpPr>
+          <p:cNvPr id="33" name="TextBox 32">
+            <a:extLst>
+              <a:ext uri="{FF2B5EF4-FFF2-40B4-BE49-F238E27FC236}">
+                <a16:creationId xmlns:a16="http://schemas.microsoft.com/office/drawing/2014/main" id="{87622156-D02D-464B-88E4-DBFF4D558F8D}"/>
+              </a:ext>
+            </a:extLst>
+          </p:cNvPr>
+          <p:cNvSpPr txBox="1"/>
+          <p:nvPr/>
+        </p:nvSpPr>
+        <p:spPr>
+          <a:xfrm>
+            <a:off x="4979599" y="4330042"/>
+            <a:ext cx="733647" cy="415498"/>
+          </a:xfrm>
+          <a:prstGeom prst="rect">
+            <a:avLst/>
+          </a:prstGeom>
+          <a:noFill/>
+        </p:spPr>
+        <p:txBody>
+          <a:bodyPr wrap="square" rtlCol="0">
+            <a:spAutoFit/>
+          </a:bodyPr>
+          <a:lstStyle/>
+          <a:p>
+            <a:r>
+              <a:rPr lang="en-US" sz="1050" dirty="0">
+                <a:solidFill>
+                  <a:srgbClr val="FF0000"/>
+                </a:solidFill>
+              </a:rPr>
+              <a:t>Spare I/O</a:t>
+            </a:r>
           </a:p>
         </p:txBody>
       </p:sp>
     </p:spTree>
     <p:extLst>
       <p:ext uri="{BB962C8B-B14F-4D97-AF65-F5344CB8AC3E}">
-        <p14:creationId xmlns:p14="http://schemas.microsoft.com/office/powerpoint/2010/main" val="1480149875"/>
+        <p14:creationId xmlns:p14="http://schemas.microsoft.com/office/powerpoint/2010/main" val="3085551083"/>
       </p:ext>
     </p:extLst>
   </p:cSld>

--- a/Practical Arduino - Ground Up.pptx
+++ b/Practical Arduino - Ground Up.pptx
@@ -8,6 +8,11 @@
     <p:sldId id="256" r:id="rId2"/>
     <p:sldId id="257" r:id="rId3"/>
     <p:sldId id="258" r:id="rId4"/>
+    <p:sldId id="259" r:id="rId5"/>
+    <p:sldId id="261" r:id="rId6"/>
+    <p:sldId id="262" r:id="rId7"/>
+    <p:sldId id="264" r:id="rId8"/>
+    <p:sldId id="263" r:id="rId9"/>
   </p:sldIdLst>
   <p:sldSz cx="12192000" cy="6858000"/>
   <p:notesSz cx="6858000" cy="9144000"/>
@@ -4390,7 +4395,7 @@
           <a:p>
             <a:fld id="{48A87A34-81AB-432B-8DAE-1953F412C126}" type="datetimeFigureOut">
               <a:rPr lang="en-US" dirty="0"/>
-              <a:t>1/8/2022</a:t>
+              <a:t>1/9/2022</a:t>
             </a:fld>
             <a:endParaRPr lang="en-US" dirty="0"/>
           </a:p>
@@ -4652,7 +4657,7 @@
           <a:p>
             <a:fld id="{48A87A34-81AB-432B-8DAE-1953F412C126}" type="datetimeFigureOut">
               <a:rPr lang="en-US" dirty="0"/>
-              <a:t>1/8/2022</a:t>
+              <a:t>1/9/2022</a:t>
             </a:fld>
             <a:endParaRPr lang="en-US" dirty="0"/>
           </a:p>
@@ -4843,7 +4848,7 @@
           <a:p>
             <a:fld id="{48A87A34-81AB-432B-8DAE-1953F412C126}" type="datetimeFigureOut">
               <a:rPr lang="en-US" dirty="0"/>
-              <a:t>1/8/2022</a:t>
+              <a:t>1/9/2022</a:t>
             </a:fld>
             <a:endParaRPr lang="en-US" dirty="0"/>
           </a:p>
@@ -5101,7 +5106,7 @@
           <a:p>
             <a:fld id="{48A87A34-81AB-432B-8DAE-1953F412C126}" type="datetimeFigureOut">
               <a:rPr lang="en-US" dirty="0"/>
-              <a:t>1/8/2022</a:t>
+              <a:t>1/9/2022</a:t>
             </a:fld>
             <a:endParaRPr lang="en-US" dirty="0"/>
           </a:p>
@@ -5530,7 +5535,7 @@
           <a:p>
             <a:fld id="{48A87A34-81AB-432B-8DAE-1953F412C126}" type="datetimeFigureOut">
               <a:rPr lang="en-US" dirty="0"/>
-              <a:t>1/8/2022</a:t>
+              <a:t>1/9/2022</a:t>
             </a:fld>
             <a:endParaRPr lang="en-US" dirty="0"/>
           </a:p>
@@ -6071,7 +6076,7 @@
           <a:p>
             <a:fld id="{48A87A34-81AB-432B-8DAE-1953F412C126}" type="datetimeFigureOut">
               <a:rPr lang="en-US" dirty="0"/>
-              <a:t>1/8/2022</a:t>
+              <a:t>1/9/2022</a:t>
             </a:fld>
             <a:endParaRPr lang="en-US" dirty="0"/>
           </a:p>
@@ -6786,7 +6791,7 @@
           <a:p>
             <a:fld id="{48A87A34-81AB-432B-8DAE-1953F412C126}" type="datetimeFigureOut">
               <a:rPr lang="en-US" dirty="0"/>
-              <a:t>1/8/2022</a:t>
+              <a:t>1/9/2022</a:t>
             </a:fld>
             <a:endParaRPr lang="en-US" dirty="0"/>
           </a:p>
@@ -6951,7 +6956,7 @@
           <a:p>
             <a:fld id="{48A87A34-81AB-432B-8DAE-1953F412C126}" type="datetimeFigureOut">
               <a:rPr lang="en-US" dirty="0"/>
-              <a:t>1/8/2022</a:t>
+              <a:t>1/9/2022</a:t>
             </a:fld>
             <a:endParaRPr lang="en-US" dirty="0"/>
           </a:p>
@@ -7126,7 +7131,7 @@
           <a:p>
             <a:fld id="{48A87A34-81AB-432B-8DAE-1953F412C126}" type="datetimeFigureOut">
               <a:rPr lang="en-US" dirty="0"/>
-              <a:t>1/8/2022</a:t>
+              <a:t>1/9/2022</a:t>
             </a:fld>
             <a:endParaRPr lang="en-US" dirty="0"/>
           </a:p>
@@ -7291,7 +7296,7 @@
           <a:p>
             <a:fld id="{48A87A34-81AB-432B-8DAE-1953F412C126}" type="datetimeFigureOut">
               <a:rPr lang="en-US" dirty="0"/>
-              <a:t>1/8/2022</a:t>
+              <a:t>1/9/2022</a:t>
             </a:fld>
             <a:endParaRPr lang="en-US" dirty="0"/>
           </a:p>
@@ -7536,7 +7541,7 @@
           <a:p>
             <a:fld id="{48A87A34-81AB-432B-8DAE-1953F412C126}" type="datetimeFigureOut">
               <a:rPr lang="en-US" dirty="0"/>
-              <a:t>1/8/2022</a:t>
+              <a:t>1/9/2022</a:t>
             </a:fld>
             <a:endParaRPr lang="en-US" dirty="0"/>
           </a:p>
@@ -7763,7 +7768,7 @@
           <a:p>
             <a:fld id="{48A87A34-81AB-432B-8DAE-1953F412C126}" type="datetimeFigureOut">
               <a:rPr lang="en-US" dirty="0"/>
-              <a:t>1/8/2022</a:t>
+              <a:t>1/9/2022</a:t>
             </a:fld>
             <a:endParaRPr lang="en-US" dirty="0"/>
           </a:p>
@@ -8139,7 +8144,7 @@
           <a:p>
             <a:fld id="{48A87A34-81AB-432B-8DAE-1953F412C126}" type="datetimeFigureOut">
               <a:rPr lang="en-US" dirty="0"/>
-              <a:t>1/8/2022</a:t>
+              <a:t>1/9/2022</a:t>
             </a:fld>
             <a:endParaRPr lang="en-US" dirty="0"/>
           </a:p>
@@ -8252,7 +8257,7 @@
           <a:p>
             <a:fld id="{48A87A34-81AB-432B-8DAE-1953F412C126}" type="datetimeFigureOut">
               <a:rPr lang="en-US" dirty="0"/>
-              <a:t>1/8/2022</a:t>
+              <a:t>1/9/2022</a:t>
             </a:fld>
             <a:endParaRPr lang="en-US" dirty="0"/>
           </a:p>
@@ -8342,7 +8347,7 @@
           <a:p>
             <a:fld id="{48A87A34-81AB-432B-8DAE-1953F412C126}" type="datetimeFigureOut">
               <a:rPr lang="en-US" dirty="0"/>
-              <a:t>1/8/2022</a:t>
+              <a:t>1/9/2022</a:t>
             </a:fld>
             <a:endParaRPr lang="en-US" dirty="0"/>
           </a:p>
@@ -8586,7 +8591,7 @@
           <a:p>
             <a:fld id="{48A87A34-81AB-432B-8DAE-1953F412C126}" type="datetimeFigureOut">
               <a:rPr lang="en-US" dirty="0"/>
-              <a:t>1/8/2022</a:t>
+              <a:t>1/9/2022</a:t>
             </a:fld>
             <a:endParaRPr lang="en-US" dirty="0"/>
           </a:p>
@@ -8861,7 +8866,7 @@
           <a:p>
             <a:fld id="{48A87A34-81AB-432B-8DAE-1953F412C126}" type="datetimeFigureOut">
               <a:rPr lang="en-US" dirty="0"/>
-              <a:t>1/8/2022</a:t>
+              <a:t>1/9/2022</a:t>
             </a:fld>
             <a:endParaRPr lang="en-US" dirty="0"/>
           </a:p>
@@ -11934,7 +11939,7 @@
             <a:fld id="{48A87A34-81AB-432B-8DAE-1953F412C126}" type="datetimeFigureOut">
               <a:rPr lang="en-US" dirty="0"/>
               <a:pPr/>
-              <a:t>1/8/2022</a:t>
+              <a:t>1/9/2022</a:t>
             </a:fld>
             <a:endParaRPr lang="en-US" dirty="0"/>
           </a:p>
@@ -12705,7 +12710,7 @@
           <a:lstStyle/>
           <a:p>
             <a:r>
-              <a:rPr lang="en-US" dirty="0"/>
+              <a:rPr lang="en-US" sz="2000" dirty="0"/>
               <a:t>General Requirements</a:t>
             </a:r>
           </a:p>
@@ -12726,7 +12731,7 @@
         <p:spPr>
           <a:xfrm>
             <a:off x="1050506" y="774243"/>
-            <a:ext cx="10769708" cy="1661993"/>
+            <a:ext cx="10769708" cy="1877437"/>
           </a:xfrm>
           <a:prstGeom prst="rect">
             <a:avLst/>
@@ -12765,7 +12770,7 @@
             </a:pPr>
             <a:r>
               <a:rPr lang="en-US" sz="1400" dirty="0"/>
-              <a:t>Finished product very useful in a variety of situations on any layout.</a:t>
+              <a:t>Finished product would be very useful in a variety of situations on any layout.</a:t>
             </a:r>
           </a:p>
           <a:p>
@@ -12775,7 +12780,7 @@
             </a:pPr>
             <a:r>
               <a:rPr lang="en-US" sz="1400" dirty="0"/>
-              <a:t>Ideally ordered a kit complete with the Arduino NANO (clone)</a:t>
+              <a:t>Ideally ordered as a complete kit. (PCB, all components, including Arduino NANO (clone))</a:t>
             </a:r>
           </a:p>
           <a:p>
@@ -12785,7 +12790,7 @@
             </a:pPr>
             <a:r>
               <a:rPr lang="en-US" sz="1400" dirty="0"/>
-              <a:t>PCB design should be flexible in that I/O can be reconfigured without too much fuss. (for example taking the LED’s off board) </a:t>
+              <a:t>Detailed instructions suitable for novices. Broken down as ‘build’, ‘test’, ‘learn’.</a:t>
             </a:r>
           </a:p>
           <a:p>
@@ -12796,6 +12801,16 @@
             <a:r>
               <a:rPr lang="en-US" sz="1400" dirty="0"/>
               <a:t>A series of videos can be made for self paced learning (able to pause, go back, review and check)</a:t>
+            </a:r>
+          </a:p>
+          <a:p>
+            <a:pPr marL="285750" indent="-285750">
+              <a:buFont typeface="Arial" panose="020B0604020202020204" pitchFamily="34" charset="0"/>
+              <a:buChar char="•"/>
+            </a:pPr>
+            <a:r>
+              <a:rPr lang="en-US" sz="1400" dirty="0"/>
+              <a:t>PCB design should be flexible in that I/O can be reconfigured without too much fuss. (for example taking the LED’s off board) </a:t>
             </a:r>
           </a:p>
           <a:p>
@@ -13827,8 +13842,8 @@
         </p:nvSpPr>
         <p:spPr>
           <a:xfrm>
-            <a:off x="5865645" y="2594512"/>
-            <a:ext cx="5708127" cy="3385542"/>
+            <a:off x="5878040" y="2708531"/>
+            <a:ext cx="5708127" cy="2954655"/>
           </a:xfrm>
           <a:prstGeom prst="rect">
             <a:avLst/>
@@ -13867,7 +13882,7 @@
             </a:pPr>
             <a:r>
               <a:rPr lang="en-US" sz="1400" dirty="0"/>
-              <a:t>Carrier board itself has mounting holes.</a:t>
+              <a:t>Carrier board itself to have mounting holes.</a:t>
             </a:r>
           </a:p>
           <a:p>
@@ -13877,7 +13892,7 @@
             </a:pPr>
             <a:r>
               <a:rPr lang="en-US" sz="1400" dirty="0"/>
-              <a:t>Flexible power  AC/DC/DCC regulated to 12 vdc at NANO Vin</a:t>
+              <a:t>Flexible input power (AC/DC/DCC)</a:t>
             </a:r>
           </a:p>
           <a:p>
@@ -13887,7 +13902,7 @@
             </a:pPr>
             <a:r>
               <a:rPr lang="en-US" sz="1400" dirty="0"/>
-              <a:t>NANO itself produces the 5 VDC for sensors and servos</a:t>
+              <a:t>On board regulation to 12 vdc at NANO Vin</a:t>
             </a:r>
           </a:p>
           <a:p>
@@ -13897,7 +13912,7 @@
             </a:pPr>
             <a:r>
               <a:rPr lang="en-US" sz="1400" dirty="0"/>
-              <a:t>Header pins to align with standard servo pinout</a:t>
+              <a:t>NANO itself produces the 5 VDC for sensors and servos</a:t>
             </a:r>
           </a:p>
           <a:p>
@@ -13907,7 +13922,7 @@
             </a:pPr>
             <a:r>
               <a:rPr lang="en-US" sz="1400" dirty="0"/>
-              <a:t>On board R680/R1K current limiting resistors</a:t>
+              <a:t>Header pins aligned with standard servo pinout</a:t>
             </a:r>
           </a:p>
           <a:p>
@@ -13917,7 +13932,7 @@
             </a:pPr>
             <a:r>
               <a:rPr lang="en-US" sz="1400" dirty="0"/>
-              <a:t>2 board mounted Pushbuttons as DI’s </a:t>
+              <a:t>On board output driver chip can power small relays or actuators.</a:t>
             </a:r>
           </a:p>
           <a:p>
@@ -13927,7 +13942,7 @@
             </a:pPr>
             <a:r>
               <a:rPr lang="en-US" sz="1400" dirty="0"/>
-              <a:t>Prototype test area.</a:t>
+              <a:t>On board R680 current limiting resistors</a:t>
             </a:r>
           </a:p>
           <a:p>
@@ -13937,7 +13952,7 @@
             </a:pPr>
             <a:r>
               <a:rPr lang="en-US" sz="1400" dirty="0"/>
-              <a:t>Bring out unused digital and analog I/O</a:t>
+              <a:t>2 board mounted Pushbuttons as DI’s </a:t>
             </a:r>
           </a:p>
           <a:p>
@@ -13947,15 +13962,7 @@
             </a:pPr>
             <a:r>
               <a:rPr lang="en-US" sz="1400" dirty="0"/>
-              <a:t>A dedicated header for I2C using A4/A5/+5 and </a:t>
-            </a:r>
-            <a:r>
-              <a:rPr lang="en-US" sz="1400" dirty="0" err="1"/>
-              <a:t>Gnd</a:t>
-            </a:r>
-            <a:r>
-              <a:rPr lang="en-US" sz="1400" dirty="0"/>
-              <a:t> </a:t>
+              <a:t>Prototype test area.</a:t>
             </a:r>
           </a:p>
           <a:p>
@@ -13965,7 +13972,7 @@
             </a:pPr>
             <a:r>
               <a:rPr lang="en-US" sz="1400" dirty="0"/>
-              <a:t>Pull up resistors for LDR and I2C usage.</a:t>
+              <a:t>Bring out all unused digital and analog I/O</a:t>
             </a:r>
           </a:p>
           <a:p>
@@ -13973,12 +13980,17 @@
               <a:buFont typeface="Arial" panose="020B0604020202020204" pitchFamily="34" charset="0"/>
               <a:buChar char="•"/>
             </a:pPr>
-            <a:endParaRPr lang="en-US" sz="1400" dirty="0"/>
-          </a:p>
-          <a:p>
             <a:r>
               <a:rPr lang="en-US" sz="1400" dirty="0"/>
-              <a:t>It may be that not all I/O is usable at the same time but that would be the going in objective</a:t>
+              <a:t>A dedicated header for I2C using A4/A5/+5 and </a:t>
+            </a:r>
+            <a:r>
+              <a:rPr lang="en-US" sz="1400" dirty="0" err="1"/>
+              <a:t>Gnd</a:t>
+            </a:r>
+            <a:r>
+              <a:rPr lang="en-US" sz="1400" dirty="0"/>
+              <a:t> </a:t>
             </a:r>
           </a:p>
         </p:txBody>
@@ -14078,6 +14090,1331 @@
     <p:extLst>
       <p:ext uri="{BB962C8B-B14F-4D97-AF65-F5344CB8AC3E}">
         <p14:creationId xmlns:p14="http://schemas.microsoft.com/office/powerpoint/2010/main" val="3085551083"/>
+      </p:ext>
+    </p:extLst>
+  </p:cSld>
+  <p:clrMapOvr>
+    <a:masterClrMapping/>
+  </p:clrMapOvr>
+</p:sld>
+</file>
+
+<file path=ppt/slides/slide4.xml><?xml version="1.0" encoding="utf-8"?>
+<p:sld xmlns:a="http://schemas.openxmlformats.org/drawingml/2006/main" xmlns:r="http://schemas.openxmlformats.org/officeDocument/2006/relationships" xmlns:p="http://schemas.openxmlformats.org/presentationml/2006/main">
+  <p:cSld>
+    <p:spTree>
+      <p:nvGrpSpPr>
+        <p:cNvPr id="1" name=""/>
+        <p:cNvGrpSpPr/>
+        <p:nvPr/>
+      </p:nvGrpSpPr>
+      <p:grpSpPr>
+        <a:xfrm>
+          <a:off x="0" y="0"/>
+          <a:ext cx="0" cy="0"/>
+          <a:chOff x="0" y="0"/>
+          <a:chExt cx="0" cy="0"/>
+        </a:xfrm>
+      </p:grpSpPr>
+      <p:sp>
+        <p:nvSpPr>
+          <p:cNvPr id="2" name="Title 1">
+            <a:extLst>
+              <a:ext uri="{FF2B5EF4-FFF2-40B4-BE49-F238E27FC236}">
+                <a16:creationId xmlns:a16="http://schemas.microsoft.com/office/drawing/2014/main" id="{68C3ECC6-4864-4365-A835-A7F076D4DB5C}"/>
+              </a:ext>
+            </a:extLst>
+          </p:cNvPr>
+          <p:cNvSpPr>
+            <a:spLocks noGrp="1"/>
+          </p:cNvSpPr>
+          <p:nvPr>
+            <p:ph type="title"/>
+          </p:nvPr>
+        </p:nvSpPr>
+        <p:spPr>
+          <a:xfrm>
+            <a:off x="1141413" y="618518"/>
+            <a:ext cx="9905998" cy="757276"/>
+          </a:xfrm>
+        </p:spPr>
+        <p:txBody>
+          <a:bodyPr>
+            <a:normAutofit fontScale="90000"/>
+          </a:bodyPr>
+          <a:lstStyle/>
+          <a:p>
+            <a:r>
+              <a:rPr lang="en-US" dirty="0"/>
+              <a:t>Introducing:    </a:t>
+            </a:r>
+            <a:r>
+              <a:rPr lang="en-US" sz="6000" dirty="0">
+                <a:solidFill>
+                  <a:srgbClr val="00B050"/>
+                </a:solidFill>
+                <a:latin typeface="Checkbook" panose="020B0000000000000000" pitchFamily="34" charset="0"/>
+              </a:rPr>
+              <a:t>MERGduino</a:t>
+            </a:r>
+            <a:endParaRPr lang="en-US" sz="6000" dirty="0"/>
+          </a:p>
+        </p:txBody>
+      </p:sp>
+      <p:sp>
+        <p:nvSpPr>
+          <p:cNvPr id="3" name="Rectangle 2">
+            <a:extLst>
+              <a:ext uri="{FF2B5EF4-FFF2-40B4-BE49-F238E27FC236}">
+                <a16:creationId xmlns:a16="http://schemas.microsoft.com/office/drawing/2014/main" id="{4E4028D4-8624-4D5C-9EA5-FB86B9AF48CA}"/>
+              </a:ext>
+            </a:extLst>
+          </p:cNvPr>
+          <p:cNvSpPr/>
+          <p:nvPr/>
+        </p:nvSpPr>
+        <p:spPr>
+          <a:xfrm rot="19606591">
+            <a:off x="2503545" y="3242118"/>
+            <a:ext cx="6917754" cy="1200329"/>
+          </a:xfrm>
+          <a:prstGeom prst="rect">
+            <a:avLst/>
+          </a:prstGeom>
+          <a:solidFill>
+            <a:srgbClr val="00B050">
+              <a:alpha val="68000"/>
+            </a:srgbClr>
+          </a:solidFill>
+        </p:spPr>
+        <p:txBody>
+          <a:bodyPr wrap="square" lIns="91440" tIns="45720" rIns="91440" bIns="45720">
+            <a:spAutoFit/>
+          </a:bodyPr>
+          <a:lstStyle/>
+          <a:p>
+            <a:pPr algn="ctr"/>
+            <a:r>
+              <a:rPr lang="en-US" sz="7200" b="1" cap="none" spc="0" dirty="0">
+                <a:ln w="12700">
+                  <a:solidFill>
+                    <a:schemeClr val="accent3">
+                      <a:lumMod val="50000"/>
+                    </a:schemeClr>
+                  </a:solidFill>
+                  <a:prstDash val="solid"/>
+                </a:ln>
+                <a:effectLst>
+                  <a:innerShdw blurRad="177800">
+                    <a:schemeClr val="accent3">
+                      <a:lumMod val="50000"/>
+                    </a:schemeClr>
+                  </a:innerShdw>
+                </a:effectLst>
+              </a:rPr>
+              <a:t>Coming Soon</a:t>
+            </a:r>
+          </a:p>
+        </p:txBody>
+      </p:sp>
+    </p:spTree>
+    <p:extLst>
+      <p:ext uri="{BB962C8B-B14F-4D97-AF65-F5344CB8AC3E}">
+        <p14:creationId xmlns:p14="http://schemas.microsoft.com/office/powerpoint/2010/main" val="2516584696"/>
+      </p:ext>
+    </p:extLst>
+  </p:cSld>
+  <p:clrMapOvr>
+    <a:masterClrMapping/>
+  </p:clrMapOvr>
+</p:sld>
+</file>
+
+<file path=ppt/slides/slide5.xml><?xml version="1.0" encoding="utf-8"?>
+<p:sld xmlns:a="http://schemas.openxmlformats.org/drawingml/2006/main" xmlns:r="http://schemas.openxmlformats.org/officeDocument/2006/relationships" xmlns:p="http://schemas.openxmlformats.org/presentationml/2006/main">
+  <p:cSld>
+    <p:spTree>
+      <p:nvGrpSpPr>
+        <p:cNvPr id="1" name=""/>
+        <p:cNvGrpSpPr/>
+        <p:nvPr/>
+      </p:nvGrpSpPr>
+      <p:grpSpPr>
+        <a:xfrm>
+          <a:off x="0" y="0"/>
+          <a:ext cx="0" cy="0"/>
+          <a:chOff x="0" y="0"/>
+          <a:chExt cx="0" cy="0"/>
+        </a:xfrm>
+      </p:grpSpPr>
+      <p:sp>
+        <p:nvSpPr>
+          <p:cNvPr id="2" name="Title 1">
+            <a:extLst>
+              <a:ext uri="{FF2B5EF4-FFF2-40B4-BE49-F238E27FC236}">
+                <a16:creationId xmlns:a16="http://schemas.microsoft.com/office/drawing/2014/main" id="{68C3ECC6-4864-4365-A835-A7F076D4DB5C}"/>
+              </a:ext>
+            </a:extLst>
+          </p:cNvPr>
+          <p:cNvSpPr>
+            <a:spLocks noGrp="1"/>
+          </p:cNvSpPr>
+          <p:nvPr>
+            <p:ph type="title"/>
+          </p:nvPr>
+        </p:nvSpPr>
+        <p:spPr>
+          <a:xfrm>
+            <a:off x="1141413" y="618518"/>
+            <a:ext cx="9905998" cy="757276"/>
+          </a:xfrm>
+        </p:spPr>
+        <p:txBody>
+          <a:bodyPr/>
+          <a:lstStyle/>
+          <a:p>
+            <a:r>
+              <a:rPr lang="en-US" dirty="0">
+                <a:solidFill>
+                  <a:srgbClr val="00B050"/>
+                </a:solidFill>
+                <a:latin typeface="Checkbook" panose="020B0000000000000000" pitchFamily="34" charset="0"/>
+              </a:rPr>
+              <a:t>MERGduino: </a:t>
+            </a:r>
+            <a:r>
+              <a:rPr lang="en-US" dirty="0">
+                <a:solidFill>
+                  <a:srgbClr val="C00000"/>
+                </a:solidFill>
+                <a:latin typeface="Checkbook" panose="020B0000000000000000" pitchFamily="34" charset="0"/>
+              </a:rPr>
+              <a:t>Power Supply</a:t>
+            </a:r>
+            <a:endParaRPr lang="en-US" dirty="0">
+              <a:solidFill>
+                <a:srgbClr val="C00000"/>
+              </a:solidFill>
+            </a:endParaRPr>
+          </a:p>
+        </p:txBody>
+      </p:sp>
+      <p:sp>
+        <p:nvSpPr>
+          <p:cNvPr id="5" name="TextBox 4">
+            <a:extLst>
+              <a:ext uri="{FF2B5EF4-FFF2-40B4-BE49-F238E27FC236}">
+                <a16:creationId xmlns:a16="http://schemas.microsoft.com/office/drawing/2014/main" id="{FFEC40BD-F54C-4EBC-AFDF-B49252F8875F}"/>
+              </a:ext>
+            </a:extLst>
+          </p:cNvPr>
+          <p:cNvSpPr txBox="1"/>
+          <p:nvPr/>
+        </p:nvSpPr>
+        <p:spPr>
+          <a:xfrm>
+            <a:off x="6673006" y="1533525"/>
+            <a:ext cx="5147082" cy="3447098"/>
+          </a:xfrm>
+          <a:prstGeom prst="rect">
+            <a:avLst/>
+          </a:prstGeom>
+          <a:noFill/>
+        </p:spPr>
+        <p:txBody>
+          <a:bodyPr wrap="square" rtlCol="0">
+            <a:spAutoFit/>
+          </a:bodyPr>
+          <a:lstStyle/>
+          <a:p>
+            <a:r>
+              <a:rPr lang="en-US" dirty="0">
+                <a:solidFill>
+                  <a:srgbClr val="FFFF00"/>
+                </a:solidFill>
+              </a:rPr>
+              <a:t>Feature List (Power):</a:t>
+            </a:r>
+          </a:p>
+          <a:p>
+            <a:pPr marL="285750" indent="-285750">
+              <a:buFont typeface="Arial" panose="020B0604020202020204" pitchFamily="34" charset="0"/>
+              <a:buChar char="•"/>
+            </a:pPr>
+            <a:r>
+              <a:rPr lang="en-US" sz="1400" dirty="0"/>
+              <a:t>Flexible input power (AC / DCC or DC)</a:t>
+            </a:r>
+          </a:p>
+          <a:p>
+            <a:pPr marL="285750" indent="-285750">
+              <a:buFont typeface="Arial" panose="020B0604020202020204" pitchFamily="34" charset="0"/>
+              <a:buChar char="•"/>
+            </a:pPr>
+            <a:r>
+              <a:rPr lang="en-US" sz="1400" dirty="0"/>
+              <a:t>(OR 5 volts direct to Arduino)</a:t>
+            </a:r>
+          </a:p>
+          <a:p>
+            <a:pPr marL="285750" indent="-285750">
+              <a:buFont typeface="Arial" panose="020B0604020202020204" pitchFamily="34" charset="0"/>
+              <a:buChar char="•"/>
+            </a:pPr>
+            <a:r>
+              <a:rPr lang="en-US" sz="1400" dirty="0"/>
+              <a:t>On board regulation to 12 vdc at NANO Vin</a:t>
+            </a:r>
+          </a:p>
+          <a:p>
+            <a:pPr marL="285750" indent="-285750">
+              <a:buFont typeface="Arial" panose="020B0604020202020204" pitchFamily="34" charset="0"/>
+              <a:buChar char="•"/>
+            </a:pPr>
+            <a:r>
+              <a:rPr lang="en-US" sz="1400" dirty="0"/>
+              <a:t>Can be built standalone as a ‘power supply’ providing 12 volts.</a:t>
+            </a:r>
+          </a:p>
+          <a:p>
+            <a:pPr marL="285750" indent="-285750">
+              <a:buFont typeface="Arial" panose="020B0604020202020204" pitchFamily="34" charset="0"/>
+              <a:buChar char="•"/>
+            </a:pPr>
+            <a:r>
+              <a:rPr lang="en-US" sz="1400" dirty="0"/>
+              <a:t>Header pins to be provided on PCB for power take off.</a:t>
+            </a:r>
+          </a:p>
+          <a:p>
+            <a:pPr marL="285750" indent="-285750">
+              <a:buFont typeface="Arial" panose="020B0604020202020204" pitchFamily="34" charset="0"/>
+              <a:buChar char="•"/>
+            </a:pPr>
+            <a:r>
+              <a:rPr lang="en-US" sz="1400" dirty="0"/>
+              <a:t>On board LED for troubleshooting without NANO</a:t>
+            </a:r>
+          </a:p>
+          <a:p>
+            <a:pPr marL="285750" indent="-285750">
+              <a:buFont typeface="Arial" panose="020B0604020202020204" pitchFamily="34" charset="0"/>
+              <a:buChar char="•"/>
+            </a:pPr>
+            <a:r>
+              <a:rPr lang="en-US" sz="1400" dirty="0"/>
+              <a:t>Can learn to take measurements using DMM.</a:t>
+            </a:r>
+          </a:p>
+          <a:p>
+            <a:pPr marL="285750" indent="-285750">
+              <a:buFont typeface="Arial" panose="020B0604020202020204" pitchFamily="34" charset="0"/>
+              <a:buChar char="•"/>
+            </a:pPr>
+            <a:endParaRPr lang="en-US" sz="1400" dirty="0"/>
+          </a:p>
+          <a:p>
+            <a:r>
+              <a:rPr lang="en-US" dirty="0">
+                <a:solidFill>
+                  <a:srgbClr val="FFFF00"/>
+                </a:solidFill>
+              </a:rPr>
+              <a:t>Feature List (DCC Opto-Coupler):</a:t>
+            </a:r>
+          </a:p>
+          <a:p>
+            <a:pPr marL="285750" indent="-285750">
+              <a:buFont typeface="Arial" panose="020B0604020202020204" pitchFamily="34" charset="0"/>
+              <a:buChar char="•"/>
+            </a:pPr>
+            <a:r>
+              <a:rPr lang="en-US" sz="1400" dirty="0"/>
+              <a:t>Optically couples DCC to Arduino Pin</a:t>
+            </a:r>
+          </a:p>
+          <a:p>
+            <a:pPr marL="285750" indent="-285750">
+              <a:buFont typeface="Arial" panose="020B0604020202020204" pitchFamily="34" charset="0"/>
+              <a:buChar char="•"/>
+            </a:pPr>
+            <a:r>
+              <a:rPr lang="en-US" sz="1400" dirty="0"/>
+              <a:t>Enables Arduino to act as a stationary Accessory decoder</a:t>
+            </a:r>
+          </a:p>
+          <a:p>
+            <a:pPr marL="285750" indent="-285750">
+              <a:buFont typeface="Arial" panose="020B0604020202020204" pitchFamily="34" charset="0"/>
+              <a:buChar char="•"/>
+            </a:pPr>
+            <a:r>
+              <a:rPr lang="en-US" sz="1400" dirty="0"/>
+              <a:t>Optional – Can omit if not needed. If it is used board must have an Arduino installed to provide the 5 volts for operation.</a:t>
+            </a:r>
+          </a:p>
+          <a:p>
+            <a:pPr marL="285750" indent="-285750">
+              <a:buFont typeface="Arial" panose="020B0604020202020204" pitchFamily="34" charset="0"/>
+              <a:buChar char="•"/>
+            </a:pPr>
+            <a:endParaRPr lang="en-US" sz="1400" dirty="0"/>
+          </a:p>
+        </p:txBody>
+      </p:sp>
+      <p:pic>
+        <p:nvPicPr>
+          <p:cNvPr id="7" name="Picture 6">
+            <a:extLst>
+              <a:ext uri="{FF2B5EF4-FFF2-40B4-BE49-F238E27FC236}">
+                <a16:creationId xmlns:a16="http://schemas.microsoft.com/office/drawing/2014/main" id="{1C8D7045-FD8E-4F87-B7EB-321E4773406B}"/>
+              </a:ext>
+            </a:extLst>
+          </p:cNvPr>
+          <p:cNvPicPr>
+            <a:picLocks noChangeAspect="1"/>
+          </p:cNvPicPr>
+          <p:nvPr/>
+        </p:nvPicPr>
+        <p:blipFill>
+          <a:blip r:embed="rId2"/>
+          <a:stretch>
+            <a:fillRect/>
+          </a:stretch>
+        </p:blipFill>
+        <p:spPr>
+          <a:xfrm>
+            <a:off x="1011353" y="1533525"/>
+            <a:ext cx="5572125" cy="3790950"/>
+          </a:xfrm>
+          <a:prstGeom prst="rect">
+            <a:avLst/>
+          </a:prstGeom>
+        </p:spPr>
+      </p:pic>
+    </p:spTree>
+    <p:extLst>
+      <p:ext uri="{BB962C8B-B14F-4D97-AF65-F5344CB8AC3E}">
+        <p14:creationId xmlns:p14="http://schemas.microsoft.com/office/powerpoint/2010/main" val="3458038039"/>
+      </p:ext>
+    </p:extLst>
+  </p:cSld>
+  <p:clrMapOvr>
+    <a:masterClrMapping/>
+  </p:clrMapOvr>
+</p:sld>
+</file>
+
+<file path=ppt/slides/slide6.xml><?xml version="1.0" encoding="utf-8"?>
+<p:sld xmlns:a="http://schemas.openxmlformats.org/drawingml/2006/main" xmlns:r="http://schemas.openxmlformats.org/officeDocument/2006/relationships" xmlns:p="http://schemas.openxmlformats.org/presentationml/2006/main">
+  <p:cSld>
+    <p:spTree>
+      <p:nvGrpSpPr>
+        <p:cNvPr id="1" name=""/>
+        <p:cNvGrpSpPr/>
+        <p:nvPr/>
+      </p:nvGrpSpPr>
+      <p:grpSpPr>
+        <a:xfrm>
+          <a:off x="0" y="0"/>
+          <a:ext cx="0" cy="0"/>
+          <a:chOff x="0" y="0"/>
+          <a:chExt cx="0" cy="0"/>
+        </a:xfrm>
+      </p:grpSpPr>
+      <p:sp>
+        <p:nvSpPr>
+          <p:cNvPr id="2" name="Title 1">
+            <a:extLst>
+              <a:ext uri="{FF2B5EF4-FFF2-40B4-BE49-F238E27FC236}">
+                <a16:creationId xmlns:a16="http://schemas.microsoft.com/office/drawing/2014/main" id="{68C3ECC6-4864-4365-A835-A7F076D4DB5C}"/>
+              </a:ext>
+            </a:extLst>
+          </p:cNvPr>
+          <p:cNvSpPr>
+            <a:spLocks noGrp="1"/>
+          </p:cNvSpPr>
+          <p:nvPr>
+            <p:ph type="title"/>
+          </p:nvPr>
+        </p:nvSpPr>
+        <p:spPr>
+          <a:xfrm>
+            <a:off x="1143001" y="159944"/>
+            <a:ext cx="9905998" cy="757276"/>
+          </a:xfrm>
+        </p:spPr>
+        <p:txBody>
+          <a:bodyPr/>
+          <a:lstStyle/>
+          <a:p>
+            <a:r>
+              <a:rPr lang="en-US" dirty="0">
+                <a:solidFill>
+                  <a:srgbClr val="00B050"/>
+                </a:solidFill>
+                <a:latin typeface="Checkbook" panose="020B0000000000000000" pitchFamily="34" charset="0"/>
+              </a:rPr>
+              <a:t>MERGduino: </a:t>
+            </a:r>
+            <a:r>
+              <a:rPr lang="en-US" dirty="0">
+                <a:solidFill>
+                  <a:srgbClr val="C00000"/>
+                </a:solidFill>
+                <a:latin typeface="Checkbook" panose="020B0000000000000000" pitchFamily="34" charset="0"/>
+              </a:rPr>
+              <a:t>I/O</a:t>
+            </a:r>
+            <a:endParaRPr lang="en-US" dirty="0">
+              <a:solidFill>
+                <a:srgbClr val="C00000"/>
+              </a:solidFill>
+            </a:endParaRPr>
+          </a:p>
+        </p:txBody>
+      </p:sp>
+      <p:sp>
+        <p:nvSpPr>
+          <p:cNvPr id="5" name="TextBox 4">
+            <a:extLst>
+              <a:ext uri="{FF2B5EF4-FFF2-40B4-BE49-F238E27FC236}">
+                <a16:creationId xmlns:a16="http://schemas.microsoft.com/office/drawing/2014/main" id="{FFEC40BD-F54C-4EBC-AFDF-B49252F8875F}"/>
+              </a:ext>
+            </a:extLst>
+          </p:cNvPr>
+          <p:cNvSpPr txBox="1"/>
+          <p:nvPr/>
+        </p:nvSpPr>
+        <p:spPr>
+          <a:xfrm>
+            <a:off x="5072198" y="917220"/>
+            <a:ext cx="5147082" cy="5724644"/>
+          </a:xfrm>
+          <a:prstGeom prst="rect">
+            <a:avLst/>
+          </a:prstGeom>
+          <a:noFill/>
+        </p:spPr>
+        <p:txBody>
+          <a:bodyPr wrap="square" rtlCol="0">
+            <a:spAutoFit/>
+          </a:bodyPr>
+          <a:lstStyle/>
+          <a:p>
+            <a:r>
+              <a:rPr lang="en-US" dirty="0">
+                <a:solidFill>
+                  <a:srgbClr val="FFFF00"/>
+                </a:solidFill>
+              </a:rPr>
+              <a:t>Top Left</a:t>
+            </a:r>
+          </a:p>
+          <a:p>
+            <a:pPr marL="285750" indent="-285750">
+              <a:buFont typeface="Arial" panose="020B0604020202020204" pitchFamily="34" charset="0"/>
+              <a:buChar char="•"/>
+            </a:pPr>
+            <a:r>
+              <a:rPr lang="en-US" sz="1400" dirty="0"/>
+              <a:t>Standard I/O header with pins in order (Signal, 5VDC, </a:t>
+            </a:r>
+            <a:r>
+              <a:rPr lang="en-US" sz="1400" dirty="0" err="1"/>
+              <a:t>Gnd</a:t>
+            </a:r>
+            <a:r>
+              <a:rPr lang="en-US" sz="1400" dirty="0"/>
+              <a:t>) </a:t>
+            </a:r>
+          </a:p>
+          <a:p>
+            <a:pPr marL="285750" indent="-285750">
+              <a:buFont typeface="Arial" panose="020B0604020202020204" pitchFamily="34" charset="0"/>
+              <a:buChar char="•"/>
+            </a:pPr>
+            <a:r>
+              <a:rPr lang="en-US" sz="1400" dirty="0"/>
+              <a:t>Suitable for AI, AO, DI, DO with or without internal pullup</a:t>
+            </a:r>
+          </a:p>
+          <a:p>
+            <a:pPr marL="285750" indent="-285750">
+              <a:buFont typeface="Arial" panose="020B0604020202020204" pitchFamily="34" charset="0"/>
+              <a:buChar char="•"/>
+            </a:pPr>
+            <a:endParaRPr lang="en-US" sz="1400" dirty="0"/>
+          </a:p>
+          <a:p>
+            <a:r>
+              <a:rPr lang="en-US" dirty="0">
+                <a:solidFill>
+                  <a:srgbClr val="FFFF00"/>
+                </a:solidFill>
+              </a:rPr>
+              <a:t>Top Right</a:t>
+            </a:r>
+          </a:p>
+          <a:p>
+            <a:pPr marL="285750" indent="-285750">
+              <a:buFont typeface="Arial" panose="020B0604020202020204" pitchFamily="34" charset="0"/>
+              <a:buChar char="•"/>
+            </a:pPr>
+            <a:r>
+              <a:rPr lang="en-US" sz="1400" dirty="0"/>
+              <a:t>Standard I/O header but with optional pullup resistor</a:t>
+            </a:r>
+          </a:p>
+          <a:p>
+            <a:pPr marL="285750" indent="-285750">
+              <a:buFont typeface="Arial" panose="020B0604020202020204" pitchFamily="34" charset="0"/>
+              <a:buChar char="•"/>
+            </a:pPr>
+            <a:r>
+              <a:rPr lang="en-US" sz="1400" dirty="0"/>
+              <a:t>Pullup is needed in at least one place on a I2C bus  </a:t>
+            </a:r>
+          </a:p>
+          <a:p>
+            <a:pPr marL="285750" indent="-285750">
+              <a:buFont typeface="Arial" panose="020B0604020202020204" pitchFamily="34" charset="0"/>
+              <a:buChar char="•"/>
+            </a:pPr>
+            <a:r>
+              <a:rPr lang="en-US" sz="1400" dirty="0"/>
+              <a:t>Can also be used for precision voltage divider experiments</a:t>
+            </a:r>
+          </a:p>
+          <a:p>
+            <a:endParaRPr lang="en-US" sz="1400" dirty="0"/>
+          </a:p>
+          <a:p>
+            <a:r>
+              <a:rPr lang="en-US" dirty="0">
+                <a:solidFill>
+                  <a:srgbClr val="FFFF00"/>
+                </a:solidFill>
+              </a:rPr>
+              <a:t>Middle</a:t>
+            </a:r>
+          </a:p>
+          <a:p>
+            <a:pPr marL="285750" indent="-285750">
+              <a:buFont typeface="Arial" panose="020B0604020202020204" pitchFamily="34" charset="0"/>
+              <a:buChar char="•"/>
+            </a:pPr>
+            <a:r>
+              <a:rPr lang="en-US" sz="1400" dirty="0"/>
+              <a:t>On Board buttons for I/O testing</a:t>
+            </a:r>
+          </a:p>
+          <a:p>
+            <a:pPr marL="285750" indent="-285750">
+              <a:buFont typeface="Arial" panose="020B0604020202020204" pitchFamily="34" charset="0"/>
+              <a:buChar char="•"/>
+            </a:pPr>
+            <a:r>
+              <a:rPr lang="en-US" sz="1400" dirty="0"/>
+              <a:t>For use with internal pullup</a:t>
+            </a:r>
+          </a:p>
+          <a:p>
+            <a:pPr marL="285750" indent="-285750">
+              <a:buFont typeface="Arial" panose="020B0604020202020204" pitchFamily="34" charset="0"/>
+              <a:buChar char="•"/>
+            </a:pPr>
+            <a:r>
+              <a:rPr lang="en-US" sz="1400" dirty="0"/>
+              <a:t>Includes current limiting resistor in case the pin is accidentally configured for output and then the button is pushed</a:t>
+            </a:r>
+          </a:p>
+          <a:p>
+            <a:endParaRPr lang="en-US" sz="1400" dirty="0"/>
+          </a:p>
+          <a:p>
+            <a:r>
+              <a:rPr lang="en-US" dirty="0">
+                <a:solidFill>
+                  <a:srgbClr val="FFFF00"/>
+                </a:solidFill>
+              </a:rPr>
+              <a:t>Bottom</a:t>
+            </a:r>
+          </a:p>
+          <a:p>
+            <a:pPr marL="285750" indent="-285750">
+              <a:buFont typeface="Arial" panose="020B0604020202020204" pitchFamily="34" charset="0"/>
+              <a:buChar char="•"/>
+            </a:pPr>
+            <a:r>
+              <a:rPr lang="en-US" sz="1400" dirty="0"/>
+              <a:t>Optional LN2903 output driver.</a:t>
+            </a:r>
+          </a:p>
+          <a:p>
+            <a:pPr marL="285750" indent="-285750">
+              <a:buFont typeface="Arial" panose="020B0604020202020204" pitchFamily="34" charset="0"/>
+              <a:buChar char="•"/>
+            </a:pPr>
+            <a:r>
+              <a:rPr lang="en-US" sz="1400" dirty="0"/>
+              <a:t>If not used jumpers can be installed directly across.</a:t>
+            </a:r>
+          </a:p>
+          <a:p>
+            <a:pPr marL="285750" indent="-285750">
+              <a:buFont typeface="Arial" panose="020B0604020202020204" pitchFamily="34" charset="0"/>
+              <a:buChar char="•"/>
+            </a:pPr>
+            <a:r>
+              <a:rPr lang="en-US" sz="1400" dirty="0"/>
+              <a:t>If included allows a sinking current of 500 ma per pin. Can power small relays, incandescent bulbs, light strips.</a:t>
+            </a:r>
+          </a:p>
+          <a:p>
+            <a:pPr marL="285750" indent="-285750">
+              <a:buFont typeface="Arial" panose="020B0604020202020204" pitchFamily="34" charset="0"/>
+              <a:buChar char="•"/>
+            </a:pPr>
+            <a:r>
+              <a:rPr lang="en-US" sz="1400" dirty="0"/>
+              <a:t>4 on board LED’s with current limiting resistors for experimenting.</a:t>
+            </a:r>
+          </a:p>
+          <a:p>
+            <a:pPr marL="285750" indent="-285750">
+              <a:buFont typeface="Arial" panose="020B0604020202020204" pitchFamily="34" charset="0"/>
+              <a:buChar char="•"/>
+            </a:pPr>
+            <a:r>
+              <a:rPr lang="en-US" sz="1400" dirty="0"/>
+              <a:t>PCB to have pin headers so that LED’s could be remote mounted as signals, building lighting, mimic panel</a:t>
+            </a:r>
+          </a:p>
+          <a:p>
+            <a:pPr marL="285750" indent="-285750">
+              <a:buFont typeface="Arial" panose="020B0604020202020204" pitchFamily="34" charset="0"/>
+              <a:buChar char="•"/>
+            </a:pPr>
+            <a:r>
+              <a:rPr lang="en-US" sz="1400" dirty="0"/>
+              <a:t>Unused pins to have connection points available</a:t>
+            </a:r>
+          </a:p>
+          <a:p>
+            <a:pPr marL="285750" indent="-285750">
+              <a:buFont typeface="Arial" panose="020B0604020202020204" pitchFamily="34" charset="0"/>
+              <a:buChar char="•"/>
+            </a:pPr>
+            <a:endParaRPr lang="en-US" sz="1400" dirty="0"/>
+          </a:p>
+        </p:txBody>
+      </p:sp>
+      <p:pic>
+        <p:nvPicPr>
+          <p:cNvPr id="4" name="Picture 3">
+            <a:extLst>
+              <a:ext uri="{FF2B5EF4-FFF2-40B4-BE49-F238E27FC236}">
+                <a16:creationId xmlns:a16="http://schemas.microsoft.com/office/drawing/2014/main" id="{C299BEDD-D806-4792-A0B9-CFA8E3BA3D5F}"/>
+              </a:ext>
+            </a:extLst>
+          </p:cNvPr>
+          <p:cNvPicPr>
+            <a:picLocks noChangeAspect="1"/>
+          </p:cNvPicPr>
+          <p:nvPr/>
+        </p:nvPicPr>
+        <p:blipFill>
+          <a:blip r:embed="rId2"/>
+          <a:stretch>
+            <a:fillRect/>
+          </a:stretch>
+        </p:blipFill>
+        <p:spPr>
+          <a:xfrm>
+            <a:off x="1202988" y="955113"/>
+            <a:ext cx="3343275" cy="1333500"/>
+          </a:xfrm>
+          <a:prstGeom prst="rect">
+            <a:avLst/>
+          </a:prstGeom>
+        </p:spPr>
+      </p:pic>
+      <p:pic>
+        <p:nvPicPr>
+          <p:cNvPr id="10" name="Picture 9">
+            <a:extLst>
+              <a:ext uri="{FF2B5EF4-FFF2-40B4-BE49-F238E27FC236}">
+                <a16:creationId xmlns:a16="http://schemas.microsoft.com/office/drawing/2014/main" id="{14105CB0-FB64-4FAA-8D4F-D7823839FD13}"/>
+              </a:ext>
+            </a:extLst>
+          </p:cNvPr>
+          <p:cNvPicPr>
+            <a:picLocks noChangeAspect="1"/>
+          </p:cNvPicPr>
+          <p:nvPr/>
+        </p:nvPicPr>
+        <p:blipFill>
+          <a:blip r:embed="rId3"/>
+          <a:stretch>
+            <a:fillRect/>
+          </a:stretch>
+        </p:blipFill>
+        <p:spPr>
+          <a:xfrm>
+            <a:off x="1202988" y="3432918"/>
+            <a:ext cx="3403262" cy="3077794"/>
+          </a:xfrm>
+          <a:prstGeom prst="rect">
+            <a:avLst/>
+          </a:prstGeom>
+        </p:spPr>
+      </p:pic>
+      <p:pic>
+        <p:nvPicPr>
+          <p:cNvPr id="12" name="Picture 11">
+            <a:extLst>
+              <a:ext uri="{FF2B5EF4-FFF2-40B4-BE49-F238E27FC236}">
+                <a16:creationId xmlns:a16="http://schemas.microsoft.com/office/drawing/2014/main" id="{D41A1CCC-33DC-4B22-900C-3888268E8CD5}"/>
+              </a:ext>
+            </a:extLst>
+          </p:cNvPr>
+          <p:cNvPicPr>
+            <a:picLocks noChangeAspect="1"/>
+          </p:cNvPicPr>
+          <p:nvPr/>
+        </p:nvPicPr>
+        <p:blipFill>
+          <a:blip r:embed="rId4"/>
+          <a:stretch>
+            <a:fillRect/>
+          </a:stretch>
+        </p:blipFill>
+        <p:spPr>
+          <a:xfrm>
+            <a:off x="1202988" y="2475003"/>
+            <a:ext cx="1724025" cy="771525"/>
+          </a:xfrm>
+          <a:prstGeom prst="rect">
+            <a:avLst/>
+          </a:prstGeom>
+        </p:spPr>
+      </p:pic>
+    </p:spTree>
+    <p:extLst>
+      <p:ext uri="{BB962C8B-B14F-4D97-AF65-F5344CB8AC3E}">
+        <p14:creationId xmlns:p14="http://schemas.microsoft.com/office/powerpoint/2010/main" val="677125502"/>
+      </p:ext>
+    </p:extLst>
+  </p:cSld>
+  <p:clrMapOvr>
+    <a:masterClrMapping/>
+  </p:clrMapOvr>
+</p:sld>
+</file>
+
+<file path=ppt/slides/slide7.xml><?xml version="1.0" encoding="utf-8"?>
+<p:sld xmlns:a="http://schemas.openxmlformats.org/drawingml/2006/main" xmlns:r="http://schemas.openxmlformats.org/officeDocument/2006/relationships" xmlns:p="http://schemas.openxmlformats.org/presentationml/2006/main">
+  <p:cSld>
+    <p:spTree>
+      <p:nvGrpSpPr>
+        <p:cNvPr id="1" name=""/>
+        <p:cNvGrpSpPr/>
+        <p:nvPr/>
+      </p:nvGrpSpPr>
+      <p:grpSpPr>
+        <a:xfrm>
+          <a:off x="0" y="0"/>
+          <a:ext cx="0" cy="0"/>
+          <a:chOff x="0" y="0"/>
+          <a:chExt cx="0" cy="0"/>
+        </a:xfrm>
+      </p:grpSpPr>
+      <p:sp>
+        <p:nvSpPr>
+          <p:cNvPr id="2" name="Title 1">
+            <a:extLst>
+              <a:ext uri="{FF2B5EF4-FFF2-40B4-BE49-F238E27FC236}">
+                <a16:creationId xmlns:a16="http://schemas.microsoft.com/office/drawing/2014/main" id="{68C3ECC6-4864-4365-A835-A7F076D4DB5C}"/>
+              </a:ext>
+            </a:extLst>
+          </p:cNvPr>
+          <p:cNvSpPr>
+            <a:spLocks noGrp="1"/>
+          </p:cNvSpPr>
+          <p:nvPr>
+            <p:ph type="title"/>
+          </p:nvPr>
+        </p:nvSpPr>
+        <p:spPr>
+          <a:xfrm>
+            <a:off x="1143001" y="159944"/>
+            <a:ext cx="9905998" cy="757276"/>
+          </a:xfrm>
+        </p:spPr>
+        <p:txBody>
+          <a:bodyPr/>
+          <a:lstStyle/>
+          <a:p>
+            <a:r>
+              <a:rPr lang="en-US" dirty="0">
+                <a:solidFill>
+                  <a:srgbClr val="00B050"/>
+                </a:solidFill>
+                <a:latin typeface="Checkbook" panose="020B0000000000000000" pitchFamily="34" charset="0"/>
+              </a:rPr>
+              <a:t>MERGduino: </a:t>
+            </a:r>
+            <a:r>
+              <a:rPr lang="en-US" dirty="0">
+                <a:solidFill>
+                  <a:srgbClr val="C00000"/>
+                </a:solidFill>
+                <a:latin typeface="Checkbook" panose="020B0000000000000000" pitchFamily="34" charset="0"/>
+              </a:rPr>
+              <a:t>CPU</a:t>
+            </a:r>
+            <a:endParaRPr lang="en-US" dirty="0">
+              <a:solidFill>
+                <a:srgbClr val="C00000"/>
+              </a:solidFill>
+            </a:endParaRPr>
+          </a:p>
+        </p:txBody>
+      </p:sp>
+      <p:sp>
+        <p:nvSpPr>
+          <p:cNvPr id="5" name="TextBox 4">
+            <a:extLst>
+              <a:ext uri="{FF2B5EF4-FFF2-40B4-BE49-F238E27FC236}">
+                <a16:creationId xmlns:a16="http://schemas.microsoft.com/office/drawing/2014/main" id="{FFEC40BD-F54C-4EBC-AFDF-B49252F8875F}"/>
+              </a:ext>
+            </a:extLst>
+          </p:cNvPr>
+          <p:cNvSpPr txBox="1"/>
+          <p:nvPr/>
+        </p:nvSpPr>
+        <p:spPr>
+          <a:xfrm>
+            <a:off x="4468189" y="1428948"/>
+            <a:ext cx="7595179" cy="3016210"/>
+          </a:xfrm>
+          <a:prstGeom prst="rect">
+            <a:avLst/>
+          </a:prstGeom>
+          <a:noFill/>
+        </p:spPr>
+        <p:txBody>
+          <a:bodyPr wrap="square" rtlCol="0">
+            <a:spAutoFit/>
+          </a:bodyPr>
+          <a:lstStyle/>
+          <a:p>
+            <a:r>
+              <a:rPr lang="en-US" dirty="0">
+                <a:solidFill>
+                  <a:srgbClr val="FFFF00"/>
+                </a:solidFill>
+              </a:rPr>
+              <a:t>Standard NANO V3 Clone</a:t>
+            </a:r>
+          </a:p>
+          <a:p>
+            <a:pPr marL="285750" indent="-285750">
+              <a:buFont typeface="Arial" panose="020B0604020202020204" pitchFamily="34" charset="0"/>
+              <a:buChar char="•"/>
+            </a:pPr>
+            <a:r>
+              <a:rPr lang="en-US" sz="1400" dirty="0"/>
+              <a:t>To be mounted in header pins which are soldered onto the main board</a:t>
+            </a:r>
+          </a:p>
+          <a:p>
+            <a:pPr marL="285750" indent="-285750">
+              <a:buFont typeface="Arial" panose="020B0604020202020204" pitchFamily="34" charset="0"/>
+              <a:buChar char="•"/>
+            </a:pPr>
+            <a:r>
+              <a:rPr lang="en-US" sz="1400" dirty="0"/>
+              <a:t>optoisolator and other small components will be under the NANO</a:t>
+            </a:r>
+          </a:p>
+          <a:p>
+            <a:pPr marL="285750" indent="-285750">
+              <a:buFont typeface="Arial" panose="020B0604020202020204" pitchFamily="34" charset="0"/>
+              <a:buChar char="•"/>
+            </a:pPr>
+            <a:r>
+              <a:rPr lang="en-US" sz="1400" dirty="0"/>
+              <a:t>All I/O pins land somewhere and are available</a:t>
+            </a:r>
+          </a:p>
+          <a:p>
+            <a:pPr marL="285750" indent="-285750">
+              <a:buFont typeface="Arial" panose="020B0604020202020204" pitchFamily="34" charset="0"/>
+              <a:buChar char="•"/>
+            </a:pPr>
+            <a:r>
+              <a:rPr lang="en-US" sz="1400" dirty="0"/>
+              <a:t>PWM pins called out especially for use on SERVO’s or Motor control</a:t>
+            </a:r>
+          </a:p>
+          <a:p>
+            <a:pPr marL="285750" indent="-285750">
+              <a:buFont typeface="Arial" panose="020B0604020202020204" pitchFamily="34" charset="0"/>
+              <a:buChar char="•"/>
+            </a:pPr>
+            <a:r>
+              <a:rPr lang="en-US" sz="1400" dirty="0"/>
+              <a:t>I2C (SDA/SCL) have provision for pull up resistors otherwise same as standard analog pins</a:t>
+            </a:r>
+          </a:p>
+          <a:p>
+            <a:pPr marL="285750" indent="-285750">
+              <a:buFont typeface="Arial" panose="020B0604020202020204" pitchFamily="34" charset="0"/>
+              <a:buChar char="•"/>
+            </a:pPr>
+            <a:r>
+              <a:rPr lang="en-US" sz="1400" dirty="0"/>
+              <a:t>I2C brought out to 4 pin header for connection to servo expander</a:t>
+            </a:r>
+          </a:p>
+          <a:p>
+            <a:pPr marL="285750" indent="-285750">
+              <a:buFont typeface="Arial" panose="020B0604020202020204" pitchFamily="34" charset="0"/>
+              <a:buChar char="•"/>
+            </a:pPr>
+            <a:r>
+              <a:rPr lang="en-US" sz="1400" dirty="0"/>
+              <a:t>Tx/Rx available on 3 pin header</a:t>
+            </a:r>
+          </a:p>
+          <a:p>
+            <a:pPr marL="285750" indent="-285750">
+              <a:buFont typeface="Arial" panose="020B0604020202020204" pitchFamily="34" charset="0"/>
+              <a:buChar char="•"/>
+            </a:pPr>
+            <a:endParaRPr lang="en-US" sz="1400" dirty="0"/>
+          </a:p>
+          <a:p>
+            <a:pPr marL="285750" indent="-285750">
+              <a:buFont typeface="Arial" panose="020B0604020202020204" pitchFamily="34" charset="0"/>
+              <a:buChar char="•"/>
+            </a:pPr>
+            <a:endParaRPr lang="en-US" sz="1400" dirty="0"/>
+          </a:p>
+          <a:p>
+            <a:r>
+              <a:rPr lang="en-US" dirty="0">
+                <a:solidFill>
+                  <a:srgbClr val="FFFF00"/>
+                </a:solidFill>
+              </a:rPr>
+              <a:t>Still considering:</a:t>
+            </a:r>
+          </a:p>
+          <a:p>
+            <a:pPr marL="285750" indent="-285750">
+              <a:buFont typeface="Arial" panose="020B0604020202020204" pitchFamily="34" charset="0"/>
+              <a:buChar char="•"/>
+            </a:pPr>
+            <a:r>
+              <a:rPr lang="en-US" sz="1400" dirty="0"/>
+              <a:t>A row of holes where a </a:t>
+            </a:r>
+            <a:r>
+              <a:rPr lang="en-US" sz="1400" dirty="0" err="1"/>
+              <a:t>DfPlayer</a:t>
+            </a:r>
+            <a:r>
+              <a:rPr lang="en-US" sz="1400" dirty="0"/>
+              <a:t> ‘daughter board’ (MP3 sound effects) could be added.</a:t>
+            </a:r>
+          </a:p>
+          <a:p>
+            <a:pPr marL="285750" indent="-285750">
+              <a:buFont typeface="Arial" panose="020B0604020202020204" pitchFamily="34" charset="0"/>
+              <a:buChar char="•"/>
+            </a:pPr>
+            <a:endParaRPr lang="en-US" sz="1400" dirty="0"/>
+          </a:p>
+        </p:txBody>
+      </p:sp>
+      <p:pic>
+        <p:nvPicPr>
+          <p:cNvPr id="6" name="Picture 5">
+            <a:extLst>
+              <a:ext uri="{FF2B5EF4-FFF2-40B4-BE49-F238E27FC236}">
+                <a16:creationId xmlns:a16="http://schemas.microsoft.com/office/drawing/2014/main" id="{FA149DD3-B50F-4D62-B993-AAF9DEE63961}"/>
+              </a:ext>
+            </a:extLst>
+          </p:cNvPr>
+          <p:cNvPicPr>
+            <a:picLocks noChangeAspect="1"/>
+          </p:cNvPicPr>
+          <p:nvPr/>
+        </p:nvPicPr>
+        <p:blipFill>
+          <a:blip r:embed="rId2"/>
+          <a:stretch>
+            <a:fillRect/>
+          </a:stretch>
+        </p:blipFill>
+        <p:spPr>
+          <a:xfrm>
+            <a:off x="1356404" y="1528762"/>
+            <a:ext cx="2886075" cy="3800475"/>
+          </a:xfrm>
+          <a:prstGeom prst="rect">
+            <a:avLst/>
+          </a:prstGeom>
+        </p:spPr>
+      </p:pic>
+      <p:pic>
+        <p:nvPicPr>
+          <p:cNvPr id="8" name="Picture 7">
+            <a:extLst>
+              <a:ext uri="{FF2B5EF4-FFF2-40B4-BE49-F238E27FC236}">
+                <a16:creationId xmlns:a16="http://schemas.microsoft.com/office/drawing/2014/main" id="{264C26F1-AB79-43A3-AC03-8E2C46801251}"/>
+              </a:ext>
+            </a:extLst>
+          </p:cNvPr>
+          <p:cNvPicPr>
+            <a:picLocks noChangeAspect="1"/>
+          </p:cNvPicPr>
+          <p:nvPr/>
+        </p:nvPicPr>
+        <p:blipFill>
+          <a:blip r:embed="rId3"/>
+          <a:stretch>
+            <a:fillRect/>
+          </a:stretch>
+        </p:blipFill>
+        <p:spPr>
+          <a:xfrm>
+            <a:off x="1356404" y="5526441"/>
+            <a:ext cx="1581150" cy="828675"/>
+          </a:xfrm>
+          <a:prstGeom prst="rect">
+            <a:avLst/>
+          </a:prstGeom>
+        </p:spPr>
+      </p:pic>
+    </p:spTree>
+    <p:extLst>
+      <p:ext uri="{BB962C8B-B14F-4D97-AF65-F5344CB8AC3E}">
+        <p14:creationId xmlns:p14="http://schemas.microsoft.com/office/powerpoint/2010/main" val="1671563251"/>
+      </p:ext>
+    </p:extLst>
+  </p:cSld>
+  <p:clrMapOvr>
+    <a:masterClrMapping/>
+  </p:clrMapOvr>
+</p:sld>
+</file>
+
+<file path=ppt/slides/slide8.xml><?xml version="1.0" encoding="utf-8"?>
+<p:sld xmlns:a="http://schemas.openxmlformats.org/drawingml/2006/main" xmlns:r="http://schemas.openxmlformats.org/officeDocument/2006/relationships" xmlns:p="http://schemas.openxmlformats.org/presentationml/2006/main">
+  <p:cSld>
+    <p:spTree>
+      <p:nvGrpSpPr>
+        <p:cNvPr id="1" name=""/>
+        <p:cNvGrpSpPr/>
+        <p:nvPr/>
+      </p:nvGrpSpPr>
+      <p:grpSpPr>
+        <a:xfrm>
+          <a:off x="0" y="0"/>
+          <a:ext cx="0" cy="0"/>
+          <a:chOff x="0" y="0"/>
+          <a:chExt cx="0" cy="0"/>
+        </a:xfrm>
+      </p:grpSpPr>
+      <p:sp>
+        <p:nvSpPr>
+          <p:cNvPr id="2" name="Title 1">
+            <a:extLst>
+              <a:ext uri="{FF2B5EF4-FFF2-40B4-BE49-F238E27FC236}">
+                <a16:creationId xmlns:a16="http://schemas.microsoft.com/office/drawing/2014/main" id="{68C3ECC6-4864-4365-A835-A7F076D4DB5C}"/>
+              </a:ext>
+            </a:extLst>
+          </p:cNvPr>
+          <p:cNvSpPr>
+            <a:spLocks noGrp="1"/>
+          </p:cNvSpPr>
+          <p:nvPr>
+            <p:ph type="title"/>
+          </p:nvPr>
+        </p:nvSpPr>
+        <p:spPr>
+          <a:xfrm>
+            <a:off x="1141413" y="618518"/>
+            <a:ext cx="9905998" cy="757276"/>
+          </a:xfrm>
+        </p:spPr>
+        <p:txBody>
+          <a:bodyPr/>
+          <a:lstStyle/>
+          <a:p>
+            <a:r>
+              <a:rPr lang="en-US" dirty="0"/>
+              <a:t>Links and Resources</a:t>
+            </a:r>
+          </a:p>
+        </p:txBody>
+      </p:sp>
+      <p:sp>
+        <p:nvSpPr>
+          <p:cNvPr id="5" name="TextBox 4">
+            <a:extLst>
+              <a:ext uri="{FF2B5EF4-FFF2-40B4-BE49-F238E27FC236}">
+                <a16:creationId xmlns:a16="http://schemas.microsoft.com/office/drawing/2014/main" id="{CBC3A85E-3C37-49F2-B111-0FDD48922253}"/>
+              </a:ext>
+            </a:extLst>
+          </p:cNvPr>
+          <p:cNvSpPr txBox="1"/>
+          <p:nvPr/>
+        </p:nvSpPr>
+        <p:spPr>
+          <a:xfrm>
+            <a:off x="1141412" y="1505634"/>
+            <a:ext cx="10494117" cy="369332"/>
+          </a:xfrm>
+          <a:prstGeom prst="rect">
+            <a:avLst/>
+          </a:prstGeom>
+          <a:noFill/>
+        </p:spPr>
+        <p:txBody>
+          <a:bodyPr wrap="square">
+            <a:spAutoFit/>
+          </a:bodyPr>
+          <a:lstStyle/>
+          <a:p>
+            <a:r>
+              <a:rPr lang="en-US" dirty="0"/>
+              <a:t>https://rudysarduinoprojects.wordpress.com/2019/05/06/fun-with-arduino-29-dcc-accessory-decoder/</a:t>
+            </a:r>
+          </a:p>
+        </p:txBody>
+      </p:sp>
+      <p:pic>
+        <p:nvPicPr>
+          <p:cNvPr id="7" name="Picture 6">
+            <a:extLst>
+              <a:ext uri="{FF2B5EF4-FFF2-40B4-BE49-F238E27FC236}">
+                <a16:creationId xmlns:a16="http://schemas.microsoft.com/office/drawing/2014/main" id="{F02E83F8-9451-4E9D-90DD-198D15EA2BE1}"/>
+              </a:ext>
+            </a:extLst>
+          </p:cNvPr>
+          <p:cNvPicPr>
+            <a:picLocks noChangeAspect="1"/>
+          </p:cNvPicPr>
+          <p:nvPr/>
+        </p:nvPicPr>
+        <p:blipFill>
+          <a:blip r:embed="rId2"/>
+          <a:stretch>
+            <a:fillRect/>
+          </a:stretch>
+        </p:blipFill>
+        <p:spPr>
+          <a:xfrm>
+            <a:off x="1230298" y="1909115"/>
+            <a:ext cx="3207478" cy="1046131"/>
+          </a:xfrm>
+          <a:prstGeom prst="rect">
+            <a:avLst/>
+          </a:prstGeom>
+        </p:spPr>
+      </p:pic>
+      <p:sp>
+        <p:nvSpPr>
+          <p:cNvPr id="9" name="TextBox 8">
+            <a:extLst>
+              <a:ext uri="{FF2B5EF4-FFF2-40B4-BE49-F238E27FC236}">
+                <a16:creationId xmlns:a16="http://schemas.microsoft.com/office/drawing/2014/main" id="{475CF317-0BD7-4A39-A278-3EF77E1FFAB9}"/>
+              </a:ext>
+            </a:extLst>
+          </p:cNvPr>
+          <p:cNvSpPr txBox="1"/>
+          <p:nvPr/>
+        </p:nvSpPr>
+        <p:spPr>
+          <a:xfrm>
+            <a:off x="324287" y="3993052"/>
+            <a:ext cx="6102990" cy="369332"/>
+          </a:xfrm>
+          <a:prstGeom prst="rect">
+            <a:avLst/>
+          </a:prstGeom>
+          <a:noFill/>
+        </p:spPr>
+        <p:txBody>
+          <a:bodyPr wrap="square">
+            <a:spAutoFit/>
+          </a:bodyPr>
+          <a:lstStyle/>
+          <a:p>
+            <a:r>
+              <a:rPr lang="en-US" dirty="0"/>
+              <a:t>http://trainelectronics.com/DCC_Arduino/index.htm</a:t>
+            </a:r>
+          </a:p>
+        </p:txBody>
+      </p:sp>
+      <p:pic>
+        <p:nvPicPr>
+          <p:cNvPr id="1026" name="Picture 2">
+            <a:extLst>
+              <a:ext uri="{FF2B5EF4-FFF2-40B4-BE49-F238E27FC236}">
+                <a16:creationId xmlns:a16="http://schemas.microsoft.com/office/drawing/2014/main" id="{AA7CB4F8-2EB6-43EC-9D99-BA507B9E00AF}"/>
+              </a:ext>
+            </a:extLst>
+          </p:cNvPr>
+          <p:cNvPicPr>
+            <a:picLocks noChangeAspect="1" noChangeArrowheads="1"/>
+          </p:cNvPicPr>
+          <p:nvPr/>
+        </p:nvPicPr>
+        <p:blipFill>
+          <a:blip r:embed="rId3">
+            <a:extLst>
+              <a:ext uri="{28A0092B-C50C-407E-A947-70E740481C1C}">
+                <a14:useLocalDpi xmlns:a14="http://schemas.microsoft.com/office/drawing/2010/main" val="0"/>
+              </a:ext>
+            </a:extLst>
+          </a:blip>
+          <a:srcRect/>
+          <a:stretch>
+            <a:fillRect/>
+          </a:stretch>
+        </p:blipFill>
+        <p:spPr bwMode="auto">
+          <a:xfrm>
+            <a:off x="5343787" y="2527871"/>
+            <a:ext cx="5832632" cy="4074265"/>
+          </a:xfrm>
+          <a:prstGeom prst="rect">
+            <a:avLst/>
+          </a:prstGeom>
+          <a:noFill/>
+          <a:extLst>
+            <a:ext uri="{909E8E84-426E-40DD-AFC4-6F175D3DCCD1}">
+              <a14:hiddenFill xmlns:a14="http://schemas.microsoft.com/office/drawing/2010/main">
+                <a:solidFill>
+                  <a:srgbClr val="FFFFFF"/>
+                </a:solidFill>
+              </a14:hiddenFill>
+            </a:ext>
+          </a:extLst>
+        </p:spPr>
+      </p:pic>
+    </p:spTree>
+    <p:extLst>
+      <p:ext uri="{BB962C8B-B14F-4D97-AF65-F5344CB8AC3E}">
+        <p14:creationId xmlns:p14="http://schemas.microsoft.com/office/powerpoint/2010/main" val="3443242970"/>
       </p:ext>
     </p:extLst>
   </p:cSld>

--- a/Practical Arduino - Ground Up.pptx
+++ b/Practical Arduino - Ground Up.pptx
@@ -12,7 +12,9 @@
     <p:sldId id="261" r:id="rId6"/>
     <p:sldId id="262" r:id="rId7"/>
     <p:sldId id="264" r:id="rId8"/>
-    <p:sldId id="263" r:id="rId9"/>
+    <p:sldId id="265" r:id="rId9"/>
+    <p:sldId id="266" r:id="rId10"/>
+    <p:sldId id="263" r:id="rId11"/>
   </p:sldIdLst>
   <p:sldSz cx="12192000" cy="6858000"/>
   <p:notesSz cx="6858000" cy="9144000"/>
@@ -4395,7 +4397,7 @@
           <a:p>
             <a:fld id="{48A87A34-81AB-432B-8DAE-1953F412C126}" type="datetimeFigureOut">
               <a:rPr lang="en-US" dirty="0"/>
-              <a:t>1/9/2022</a:t>
+              <a:t>1/12/2022</a:t>
             </a:fld>
             <a:endParaRPr lang="en-US" dirty="0"/>
           </a:p>
@@ -4657,7 +4659,7 @@
           <a:p>
             <a:fld id="{48A87A34-81AB-432B-8DAE-1953F412C126}" type="datetimeFigureOut">
               <a:rPr lang="en-US" dirty="0"/>
-              <a:t>1/9/2022</a:t>
+              <a:t>1/12/2022</a:t>
             </a:fld>
             <a:endParaRPr lang="en-US" dirty="0"/>
           </a:p>
@@ -4848,7 +4850,7 @@
           <a:p>
             <a:fld id="{48A87A34-81AB-432B-8DAE-1953F412C126}" type="datetimeFigureOut">
               <a:rPr lang="en-US" dirty="0"/>
-              <a:t>1/9/2022</a:t>
+              <a:t>1/12/2022</a:t>
             </a:fld>
             <a:endParaRPr lang="en-US" dirty="0"/>
           </a:p>
@@ -5106,7 +5108,7 @@
           <a:p>
             <a:fld id="{48A87A34-81AB-432B-8DAE-1953F412C126}" type="datetimeFigureOut">
               <a:rPr lang="en-US" dirty="0"/>
-              <a:t>1/9/2022</a:t>
+              <a:t>1/12/2022</a:t>
             </a:fld>
             <a:endParaRPr lang="en-US" dirty="0"/>
           </a:p>
@@ -5535,7 +5537,7 @@
           <a:p>
             <a:fld id="{48A87A34-81AB-432B-8DAE-1953F412C126}" type="datetimeFigureOut">
               <a:rPr lang="en-US" dirty="0"/>
-              <a:t>1/9/2022</a:t>
+              <a:t>1/12/2022</a:t>
             </a:fld>
             <a:endParaRPr lang="en-US" dirty="0"/>
           </a:p>
@@ -6076,7 +6078,7 @@
           <a:p>
             <a:fld id="{48A87A34-81AB-432B-8DAE-1953F412C126}" type="datetimeFigureOut">
               <a:rPr lang="en-US" dirty="0"/>
-              <a:t>1/9/2022</a:t>
+              <a:t>1/12/2022</a:t>
             </a:fld>
             <a:endParaRPr lang="en-US" dirty="0"/>
           </a:p>
@@ -6791,7 +6793,7 @@
           <a:p>
             <a:fld id="{48A87A34-81AB-432B-8DAE-1953F412C126}" type="datetimeFigureOut">
               <a:rPr lang="en-US" dirty="0"/>
-              <a:t>1/9/2022</a:t>
+              <a:t>1/12/2022</a:t>
             </a:fld>
             <a:endParaRPr lang="en-US" dirty="0"/>
           </a:p>
@@ -6956,7 +6958,7 @@
           <a:p>
             <a:fld id="{48A87A34-81AB-432B-8DAE-1953F412C126}" type="datetimeFigureOut">
               <a:rPr lang="en-US" dirty="0"/>
-              <a:t>1/9/2022</a:t>
+              <a:t>1/12/2022</a:t>
             </a:fld>
             <a:endParaRPr lang="en-US" dirty="0"/>
           </a:p>
@@ -7131,7 +7133,7 @@
           <a:p>
             <a:fld id="{48A87A34-81AB-432B-8DAE-1953F412C126}" type="datetimeFigureOut">
               <a:rPr lang="en-US" dirty="0"/>
-              <a:t>1/9/2022</a:t>
+              <a:t>1/12/2022</a:t>
             </a:fld>
             <a:endParaRPr lang="en-US" dirty="0"/>
           </a:p>
@@ -7296,7 +7298,7 @@
           <a:p>
             <a:fld id="{48A87A34-81AB-432B-8DAE-1953F412C126}" type="datetimeFigureOut">
               <a:rPr lang="en-US" dirty="0"/>
-              <a:t>1/9/2022</a:t>
+              <a:t>1/12/2022</a:t>
             </a:fld>
             <a:endParaRPr lang="en-US" dirty="0"/>
           </a:p>
@@ -7541,7 +7543,7 @@
           <a:p>
             <a:fld id="{48A87A34-81AB-432B-8DAE-1953F412C126}" type="datetimeFigureOut">
               <a:rPr lang="en-US" dirty="0"/>
-              <a:t>1/9/2022</a:t>
+              <a:t>1/12/2022</a:t>
             </a:fld>
             <a:endParaRPr lang="en-US" dirty="0"/>
           </a:p>
@@ -7768,7 +7770,7 @@
           <a:p>
             <a:fld id="{48A87A34-81AB-432B-8DAE-1953F412C126}" type="datetimeFigureOut">
               <a:rPr lang="en-US" dirty="0"/>
-              <a:t>1/9/2022</a:t>
+              <a:t>1/12/2022</a:t>
             </a:fld>
             <a:endParaRPr lang="en-US" dirty="0"/>
           </a:p>
@@ -8144,7 +8146,7 @@
           <a:p>
             <a:fld id="{48A87A34-81AB-432B-8DAE-1953F412C126}" type="datetimeFigureOut">
               <a:rPr lang="en-US" dirty="0"/>
-              <a:t>1/9/2022</a:t>
+              <a:t>1/12/2022</a:t>
             </a:fld>
             <a:endParaRPr lang="en-US" dirty="0"/>
           </a:p>
@@ -8257,7 +8259,7 @@
           <a:p>
             <a:fld id="{48A87A34-81AB-432B-8DAE-1953F412C126}" type="datetimeFigureOut">
               <a:rPr lang="en-US" dirty="0"/>
-              <a:t>1/9/2022</a:t>
+              <a:t>1/12/2022</a:t>
             </a:fld>
             <a:endParaRPr lang="en-US" dirty="0"/>
           </a:p>
@@ -8347,7 +8349,7 @@
           <a:p>
             <a:fld id="{48A87A34-81AB-432B-8DAE-1953F412C126}" type="datetimeFigureOut">
               <a:rPr lang="en-US" dirty="0"/>
-              <a:t>1/9/2022</a:t>
+              <a:t>1/12/2022</a:t>
             </a:fld>
             <a:endParaRPr lang="en-US" dirty="0"/>
           </a:p>
@@ -8591,7 +8593,7 @@
           <a:p>
             <a:fld id="{48A87A34-81AB-432B-8DAE-1953F412C126}" type="datetimeFigureOut">
               <a:rPr lang="en-US" dirty="0"/>
-              <a:t>1/9/2022</a:t>
+              <a:t>1/12/2022</a:t>
             </a:fld>
             <a:endParaRPr lang="en-US" dirty="0"/>
           </a:p>
@@ -8866,7 +8868,7 @@
           <a:p>
             <a:fld id="{48A87A34-81AB-432B-8DAE-1953F412C126}" type="datetimeFigureOut">
               <a:rPr lang="en-US" dirty="0"/>
-              <a:t>1/9/2022</a:t>
+              <a:t>1/12/2022</a:t>
             </a:fld>
             <a:endParaRPr lang="en-US" dirty="0"/>
           </a:p>
@@ -11939,7 +11941,7 @@
             <a:fld id="{48A87A34-81AB-432B-8DAE-1953F412C126}" type="datetimeFigureOut">
               <a:rPr lang="en-US" dirty="0"/>
               <a:pPr/>
-              <a:t>1/9/2022</a:t>
+              <a:t>1/12/2022</a:t>
             </a:fld>
             <a:endParaRPr lang="en-US" dirty="0"/>
           </a:p>
@@ -12454,6 +12456,216 @@
 </p:sld>
 </file>
 
+<file path=ppt/slides/slide10.xml><?xml version="1.0" encoding="utf-8"?>
+<p:sld xmlns:a="http://schemas.openxmlformats.org/drawingml/2006/main" xmlns:r="http://schemas.openxmlformats.org/officeDocument/2006/relationships" xmlns:p="http://schemas.openxmlformats.org/presentationml/2006/main">
+  <p:cSld>
+    <p:spTree>
+      <p:nvGrpSpPr>
+        <p:cNvPr id="1" name=""/>
+        <p:cNvGrpSpPr/>
+        <p:nvPr/>
+      </p:nvGrpSpPr>
+      <p:grpSpPr>
+        <a:xfrm>
+          <a:off x="0" y="0"/>
+          <a:ext cx="0" cy="0"/>
+          <a:chOff x="0" y="0"/>
+          <a:chExt cx="0" cy="0"/>
+        </a:xfrm>
+      </p:grpSpPr>
+      <p:sp>
+        <p:nvSpPr>
+          <p:cNvPr id="2" name="Title 1">
+            <a:extLst>
+              <a:ext uri="{FF2B5EF4-FFF2-40B4-BE49-F238E27FC236}">
+                <a16:creationId xmlns:a16="http://schemas.microsoft.com/office/drawing/2014/main" id="{68C3ECC6-4864-4365-A835-A7F076D4DB5C}"/>
+              </a:ext>
+            </a:extLst>
+          </p:cNvPr>
+          <p:cNvSpPr>
+            <a:spLocks noGrp="1"/>
+          </p:cNvSpPr>
+          <p:nvPr>
+            <p:ph type="title"/>
+          </p:nvPr>
+        </p:nvSpPr>
+        <p:spPr>
+          <a:xfrm>
+            <a:off x="1141413" y="618518"/>
+            <a:ext cx="9905998" cy="757276"/>
+          </a:xfrm>
+        </p:spPr>
+        <p:txBody>
+          <a:bodyPr/>
+          <a:lstStyle/>
+          <a:p>
+            <a:r>
+              <a:rPr lang="en-US" dirty="0"/>
+              <a:t>Links and Resources</a:t>
+            </a:r>
+          </a:p>
+        </p:txBody>
+      </p:sp>
+      <p:sp>
+        <p:nvSpPr>
+          <p:cNvPr id="5" name="TextBox 4">
+            <a:extLst>
+              <a:ext uri="{FF2B5EF4-FFF2-40B4-BE49-F238E27FC236}">
+                <a16:creationId xmlns:a16="http://schemas.microsoft.com/office/drawing/2014/main" id="{CBC3A85E-3C37-49F2-B111-0FDD48922253}"/>
+              </a:ext>
+            </a:extLst>
+          </p:cNvPr>
+          <p:cNvSpPr txBox="1"/>
+          <p:nvPr/>
+        </p:nvSpPr>
+        <p:spPr>
+          <a:xfrm>
+            <a:off x="1141412" y="1505634"/>
+            <a:ext cx="10494117" cy="369332"/>
+          </a:xfrm>
+          <a:prstGeom prst="rect">
+            <a:avLst/>
+          </a:prstGeom>
+          <a:noFill/>
+        </p:spPr>
+        <p:txBody>
+          <a:bodyPr wrap="square">
+            <a:spAutoFit/>
+          </a:bodyPr>
+          <a:lstStyle/>
+          <a:p>
+            <a:r>
+              <a:rPr lang="en-US" dirty="0"/>
+              <a:t>https://rudysarduinoprojects.wordpress.com/2019/05/06/fun-with-arduino-29-dcc-accessory-decoder/</a:t>
+            </a:r>
+          </a:p>
+        </p:txBody>
+      </p:sp>
+      <p:pic>
+        <p:nvPicPr>
+          <p:cNvPr id="7" name="Picture 6">
+            <a:extLst>
+              <a:ext uri="{FF2B5EF4-FFF2-40B4-BE49-F238E27FC236}">
+                <a16:creationId xmlns:a16="http://schemas.microsoft.com/office/drawing/2014/main" id="{F02E83F8-9451-4E9D-90DD-198D15EA2BE1}"/>
+              </a:ext>
+            </a:extLst>
+          </p:cNvPr>
+          <p:cNvPicPr>
+            <a:picLocks noChangeAspect="1"/>
+          </p:cNvPicPr>
+          <p:nvPr/>
+        </p:nvPicPr>
+        <p:blipFill>
+          <a:blip r:embed="rId2"/>
+          <a:stretch>
+            <a:fillRect/>
+          </a:stretch>
+        </p:blipFill>
+        <p:spPr>
+          <a:xfrm>
+            <a:off x="1230298" y="1909115"/>
+            <a:ext cx="3207478" cy="1046131"/>
+          </a:xfrm>
+          <a:prstGeom prst="rect">
+            <a:avLst/>
+          </a:prstGeom>
+        </p:spPr>
+      </p:pic>
+      <p:sp>
+        <p:nvSpPr>
+          <p:cNvPr id="9" name="TextBox 8">
+            <a:extLst>
+              <a:ext uri="{FF2B5EF4-FFF2-40B4-BE49-F238E27FC236}">
+                <a16:creationId xmlns:a16="http://schemas.microsoft.com/office/drawing/2014/main" id="{475CF317-0BD7-4A39-A278-3EF77E1FFAB9}"/>
+              </a:ext>
+            </a:extLst>
+          </p:cNvPr>
+          <p:cNvSpPr txBox="1"/>
+          <p:nvPr/>
+        </p:nvSpPr>
+        <p:spPr>
+          <a:xfrm>
+            <a:off x="324287" y="3993052"/>
+            <a:ext cx="6102990" cy="369332"/>
+          </a:xfrm>
+          <a:prstGeom prst="rect">
+            <a:avLst/>
+          </a:prstGeom>
+          <a:noFill/>
+        </p:spPr>
+        <p:txBody>
+          <a:bodyPr wrap="square">
+            <a:spAutoFit/>
+          </a:bodyPr>
+          <a:lstStyle/>
+          <a:p>
+            <a:r>
+              <a:rPr lang="en-US" dirty="0"/>
+              <a:t>http://trainelectronics.com/DCC_Arduino/index.htm</a:t>
+            </a:r>
+          </a:p>
+        </p:txBody>
+      </p:sp>
+      <p:pic>
+        <p:nvPicPr>
+          <p:cNvPr id="1026" name="Picture 2">
+            <a:extLst>
+              <a:ext uri="{FF2B5EF4-FFF2-40B4-BE49-F238E27FC236}">
+                <a16:creationId xmlns:a16="http://schemas.microsoft.com/office/drawing/2014/main" id="{AA7CB4F8-2EB6-43EC-9D99-BA507B9E00AF}"/>
+              </a:ext>
+            </a:extLst>
+          </p:cNvPr>
+          <p:cNvPicPr>
+            <a:picLocks noChangeAspect="1" noChangeArrowheads="1"/>
+          </p:cNvPicPr>
+          <p:nvPr/>
+        </p:nvPicPr>
+        <p:blipFill>
+          <a:blip r:embed="rId3">
+            <a:extLst>
+              <a:ext uri="{28A0092B-C50C-407E-A947-70E740481C1C}">
+                <a14:useLocalDpi xmlns:a14="http://schemas.microsoft.com/office/drawing/2010/main" val="0"/>
+              </a:ext>
+            </a:extLst>
+          </a:blip>
+          <a:srcRect/>
+          <a:stretch>
+            <a:fillRect/>
+          </a:stretch>
+        </p:blipFill>
+        <p:spPr bwMode="auto">
+          <a:xfrm>
+            <a:off x="5343787" y="2527871"/>
+            <a:ext cx="5832632" cy="4074265"/>
+          </a:xfrm>
+          <a:prstGeom prst="rect">
+            <a:avLst/>
+          </a:prstGeom>
+          <a:noFill/>
+          <a:extLst>
+            <a:ext uri="{909E8E84-426E-40DD-AFC4-6F175D3DCCD1}">
+              <a14:hiddenFill xmlns:a14="http://schemas.microsoft.com/office/drawing/2010/main">
+                <a:solidFill>
+                  <a:srgbClr val="FFFFFF"/>
+                </a:solidFill>
+              </a14:hiddenFill>
+            </a:ext>
+          </a:extLst>
+        </p:spPr>
+      </p:pic>
+    </p:spTree>
+    <p:extLst>
+      <p:ext uri="{BB962C8B-B14F-4D97-AF65-F5344CB8AC3E}">
+        <p14:creationId xmlns:p14="http://schemas.microsoft.com/office/powerpoint/2010/main" val="3443242970"/>
+      </p:ext>
+    </p:extLst>
+  </p:cSld>
+  <p:clrMapOvr>
+    <a:masterClrMapping/>
+  </p:clrMapOvr>
+</p:sld>
+</file>
+
 <file path=ppt/slides/slide2.xml><?xml version="1.0" encoding="utf-8"?>
 <p:sld xmlns:a="http://schemas.openxmlformats.org/drawingml/2006/main" xmlns:r="http://schemas.openxmlformats.org/officeDocument/2006/relationships" xmlns:p="http://schemas.openxmlformats.org/presentationml/2006/main">
   <p:cSld>
@@ -12501,7 +12713,7 @@
           <a:p>
             <a:r>
               <a:rPr lang="en-US" dirty="0"/>
-              <a:t>Outline </a:t>
+              <a:t>Potential Course Outline </a:t>
             </a:r>
             <a:r>
               <a:rPr lang="en-US" sz="1200" dirty="0">
@@ -13902,7 +14114,33 @@
             </a:pPr>
             <a:r>
               <a:rPr lang="en-US" sz="1400" dirty="0"/>
-              <a:t>On board regulation to 12 vdc at NANO Vin</a:t>
+              <a:t>On board regulation to 12 </a:t>
+            </a:r>
+            <a:r>
+              <a:rPr lang="en-US" sz="1400" dirty="0">
+                <a:solidFill>
+                  <a:schemeClr val="accent2">
+                    <a:lumMod val="60000"/>
+                    <a:lumOff val="40000"/>
+                  </a:schemeClr>
+                </a:solidFill>
+              </a:rPr>
+              <a:t>(5Vdc) </a:t>
+            </a:r>
+            <a:r>
+              <a:rPr lang="en-US" sz="1400" dirty="0"/>
+              <a:t>at NANO Vin </a:t>
+            </a:r>
+            <a:r>
+              <a:rPr lang="en-US" sz="1400" dirty="0">
+                <a:solidFill>
+                  <a:schemeClr val="accent2">
+                    <a:lumMod val="60000"/>
+                    <a:lumOff val="40000"/>
+                  </a:schemeClr>
+                </a:solidFill>
+              </a:rPr>
+              <a:t>(See later comments )</a:t>
             </a:r>
           </a:p>
           <a:p>
@@ -14353,7 +14591,7 @@
             </a:pPr>
             <a:r>
               <a:rPr lang="en-US" sz="1400" dirty="0"/>
-              <a:t>(OR 5 volts direct to Arduino)</a:t>
+              <a:t>On board regulation to 12 vdc at NANO Vin</a:t>
             </a:r>
           </a:p>
           <a:p>
@@ -14362,8 +14600,15 @@
               <a:buChar char="•"/>
             </a:pPr>
             <a:r>
-              <a:rPr lang="en-US" sz="1400" dirty="0"/>
-              <a:t>On board regulation to 12 vdc at NANO Vin</a:t>
+              <a:rPr lang="en-US" sz="1400" dirty="0">
+                <a:solidFill>
+                  <a:schemeClr val="accent2">
+                    <a:lumMod val="60000"/>
+                    <a:lumOff val="40000"/>
+                  </a:schemeClr>
+                </a:solidFill>
+              </a:rPr>
+              <a:t>(Or Regulated 5 vdc direct to Arduino)</a:t>
             </a:r>
           </a:p>
           <a:p>
@@ -14998,7 +15243,7 @@
         <p:spPr>
           <a:xfrm>
             <a:off x="4468189" y="1428948"/>
-            <a:ext cx="7595179" cy="3016210"/>
+            <a:ext cx="7595179" cy="3662541"/>
           </a:xfrm>
           <a:prstGeom prst="rect">
             <a:avLst/>
@@ -15131,6 +15376,23 @@
               <a:rPr lang="en-US" sz="1400" dirty="0"/>
               <a:t> ‘daughter board’ (MP3 sound effects) could be added.</a:t>
             </a:r>
+          </a:p>
+          <a:p>
+            <a:pPr marL="285750" indent="-285750">
+              <a:buFont typeface="Arial" panose="020B0604020202020204" pitchFamily="34" charset="0"/>
+              <a:buChar char="•"/>
+            </a:pPr>
+            <a:r>
+              <a:rPr lang="en-US" sz="1400" dirty="0"/>
+              <a:t>A row of holes where a max485 ‘daughter board’ (CMRI interface) or general comm’s could be added.</a:t>
+            </a:r>
+          </a:p>
+          <a:p>
+            <a:pPr marL="285750" indent="-285750">
+              <a:buFont typeface="Arial" panose="020B0604020202020204" pitchFamily="34" charset="0"/>
+              <a:buChar char="•"/>
+            </a:pPr>
+            <a:endParaRPr lang="en-US" sz="1400" dirty="0"/>
           </a:p>
           <a:p>
             <a:pPr marL="285750" indent="-285750">
@@ -15249,7 +15511,7 @@
         </p:nvSpPr>
         <p:spPr>
           <a:xfrm>
-            <a:off x="1141413" y="618518"/>
+            <a:off x="1143001" y="159944"/>
             <a:ext cx="9905998" cy="757276"/>
           </a:xfrm>
         </p:spPr>
@@ -15258,9 +15520,28 @@
           <a:lstStyle/>
           <a:p>
             <a:r>
-              <a:rPr lang="en-US" dirty="0"/>
-              <a:t>Links and Resources</a:t>
-            </a:r>
+              <a:rPr lang="en-US" dirty="0">
+                <a:solidFill>
+                  <a:srgbClr val="00B050"/>
+                </a:solidFill>
+                <a:latin typeface="Checkbook" panose="020B0000000000000000" pitchFamily="34" charset="0"/>
+              </a:rPr>
+              <a:t>MERGduino: </a:t>
+            </a:r>
+            <a:r>
+              <a:rPr lang="en-US" dirty="0">
+                <a:solidFill>
+                  <a:srgbClr val="FF0000"/>
+                </a:solidFill>
+                <a:latin typeface="Checkbook" panose="020B0000000000000000" pitchFamily="34" charset="0"/>
+              </a:rPr>
+              <a:t>Work Phases</a:t>
+            </a:r>
+            <a:endParaRPr lang="en-US" dirty="0">
+              <a:solidFill>
+                <a:srgbClr val="FF0000"/>
+              </a:solidFill>
+            </a:endParaRPr>
           </a:p>
         </p:txBody>
       </p:sp>
@@ -15269,7 +15550,7 @@
           <p:cNvPr id="5" name="TextBox 4">
             <a:extLst>
               <a:ext uri="{FF2B5EF4-FFF2-40B4-BE49-F238E27FC236}">
-                <a16:creationId xmlns:a16="http://schemas.microsoft.com/office/drawing/2014/main" id="{CBC3A85E-3C37-49F2-B111-0FDD48922253}"/>
+                <a16:creationId xmlns:a16="http://schemas.microsoft.com/office/drawing/2014/main" id="{FFEC40BD-F54C-4EBC-AFDF-B49252F8875F}"/>
               </a:ext>
             </a:extLst>
           </p:cNvPr>
@@ -15278,8 +15559,8 @@
         </p:nvSpPr>
         <p:spPr>
           <a:xfrm>
-            <a:off x="1141412" y="1505634"/>
-            <a:ext cx="10494117" cy="369332"/>
+            <a:off x="1649489" y="850109"/>
+            <a:ext cx="7595179" cy="369332"/>
           </a:xfrm>
           <a:prstGeom prst="rect">
             <a:avLst/>
@@ -15287,54 +15568,755 @@
           <a:noFill/>
         </p:spPr>
         <p:txBody>
-          <a:bodyPr wrap="square">
+          <a:bodyPr wrap="square" rtlCol="0">
             <a:spAutoFit/>
           </a:bodyPr>
           <a:lstStyle/>
           <a:p>
             <a:r>
-              <a:rPr lang="en-US" dirty="0"/>
-              <a:t>https://rudysarduinoprojects.wordpress.com/2019/05/06/fun-with-arduino-29-dcc-accessory-decoder/</a:t>
+              <a:rPr lang="en-US" dirty="0">
+                <a:solidFill>
+                  <a:srgbClr val="FFFF00"/>
+                </a:solidFill>
+              </a:rPr>
+              <a:t>All Projects go through phases (whether they are recognized as such or not)</a:t>
             </a:r>
           </a:p>
         </p:txBody>
       </p:sp>
-      <p:pic>
-        <p:nvPicPr>
-          <p:cNvPr id="7" name="Picture 6">
+      <p:graphicFrame>
+        <p:nvGraphicFramePr>
+          <p:cNvPr id="3" name="Table 3">
             <a:extLst>
               <a:ext uri="{FF2B5EF4-FFF2-40B4-BE49-F238E27FC236}">
-                <a16:creationId xmlns:a16="http://schemas.microsoft.com/office/drawing/2014/main" id="{F02E83F8-9451-4E9D-90DD-198D15EA2BE1}"/>
+                <a16:creationId xmlns:a16="http://schemas.microsoft.com/office/drawing/2014/main" id="{A0507852-E66F-4053-BA5E-0427BC62CC37}"/>
               </a:ext>
             </a:extLst>
           </p:cNvPr>
-          <p:cNvPicPr>
-            <a:picLocks noChangeAspect="1"/>
-          </p:cNvPicPr>
-          <p:nvPr/>
-        </p:nvPicPr>
-        <p:blipFill>
-          <a:blip r:embed="rId2"/>
-          <a:stretch>
-            <a:fillRect/>
-          </a:stretch>
-        </p:blipFill>
-        <p:spPr>
-          <a:xfrm>
-            <a:off x="1230298" y="1909115"/>
-            <a:ext cx="3207478" cy="1046131"/>
-          </a:xfrm>
-          <a:prstGeom prst="rect">
-            <a:avLst/>
-          </a:prstGeom>
-        </p:spPr>
-      </p:pic>
+          <p:cNvGraphicFramePr>
+            <a:graphicFrameLocks noGrp="1"/>
+          </p:cNvGraphicFramePr>
+          <p:nvPr>
+            <p:extLst>
+              <p:ext uri="{D42A27DB-BD31-4B8C-83A1-F6EECF244321}">
+                <p14:modId xmlns:p14="http://schemas.microsoft.com/office/powerpoint/2010/main" val="3534783679"/>
+              </p:ext>
+            </p:extLst>
+          </p:nvPr>
+        </p:nvGraphicFramePr>
+        <p:xfrm>
+          <a:off x="916496" y="1709567"/>
+          <a:ext cx="10635144" cy="2966720"/>
+        </p:xfrm>
+        <a:graphic>
+          <a:graphicData uri="http://schemas.openxmlformats.org/drawingml/2006/table">
+            <a:tbl>
+              <a:tblPr firstRow="1" bandRow="1">
+                <a:tableStyleId>{5C22544A-7EE6-4342-B048-85BDC9FD1C3A}</a:tableStyleId>
+              </a:tblPr>
+              <a:tblGrid>
+                <a:gridCol w="817417">
+                  <a:extLst>
+                    <a:ext uri="{9D8B030D-6E8A-4147-A177-3AD203B41FA5}">
+                      <a16:colId xmlns:a16="http://schemas.microsoft.com/office/drawing/2014/main" val="2598000485"/>
+                    </a:ext>
+                  </a:extLst>
+                </a:gridCol>
+                <a:gridCol w="1655239">
+                  <a:extLst>
+                    <a:ext uri="{9D8B030D-6E8A-4147-A177-3AD203B41FA5}">
+                      <a16:colId xmlns:a16="http://schemas.microsoft.com/office/drawing/2014/main" val="3863070693"/>
+                    </a:ext>
+                  </a:extLst>
+                </a:gridCol>
+                <a:gridCol w="3816991">
+                  <a:extLst>
+                    <a:ext uri="{9D8B030D-6E8A-4147-A177-3AD203B41FA5}">
+                      <a16:colId xmlns:a16="http://schemas.microsoft.com/office/drawing/2014/main" val="429033357"/>
+                    </a:ext>
+                  </a:extLst>
+                </a:gridCol>
+                <a:gridCol w="2969703">
+                  <a:extLst>
+                    <a:ext uri="{9D8B030D-6E8A-4147-A177-3AD203B41FA5}">
+                      <a16:colId xmlns:a16="http://schemas.microsoft.com/office/drawing/2014/main" val="3983995983"/>
+                    </a:ext>
+                  </a:extLst>
+                </a:gridCol>
+                <a:gridCol w="1375794">
+                  <a:extLst>
+                    <a:ext uri="{9D8B030D-6E8A-4147-A177-3AD203B41FA5}">
+                      <a16:colId xmlns:a16="http://schemas.microsoft.com/office/drawing/2014/main" val="156959021"/>
+                    </a:ext>
+                  </a:extLst>
+                </a:gridCol>
+              </a:tblGrid>
+              <a:tr h="370840">
+                <a:tc>
+                  <a:txBody>
+                    <a:bodyPr/>
+                    <a:lstStyle/>
+                    <a:p>
+                      <a:pPr algn="ctr"/>
+                      <a:r>
+                        <a:rPr lang="en-US" dirty="0"/>
+                        <a:t>Phase</a:t>
+                      </a:r>
+                    </a:p>
+                  </a:txBody>
+                  <a:tcPr/>
+                </a:tc>
+                <a:tc>
+                  <a:txBody>
+                    <a:bodyPr/>
+                    <a:lstStyle/>
+                    <a:p>
+                      <a:r>
+                        <a:rPr lang="en-US" dirty="0"/>
+                        <a:t>Description</a:t>
+                      </a:r>
+                    </a:p>
+                  </a:txBody>
+                  <a:tcPr/>
+                </a:tc>
+                <a:tc>
+                  <a:txBody>
+                    <a:bodyPr/>
+                    <a:lstStyle/>
+                    <a:p>
+                      <a:r>
+                        <a:rPr lang="en-US" dirty="0"/>
+                        <a:t>Conditions for Going Forward</a:t>
+                      </a:r>
+                    </a:p>
+                  </a:txBody>
+                  <a:tcPr/>
+                </a:tc>
+                <a:tc>
+                  <a:txBody>
+                    <a:bodyPr/>
+                    <a:lstStyle/>
+                    <a:p>
+                      <a:r>
+                        <a:rPr lang="en-US" dirty="0"/>
+                        <a:t>Decision</a:t>
+                      </a:r>
+                    </a:p>
+                  </a:txBody>
+                  <a:tcPr/>
+                </a:tc>
+                <a:tc>
+                  <a:txBody>
+                    <a:bodyPr/>
+                    <a:lstStyle/>
+                    <a:p>
+                      <a:r>
+                        <a:rPr lang="en-US" dirty="0"/>
+                        <a:t>When</a:t>
+                      </a:r>
+                    </a:p>
+                  </a:txBody>
+                  <a:tcPr/>
+                </a:tc>
+                <a:extLst>
+                  <a:ext uri="{0D108BD9-81ED-4DB2-BD59-A6C34878D82A}">
+                    <a16:rowId xmlns:a16="http://schemas.microsoft.com/office/drawing/2014/main" val="2495785719"/>
+                  </a:ext>
+                </a:extLst>
+              </a:tr>
+              <a:tr h="370840">
+                <a:tc>
+                  <a:txBody>
+                    <a:bodyPr/>
+                    <a:lstStyle/>
+                    <a:p>
+                      <a:pPr algn="ctr"/>
+                      <a:r>
+                        <a:rPr lang="en-US" dirty="0"/>
+                        <a:t>0</a:t>
+                      </a:r>
+                    </a:p>
+                  </a:txBody>
+                  <a:tcPr/>
+                </a:tc>
+                <a:tc>
+                  <a:txBody>
+                    <a:bodyPr/>
+                    <a:lstStyle/>
+                    <a:p>
+                      <a:r>
+                        <a:rPr lang="en-US" dirty="0"/>
+                        <a:t>Idea</a:t>
+                      </a:r>
+                    </a:p>
+                  </a:txBody>
+                  <a:tcPr/>
+                </a:tc>
+                <a:tc>
+                  <a:txBody>
+                    <a:bodyPr/>
+                    <a:lstStyle/>
+                    <a:p>
+                      <a:r>
+                        <a:rPr lang="en-US" dirty="0"/>
+                        <a:t>Someone is willing to work it</a:t>
+                      </a:r>
+                    </a:p>
+                  </a:txBody>
+                  <a:tcPr/>
+                </a:tc>
+                <a:tc>
+                  <a:txBody>
+                    <a:bodyPr/>
+                    <a:lstStyle/>
+                    <a:p>
+                      <a:r>
+                        <a:rPr lang="en-US" dirty="0"/>
+                        <a:t>Yes – Alan</a:t>
+                      </a:r>
+                    </a:p>
+                  </a:txBody>
+                  <a:tcPr/>
+                </a:tc>
+                <a:tc>
+                  <a:txBody>
+                    <a:bodyPr/>
+                    <a:lstStyle/>
+                    <a:p>
+                      <a:r>
+                        <a:rPr lang="en-US" dirty="0"/>
+                        <a:t>Dec 2021</a:t>
+                      </a:r>
+                    </a:p>
+                  </a:txBody>
+                  <a:tcPr/>
+                </a:tc>
+                <a:extLst>
+                  <a:ext uri="{0D108BD9-81ED-4DB2-BD59-A6C34878D82A}">
+                    <a16:rowId xmlns:a16="http://schemas.microsoft.com/office/drawing/2014/main" val="3523431365"/>
+                  </a:ext>
+                </a:extLst>
+              </a:tr>
+              <a:tr h="370840">
+                <a:tc>
+                  <a:txBody>
+                    <a:bodyPr/>
+                    <a:lstStyle/>
+                    <a:p>
+                      <a:pPr algn="ctr"/>
+                      <a:r>
+                        <a:rPr lang="en-US" dirty="0"/>
+                        <a:t>1</a:t>
+                      </a:r>
+                    </a:p>
+                  </a:txBody>
+                  <a:tcPr/>
+                </a:tc>
+                <a:tc>
+                  <a:txBody>
+                    <a:bodyPr/>
+                    <a:lstStyle/>
+                    <a:p>
+                      <a:r>
+                        <a:rPr lang="en-US" dirty="0"/>
+                        <a:t>Definition</a:t>
+                      </a:r>
+                    </a:p>
+                  </a:txBody>
+                  <a:tcPr/>
+                </a:tc>
+                <a:tc>
+                  <a:txBody>
+                    <a:bodyPr/>
+                    <a:lstStyle/>
+                    <a:p>
+                      <a:pPr marL="0" marR="0" lvl="0" indent="0" algn="l" defTabSz="914400" rtl="0" eaLnBrk="1" fontAlgn="auto" latinLnBrk="0" hangingPunct="1">
+                        <a:lnSpc>
+                          <a:spcPct val="100000"/>
+                        </a:lnSpc>
+                        <a:spcBef>
+                          <a:spcPts val="0"/>
+                        </a:spcBef>
+                        <a:spcAft>
+                          <a:spcPts val="0"/>
+                        </a:spcAft>
+                        <a:buClrTx/>
+                        <a:buSzTx/>
+                        <a:buFontTx/>
+                        <a:buNone/>
+                        <a:tabLst/>
+                        <a:defRPr/>
+                      </a:pPr>
+                      <a:r>
+                        <a:rPr lang="en-US" dirty="0"/>
+                        <a:t>Requirements are set.</a:t>
+                      </a:r>
+                    </a:p>
+                  </a:txBody>
+                  <a:tcPr/>
+                </a:tc>
+                <a:tc>
+                  <a:txBody>
+                    <a:bodyPr/>
+                    <a:lstStyle/>
+                    <a:p>
+                      <a:r>
+                        <a:rPr lang="en-US" dirty="0"/>
+                        <a:t>This is In Progress</a:t>
+                      </a:r>
+                    </a:p>
+                  </a:txBody>
+                  <a:tcPr/>
+                </a:tc>
+                <a:tc>
+                  <a:txBody>
+                    <a:bodyPr/>
+                    <a:lstStyle/>
+                    <a:p>
+                      <a:r>
+                        <a:rPr lang="en-US" dirty="0"/>
+                        <a:t>Jan 2022</a:t>
+                      </a:r>
+                    </a:p>
+                  </a:txBody>
+                  <a:tcPr/>
+                </a:tc>
+                <a:extLst>
+                  <a:ext uri="{0D108BD9-81ED-4DB2-BD59-A6C34878D82A}">
+                    <a16:rowId xmlns:a16="http://schemas.microsoft.com/office/drawing/2014/main" val="513001465"/>
+                  </a:ext>
+                </a:extLst>
+              </a:tr>
+              <a:tr h="370840">
+                <a:tc>
+                  <a:txBody>
+                    <a:bodyPr/>
+                    <a:lstStyle/>
+                    <a:p>
+                      <a:pPr algn="ctr"/>
+                      <a:r>
+                        <a:rPr lang="en-US" dirty="0"/>
+                        <a:t>2</a:t>
+                      </a:r>
+                    </a:p>
+                  </a:txBody>
+                  <a:tcPr/>
+                </a:tc>
+                <a:tc>
+                  <a:txBody>
+                    <a:bodyPr/>
+                    <a:lstStyle/>
+                    <a:p>
+                      <a:r>
+                        <a:rPr lang="en-US" dirty="0"/>
+                        <a:t>Basic Design</a:t>
+                      </a:r>
+                    </a:p>
+                  </a:txBody>
+                  <a:tcPr/>
+                </a:tc>
+                <a:tc>
+                  <a:txBody>
+                    <a:bodyPr/>
+                    <a:lstStyle/>
+                    <a:p>
+                      <a:pPr marL="0" marR="0" lvl="0" indent="0" algn="l" defTabSz="914400" rtl="0" eaLnBrk="1" fontAlgn="auto" latinLnBrk="0" hangingPunct="1">
+                        <a:lnSpc>
+                          <a:spcPct val="100000"/>
+                        </a:lnSpc>
+                        <a:spcBef>
+                          <a:spcPts val="0"/>
+                        </a:spcBef>
+                        <a:spcAft>
+                          <a:spcPts val="0"/>
+                        </a:spcAft>
+                        <a:buClrTx/>
+                        <a:buSzTx/>
+                        <a:buFontTx/>
+                        <a:buNone/>
+                        <a:tabLst/>
+                        <a:defRPr/>
+                      </a:pPr>
+                      <a:r>
+                        <a:rPr lang="en-US" dirty="0"/>
+                        <a:t>Previous stage passed.</a:t>
+                      </a:r>
+                    </a:p>
+                  </a:txBody>
+                  <a:tcPr/>
+                </a:tc>
+                <a:tc>
+                  <a:txBody>
+                    <a:bodyPr/>
+                    <a:lstStyle/>
+                    <a:p>
+                      <a:endParaRPr lang="en-US" dirty="0"/>
+                    </a:p>
+                  </a:txBody>
+                  <a:tcPr/>
+                </a:tc>
+                <a:tc>
+                  <a:txBody>
+                    <a:bodyPr/>
+                    <a:lstStyle/>
+                    <a:p>
+                      <a:endParaRPr lang="en-US" dirty="0"/>
+                    </a:p>
+                  </a:txBody>
+                  <a:tcPr/>
+                </a:tc>
+                <a:extLst>
+                  <a:ext uri="{0D108BD9-81ED-4DB2-BD59-A6C34878D82A}">
+                    <a16:rowId xmlns:a16="http://schemas.microsoft.com/office/drawing/2014/main" val="1231025186"/>
+                  </a:ext>
+                </a:extLst>
+              </a:tr>
+              <a:tr h="370840">
+                <a:tc>
+                  <a:txBody>
+                    <a:bodyPr/>
+                    <a:lstStyle/>
+                    <a:p>
+                      <a:pPr algn="ctr"/>
+                      <a:r>
+                        <a:rPr lang="en-US" dirty="0"/>
+                        <a:t>3</a:t>
+                      </a:r>
+                    </a:p>
+                  </a:txBody>
+                  <a:tcPr/>
+                </a:tc>
+                <a:tc>
+                  <a:txBody>
+                    <a:bodyPr/>
+                    <a:lstStyle/>
+                    <a:p>
+                      <a:r>
+                        <a:rPr lang="en-US" dirty="0"/>
+                        <a:t>Detailed Design</a:t>
+                      </a:r>
+                    </a:p>
+                  </a:txBody>
+                  <a:tcPr/>
+                </a:tc>
+                <a:tc>
+                  <a:txBody>
+                    <a:bodyPr/>
+                    <a:lstStyle/>
+                    <a:p>
+                      <a:pPr marL="0" marR="0" lvl="0" indent="0" algn="l" defTabSz="914400" rtl="0" eaLnBrk="1" fontAlgn="auto" latinLnBrk="0" hangingPunct="1">
+                        <a:lnSpc>
+                          <a:spcPct val="100000"/>
+                        </a:lnSpc>
+                        <a:spcBef>
+                          <a:spcPts val="0"/>
+                        </a:spcBef>
+                        <a:spcAft>
+                          <a:spcPts val="0"/>
+                        </a:spcAft>
+                        <a:buClrTx/>
+                        <a:buSzTx/>
+                        <a:buFontTx/>
+                        <a:buNone/>
+                        <a:tabLst/>
+                        <a:defRPr/>
+                      </a:pPr>
+                      <a:r>
+                        <a:rPr lang="en-US" dirty="0"/>
+                        <a:t>Previous stage passed.</a:t>
+                      </a:r>
+                    </a:p>
+                  </a:txBody>
+                  <a:tcPr/>
+                </a:tc>
+                <a:tc>
+                  <a:txBody>
+                    <a:bodyPr/>
+                    <a:lstStyle/>
+                    <a:p>
+                      <a:endParaRPr lang="en-US" dirty="0"/>
+                    </a:p>
+                  </a:txBody>
+                  <a:tcPr/>
+                </a:tc>
+                <a:tc>
+                  <a:txBody>
+                    <a:bodyPr/>
+                    <a:lstStyle/>
+                    <a:p>
+                      <a:endParaRPr lang="en-US" dirty="0"/>
+                    </a:p>
+                  </a:txBody>
+                  <a:tcPr/>
+                </a:tc>
+                <a:extLst>
+                  <a:ext uri="{0D108BD9-81ED-4DB2-BD59-A6C34878D82A}">
+                    <a16:rowId xmlns:a16="http://schemas.microsoft.com/office/drawing/2014/main" val="1184394165"/>
+                  </a:ext>
+                </a:extLst>
+              </a:tr>
+              <a:tr h="370840">
+                <a:tc>
+                  <a:txBody>
+                    <a:bodyPr/>
+                    <a:lstStyle/>
+                    <a:p>
+                      <a:pPr algn="ctr"/>
+                      <a:r>
+                        <a:rPr lang="en-US" dirty="0"/>
+                        <a:t>4</a:t>
+                      </a:r>
+                    </a:p>
+                  </a:txBody>
+                  <a:tcPr/>
+                </a:tc>
+                <a:tc>
+                  <a:txBody>
+                    <a:bodyPr/>
+                    <a:lstStyle/>
+                    <a:p>
+                      <a:r>
+                        <a:rPr lang="en-US" dirty="0"/>
+                        <a:t>Execution</a:t>
+                      </a:r>
+                    </a:p>
+                  </a:txBody>
+                  <a:tcPr/>
+                </a:tc>
+                <a:tc>
+                  <a:txBody>
+                    <a:bodyPr/>
+                    <a:lstStyle/>
+                    <a:p>
+                      <a:pPr marL="0" marR="0" lvl="0" indent="0" algn="l" defTabSz="914400" rtl="0" eaLnBrk="1" fontAlgn="auto" latinLnBrk="0" hangingPunct="1">
+                        <a:lnSpc>
+                          <a:spcPct val="100000"/>
+                        </a:lnSpc>
+                        <a:spcBef>
+                          <a:spcPts val="0"/>
+                        </a:spcBef>
+                        <a:spcAft>
+                          <a:spcPts val="0"/>
+                        </a:spcAft>
+                        <a:buClrTx/>
+                        <a:buSzTx/>
+                        <a:buFontTx/>
+                        <a:buNone/>
+                        <a:tabLst/>
+                        <a:defRPr/>
+                      </a:pPr>
+                      <a:r>
+                        <a:rPr lang="en-US" dirty="0"/>
+                        <a:t>Previous stage passed.</a:t>
+                      </a:r>
+                    </a:p>
+                  </a:txBody>
+                  <a:tcPr/>
+                </a:tc>
+                <a:tc>
+                  <a:txBody>
+                    <a:bodyPr/>
+                    <a:lstStyle/>
+                    <a:p>
+                      <a:endParaRPr lang="en-US" dirty="0"/>
+                    </a:p>
+                  </a:txBody>
+                  <a:tcPr/>
+                </a:tc>
+                <a:tc>
+                  <a:txBody>
+                    <a:bodyPr/>
+                    <a:lstStyle/>
+                    <a:p>
+                      <a:endParaRPr lang="en-US" dirty="0"/>
+                    </a:p>
+                  </a:txBody>
+                  <a:tcPr/>
+                </a:tc>
+                <a:extLst>
+                  <a:ext uri="{0D108BD9-81ED-4DB2-BD59-A6C34878D82A}">
+                    <a16:rowId xmlns:a16="http://schemas.microsoft.com/office/drawing/2014/main" val="836048738"/>
+                  </a:ext>
+                </a:extLst>
+              </a:tr>
+              <a:tr h="370840">
+                <a:tc>
+                  <a:txBody>
+                    <a:bodyPr/>
+                    <a:lstStyle/>
+                    <a:p>
+                      <a:pPr algn="ctr"/>
+                      <a:r>
+                        <a:rPr lang="en-US" dirty="0"/>
+                        <a:t>5</a:t>
+                      </a:r>
+                    </a:p>
+                  </a:txBody>
+                  <a:tcPr/>
+                </a:tc>
+                <a:tc>
+                  <a:txBody>
+                    <a:bodyPr/>
+                    <a:lstStyle/>
+                    <a:p>
+                      <a:r>
+                        <a:rPr lang="en-US" dirty="0"/>
+                        <a:t>Commissioning</a:t>
+                      </a:r>
+                    </a:p>
+                  </a:txBody>
+                  <a:tcPr/>
+                </a:tc>
+                <a:tc>
+                  <a:txBody>
+                    <a:bodyPr/>
+                    <a:lstStyle/>
+                    <a:p>
+                      <a:pPr marL="0" marR="0" lvl="0" indent="0" algn="l" defTabSz="914400" rtl="0" eaLnBrk="1" fontAlgn="auto" latinLnBrk="0" hangingPunct="1">
+                        <a:lnSpc>
+                          <a:spcPct val="100000"/>
+                        </a:lnSpc>
+                        <a:spcBef>
+                          <a:spcPts val="0"/>
+                        </a:spcBef>
+                        <a:spcAft>
+                          <a:spcPts val="0"/>
+                        </a:spcAft>
+                        <a:buClrTx/>
+                        <a:buSzTx/>
+                        <a:buFontTx/>
+                        <a:buNone/>
+                        <a:tabLst/>
+                        <a:defRPr/>
+                      </a:pPr>
+                      <a:r>
+                        <a:rPr lang="en-US" dirty="0"/>
+                        <a:t>Previous stage passed.</a:t>
+                      </a:r>
+                    </a:p>
+                  </a:txBody>
+                  <a:tcPr/>
+                </a:tc>
+                <a:tc>
+                  <a:txBody>
+                    <a:bodyPr/>
+                    <a:lstStyle/>
+                    <a:p>
+                      <a:endParaRPr lang="en-US" dirty="0"/>
+                    </a:p>
+                  </a:txBody>
+                  <a:tcPr/>
+                </a:tc>
+                <a:tc>
+                  <a:txBody>
+                    <a:bodyPr/>
+                    <a:lstStyle/>
+                    <a:p>
+                      <a:endParaRPr lang="en-US" dirty="0"/>
+                    </a:p>
+                  </a:txBody>
+                  <a:tcPr/>
+                </a:tc>
+                <a:extLst>
+                  <a:ext uri="{0D108BD9-81ED-4DB2-BD59-A6C34878D82A}">
+                    <a16:rowId xmlns:a16="http://schemas.microsoft.com/office/drawing/2014/main" val="4283437293"/>
+                  </a:ext>
+                </a:extLst>
+              </a:tr>
+              <a:tr h="370840">
+                <a:tc>
+                  <a:txBody>
+                    <a:bodyPr/>
+                    <a:lstStyle/>
+                    <a:p>
+                      <a:pPr algn="ctr"/>
+                      <a:r>
+                        <a:rPr lang="en-US" dirty="0"/>
+                        <a:t>6</a:t>
+                      </a:r>
+                    </a:p>
+                  </a:txBody>
+                  <a:tcPr/>
+                </a:tc>
+                <a:tc>
+                  <a:txBody>
+                    <a:bodyPr/>
+                    <a:lstStyle/>
+                    <a:p>
+                      <a:r>
+                        <a:rPr lang="en-US" dirty="0"/>
+                        <a:t>Closeout</a:t>
+                      </a:r>
+                    </a:p>
+                  </a:txBody>
+                  <a:tcPr/>
+                </a:tc>
+                <a:tc>
+                  <a:txBody>
+                    <a:bodyPr/>
+                    <a:lstStyle/>
+                    <a:p>
+                      <a:pPr marL="0" marR="0" lvl="0" indent="0" algn="l" defTabSz="914400" rtl="0" eaLnBrk="1" fontAlgn="auto" latinLnBrk="0" hangingPunct="1">
+                        <a:lnSpc>
+                          <a:spcPct val="100000"/>
+                        </a:lnSpc>
+                        <a:spcBef>
+                          <a:spcPts val="0"/>
+                        </a:spcBef>
+                        <a:spcAft>
+                          <a:spcPts val="0"/>
+                        </a:spcAft>
+                        <a:buClrTx/>
+                        <a:buSzTx/>
+                        <a:buFontTx/>
+                        <a:buNone/>
+                        <a:tabLst/>
+                        <a:defRPr/>
+                      </a:pPr>
+                      <a:r>
+                        <a:rPr lang="en-US" dirty="0"/>
+                        <a:t>Considered ‘done’ and ready for use.</a:t>
+                      </a:r>
+                    </a:p>
+                  </a:txBody>
+                  <a:tcPr/>
+                </a:tc>
+                <a:tc>
+                  <a:txBody>
+                    <a:bodyPr/>
+                    <a:lstStyle/>
+                    <a:p>
+                      <a:endParaRPr lang="en-US" dirty="0"/>
+                    </a:p>
+                  </a:txBody>
+                  <a:tcPr/>
+                </a:tc>
+                <a:tc>
+                  <a:txBody>
+                    <a:bodyPr/>
+                    <a:lstStyle/>
+                    <a:p>
+                      <a:endParaRPr lang="en-US" dirty="0"/>
+                    </a:p>
+                  </a:txBody>
+                  <a:tcPr/>
+                </a:tc>
+                <a:extLst>
+                  <a:ext uri="{0D108BD9-81ED-4DB2-BD59-A6C34878D82A}">
+                    <a16:rowId xmlns:a16="http://schemas.microsoft.com/office/drawing/2014/main" val="2176051796"/>
+                  </a:ext>
+                </a:extLst>
+              </a:tr>
+            </a:tbl>
+          </a:graphicData>
+        </a:graphic>
+      </p:graphicFrame>
       <p:sp>
         <p:nvSpPr>
-          <p:cNvPr id="9" name="TextBox 8">
+          <p:cNvPr id="4" name="TextBox 3">
             <a:extLst>
               <a:ext uri="{FF2B5EF4-FFF2-40B4-BE49-F238E27FC236}">
-                <a16:creationId xmlns:a16="http://schemas.microsoft.com/office/drawing/2014/main" id="{475CF317-0BD7-4A39-A278-3EF77E1FFAB9}"/>
+                <a16:creationId xmlns:a16="http://schemas.microsoft.com/office/drawing/2014/main" id="{3A679939-F7FB-4DAE-AD3C-6F85F7B51F2E}"/>
               </a:ext>
             </a:extLst>
           </p:cNvPr>
@@ -15343,8 +16325,8 @@
         </p:nvSpPr>
         <p:spPr>
           <a:xfrm>
-            <a:off x="324287" y="3993052"/>
-            <a:ext cx="6102990" cy="369332"/>
+            <a:off x="1213607" y="4932727"/>
+            <a:ext cx="9764786" cy="923330"/>
           </a:xfrm>
           <a:prstGeom prst="rect">
             <a:avLst/>
@@ -15352,69 +16334,1183 @@
           <a:noFill/>
         </p:spPr>
         <p:txBody>
-          <a:bodyPr wrap="square">
+          <a:bodyPr wrap="square" rtlCol="0">
             <a:spAutoFit/>
           </a:bodyPr>
           <a:lstStyle/>
           <a:p>
             <a:r>
               <a:rPr lang="en-US" dirty="0"/>
-              <a:t>http://trainelectronics.com/DCC_Arduino/index.htm</a:t>
+              <a:t>Implied is that in all cases a phase can only happen if someone is willing to work that phase (Obviously some resources/effort will be needed).  As MERG is a volunteer organization this could be an individual or a ‘working group’.</a:t>
             </a:r>
           </a:p>
         </p:txBody>
       </p:sp>
-      <p:pic>
-        <p:nvPicPr>
-          <p:cNvPr id="1026" name="Picture 2">
+    </p:spTree>
+    <p:extLst>
+      <p:ext uri="{BB962C8B-B14F-4D97-AF65-F5344CB8AC3E}">
+        <p14:creationId xmlns:p14="http://schemas.microsoft.com/office/powerpoint/2010/main" val="1479574736"/>
+      </p:ext>
+    </p:extLst>
+  </p:cSld>
+  <p:clrMapOvr>
+    <a:masterClrMapping/>
+  </p:clrMapOvr>
+</p:sld>
+</file>
+
+<file path=ppt/slides/slide9.xml><?xml version="1.0" encoding="utf-8"?>
+<p:sld xmlns:a="http://schemas.openxmlformats.org/drawingml/2006/main" xmlns:r="http://schemas.openxmlformats.org/officeDocument/2006/relationships" xmlns:p="http://schemas.openxmlformats.org/presentationml/2006/main">
+  <p:cSld>
+    <p:spTree>
+      <p:nvGrpSpPr>
+        <p:cNvPr id="1" name=""/>
+        <p:cNvGrpSpPr/>
+        <p:nvPr/>
+      </p:nvGrpSpPr>
+      <p:grpSpPr>
+        <a:xfrm>
+          <a:off x="0" y="0"/>
+          <a:ext cx="0" cy="0"/>
+          <a:chOff x="0" y="0"/>
+          <a:chExt cx="0" cy="0"/>
+        </a:xfrm>
+      </p:grpSpPr>
+      <p:sp>
+        <p:nvSpPr>
+          <p:cNvPr id="2" name="Title 1">
             <a:extLst>
               <a:ext uri="{FF2B5EF4-FFF2-40B4-BE49-F238E27FC236}">
-                <a16:creationId xmlns:a16="http://schemas.microsoft.com/office/drawing/2014/main" id="{AA7CB4F8-2EB6-43EC-9D99-BA507B9E00AF}"/>
+                <a16:creationId xmlns:a16="http://schemas.microsoft.com/office/drawing/2014/main" id="{68C3ECC6-4864-4365-A835-A7F076D4DB5C}"/>
               </a:ext>
             </a:extLst>
           </p:cNvPr>
-          <p:cNvPicPr>
-            <a:picLocks noChangeAspect="1" noChangeArrowheads="1"/>
-          </p:cNvPicPr>
-          <p:nvPr/>
-        </p:nvPicPr>
-        <p:blipFill>
-          <a:blip r:embed="rId3">
+          <p:cNvSpPr>
+            <a:spLocks noGrp="1"/>
+          </p:cNvSpPr>
+          <p:nvPr>
+            <p:ph type="title"/>
+          </p:nvPr>
+        </p:nvSpPr>
+        <p:spPr>
+          <a:xfrm>
+            <a:off x="1143001" y="159944"/>
+            <a:ext cx="9905998" cy="757276"/>
+          </a:xfrm>
+        </p:spPr>
+        <p:txBody>
+          <a:bodyPr/>
+          <a:lstStyle/>
+          <a:p>
+            <a:r>
+              <a:rPr lang="en-US" dirty="0">
+                <a:solidFill>
+                  <a:srgbClr val="00B050"/>
+                </a:solidFill>
+                <a:latin typeface="Checkbook" panose="020B0000000000000000" pitchFamily="34" charset="0"/>
+              </a:rPr>
+              <a:t>MERGduino: </a:t>
+            </a:r>
+            <a:r>
+              <a:rPr lang="en-US" dirty="0">
+                <a:solidFill>
+                  <a:srgbClr val="FF0000"/>
+                </a:solidFill>
+                <a:latin typeface="Checkbook" panose="020B0000000000000000" pitchFamily="34" charset="0"/>
+              </a:rPr>
+              <a:t>issues and outcomes</a:t>
+            </a:r>
+            <a:endParaRPr lang="en-US" dirty="0">
+              <a:solidFill>
+                <a:srgbClr val="FF0000"/>
+              </a:solidFill>
+            </a:endParaRPr>
+          </a:p>
+        </p:txBody>
+      </p:sp>
+      <p:graphicFrame>
+        <p:nvGraphicFramePr>
+          <p:cNvPr id="3" name="Table 3">
             <a:extLst>
-              <a:ext uri="{28A0092B-C50C-407E-A947-70E740481C1C}">
-                <a14:useLocalDpi xmlns:a14="http://schemas.microsoft.com/office/drawing/2010/main" val="0"/>
+              <a:ext uri="{FF2B5EF4-FFF2-40B4-BE49-F238E27FC236}">
+                <a16:creationId xmlns:a16="http://schemas.microsoft.com/office/drawing/2014/main" id="{A0507852-E66F-4053-BA5E-0427BC62CC37}"/>
               </a:ext>
             </a:extLst>
-          </a:blip>
-          <a:srcRect/>
-          <a:stretch>
-            <a:fillRect/>
-          </a:stretch>
-        </p:blipFill>
-        <p:spPr bwMode="auto">
-          <a:xfrm>
-            <a:off x="5343787" y="2527871"/>
-            <a:ext cx="5832632" cy="4074265"/>
-          </a:xfrm>
-          <a:prstGeom prst="rect">
-            <a:avLst/>
-          </a:prstGeom>
-          <a:noFill/>
-          <a:extLst>
-            <a:ext uri="{909E8E84-426E-40DD-AFC4-6F175D3DCCD1}">
-              <a14:hiddenFill xmlns:a14="http://schemas.microsoft.com/office/drawing/2010/main">
-                <a:solidFill>
-                  <a:srgbClr val="FFFFFF"/>
-                </a:solidFill>
-              </a14:hiddenFill>
-            </a:ext>
-          </a:extLst>
-        </p:spPr>
-      </p:pic>
+          </p:cNvPr>
+          <p:cNvGraphicFramePr>
+            <a:graphicFrameLocks noGrp="1"/>
+          </p:cNvGraphicFramePr>
+          <p:nvPr>
+            <p:extLst>
+              <p:ext uri="{D42A27DB-BD31-4B8C-83A1-F6EECF244321}">
+                <p14:modId xmlns:p14="http://schemas.microsoft.com/office/powerpoint/2010/main" val="1957285131"/>
+              </p:ext>
+            </p:extLst>
+          </p:nvPr>
+        </p:nvGraphicFramePr>
+        <p:xfrm>
+          <a:off x="844492" y="917220"/>
+          <a:ext cx="10503016" cy="5684520"/>
+        </p:xfrm>
+        <a:graphic>
+          <a:graphicData uri="http://schemas.openxmlformats.org/drawingml/2006/table">
+            <a:tbl>
+              <a:tblPr firstRow="1" bandRow="1">
+                <a:tableStyleId>{5C22544A-7EE6-4342-B048-85BDC9FD1C3A}</a:tableStyleId>
+              </a:tblPr>
+              <a:tblGrid>
+                <a:gridCol w="757805">
+                  <a:extLst>
+                    <a:ext uri="{9D8B030D-6E8A-4147-A177-3AD203B41FA5}">
+                      <a16:colId xmlns:a16="http://schemas.microsoft.com/office/drawing/2014/main" val="2598000485"/>
+                    </a:ext>
+                  </a:extLst>
+                </a:gridCol>
+                <a:gridCol w="1577131">
+                  <a:extLst>
+                    <a:ext uri="{9D8B030D-6E8A-4147-A177-3AD203B41FA5}">
+                      <a16:colId xmlns:a16="http://schemas.microsoft.com/office/drawing/2014/main" val="3863070693"/>
+                    </a:ext>
+                  </a:extLst>
+                </a:gridCol>
+                <a:gridCol w="3003258">
+                  <a:extLst>
+                    <a:ext uri="{9D8B030D-6E8A-4147-A177-3AD203B41FA5}">
+                      <a16:colId xmlns:a16="http://schemas.microsoft.com/office/drawing/2014/main" val="429033357"/>
+                    </a:ext>
+                  </a:extLst>
+                </a:gridCol>
+                <a:gridCol w="3045204">
+                  <a:extLst>
+                    <a:ext uri="{9D8B030D-6E8A-4147-A177-3AD203B41FA5}">
+                      <a16:colId xmlns:a16="http://schemas.microsoft.com/office/drawing/2014/main" val="3085965303"/>
+                    </a:ext>
+                  </a:extLst>
+                </a:gridCol>
+                <a:gridCol w="1207280">
+                  <a:extLst>
+                    <a:ext uri="{9D8B030D-6E8A-4147-A177-3AD203B41FA5}">
+                      <a16:colId xmlns:a16="http://schemas.microsoft.com/office/drawing/2014/main" val="3983995983"/>
+                    </a:ext>
+                  </a:extLst>
+                </a:gridCol>
+                <a:gridCol w="912338">
+                  <a:extLst>
+                    <a:ext uri="{9D8B030D-6E8A-4147-A177-3AD203B41FA5}">
+                      <a16:colId xmlns:a16="http://schemas.microsoft.com/office/drawing/2014/main" val="156959021"/>
+                    </a:ext>
+                  </a:extLst>
+                </a:gridCol>
+              </a:tblGrid>
+              <a:tr h="370840">
+                <a:tc>
+                  <a:txBody>
+                    <a:bodyPr/>
+                    <a:lstStyle/>
+                    <a:p>
+                      <a:pPr algn="ctr"/>
+                      <a:r>
+                        <a:rPr lang="en-US" dirty="0"/>
+                        <a:t>Item</a:t>
+                      </a:r>
+                    </a:p>
+                  </a:txBody>
+                  <a:tcPr/>
+                </a:tc>
+                <a:tc>
+                  <a:txBody>
+                    <a:bodyPr/>
+                    <a:lstStyle/>
+                    <a:p>
+                      <a:r>
+                        <a:rPr lang="en-US" dirty="0"/>
+                        <a:t>Description</a:t>
+                      </a:r>
+                    </a:p>
+                  </a:txBody>
+                  <a:tcPr/>
+                </a:tc>
+                <a:tc>
+                  <a:txBody>
+                    <a:bodyPr/>
+                    <a:lstStyle/>
+                    <a:p>
+                      <a:r>
+                        <a:rPr lang="en-US" dirty="0"/>
+                        <a:t>Reasons Why</a:t>
+                      </a:r>
+                    </a:p>
+                  </a:txBody>
+                  <a:tcPr/>
+                </a:tc>
+                <a:tc>
+                  <a:txBody>
+                    <a:bodyPr/>
+                    <a:lstStyle/>
+                    <a:p>
+                      <a:pPr marL="0" marR="0" lvl="0" indent="0" algn="l" defTabSz="914400" rtl="0" eaLnBrk="1" fontAlgn="auto" latinLnBrk="0" hangingPunct="1">
+                        <a:lnSpc>
+                          <a:spcPct val="100000"/>
+                        </a:lnSpc>
+                        <a:spcBef>
+                          <a:spcPts val="0"/>
+                        </a:spcBef>
+                        <a:spcAft>
+                          <a:spcPts val="0"/>
+                        </a:spcAft>
+                        <a:buClrTx/>
+                        <a:buSzTx/>
+                        <a:buFontTx/>
+                        <a:buNone/>
+                        <a:tabLst/>
+                        <a:defRPr/>
+                      </a:pPr>
+                      <a:r>
+                        <a:rPr lang="en-US" dirty="0"/>
+                        <a:t>Reasons Why NOT</a:t>
+                      </a:r>
+                    </a:p>
+                  </a:txBody>
+                  <a:tcPr/>
+                </a:tc>
+                <a:tc>
+                  <a:txBody>
+                    <a:bodyPr/>
+                    <a:lstStyle/>
+                    <a:p>
+                      <a:r>
+                        <a:rPr lang="en-US" dirty="0"/>
+                        <a:t>Decision</a:t>
+                      </a:r>
+                    </a:p>
+                  </a:txBody>
+                  <a:tcPr/>
+                </a:tc>
+                <a:tc>
+                  <a:txBody>
+                    <a:bodyPr/>
+                    <a:lstStyle/>
+                    <a:p>
+                      <a:r>
+                        <a:rPr lang="en-US" dirty="0"/>
+                        <a:t>When</a:t>
+                      </a:r>
+                    </a:p>
+                  </a:txBody>
+                  <a:tcPr/>
+                </a:tc>
+                <a:extLst>
+                  <a:ext uri="{0D108BD9-81ED-4DB2-BD59-A6C34878D82A}">
+                    <a16:rowId xmlns:a16="http://schemas.microsoft.com/office/drawing/2014/main" val="2495785719"/>
+                  </a:ext>
+                </a:extLst>
+              </a:tr>
+              <a:tr h="370840">
+                <a:tc>
+                  <a:txBody>
+                    <a:bodyPr/>
+                    <a:lstStyle/>
+                    <a:p>
+                      <a:pPr algn="ctr"/>
+                      <a:r>
+                        <a:rPr lang="en-US" dirty="0"/>
+                        <a:t>0</a:t>
+                      </a:r>
+                    </a:p>
+                  </a:txBody>
+                  <a:tcPr/>
+                </a:tc>
+                <a:tc>
+                  <a:txBody>
+                    <a:bodyPr/>
+                    <a:lstStyle/>
+                    <a:p>
+                      <a:r>
+                        <a:rPr lang="en-US" dirty="0"/>
+                        <a:t>Use 5 VDC Power to Arduino </a:t>
+                      </a:r>
+                    </a:p>
+                  </a:txBody>
+                  <a:tcPr/>
+                </a:tc>
+                <a:tc>
+                  <a:txBody>
+                    <a:bodyPr/>
+                    <a:lstStyle/>
+                    <a:p>
+                      <a:pPr marL="0" marR="0" lvl="0" indent="0" algn="l" defTabSz="914400" rtl="0" eaLnBrk="1" fontAlgn="auto" latinLnBrk="0" hangingPunct="1">
+                        <a:lnSpc>
+                          <a:spcPct val="100000"/>
+                        </a:lnSpc>
+                        <a:spcBef>
+                          <a:spcPts val="0"/>
+                        </a:spcBef>
+                        <a:spcAft>
+                          <a:spcPts val="0"/>
+                        </a:spcAft>
+                        <a:buClrTx/>
+                        <a:buSzTx/>
+                        <a:buFontTx/>
+                        <a:buNone/>
+                        <a:tabLst/>
+                        <a:defRPr/>
+                      </a:pPr>
+                      <a:r>
+                        <a:rPr lang="en-US" dirty="0"/>
+                        <a:t>Using 7805 gives more flexible input power options including standard 9 volt battery and 12 VDC. Offloads NANO regulator</a:t>
+                      </a:r>
+                    </a:p>
+                  </a:txBody>
+                  <a:tcPr/>
+                </a:tc>
+                <a:tc>
+                  <a:txBody>
+                    <a:bodyPr/>
+                    <a:lstStyle/>
+                    <a:p>
+                      <a:pPr marL="0" marR="0" lvl="0" indent="0" algn="l" defTabSz="914400" rtl="0" eaLnBrk="1" fontAlgn="auto" latinLnBrk="0" hangingPunct="1">
+                        <a:lnSpc>
+                          <a:spcPct val="100000"/>
+                        </a:lnSpc>
+                        <a:spcBef>
+                          <a:spcPts val="0"/>
+                        </a:spcBef>
+                        <a:spcAft>
+                          <a:spcPts val="0"/>
+                        </a:spcAft>
+                        <a:buClrTx/>
+                        <a:buSzTx/>
+                        <a:buFontTx/>
+                        <a:buNone/>
+                        <a:tabLst/>
+                        <a:defRPr/>
+                      </a:pPr>
+                      <a:r>
+                        <a:rPr lang="en-US" dirty="0"/>
+                        <a:t>Reference design used a 7812</a:t>
+                      </a:r>
+                    </a:p>
+                  </a:txBody>
+                  <a:tcPr/>
+                </a:tc>
+                <a:tc>
+                  <a:txBody>
+                    <a:bodyPr/>
+                    <a:lstStyle/>
+                    <a:p>
+                      <a:endParaRPr lang="en-US" dirty="0"/>
+                    </a:p>
+                  </a:txBody>
+                  <a:tcPr/>
+                </a:tc>
+                <a:tc>
+                  <a:txBody>
+                    <a:bodyPr/>
+                    <a:lstStyle/>
+                    <a:p>
+                      <a:endParaRPr lang="en-US" dirty="0"/>
+                    </a:p>
+                  </a:txBody>
+                  <a:tcPr/>
+                </a:tc>
+                <a:extLst>
+                  <a:ext uri="{0D108BD9-81ED-4DB2-BD59-A6C34878D82A}">
+                    <a16:rowId xmlns:a16="http://schemas.microsoft.com/office/drawing/2014/main" val="3523431365"/>
+                  </a:ext>
+                </a:extLst>
+              </a:tr>
+              <a:tr h="370840">
+                <a:tc>
+                  <a:txBody>
+                    <a:bodyPr/>
+                    <a:lstStyle/>
+                    <a:p>
+                      <a:pPr algn="ctr"/>
+                      <a:r>
+                        <a:rPr lang="en-US" dirty="0"/>
+                        <a:t>1</a:t>
+                      </a:r>
+                    </a:p>
+                  </a:txBody>
+                  <a:tcPr/>
+                </a:tc>
+                <a:tc>
+                  <a:txBody>
+                    <a:bodyPr/>
+                    <a:lstStyle/>
+                    <a:p>
+                      <a:r>
+                        <a:rPr lang="en-US" dirty="0"/>
+                        <a:t>Keep Line Driver IC</a:t>
+                      </a:r>
+                    </a:p>
+                  </a:txBody>
+                  <a:tcPr/>
+                </a:tc>
+                <a:tc>
+                  <a:txBody>
+                    <a:bodyPr/>
+                    <a:lstStyle/>
+                    <a:p>
+                      <a:pPr marL="0" marR="0" lvl="0" indent="0" algn="l" defTabSz="914400" rtl="0" eaLnBrk="1" fontAlgn="auto" latinLnBrk="0" hangingPunct="1">
+                        <a:lnSpc>
+                          <a:spcPct val="100000"/>
+                        </a:lnSpc>
+                        <a:spcBef>
+                          <a:spcPts val="0"/>
+                        </a:spcBef>
+                        <a:spcAft>
+                          <a:spcPts val="0"/>
+                        </a:spcAft>
+                        <a:buClrTx/>
+                        <a:buSzTx/>
+                        <a:buFontTx/>
+                        <a:buNone/>
+                        <a:tabLst/>
+                        <a:defRPr/>
+                      </a:pPr>
+                      <a:r>
+                        <a:rPr lang="en-US" dirty="0"/>
+                        <a:t>Allows higher current loads of independent voltages. Protects NANO</a:t>
+                      </a:r>
+                    </a:p>
+                  </a:txBody>
+                  <a:tcPr/>
+                </a:tc>
+                <a:tc>
+                  <a:txBody>
+                    <a:bodyPr/>
+                    <a:lstStyle/>
+                    <a:p>
+                      <a:pPr marL="0" marR="0" lvl="0" indent="0" algn="l" defTabSz="914400" rtl="0" eaLnBrk="1" fontAlgn="auto" latinLnBrk="0" hangingPunct="1">
+                        <a:lnSpc>
+                          <a:spcPct val="100000"/>
+                        </a:lnSpc>
+                        <a:spcBef>
+                          <a:spcPts val="0"/>
+                        </a:spcBef>
+                        <a:spcAft>
+                          <a:spcPts val="0"/>
+                        </a:spcAft>
+                        <a:buClrTx/>
+                        <a:buSzTx/>
+                        <a:buFontTx/>
+                        <a:buNone/>
+                        <a:tabLst/>
+                        <a:defRPr/>
+                      </a:pPr>
+                      <a:r>
+                        <a:rPr lang="en-US" dirty="0"/>
+                        <a:t>Cost in terms of PCB space</a:t>
+                      </a:r>
+                    </a:p>
+                    <a:p>
+                      <a:pPr marL="0" marR="0" lvl="0" indent="0" algn="l" defTabSz="914400" rtl="0" eaLnBrk="1" fontAlgn="auto" latinLnBrk="0" hangingPunct="1">
+                        <a:lnSpc>
+                          <a:spcPct val="100000"/>
+                        </a:lnSpc>
+                        <a:spcBef>
+                          <a:spcPts val="0"/>
+                        </a:spcBef>
+                        <a:spcAft>
+                          <a:spcPts val="0"/>
+                        </a:spcAft>
+                        <a:buClrTx/>
+                        <a:buSzTx/>
+                        <a:buFontTx/>
+                        <a:buNone/>
+                        <a:tabLst/>
+                        <a:defRPr/>
+                      </a:pPr>
+                      <a:r>
+                        <a:rPr lang="en-US" dirty="0"/>
+                        <a:t>Part cost (pennies) </a:t>
+                      </a:r>
+                    </a:p>
+                  </a:txBody>
+                  <a:tcPr/>
+                </a:tc>
+                <a:tc>
+                  <a:txBody>
+                    <a:bodyPr/>
+                    <a:lstStyle/>
+                    <a:p>
+                      <a:endParaRPr lang="en-US" dirty="0"/>
+                    </a:p>
+                  </a:txBody>
+                  <a:tcPr/>
+                </a:tc>
+                <a:tc>
+                  <a:txBody>
+                    <a:bodyPr/>
+                    <a:lstStyle/>
+                    <a:p>
+                      <a:endParaRPr lang="en-US" dirty="0"/>
+                    </a:p>
+                  </a:txBody>
+                  <a:tcPr/>
+                </a:tc>
+                <a:extLst>
+                  <a:ext uri="{0D108BD9-81ED-4DB2-BD59-A6C34878D82A}">
+                    <a16:rowId xmlns:a16="http://schemas.microsoft.com/office/drawing/2014/main" val="513001465"/>
+                  </a:ext>
+                </a:extLst>
+              </a:tr>
+              <a:tr h="370840">
+                <a:tc>
+                  <a:txBody>
+                    <a:bodyPr/>
+                    <a:lstStyle/>
+                    <a:p>
+                      <a:pPr algn="ctr"/>
+                      <a:r>
+                        <a:rPr lang="en-US" dirty="0"/>
+                        <a:t>2</a:t>
+                      </a:r>
+                    </a:p>
+                  </a:txBody>
+                  <a:tcPr/>
+                </a:tc>
+                <a:tc>
+                  <a:txBody>
+                    <a:bodyPr/>
+                    <a:lstStyle/>
+                    <a:p>
+                      <a:r>
+                        <a:rPr lang="en-US" sz="1400" dirty="0"/>
+                        <a:t>Choice of Current Limiting R value</a:t>
+                      </a:r>
+                    </a:p>
+                  </a:txBody>
+                  <a:tcPr/>
+                </a:tc>
+                <a:tc>
+                  <a:txBody>
+                    <a:bodyPr/>
+                    <a:lstStyle/>
+                    <a:p>
+                      <a:pPr marL="0" marR="0" lvl="0" indent="0" algn="l" defTabSz="914400" rtl="0" eaLnBrk="1" fontAlgn="auto" latinLnBrk="0" hangingPunct="1">
+                        <a:lnSpc>
+                          <a:spcPct val="100000"/>
+                        </a:lnSpc>
+                        <a:spcBef>
+                          <a:spcPts val="0"/>
+                        </a:spcBef>
+                        <a:spcAft>
+                          <a:spcPts val="0"/>
+                        </a:spcAft>
+                        <a:buClrTx/>
+                        <a:buSzTx/>
+                        <a:buFontTx/>
+                        <a:buNone/>
+                        <a:tabLst/>
+                        <a:defRPr/>
+                      </a:pPr>
+                      <a:r>
+                        <a:rPr lang="en-US" dirty="0"/>
+                        <a:t>R680 and R470 traditional</a:t>
+                      </a:r>
+                    </a:p>
+                  </a:txBody>
+                  <a:tcPr/>
+                </a:tc>
+                <a:tc>
+                  <a:txBody>
+                    <a:bodyPr/>
+                    <a:lstStyle/>
+                    <a:p>
+                      <a:pPr marL="0" marR="0" lvl="0" indent="0" algn="l" defTabSz="914400" rtl="0" eaLnBrk="1" fontAlgn="auto" latinLnBrk="0" hangingPunct="1">
+                        <a:lnSpc>
+                          <a:spcPct val="100000"/>
+                        </a:lnSpc>
+                        <a:spcBef>
+                          <a:spcPts val="0"/>
+                        </a:spcBef>
+                        <a:spcAft>
+                          <a:spcPts val="0"/>
+                        </a:spcAft>
+                        <a:buClrTx/>
+                        <a:buSzTx/>
+                        <a:buFontTx/>
+                        <a:buNone/>
+                        <a:tabLst/>
+                        <a:defRPr/>
+                      </a:pPr>
+                      <a:r>
+                        <a:rPr lang="en-US" dirty="0"/>
+                        <a:t>New LED’s more efficient – use R1K. </a:t>
+                      </a:r>
+                    </a:p>
+                  </a:txBody>
+                  <a:tcPr/>
+                </a:tc>
+                <a:tc>
+                  <a:txBody>
+                    <a:bodyPr/>
+                    <a:lstStyle/>
+                    <a:p>
+                      <a:r>
+                        <a:rPr lang="en-US" dirty="0"/>
+                        <a:t>Do some Testing</a:t>
+                      </a:r>
+                    </a:p>
+                  </a:txBody>
+                  <a:tcPr/>
+                </a:tc>
+                <a:tc>
+                  <a:txBody>
+                    <a:bodyPr/>
+                    <a:lstStyle/>
+                    <a:p>
+                      <a:endParaRPr lang="en-US" dirty="0"/>
+                    </a:p>
+                  </a:txBody>
+                  <a:tcPr/>
+                </a:tc>
+                <a:extLst>
+                  <a:ext uri="{0D108BD9-81ED-4DB2-BD59-A6C34878D82A}">
+                    <a16:rowId xmlns:a16="http://schemas.microsoft.com/office/drawing/2014/main" val="1231025186"/>
+                  </a:ext>
+                </a:extLst>
+              </a:tr>
+              <a:tr h="370840">
+                <a:tc>
+                  <a:txBody>
+                    <a:bodyPr/>
+                    <a:lstStyle/>
+                    <a:p>
+                      <a:pPr algn="ctr"/>
+                      <a:r>
+                        <a:rPr lang="en-US" dirty="0"/>
+                        <a:t>3</a:t>
+                      </a:r>
+                    </a:p>
+                  </a:txBody>
+                  <a:tcPr/>
+                </a:tc>
+                <a:tc>
+                  <a:txBody>
+                    <a:bodyPr/>
+                    <a:lstStyle/>
+                    <a:p>
+                      <a:r>
+                        <a:rPr lang="en-US" dirty="0"/>
+                        <a:t>External I2C pullup</a:t>
+                      </a:r>
+                    </a:p>
+                  </a:txBody>
+                  <a:tcPr/>
+                </a:tc>
+                <a:tc>
+                  <a:txBody>
+                    <a:bodyPr/>
+                    <a:lstStyle/>
+                    <a:p>
+                      <a:pPr marL="0" marR="0" lvl="0" indent="0" algn="l" defTabSz="914400" rtl="0" eaLnBrk="1" fontAlgn="auto" latinLnBrk="0" hangingPunct="1">
+                        <a:lnSpc>
+                          <a:spcPct val="100000"/>
+                        </a:lnSpc>
+                        <a:spcBef>
+                          <a:spcPts val="0"/>
+                        </a:spcBef>
+                        <a:spcAft>
+                          <a:spcPts val="0"/>
+                        </a:spcAft>
+                        <a:buClrTx/>
+                        <a:buSzTx/>
+                        <a:buFontTx/>
+                        <a:buNone/>
+                        <a:tabLst/>
+                        <a:defRPr/>
+                      </a:pPr>
+                      <a:r>
+                        <a:rPr lang="en-US" dirty="0"/>
+                        <a:t>Allows control over I2C value</a:t>
+                      </a:r>
+                    </a:p>
+                    <a:p>
+                      <a:pPr marL="0" marR="0" lvl="0" indent="0" algn="l" defTabSz="914400" rtl="0" eaLnBrk="1" fontAlgn="auto" latinLnBrk="0" hangingPunct="1">
+                        <a:lnSpc>
+                          <a:spcPct val="100000"/>
+                        </a:lnSpc>
+                        <a:spcBef>
+                          <a:spcPts val="0"/>
+                        </a:spcBef>
+                        <a:spcAft>
+                          <a:spcPts val="0"/>
+                        </a:spcAft>
+                        <a:buClrTx/>
+                        <a:buSzTx/>
+                        <a:buFontTx/>
+                        <a:buNone/>
+                        <a:tabLst/>
+                        <a:defRPr/>
+                      </a:pPr>
+                      <a:r>
+                        <a:rPr lang="en-US" dirty="0"/>
+                        <a:t>Simple soldering job and use of DMM lessons. Ohms Law.</a:t>
+                      </a:r>
+                    </a:p>
+                  </a:txBody>
+                  <a:tcPr/>
+                </a:tc>
+                <a:tc>
+                  <a:txBody>
+                    <a:bodyPr/>
+                    <a:lstStyle/>
+                    <a:p>
+                      <a:pPr marL="0" marR="0" lvl="0" indent="0" algn="l" defTabSz="914400" rtl="0" eaLnBrk="1" fontAlgn="auto" latinLnBrk="0" hangingPunct="1">
+                        <a:lnSpc>
+                          <a:spcPct val="100000"/>
+                        </a:lnSpc>
+                        <a:spcBef>
+                          <a:spcPts val="0"/>
+                        </a:spcBef>
+                        <a:spcAft>
+                          <a:spcPts val="0"/>
+                        </a:spcAft>
+                        <a:buClrTx/>
+                        <a:buSzTx/>
+                        <a:buFontTx/>
+                        <a:buNone/>
+                        <a:tabLst/>
+                        <a:defRPr/>
+                      </a:pPr>
+                      <a:r>
+                        <a:rPr lang="en-US" dirty="0"/>
+                        <a:t>Could use internal pullups</a:t>
+                      </a:r>
+                    </a:p>
+                    <a:p>
+                      <a:pPr marL="0" marR="0" lvl="0" indent="0" algn="l" defTabSz="914400" rtl="0" eaLnBrk="1" fontAlgn="auto" latinLnBrk="0" hangingPunct="1">
+                        <a:lnSpc>
+                          <a:spcPct val="100000"/>
+                        </a:lnSpc>
+                        <a:spcBef>
+                          <a:spcPts val="0"/>
+                        </a:spcBef>
+                        <a:spcAft>
+                          <a:spcPts val="0"/>
+                        </a:spcAft>
+                        <a:buClrTx/>
+                        <a:buSzTx/>
+                        <a:buFontTx/>
+                        <a:buNone/>
+                        <a:tabLst/>
+                        <a:defRPr/>
+                      </a:pPr>
+                      <a:r>
+                        <a:rPr lang="en-US" dirty="0"/>
+                        <a:t>Save real estate and cost (pennies) </a:t>
+                      </a:r>
+                    </a:p>
+                  </a:txBody>
+                  <a:tcPr/>
+                </a:tc>
+                <a:tc>
+                  <a:txBody>
+                    <a:bodyPr/>
+                    <a:lstStyle/>
+                    <a:p>
+                      <a:endParaRPr lang="en-US" dirty="0"/>
+                    </a:p>
+                  </a:txBody>
+                  <a:tcPr/>
+                </a:tc>
+                <a:tc>
+                  <a:txBody>
+                    <a:bodyPr/>
+                    <a:lstStyle/>
+                    <a:p>
+                      <a:endParaRPr lang="en-US" dirty="0"/>
+                    </a:p>
+                  </a:txBody>
+                  <a:tcPr/>
+                </a:tc>
+                <a:extLst>
+                  <a:ext uri="{0D108BD9-81ED-4DB2-BD59-A6C34878D82A}">
+                    <a16:rowId xmlns:a16="http://schemas.microsoft.com/office/drawing/2014/main" val="1184394165"/>
+                  </a:ext>
+                </a:extLst>
+              </a:tr>
+              <a:tr h="370840">
+                <a:tc>
+                  <a:txBody>
+                    <a:bodyPr/>
+                    <a:lstStyle/>
+                    <a:p>
+                      <a:pPr algn="ctr"/>
+                      <a:r>
+                        <a:rPr lang="en-US" dirty="0"/>
+                        <a:t>4</a:t>
+                      </a:r>
+                    </a:p>
+                  </a:txBody>
+                  <a:tcPr/>
+                </a:tc>
+                <a:tc>
+                  <a:txBody>
+                    <a:bodyPr/>
+                    <a:lstStyle/>
+                    <a:p>
+                      <a:r>
+                        <a:rPr lang="en-US" dirty="0"/>
+                        <a:t>Include MAX485</a:t>
+                      </a:r>
+                    </a:p>
+                  </a:txBody>
+                  <a:tcPr/>
+                </a:tc>
+                <a:tc>
+                  <a:txBody>
+                    <a:bodyPr/>
+                    <a:lstStyle/>
+                    <a:p>
+                      <a:pPr marL="0" marR="0" lvl="0" indent="0" algn="l" defTabSz="914400" rtl="0" eaLnBrk="1" fontAlgn="auto" latinLnBrk="0" hangingPunct="1">
+                        <a:lnSpc>
+                          <a:spcPct val="100000"/>
+                        </a:lnSpc>
+                        <a:spcBef>
+                          <a:spcPts val="0"/>
+                        </a:spcBef>
+                        <a:spcAft>
+                          <a:spcPts val="0"/>
+                        </a:spcAft>
+                        <a:buClrTx/>
+                        <a:buSzTx/>
+                        <a:buFontTx/>
+                        <a:buNone/>
+                        <a:tabLst/>
+                        <a:defRPr/>
+                      </a:pPr>
+                      <a:r>
+                        <a:rPr lang="en-US" dirty="0"/>
+                        <a:t>General RS485 comms</a:t>
+                      </a:r>
+                    </a:p>
+                    <a:p>
+                      <a:pPr marL="0" marR="0" lvl="0" indent="0" algn="l" defTabSz="914400" rtl="0" eaLnBrk="1" fontAlgn="auto" latinLnBrk="0" hangingPunct="1">
+                        <a:lnSpc>
+                          <a:spcPct val="100000"/>
+                        </a:lnSpc>
+                        <a:spcBef>
+                          <a:spcPts val="0"/>
+                        </a:spcBef>
+                        <a:spcAft>
+                          <a:spcPts val="0"/>
+                        </a:spcAft>
+                        <a:buClrTx/>
+                        <a:buSzTx/>
+                        <a:buFontTx/>
+                        <a:buNone/>
+                        <a:tabLst/>
+                        <a:defRPr/>
+                      </a:pPr>
+                      <a:r>
+                        <a:rPr lang="en-US" dirty="0"/>
+                        <a:t>CMRI connectivity</a:t>
+                      </a:r>
+                    </a:p>
+                  </a:txBody>
+                  <a:tcPr/>
+                </a:tc>
+                <a:tc>
+                  <a:txBody>
+                    <a:bodyPr/>
+                    <a:lstStyle/>
+                    <a:p>
+                      <a:pPr marL="0" marR="0" lvl="0" indent="0" algn="l" defTabSz="914400" rtl="0" eaLnBrk="1" fontAlgn="auto" latinLnBrk="0" hangingPunct="1">
+                        <a:lnSpc>
+                          <a:spcPct val="100000"/>
+                        </a:lnSpc>
+                        <a:spcBef>
+                          <a:spcPts val="0"/>
+                        </a:spcBef>
+                        <a:spcAft>
+                          <a:spcPts val="0"/>
+                        </a:spcAft>
+                        <a:buClrTx/>
+                        <a:buSzTx/>
+                        <a:buFontTx/>
+                        <a:buNone/>
+                        <a:tabLst/>
+                        <a:defRPr/>
+                      </a:pPr>
+                      <a:r>
+                        <a:rPr lang="en-US" dirty="0"/>
+                        <a:t>Cost in terms of PCB space</a:t>
+                      </a:r>
+                    </a:p>
+                    <a:p>
+                      <a:pPr marL="0" marR="0" lvl="0" indent="0" algn="l" defTabSz="914400" rtl="0" eaLnBrk="1" fontAlgn="auto" latinLnBrk="0" hangingPunct="1">
+                        <a:lnSpc>
+                          <a:spcPct val="100000"/>
+                        </a:lnSpc>
+                        <a:spcBef>
+                          <a:spcPts val="0"/>
+                        </a:spcBef>
+                        <a:spcAft>
+                          <a:spcPts val="0"/>
+                        </a:spcAft>
+                        <a:buClrTx/>
+                        <a:buSzTx/>
+                        <a:buFontTx/>
+                        <a:buNone/>
+                        <a:tabLst/>
+                        <a:defRPr/>
+                      </a:pPr>
+                      <a:r>
+                        <a:rPr lang="en-US" dirty="0"/>
+                        <a:t>Part cost (pennies) </a:t>
+                      </a:r>
+                    </a:p>
+                  </a:txBody>
+                  <a:tcPr/>
+                </a:tc>
+                <a:tc>
+                  <a:txBody>
+                    <a:bodyPr/>
+                    <a:lstStyle/>
+                    <a:p>
+                      <a:endParaRPr lang="en-US" dirty="0"/>
+                    </a:p>
+                  </a:txBody>
+                  <a:tcPr/>
+                </a:tc>
+                <a:tc>
+                  <a:txBody>
+                    <a:bodyPr/>
+                    <a:lstStyle/>
+                    <a:p>
+                      <a:endParaRPr lang="en-US" dirty="0"/>
+                    </a:p>
+                  </a:txBody>
+                  <a:tcPr/>
+                </a:tc>
+                <a:extLst>
+                  <a:ext uri="{0D108BD9-81ED-4DB2-BD59-A6C34878D82A}">
+                    <a16:rowId xmlns:a16="http://schemas.microsoft.com/office/drawing/2014/main" val="836048738"/>
+                  </a:ext>
+                </a:extLst>
+              </a:tr>
+              <a:tr h="370840">
+                <a:tc>
+                  <a:txBody>
+                    <a:bodyPr/>
+                    <a:lstStyle/>
+                    <a:p>
+                      <a:pPr algn="ctr"/>
+                      <a:r>
+                        <a:rPr lang="en-US" dirty="0"/>
+                        <a:t>5</a:t>
+                      </a:r>
+                    </a:p>
+                  </a:txBody>
+                  <a:tcPr/>
+                </a:tc>
+                <a:tc>
+                  <a:txBody>
+                    <a:bodyPr/>
+                    <a:lstStyle/>
+                    <a:p>
+                      <a:endParaRPr lang="en-US" dirty="0"/>
+                    </a:p>
+                  </a:txBody>
+                  <a:tcPr/>
+                </a:tc>
+                <a:tc>
+                  <a:txBody>
+                    <a:bodyPr/>
+                    <a:lstStyle/>
+                    <a:p>
+                      <a:pPr marL="0" marR="0" lvl="0" indent="0" algn="l" defTabSz="914400" rtl="0" eaLnBrk="1" fontAlgn="auto" latinLnBrk="0" hangingPunct="1">
+                        <a:lnSpc>
+                          <a:spcPct val="100000"/>
+                        </a:lnSpc>
+                        <a:spcBef>
+                          <a:spcPts val="0"/>
+                        </a:spcBef>
+                        <a:spcAft>
+                          <a:spcPts val="0"/>
+                        </a:spcAft>
+                        <a:buClrTx/>
+                        <a:buSzTx/>
+                        <a:buFontTx/>
+                        <a:buNone/>
+                        <a:tabLst/>
+                        <a:defRPr/>
+                      </a:pPr>
+                      <a:endParaRPr lang="en-US" dirty="0"/>
+                    </a:p>
+                  </a:txBody>
+                  <a:tcPr/>
+                </a:tc>
+                <a:tc>
+                  <a:txBody>
+                    <a:bodyPr/>
+                    <a:lstStyle/>
+                    <a:p>
+                      <a:pPr marL="0" marR="0" lvl="0" indent="0" algn="l" defTabSz="914400" rtl="0" eaLnBrk="1" fontAlgn="auto" latinLnBrk="0" hangingPunct="1">
+                        <a:lnSpc>
+                          <a:spcPct val="100000"/>
+                        </a:lnSpc>
+                        <a:spcBef>
+                          <a:spcPts val="0"/>
+                        </a:spcBef>
+                        <a:spcAft>
+                          <a:spcPts val="0"/>
+                        </a:spcAft>
+                        <a:buClrTx/>
+                        <a:buSzTx/>
+                        <a:buFontTx/>
+                        <a:buNone/>
+                        <a:tabLst/>
+                        <a:defRPr/>
+                      </a:pPr>
+                      <a:endParaRPr lang="en-US" dirty="0"/>
+                    </a:p>
+                  </a:txBody>
+                  <a:tcPr/>
+                </a:tc>
+                <a:tc>
+                  <a:txBody>
+                    <a:bodyPr/>
+                    <a:lstStyle/>
+                    <a:p>
+                      <a:endParaRPr lang="en-US" dirty="0"/>
+                    </a:p>
+                  </a:txBody>
+                  <a:tcPr/>
+                </a:tc>
+                <a:tc>
+                  <a:txBody>
+                    <a:bodyPr/>
+                    <a:lstStyle/>
+                    <a:p>
+                      <a:endParaRPr lang="en-US" dirty="0"/>
+                    </a:p>
+                  </a:txBody>
+                  <a:tcPr/>
+                </a:tc>
+                <a:extLst>
+                  <a:ext uri="{0D108BD9-81ED-4DB2-BD59-A6C34878D82A}">
+                    <a16:rowId xmlns:a16="http://schemas.microsoft.com/office/drawing/2014/main" val="4283437293"/>
+                  </a:ext>
+                </a:extLst>
+              </a:tr>
+              <a:tr h="370840">
+                <a:tc>
+                  <a:txBody>
+                    <a:bodyPr/>
+                    <a:lstStyle/>
+                    <a:p>
+                      <a:pPr algn="ctr"/>
+                      <a:r>
+                        <a:rPr lang="en-US" dirty="0"/>
+                        <a:t>6</a:t>
+                      </a:r>
+                    </a:p>
+                  </a:txBody>
+                  <a:tcPr/>
+                </a:tc>
+                <a:tc>
+                  <a:txBody>
+                    <a:bodyPr/>
+                    <a:lstStyle/>
+                    <a:p>
+                      <a:endParaRPr lang="en-US" dirty="0"/>
+                    </a:p>
+                  </a:txBody>
+                  <a:tcPr/>
+                </a:tc>
+                <a:tc>
+                  <a:txBody>
+                    <a:bodyPr/>
+                    <a:lstStyle/>
+                    <a:p>
+                      <a:pPr marL="0" marR="0" lvl="0" indent="0" algn="l" defTabSz="914400" rtl="0" eaLnBrk="1" fontAlgn="auto" latinLnBrk="0" hangingPunct="1">
+                        <a:lnSpc>
+                          <a:spcPct val="100000"/>
+                        </a:lnSpc>
+                        <a:spcBef>
+                          <a:spcPts val="0"/>
+                        </a:spcBef>
+                        <a:spcAft>
+                          <a:spcPts val="0"/>
+                        </a:spcAft>
+                        <a:buClrTx/>
+                        <a:buSzTx/>
+                        <a:buFontTx/>
+                        <a:buNone/>
+                        <a:tabLst/>
+                        <a:defRPr/>
+                      </a:pPr>
+                      <a:endParaRPr lang="en-US" dirty="0"/>
+                    </a:p>
+                  </a:txBody>
+                  <a:tcPr/>
+                </a:tc>
+                <a:tc>
+                  <a:txBody>
+                    <a:bodyPr/>
+                    <a:lstStyle/>
+                    <a:p>
+                      <a:pPr marL="0" marR="0" lvl="0" indent="0" algn="l" defTabSz="914400" rtl="0" eaLnBrk="1" fontAlgn="auto" latinLnBrk="0" hangingPunct="1">
+                        <a:lnSpc>
+                          <a:spcPct val="100000"/>
+                        </a:lnSpc>
+                        <a:spcBef>
+                          <a:spcPts val="0"/>
+                        </a:spcBef>
+                        <a:spcAft>
+                          <a:spcPts val="0"/>
+                        </a:spcAft>
+                        <a:buClrTx/>
+                        <a:buSzTx/>
+                        <a:buFontTx/>
+                        <a:buNone/>
+                        <a:tabLst/>
+                        <a:defRPr/>
+                      </a:pPr>
+                      <a:endParaRPr lang="en-US" dirty="0"/>
+                    </a:p>
+                  </a:txBody>
+                  <a:tcPr/>
+                </a:tc>
+                <a:tc>
+                  <a:txBody>
+                    <a:bodyPr/>
+                    <a:lstStyle/>
+                    <a:p>
+                      <a:endParaRPr lang="en-US" dirty="0"/>
+                    </a:p>
+                  </a:txBody>
+                  <a:tcPr/>
+                </a:tc>
+                <a:tc>
+                  <a:txBody>
+                    <a:bodyPr/>
+                    <a:lstStyle/>
+                    <a:p>
+                      <a:endParaRPr lang="en-US" dirty="0"/>
+                    </a:p>
+                  </a:txBody>
+                  <a:tcPr/>
+                </a:tc>
+                <a:extLst>
+                  <a:ext uri="{0D108BD9-81ED-4DB2-BD59-A6C34878D82A}">
+                    <a16:rowId xmlns:a16="http://schemas.microsoft.com/office/drawing/2014/main" val="2176051796"/>
+                  </a:ext>
+                </a:extLst>
+              </a:tr>
+            </a:tbl>
+          </a:graphicData>
+        </a:graphic>
+      </p:graphicFrame>
     </p:spTree>
     <p:extLst>
       <p:ext uri="{BB962C8B-B14F-4D97-AF65-F5344CB8AC3E}">
-        <p14:creationId xmlns:p14="http://schemas.microsoft.com/office/powerpoint/2010/main" val="3443242970"/>
+        <p14:creationId xmlns:p14="http://schemas.microsoft.com/office/powerpoint/2010/main" val="1141154377"/>
       </p:ext>
     </p:extLst>
   </p:cSld>

--- a/Practical Arduino - Ground Up.pptx
+++ b/Practical Arduino - Ground Up.pptx
@@ -171,7 +171,7 @@
           <a:noFill/>
           <a:extLst>
             <a:ext uri="{909E8E84-426E-40dd-AFC4-6F175D3DCCD1}">
-              <a14:hiddenFill xmlns="" xmlns:a14="http://schemas.microsoft.com/office/drawing/2010/main">
+              <a14:hiddenFill xmlns:a14="http://schemas.microsoft.com/office/drawing/2010/main" xmlns="">
                 <a:solidFill>
                   <a:srgbClr val="FFFFFF"/>
                 </a:solidFill>
@@ -231,7 +231,7 @@
             </a:ln>
             <a:extLst>
               <a:ext uri="{91240B29-F687-4f45-9708-019B960494DF}">
-                <a14:hiddenLine xmlns="" xmlns:a14="http://schemas.microsoft.com/office/drawing/2010/main" w="9525">
+                <a14:hiddenLine xmlns:a14="http://schemas.microsoft.com/office/drawing/2010/main" xmlns="" w="9525">
                   <a:solidFill>
                     <a:srgbClr val="000000"/>
                   </a:solidFill>
@@ -321,7 +321,7 @@
             </a:ln>
             <a:extLst>
               <a:ext uri="{91240B29-F687-4f45-9708-019B960494DF}">
-                <a14:hiddenLine xmlns="" xmlns:a14="http://schemas.microsoft.com/office/drawing/2010/main" w="9525">
+                <a14:hiddenLine xmlns:a14="http://schemas.microsoft.com/office/drawing/2010/main" xmlns="" w="9525">
                   <a:solidFill>
                     <a:srgbClr val="000000"/>
                   </a:solidFill>
@@ -411,7 +411,7 @@
             </a:ln>
             <a:extLst>
               <a:ext uri="{91240B29-F687-4f45-9708-019B960494DF}">
-                <a14:hiddenLine xmlns="" xmlns:a14="http://schemas.microsoft.com/office/drawing/2010/main" w="9525">
+                <a14:hiddenLine xmlns:a14="http://schemas.microsoft.com/office/drawing/2010/main" xmlns="" w="9525">
                   <a:solidFill>
                     <a:srgbClr val="000000"/>
                   </a:solidFill>
@@ -445,7 +445,7 @@
             </a:ln>
             <a:extLst>
               <a:ext uri="{91240B29-F687-4f45-9708-019B960494DF}">
-                <a14:hiddenLine xmlns="" xmlns:a14="http://schemas.microsoft.com/office/drawing/2010/main" w="9525">
+                <a14:hiddenLine xmlns:a14="http://schemas.microsoft.com/office/drawing/2010/main" xmlns="" w="9525">
                   <a:solidFill>
                     <a:srgbClr val="000000"/>
                   </a:solidFill>
@@ -535,7 +535,7 @@
             </a:ln>
             <a:extLst>
               <a:ext uri="{91240B29-F687-4f45-9708-019B960494DF}">
-                <a14:hiddenLine xmlns="" xmlns:a14="http://schemas.microsoft.com/office/drawing/2010/main" w="9525">
+                <a14:hiddenLine xmlns:a14="http://schemas.microsoft.com/office/drawing/2010/main" xmlns="" w="9525">
                   <a:solidFill>
                     <a:srgbClr val="000000"/>
                   </a:solidFill>
@@ -597,7 +597,7 @@
             </a:ln>
             <a:extLst>
               <a:ext uri="{91240B29-F687-4f45-9708-019B960494DF}">
-                <a14:hiddenLine xmlns="" xmlns:a14="http://schemas.microsoft.com/office/drawing/2010/main" w="9525">
+                <a14:hiddenLine xmlns:a14="http://schemas.microsoft.com/office/drawing/2010/main" xmlns="" w="9525">
                   <a:solidFill>
                     <a:srgbClr val="000000"/>
                   </a:solidFill>
@@ -659,7 +659,7 @@
             </a:ln>
             <a:extLst>
               <a:ext uri="{91240B29-F687-4f45-9708-019B960494DF}">
-                <a14:hiddenLine xmlns="" xmlns:a14="http://schemas.microsoft.com/office/drawing/2010/main" w="9525">
+                <a14:hiddenLine xmlns:a14="http://schemas.microsoft.com/office/drawing/2010/main" xmlns="" w="9525">
                   <a:solidFill>
                     <a:srgbClr val="000000"/>
                   </a:solidFill>
@@ -749,7 +749,7 @@
             </a:ln>
             <a:extLst>
               <a:ext uri="{91240B29-F687-4f45-9708-019B960494DF}">
-                <a14:hiddenLine xmlns="" xmlns:a14="http://schemas.microsoft.com/office/drawing/2010/main" w="9525">
+                <a14:hiddenLine xmlns:a14="http://schemas.microsoft.com/office/drawing/2010/main" xmlns="" w="9525">
                   <a:solidFill>
                     <a:srgbClr val="000000"/>
                   </a:solidFill>
@@ -811,7 +811,7 @@
             </a:ln>
             <a:extLst>
               <a:ext uri="{91240B29-F687-4f45-9708-019B960494DF}">
-                <a14:hiddenLine xmlns="" xmlns:a14="http://schemas.microsoft.com/office/drawing/2010/main" w="9525">
+                <a14:hiddenLine xmlns:a14="http://schemas.microsoft.com/office/drawing/2010/main" xmlns="" w="9525">
                   <a:solidFill>
                     <a:srgbClr val="000000"/>
                   </a:solidFill>
@@ -873,7 +873,7 @@
             </a:ln>
             <a:extLst>
               <a:ext uri="{91240B29-F687-4f45-9708-019B960494DF}">
-                <a14:hiddenLine xmlns="" xmlns:a14="http://schemas.microsoft.com/office/drawing/2010/main" w="9525">
+                <a14:hiddenLine xmlns:a14="http://schemas.microsoft.com/office/drawing/2010/main" xmlns="" w="9525">
                   <a:solidFill>
                     <a:srgbClr val="000000"/>
                   </a:solidFill>
@@ -963,7 +963,7 @@
             </a:ln>
             <a:extLst>
               <a:ext uri="{91240B29-F687-4f45-9708-019B960494DF}">
-                <a14:hiddenLine xmlns="" xmlns:a14="http://schemas.microsoft.com/office/drawing/2010/main" w="9525">
+                <a14:hiddenLine xmlns:a14="http://schemas.microsoft.com/office/drawing/2010/main" xmlns="" w="9525">
                   <a:solidFill>
                     <a:srgbClr val="000000"/>
                   </a:solidFill>
@@ -1053,7 +1053,7 @@
             </a:ln>
             <a:extLst>
               <a:ext uri="{91240B29-F687-4f45-9708-019B960494DF}">
-                <a14:hiddenLine xmlns="" xmlns:a14="http://schemas.microsoft.com/office/drawing/2010/main" w="9525">
+                <a14:hiddenLine xmlns:a14="http://schemas.microsoft.com/office/drawing/2010/main" xmlns="" w="9525">
                   <a:solidFill>
                     <a:srgbClr val="000000"/>
                   </a:solidFill>
@@ -1115,7 +1115,7 @@
             </a:ln>
             <a:extLst>
               <a:ext uri="{91240B29-F687-4f45-9708-019B960494DF}">
-                <a14:hiddenLine xmlns="" xmlns:a14="http://schemas.microsoft.com/office/drawing/2010/main" w="9525">
+                <a14:hiddenLine xmlns:a14="http://schemas.microsoft.com/office/drawing/2010/main" xmlns="" w="9525">
                   <a:solidFill>
                     <a:srgbClr val="000000"/>
                   </a:solidFill>
@@ -1225,7 +1225,7 @@
             </a:ln>
             <a:extLst>
               <a:ext uri="{91240B29-F687-4f45-9708-019B960494DF}">
-                <a14:hiddenLine xmlns="" xmlns:a14="http://schemas.microsoft.com/office/drawing/2010/main" w="9525">
+                <a14:hiddenLine xmlns:a14="http://schemas.microsoft.com/office/drawing/2010/main" xmlns="" w="9525">
                   <a:solidFill>
                     <a:srgbClr val="000000"/>
                   </a:solidFill>
@@ -1287,7 +1287,7 @@
             </a:ln>
             <a:extLst>
               <a:ext uri="{91240B29-F687-4f45-9708-019B960494DF}">
-                <a14:hiddenLine xmlns="" xmlns:a14="http://schemas.microsoft.com/office/drawing/2010/main" w="9525">
+                <a14:hiddenLine xmlns:a14="http://schemas.microsoft.com/office/drawing/2010/main" xmlns="" w="9525">
                   <a:solidFill>
                     <a:srgbClr val="000000"/>
                   </a:solidFill>
@@ -1377,7 +1377,7 @@
             </a:ln>
             <a:extLst>
               <a:ext uri="{91240B29-F687-4f45-9708-019B960494DF}">
-                <a14:hiddenLine xmlns="" xmlns:a14="http://schemas.microsoft.com/office/drawing/2010/main" w="9525">
+                <a14:hiddenLine xmlns:a14="http://schemas.microsoft.com/office/drawing/2010/main" xmlns="" w="9525">
                   <a:solidFill>
                     <a:srgbClr val="000000"/>
                   </a:solidFill>
@@ -1467,7 +1467,7 @@
             </a:ln>
             <a:extLst>
               <a:ext uri="{91240B29-F687-4f45-9708-019B960494DF}">
-                <a14:hiddenLine xmlns="" xmlns:a14="http://schemas.microsoft.com/office/drawing/2010/main" w="9525">
+                <a14:hiddenLine xmlns:a14="http://schemas.microsoft.com/office/drawing/2010/main" xmlns="" w="9525">
                   <a:solidFill>
                     <a:srgbClr val="000000"/>
                   </a:solidFill>
@@ -1529,7 +1529,7 @@
             </a:ln>
             <a:extLst>
               <a:ext uri="{91240B29-F687-4f45-9708-019B960494DF}">
-                <a14:hiddenLine xmlns="" xmlns:a14="http://schemas.microsoft.com/office/drawing/2010/main" w="9525">
+                <a14:hiddenLine xmlns:a14="http://schemas.microsoft.com/office/drawing/2010/main" xmlns="" w="9525">
                   <a:solidFill>
                     <a:srgbClr val="000000"/>
                   </a:solidFill>
@@ -1619,7 +1619,7 @@
             </a:ln>
             <a:extLst>
               <a:ext uri="{91240B29-F687-4f45-9708-019B960494DF}">
-                <a14:hiddenLine xmlns="" xmlns:a14="http://schemas.microsoft.com/office/drawing/2010/main" w="9525">
+                <a14:hiddenLine xmlns:a14="http://schemas.microsoft.com/office/drawing/2010/main" xmlns="" w="9525">
                   <a:solidFill>
                     <a:srgbClr val="000000"/>
                   </a:solidFill>
@@ -1709,7 +1709,7 @@
             </a:ln>
             <a:extLst>
               <a:ext uri="{91240B29-F687-4f45-9708-019B960494DF}">
-                <a14:hiddenLine xmlns="" xmlns:a14="http://schemas.microsoft.com/office/drawing/2010/main" w="9525">
+                <a14:hiddenLine xmlns:a14="http://schemas.microsoft.com/office/drawing/2010/main" xmlns="" w="9525">
                   <a:solidFill>
                     <a:srgbClr val="000000"/>
                   </a:solidFill>
@@ -1765,7 +1765,7 @@
             </a:ln>
             <a:extLst>
               <a:ext uri="{91240B29-F687-4f45-9708-019B960494DF}">
-                <a14:hiddenLine xmlns="" xmlns:a14="http://schemas.microsoft.com/office/drawing/2010/main" w="9525">
+                <a14:hiddenLine xmlns:a14="http://schemas.microsoft.com/office/drawing/2010/main" xmlns="" w="9525">
                   <a:solidFill>
                     <a:srgbClr val="000000"/>
                   </a:solidFill>
@@ -1855,7 +1855,7 @@
             </a:ln>
             <a:extLst>
               <a:ext uri="{91240B29-F687-4f45-9708-019B960494DF}">
-                <a14:hiddenLine xmlns="" xmlns:a14="http://schemas.microsoft.com/office/drawing/2010/main" w="9525">
+                <a14:hiddenLine xmlns:a14="http://schemas.microsoft.com/office/drawing/2010/main" xmlns="" w="9525">
                   <a:solidFill>
                     <a:srgbClr val="000000"/>
                   </a:solidFill>
@@ -1911,7 +1911,7 @@
             </a:ln>
             <a:extLst>
               <a:ext uri="{91240B29-F687-4f45-9708-019B960494DF}">
-                <a14:hiddenLine xmlns="" xmlns:a14="http://schemas.microsoft.com/office/drawing/2010/main" w="9525">
+                <a14:hiddenLine xmlns:a14="http://schemas.microsoft.com/office/drawing/2010/main" xmlns="" w="9525">
                   <a:solidFill>
                     <a:srgbClr val="000000"/>
                   </a:solidFill>
@@ -2001,7 +2001,7 @@
             </a:ln>
             <a:extLst>
               <a:ext uri="{91240B29-F687-4f45-9708-019B960494DF}">
-                <a14:hiddenLine xmlns="" xmlns:a14="http://schemas.microsoft.com/office/drawing/2010/main" w="9525">
+                <a14:hiddenLine xmlns:a14="http://schemas.microsoft.com/office/drawing/2010/main" xmlns="" w="9525">
                   <a:solidFill>
                     <a:srgbClr val="000000"/>
                   </a:solidFill>
@@ -2069,7 +2069,7 @@
             </a:ln>
             <a:extLst>
               <a:ext uri="{91240B29-F687-4f45-9708-019B960494DF}">
-                <a14:hiddenLine xmlns="" xmlns:a14="http://schemas.microsoft.com/office/drawing/2010/main" w="9525">
+                <a14:hiddenLine xmlns:a14="http://schemas.microsoft.com/office/drawing/2010/main" xmlns="" w="9525">
                   <a:solidFill>
                     <a:srgbClr val="000000"/>
                   </a:solidFill>
@@ -2159,7 +2159,7 @@
             </a:ln>
             <a:extLst>
               <a:ext uri="{91240B29-F687-4f45-9708-019B960494DF}">
-                <a14:hiddenLine xmlns="" xmlns:a14="http://schemas.microsoft.com/office/drawing/2010/main" w="9525">
+                <a14:hiddenLine xmlns:a14="http://schemas.microsoft.com/office/drawing/2010/main" xmlns="" w="9525">
                   <a:solidFill>
                     <a:srgbClr val="000000"/>
                   </a:solidFill>
@@ -2227,7 +2227,7 @@
             </a:ln>
             <a:extLst>
               <a:ext uri="{91240B29-F687-4f45-9708-019B960494DF}">
-                <a14:hiddenLine xmlns="" xmlns:a14="http://schemas.microsoft.com/office/drawing/2010/main" w="9525">
+                <a14:hiddenLine xmlns:a14="http://schemas.microsoft.com/office/drawing/2010/main" xmlns="" w="9525">
                   <a:solidFill>
                     <a:srgbClr val="000000"/>
                   </a:solidFill>
@@ -2317,7 +2317,7 @@
             </a:ln>
             <a:extLst>
               <a:ext uri="{91240B29-F687-4f45-9708-019B960494DF}">
-                <a14:hiddenLine xmlns="" xmlns:a14="http://schemas.microsoft.com/office/drawing/2010/main" w="9525">
+                <a14:hiddenLine xmlns:a14="http://schemas.microsoft.com/office/drawing/2010/main" xmlns="" w="9525">
                   <a:solidFill>
                     <a:srgbClr val="000000"/>
                   </a:solidFill>
@@ -2351,7 +2351,7 @@
             </a:ln>
             <a:extLst>
               <a:ext uri="{91240B29-F687-4f45-9708-019B960494DF}">
-                <a14:hiddenLine xmlns="" xmlns:a14="http://schemas.microsoft.com/office/drawing/2010/main" w="9525">
+                <a14:hiddenLine xmlns:a14="http://schemas.microsoft.com/office/drawing/2010/main" xmlns="" w="9525">
                   <a:solidFill>
                     <a:srgbClr val="000000"/>
                   </a:solidFill>
@@ -2441,7 +2441,7 @@
             </a:ln>
             <a:extLst>
               <a:ext uri="{91240B29-F687-4f45-9708-019B960494DF}">
-                <a14:hiddenLine xmlns="" xmlns:a14="http://schemas.microsoft.com/office/drawing/2010/main" w="9525">
+                <a14:hiddenLine xmlns:a14="http://schemas.microsoft.com/office/drawing/2010/main" xmlns="" w="9525">
                   <a:solidFill>
                     <a:srgbClr val="000000"/>
                   </a:solidFill>
@@ -2503,7 +2503,7 @@
             </a:ln>
             <a:extLst>
               <a:ext uri="{91240B29-F687-4f45-9708-019B960494DF}">
-                <a14:hiddenLine xmlns="" xmlns:a14="http://schemas.microsoft.com/office/drawing/2010/main" w="9525">
+                <a14:hiddenLine xmlns:a14="http://schemas.microsoft.com/office/drawing/2010/main" xmlns="" w="9525">
                   <a:solidFill>
                     <a:srgbClr val="000000"/>
                   </a:solidFill>
@@ -2565,7 +2565,7 @@
             </a:ln>
             <a:extLst>
               <a:ext uri="{91240B29-F687-4f45-9708-019B960494DF}">
-                <a14:hiddenLine xmlns="" xmlns:a14="http://schemas.microsoft.com/office/drawing/2010/main" w="9525">
+                <a14:hiddenLine xmlns:a14="http://schemas.microsoft.com/office/drawing/2010/main" xmlns="" w="9525">
                   <a:solidFill>
                     <a:srgbClr val="000000"/>
                   </a:solidFill>
@@ -2655,7 +2655,7 @@
             </a:ln>
             <a:extLst>
               <a:ext uri="{91240B29-F687-4f45-9708-019B960494DF}">
-                <a14:hiddenLine xmlns="" xmlns:a14="http://schemas.microsoft.com/office/drawing/2010/main" w="9525">
+                <a14:hiddenLine xmlns:a14="http://schemas.microsoft.com/office/drawing/2010/main" xmlns="" w="9525">
                   <a:solidFill>
                     <a:srgbClr val="000000"/>
                   </a:solidFill>
@@ -2723,7 +2723,7 @@
             </a:ln>
             <a:extLst>
               <a:ext uri="{91240B29-F687-4f45-9708-019B960494DF}">
-                <a14:hiddenLine xmlns="" xmlns:a14="http://schemas.microsoft.com/office/drawing/2010/main" w="9525">
+                <a14:hiddenLine xmlns:a14="http://schemas.microsoft.com/office/drawing/2010/main" xmlns="" w="9525">
                   <a:solidFill>
                     <a:srgbClr val="000000"/>
                   </a:solidFill>
@@ -2785,7 +2785,7 @@
             </a:ln>
             <a:extLst>
               <a:ext uri="{91240B29-F687-4f45-9708-019B960494DF}">
-                <a14:hiddenLine xmlns="" xmlns:a14="http://schemas.microsoft.com/office/drawing/2010/main" w="9525">
+                <a14:hiddenLine xmlns:a14="http://schemas.microsoft.com/office/drawing/2010/main" xmlns="" w="9525">
                   <a:solidFill>
                     <a:srgbClr val="000000"/>
                   </a:solidFill>
@@ -2875,7 +2875,7 @@
             </a:ln>
             <a:extLst>
               <a:ext uri="{91240B29-F687-4f45-9708-019B960494DF}">
-                <a14:hiddenLine xmlns="" xmlns:a14="http://schemas.microsoft.com/office/drawing/2010/main" w="9525">
+                <a14:hiddenLine xmlns:a14="http://schemas.microsoft.com/office/drawing/2010/main" xmlns="" w="9525">
                   <a:solidFill>
                     <a:srgbClr val="000000"/>
                   </a:solidFill>
@@ -2937,7 +2937,7 @@
             </a:ln>
             <a:extLst>
               <a:ext uri="{91240B29-F687-4f45-9708-019B960494DF}">
-                <a14:hiddenLine xmlns="" xmlns:a14="http://schemas.microsoft.com/office/drawing/2010/main" w="9525">
+                <a14:hiddenLine xmlns:a14="http://schemas.microsoft.com/office/drawing/2010/main" xmlns="" w="9525">
                   <a:solidFill>
                     <a:srgbClr val="000000"/>
                   </a:solidFill>
@@ -3027,7 +3027,7 @@
             </a:ln>
             <a:extLst>
               <a:ext uri="{91240B29-F687-4f45-9708-019B960494DF}">
-                <a14:hiddenLine xmlns="" xmlns:a14="http://schemas.microsoft.com/office/drawing/2010/main" w="9525">
+                <a14:hiddenLine xmlns:a14="http://schemas.microsoft.com/office/drawing/2010/main" xmlns="" w="9525">
                   <a:solidFill>
                     <a:srgbClr val="000000"/>
                   </a:solidFill>
@@ -3089,7 +3089,7 @@
             </a:ln>
             <a:extLst>
               <a:ext uri="{91240B29-F687-4f45-9708-019B960494DF}">
-                <a14:hiddenLine xmlns="" xmlns:a14="http://schemas.microsoft.com/office/drawing/2010/main" w="9525">
+                <a14:hiddenLine xmlns:a14="http://schemas.microsoft.com/office/drawing/2010/main" xmlns="" w="9525">
                   <a:solidFill>
                     <a:srgbClr val="000000"/>
                   </a:solidFill>
@@ -3179,7 +3179,7 @@
             </a:ln>
             <a:extLst>
               <a:ext uri="{91240B29-F687-4f45-9708-019B960494DF}">
-                <a14:hiddenLine xmlns="" xmlns:a14="http://schemas.microsoft.com/office/drawing/2010/main" w="9525">
+                <a14:hiddenLine xmlns:a14="http://schemas.microsoft.com/office/drawing/2010/main" xmlns="" w="9525">
                   <a:solidFill>
                     <a:srgbClr val="000000"/>
                   </a:solidFill>
@@ -3213,7 +3213,7 @@
             </a:ln>
             <a:extLst>
               <a:ext uri="{91240B29-F687-4f45-9708-019B960494DF}">
-                <a14:hiddenLine xmlns="" xmlns:a14="http://schemas.microsoft.com/office/drawing/2010/main" w="9525">
+                <a14:hiddenLine xmlns:a14="http://schemas.microsoft.com/office/drawing/2010/main" xmlns="" w="9525">
                   <a:solidFill>
                     <a:srgbClr val="000000"/>
                   </a:solidFill>
@@ -3278,7 +3278,7 @@
             </a:ln>
             <a:extLst>
               <a:ext uri="{91240B29-F687-4f45-9708-019B960494DF}">
-                <a14:hiddenLine xmlns="" xmlns:a14="http://schemas.microsoft.com/office/drawing/2010/main" w="9525">
+                <a14:hiddenLine xmlns:a14="http://schemas.microsoft.com/office/drawing/2010/main" xmlns="" w="9525">
                   <a:solidFill>
                     <a:srgbClr val="000000"/>
                   </a:solidFill>
@@ -3368,7 +3368,7 @@
             </a:ln>
             <a:extLst>
               <a:ext uri="{91240B29-F687-4f45-9708-019B960494DF}">
-                <a14:hiddenLine xmlns="" xmlns:a14="http://schemas.microsoft.com/office/drawing/2010/main" w="9525">
+                <a14:hiddenLine xmlns:a14="http://schemas.microsoft.com/office/drawing/2010/main" xmlns="" w="9525">
                   <a:solidFill>
                     <a:srgbClr val="000000"/>
                   </a:solidFill>
@@ -3430,7 +3430,7 @@
             </a:ln>
             <a:extLst>
               <a:ext uri="{91240B29-F687-4f45-9708-019B960494DF}">
-                <a14:hiddenLine xmlns="" xmlns:a14="http://schemas.microsoft.com/office/drawing/2010/main" w="9525">
+                <a14:hiddenLine xmlns:a14="http://schemas.microsoft.com/office/drawing/2010/main" xmlns="" w="9525">
                   <a:solidFill>
                     <a:srgbClr val="000000"/>
                   </a:solidFill>
@@ -3520,7 +3520,7 @@
             </a:ln>
             <a:extLst>
               <a:ext uri="{91240B29-F687-4f45-9708-019B960494DF}">
-                <a14:hiddenLine xmlns="" xmlns:a14="http://schemas.microsoft.com/office/drawing/2010/main" w="9525">
+                <a14:hiddenLine xmlns:a14="http://schemas.microsoft.com/office/drawing/2010/main" xmlns="" w="9525">
                   <a:solidFill>
                     <a:srgbClr val="000000"/>
                   </a:solidFill>
@@ -3610,7 +3610,7 @@
             </a:ln>
             <a:extLst>
               <a:ext uri="{91240B29-F687-4f45-9708-019B960494DF}">
-                <a14:hiddenLine xmlns="" xmlns:a14="http://schemas.microsoft.com/office/drawing/2010/main" w="9525">
+                <a14:hiddenLine xmlns:a14="http://schemas.microsoft.com/office/drawing/2010/main" xmlns="" w="9525">
                   <a:solidFill>
                     <a:srgbClr val="000000"/>
                   </a:solidFill>
@@ -3675,7 +3675,7 @@
             </a:ln>
             <a:extLst>
               <a:ext uri="{91240B29-F687-4f45-9708-019B960494DF}">
-                <a14:hiddenLine xmlns="" xmlns:a14="http://schemas.microsoft.com/office/drawing/2010/main" w="9525">
+                <a14:hiddenLine xmlns:a14="http://schemas.microsoft.com/office/drawing/2010/main" xmlns="" w="9525">
                   <a:solidFill>
                     <a:srgbClr val="000000"/>
                   </a:solidFill>
@@ -3737,7 +3737,7 @@
             </a:ln>
             <a:extLst>
               <a:ext uri="{91240B29-F687-4f45-9708-019B960494DF}">
-                <a14:hiddenLine xmlns="" xmlns:a14="http://schemas.microsoft.com/office/drawing/2010/main" w="9525">
+                <a14:hiddenLine xmlns:a14="http://schemas.microsoft.com/office/drawing/2010/main" xmlns="" w="9525">
                   <a:solidFill>
                     <a:srgbClr val="000000"/>
                   </a:solidFill>
@@ -3827,7 +3827,7 @@
             </a:ln>
             <a:extLst>
               <a:ext uri="{91240B29-F687-4f45-9708-019B960494DF}">
-                <a14:hiddenLine xmlns="" xmlns:a14="http://schemas.microsoft.com/office/drawing/2010/main" w="9525">
+                <a14:hiddenLine xmlns:a14="http://schemas.microsoft.com/office/drawing/2010/main" xmlns="" w="9525">
                   <a:solidFill>
                     <a:srgbClr val="000000"/>
                   </a:solidFill>
@@ -3917,7 +3917,7 @@
             </a:ln>
             <a:extLst>
               <a:ext uri="{91240B29-F687-4f45-9708-019B960494DF}">
-                <a14:hiddenLine xmlns="" xmlns:a14="http://schemas.microsoft.com/office/drawing/2010/main" w="9525">
+                <a14:hiddenLine xmlns:a14="http://schemas.microsoft.com/office/drawing/2010/main" xmlns="" w="9525">
                   <a:solidFill>
                     <a:srgbClr val="000000"/>
                   </a:solidFill>
@@ -3979,7 +3979,7 @@
             </a:ln>
             <a:extLst>
               <a:ext uri="{91240B29-F687-4f45-9708-019B960494DF}">
-                <a14:hiddenLine xmlns="" xmlns:a14="http://schemas.microsoft.com/office/drawing/2010/main" w="9525">
+                <a14:hiddenLine xmlns:a14="http://schemas.microsoft.com/office/drawing/2010/main" xmlns="" w="9525">
                   <a:solidFill>
                     <a:srgbClr val="000000"/>
                   </a:solidFill>
@@ -4099,7 +4099,7 @@
             </a:ln>
             <a:extLst>
               <a:ext uri="{91240B29-F687-4f45-9708-019B960494DF}">
-                <a14:hiddenLine xmlns="" xmlns:a14="http://schemas.microsoft.com/office/drawing/2010/main" w="9525">
+                <a14:hiddenLine xmlns:a14="http://schemas.microsoft.com/office/drawing/2010/main" xmlns="" w="9525">
                   <a:solidFill>
                     <a:srgbClr val="000000"/>
                   </a:solidFill>
@@ -4167,7 +4167,7 @@
             </a:ln>
             <a:extLst>
               <a:ext uri="{91240B29-F687-4f45-9708-019B960494DF}">
-                <a14:hiddenLine xmlns="" xmlns:a14="http://schemas.microsoft.com/office/drawing/2010/main" w="9525">
+                <a14:hiddenLine xmlns:a14="http://schemas.microsoft.com/office/drawing/2010/main" xmlns="" w="9525">
                   <a:solidFill>
                     <a:srgbClr val="000000"/>
                   </a:solidFill>
@@ -4257,7 +4257,7 @@
             </a:ln>
             <a:extLst>
               <a:ext uri="{91240B29-F687-4f45-9708-019B960494DF}">
-                <a14:hiddenLine xmlns="" xmlns:a14="http://schemas.microsoft.com/office/drawing/2010/main" w="9525">
+                <a14:hiddenLine xmlns:a14="http://schemas.microsoft.com/office/drawing/2010/main" xmlns="" w="9525">
                   <a:solidFill>
                     <a:srgbClr val="000000"/>
                   </a:solidFill>
@@ -4397,7 +4397,7 @@
           <a:p>
             <a:fld id="{48A87A34-81AB-432B-8DAE-1953F412C126}" type="datetimeFigureOut">
               <a:rPr lang="en-US" dirty="0"/>
-              <a:t>1/12/2022</a:t>
+              <a:t>1/13/2022</a:t>
             </a:fld>
             <a:endParaRPr lang="en-US" dirty="0"/>
           </a:p>
@@ -4659,7 +4659,7 @@
           <a:p>
             <a:fld id="{48A87A34-81AB-432B-8DAE-1953F412C126}" type="datetimeFigureOut">
               <a:rPr lang="en-US" dirty="0"/>
-              <a:t>1/12/2022</a:t>
+              <a:t>1/13/2022</a:t>
             </a:fld>
             <a:endParaRPr lang="en-US" dirty="0"/>
           </a:p>
@@ -4850,7 +4850,7 @@
           <a:p>
             <a:fld id="{48A87A34-81AB-432B-8DAE-1953F412C126}" type="datetimeFigureOut">
               <a:rPr lang="en-US" dirty="0"/>
-              <a:t>1/12/2022</a:t>
+              <a:t>1/13/2022</a:t>
             </a:fld>
             <a:endParaRPr lang="en-US" dirty="0"/>
           </a:p>
@@ -5108,7 +5108,7 @@
           <a:p>
             <a:fld id="{48A87A34-81AB-432B-8DAE-1953F412C126}" type="datetimeFigureOut">
               <a:rPr lang="en-US" dirty="0"/>
-              <a:t>1/12/2022</a:t>
+              <a:t>1/13/2022</a:t>
             </a:fld>
             <a:endParaRPr lang="en-US" dirty="0"/>
           </a:p>
@@ -5537,7 +5537,7 @@
           <a:p>
             <a:fld id="{48A87A34-81AB-432B-8DAE-1953F412C126}" type="datetimeFigureOut">
               <a:rPr lang="en-US" dirty="0"/>
-              <a:t>1/12/2022</a:t>
+              <a:t>1/13/2022</a:t>
             </a:fld>
             <a:endParaRPr lang="en-US" dirty="0"/>
           </a:p>
@@ -6078,7 +6078,7 @@
           <a:p>
             <a:fld id="{48A87A34-81AB-432B-8DAE-1953F412C126}" type="datetimeFigureOut">
               <a:rPr lang="en-US" dirty="0"/>
-              <a:t>1/12/2022</a:t>
+              <a:t>1/13/2022</a:t>
             </a:fld>
             <a:endParaRPr lang="en-US" dirty="0"/>
           </a:p>
@@ -6793,7 +6793,7 @@
           <a:p>
             <a:fld id="{48A87A34-81AB-432B-8DAE-1953F412C126}" type="datetimeFigureOut">
               <a:rPr lang="en-US" dirty="0"/>
-              <a:t>1/12/2022</a:t>
+              <a:t>1/13/2022</a:t>
             </a:fld>
             <a:endParaRPr lang="en-US" dirty="0"/>
           </a:p>
@@ -6958,7 +6958,7 @@
           <a:p>
             <a:fld id="{48A87A34-81AB-432B-8DAE-1953F412C126}" type="datetimeFigureOut">
               <a:rPr lang="en-US" dirty="0"/>
-              <a:t>1/12/2022</a:t>
+              <a:t>1/13/2022</a:t>
             </a:fld>
             <a:endParaRPr lang="en-US" dirty="0"/>
           </a:p>
@@ -7133,7 +7133,7 @@
           <a:p>
             <a:fld id="{48A87A34-81AB-432B-8DAE-1953F412C126}" type="datetimeFigureOut">
               <a:rPr lang="en-US" dirty="0"/>
-              <a:t>1/12/2022</a:t>
+              <a:t>1/13/2022</a:t>
             </a:fld>
             <a:endParaRPr lang="en-US" dirty="0"/>
           </a:p>
@@ -7298,7 +7298,7 @@
           <a:p>
             <a:fld id="{48A87A34-81AB-432B-8DAE-1953F412C126}" type="datetimeFigureOut">
               <a:rPr lang="en-US" dirty="0"/>
-              <a:t>1/12/2022</a:t>
+              <a:t>1/13/2022</a:t>
             </a:fld>
             <a:endParaRPr lang="en-US" dirty="0"/>
           </a:p>
@@ -7543,7 +7543,7 @@
           <a:p>
             <a:fld id="{48A87A34-81AB-432B-8DAE-1953F412C126}" type="datetimeFigureOut">
               <a:rPr lang="en-US" dirty="0"/>
-              <a:t>1/12/2022</a:t>
+              <a:t>1/13/2022</a:t>
             </a:fld>
             <a:endParaRPr lang="en-US" dirty="0"/>
           </a:p>
@@ -7770,7 +7770,7 @@
           <a:p>
             <a:fld id="{48A87A34-81AB-432B-8DAE-1953F412C126}" type="datetimeFigureOut">
               <a:rPr lang="en-US" dirty="0"/>
-              <a:t>1/12/2022</a:t>
+              <a:t>1/13/2022</a:t>
             </a:fld>
             <a:endParaRPr lang="en-US" dirty="0"/>
           </a:p>
@@ -8146,7 +8146,7 @@
           <a:p>
             <a:fld id="{48A87A34-81AB-432B-8DAE-1953F412C126}" type="datetimeFigureOut">
               <a:rPr lang="en-US" dirty="0"/>
-              <a:t>1/12/2022</a:t>
+              <a:t>1/13/2022</a:t>
             </a:fld>
             <a:endParaRPr lang="en-US" dirty="0"/>
           </a:p>
@@ -8259,7 +8259,7 @@
           <a:p>
             <a:fld id="{48A87A34-81AB-432B-8DAE-1953F412C126}" type="datetimeFigureOut">
               <a:rPr lang="en-US" dirty="0"/>
-              <a:t>1/12/2022</a:t>
+              <a:t>1/13/2022</a:t>
             </a:fld>
             <a:endParaRPr lang="en-US" dirty="0"/>
           </a:p>
@@ -8349,7 +8349,7 @@
           <a:p>
             <a:fld id="{48A87A34-81AB-432B-8DAE-1953F412C126}" type="datetimeFigureOut">
               <a:rPr lang="en-US" dirty="0"/>
-              <a:t>1/12/2022</a:t>
+              <a:t>1/13/2022</a:t>
             </a:fld>
             <a:endParaRPr lang="en-US" dirty="0"/>
           </a:p>
@@ -8593,7 +8593,7 @@
           <a:p>
             <a:fld id="{48A87A34-81AB-432B-8DAE-1953F412C126}" type="datetimeFigureOut">
               <a:rPr lang="en-US" dirty="0"/>
-              <a:t>1/12/2022</a:t>
+              <a:t>1/13/2022</a:t>
             </a:fld>
             <a:endParaRPr lang="en-US" dirty="0"/>
           </a:p>
@@ -8868,7 +8868,7 @@
           <a:p>
             <a:fld id="{48A87A34-81AB-432B-8DAE-1953F412C126}" type="datetimeFigureOut">
               <a:rPr lang="en-US" dirty="0"/>
-              <a:t>1/12/2022</a:t>
+              <a:t>1/13/2022</a:t>
             </a:fld>
             <a:endParaRPr lang="en-US" dirty="0"/>
           </a:p>
@@ -8979,7 +8979,7 @@
           <a:noFill/>
           <a:extLst>
             <a:ext uri="{909E8E84-426E-40dd-AFC4-6F175D3DCCD1}">
-              <a14:hiddenFill xmlns="" xmlns:a14="http://schemas.microsoft.com/office/drawing/2010/main">
+              <a14:hiddenFill xmlns:a14="http://schemas.microsoft.com/office/drawing/2010/main" xmlns="">
                 <a:solidFill>
                   <a:srgbClr val="FFFFFF"/>
                 </a:solidFill>
@@ -9053,7 +9053,7 @@
               </a:ln>
               <a:extLst>
                 <a:ext uri="{91240B29-F687-4f45-9708-019B960494DF}">
-                  <a14:hiddenLine xmlns="" xmlns:a14="http://schemas.microsoft.com/office/drawing/2010/main" w="9525">
+                  <a14:hiddenLine xmlns:a14="http://schemas.microsoft.com/office/drawing/2010/main" xmlns="" w="9525">
                     <a:solidFill>
                       <a:srgbClr val="000000"/>
                     </a:solidFill>
@@ -9143,7 +9143,7 @@
               </a:ln>
               <a:extLst>
                 <a:ext uri="{91240B29-F687-4f45-9708-019B960494DF}">
-                  <a14:hiddenLine xmlns="" xmlns:a14="http://schemas.microsoft.com/office/drawing/2010/main" w="9525">
+                  <a14:hiddenLine xmlns:a14="http://schemas.microsoft.com/office/drawing/2010/main" xmlns="" w="9525">
                     <a:solidFill>
                       <a:srgbClr val="000000"/>
                     </a:solidFill>
@@ -9233,7 +9233,7 @@
               </a:ln>
               <a:extLst>
                 <a:ext uri="{91240B29-F687-4f45-9708-019B960494DF}">
-                  <a14:hiddenLine xmlns="" xmlns:a14="http://schemas.microsoft.com/office/drawing/2010/main" w="9525">
+                  <a14:hiddenLine xmlns:a14="http://schemas.microsoft.com/office/drawing/2010/main" xmlns="" w="9525">
                     <a:solidFill>
                       <a:srgbClr val="000000"/>
                     </a:solidFill>
@@ -9295,7 +9295,7 @@
               </a:ln>
               <a:extLst>
                 <a:ext uri="{91240B29-F687-4f45-9708-019B960494DF}">
-                  <a14:hiddenLine xmlns="" xmlns:a14="http://schemas.microsoft.com/office/drawing/2010/main" w="9525">
+                  <a14:hiddenLine xmlns:a14="http://schemas.microsoft.com/office/drawing/2010/main" xmlns="" w="9525">
                     <a:solidFill>
                       <a:srgbClr val="000000"/>
                     </a:solidFill>
@@ -9385,7 +9385,7 @@
               </a:ln>
               <a:extLst>
                 <a:ext uri="{91240B29-F687-4f45-9708-019B960494DF}">
-                  <a14:hiddenLine xmlns="" xmlns:a14="http://schemas.microsoft.com/office/drawing/2010/main" w="9525">
+                  <a14:hiddenLine xmlns:a14="http://schemas.microsoft.com/office/drawing/2010/main" xmlns="" w="9525">
                     <a:solidFill>
                       <a:srgbClr val="000000"/>
                     </a:solidFill>
@@ -9447,7 +9447,7 @@
               </a:ln>
               <a:extLst>
                 <a:ext uri="{91240B29-F687-4f45-9708-019B960494DF}">
-                  <a14:hiddenLine xmlns="" xmlns:a14="http://schemas.microsoft.com/office/drawing/2010/main" w="9525">
+                  <a14:hiddenLine xmlns:a14="http://schemas.microsoft.com/office/drawing/2010/main" xmlns="" w="9525">
                     <a:solidFill>
                       <a:srgbClr val="000000"/>
                     </a:solidFill>
@@ -9509,7 +9509,7 @@
               </a:ln>
               <a:extLst>
                 <a:ext uri="{91240B29-F687-4f45-9708-019B960494DF}">
-                  <a14:hiddenLine xmlns="" xmlns:a14="http://schemas.microsoft.com/office/drawing/2010/main" w="9525">
+                  <a14:hiddenLine xmlns:a14="http://schemas.microsoft.com/office/drawing/2010/main" xmlns="" w="9525">
                     <a:solidFill>
                       <a:srgbClr val="000000"/>
                     </a:solidFill>
@@ -9599,7 +9599,7 @@
               </a:ln>
               <a:extLst>
                 <a:ext uri="{91240B29-F687-4f45-9708-019B960494DF}">
-                  <a14:hiddenLine xmlns="" xmlns:a14="http://schemas.microsoft.com/office/drawing/2010/main" w="9525">
+                  <a14:hiddenLine xmlns:a14="http://schemas.microsoft.com/office/drawing/2010/main" xmlns="" w="9525">
                     <a:solidFill>
                       <a:srgbClr val="000000"/>
                     </a:solidFill>
@@ -9689,7 +9689,7 @@
               </a:ln>
               <a:extLst>
                 <a:ext uri="{91240B29-F687-4f45-9708-019B960494DF}">
-                  <a14:hiddenLine xmlns="" xmlns:a14="http://schemas.microsoft.com/office/drawing/2010/main" w="9525">
+                  <a14:hiddenLine xmlns:a14="http://schemas.microsoft.com/office/drawing/2010/main" xmlns="" w="9525">
                     <a:solidFill>
                       <a:srgbClr val="000000"/>
                     </a:solidFill>
@@ -9751,7 +9751,7 @@
               </a:ln>
               <a:extLst>
                 <a:ext uri="{91240B29-F687-4f45-9708-019B960494DF}">
-                  <a14:hiddenLine xmlns="" xmlns:a14="http://schemas.microsoft.com/office/drawing/2010/main" w="9525">
+                  <a14:hiddenLine xmlns:a14="http://schemas.microsoft.com/office/drawing/2010/main" xmlns="" w="9525">
                     <a:solidFill>
                       <a:srgbClr val="000000"/>
                     </a:solidFill>
@@ -9861,7 +9861,7 @@
               </a:ln>
               <a:extLst>
                 <a:ext uri="{91240B29-F687-4f45-9708-019B960494DF}">
-                  <a14:hiddenLine xmlns="" xmlns:a14="http://schemas.microsoft.com/office/drawing/2010/main" w="9525">
+                  <a14:hiddenLine xmlns:a14="http://schemas.microsoft.com/office/drawing/2010/main" xmlns="" w="9525">
                     <a:solidFill>
                       <a:srgbClr val="000000"/>
                     </a:solidFill>
@@ -9945,7 +9945,7 @@
               </a:ln>
               <a:extLst>
                 <a:ext uri="{91240B29-F687-4f45-9708-019B960494DF}">
-                  <a14:hiddenLine xmlns="" xmlns:a14="http://schemas.microsoft.com/office/drawing/2010/main" w="9525">
+                  <a14:hiddenLine xmlns:a14="http://schemas.microsoft.com/office/drawing/2010/main" xmlns="" w="9525">
                     <a:solidFill>
                       <a:srgbClr val="000000"/>
                     </a:solidFill>
@@ -10007,7 +10007,7 @@
               </a:ln>
               <a:extLst>
                 <a:ext uri="{91240B29-F687-4f45-9708-019B960494DF}">
-                  <a14:hiddenLine xmlns="" xmlns:a14="http://schemas.microsoft.com/office/drawing/2010/main" w="9525">
+                  <a14:hiddenLine xmlns:a14="http://schemas.microsoft.com/office/drawing/2010/main" xmlns="" w="9525">
                     <a:solidFill>
                       <a:srgbClr val="000000"/>
                     </a:solidFill>
@@ -10069,7 +10069,7 @@
               </a:ln>
               <a:extLst>
                 <a:ext uri="{91240B29-F687-4f45-9708-019B960494DF}">
-                  <a14:hiddenLine xmlns="" xmlns:a14="http://schemas.microsoft.com/office/drawing/2010/main" w="9525">
+                  <a14:hiddenLine xmlns:a14="http://schemas.microsoft.com/office/drawing/2010/main" xmlns="" w="9525">
                     <a:solidFill>
                       <a:srgbClr val="000000"/>
                     </a:solidFill>
@@ -10159,7 +10159,7 @@
               </a:ln>
               <a:extLst>
                 <a:ext uri="{91240B29-F687-4f45-9708-019B960494DF}">
-                  <a14:hiddenLine xmlns="" xmlns:a14="http://schemas.microsoft.com/office/drawing/2010/main" w="9525">
+                  <a14:hiddenLine xmlns:a14="http://schemas.microsoft.com/office/drawing/2010/main" xmlns="" w="9525">
                     <a:solidFill>
                       <a:srgbClr val="000000"/>
                     </a:solidFill>
@@ -10193,7 +10193,7 @@
               </a:ln>
               <a:extLst>
                 <a:ext uri="{91240B29-F687-4f45-9708-019B960494DF}">
-                  <a14:hiddenLine xmlns="" xmlns:a14="http://schemas.microsoft.com/office/drawing/2010/main" w="9525">
+                  <a14:hiddenLine xmlns:a14="http://schemas.microsoft.com/office/drawing/2010/main" xmlns="" w="9525">
                     <a:solidFill>
                       <a:srgbClr val="000000"/>
                     </a:solidFill>
@@ -10258,7 +10258,7 @@
               </a:ln>
               <a:extLst>
                 <a:ext uri="{91240B29-F687-4f45-9708-019B960494DF}">
-                  <a14:hiddenLine xmlns="" xmlns:a14="http://schemas.microsoft.com/office/drawing/2010/main" w="9525">
+                  <a14:hiddenLine xmlns:a14="http://schemas.microsoft.com/office/drawing/2010/main" xmlns="" w="9525">
                     <a:solidFill>
                       <a:srgbClr val="000000"/>
                     </a:solidFill>
@@ -10348,7 +10348,7 @@
               </a:ln>
               <a:extLst>
                 <a:ext uri="{91240B29-F687-4f45-9708-019B960494DF}">
-                  <a14:hiddenLine xmlns="" xmlns:a14="http://schemas.microsoft.com/office/drawing/2010/main" w="9525">
+                  <a14:hiddenLine xmlns:a14="http://schemas.microsoft.com/office/drawing/2010/main" xmlns="" w="9525">
                     <a:solidFill>
                       <a:srgbClr val="000000"/>
                     </a:solidFill>
@@ -10410,7 +10410,7 @@
               </a:ln>
               <a:extLst>
                 <a:ext uri="{91240B29-F687-4f45-9708-019B960494DF}">
-                  <a14:hiddenLine xmlns="" xmlns:a14="http://schemas.microsoft.com/office/drawing/2010/main" w="9525">
+                  <a14:hiddenLine xmlns:a14="http://schemas.microsoft.com/office/drawing/2010/main" xmlns="" w="9525">
                     <a:solidFill>
                       <a:srgbClr val="000000"/>
                     </a:solidFill>
@@ -10500,7 +10500,7 @@
               </a:ln>
               <a:extLst>
                 <a:ext uri="{91240B29-F687-4f45-9708-019B960494DF}">
-                  <a14:hiddenLine xmlns="" xmlns:a14="http://schemas.microsoft.com/office/drawing/2010/main" w="9525">
+                  <a14:hiddenLine xmlns:a14="http://schemas.microsoft.com/office/drawing/2010/main" xmlns="" w="9525">
                     <a:solidFill>
                       <a:srgbClr val="000000"/>
                     </a:solidFill>
@@ -10565,7 +10565,7 @@
               </a:ln>
               <a:extLst>
                 <a:ext uri="{91240B29-F687-4f45-9708-019B960494DF}">
-                  <a14:hiddenLine xmlns="" xmlns:a14="http://schemas.microsoft.com/office/drawing/2010/main" w="9525">
+                  <a14:hiddenLine xmlns:a14="http://schemas.microsoft.com/office/drawing/2010/main" xmlns="" w="9525">
                     <a:solidFill>
                       <a:srgbClr val="000000"/>
                     </a:solidFill>
@@ -10627,7 +10627,7 @@
               </a:ln>
               <a:extLst>
                 <a:ext uri="{91240B29-F687-4f45-9708-019B960494DF}">
-                  <a14:hiddenLine xmlns="" xmlns:a14="http://schemas.microsoft.com/office/drawing/2010/main" w="9525">
+                  <a14:hiddenLine xmlns:a14="http://schemas.microsoft.com/office/drawing/2010/main" xmlns="" w="9525">
                     <a:solidFill>
                       <a:srgbClr val="000000"/>
                     </a:solidFill>
@@ -10717,7 +10717,7 @@
               </a:ln>
               <a:extLst>
                 <a:ext uri="{91240B29-F687-4f45-9708-019B960494DF}">
-                  <a14:hiddenLine xmlns="" xmlns:a14="http://schemas.microsoft.com/office/drawing/2010/main" w="9525">
+                  <a14:hiddenLine xmlns:a14="http://schemas.microsoft.com/office/drawing/2010/main" xmlns="" w="9525">
                     <a:solidFill>
                       <a:srgbClr val="000000"/>
                     </a:solidFill>
@@ -10807,7 +10807,7 @@
               </a:ln>
               <a:extLst>
                 <a:ext uri="{91240B29-F687-4f45-9708-019B960494DF}">
-                  <a14:hiddenLine xmlns="" xmlns:a14="http://schemas.microsoft.com/office/drawing/2010/main" w="9525">
+                  <a14:hiddenLine xmlns:a14="http://schemas.microsoft.com/office/drawing/2010/main" xmlns="" w="9525">
                     <a:solidFill>
                       <a:srgbClr val="000000"/>
                     </a:solidFill>
@@ -10872,7 +10872,7 @@
               </a:ln>
               <a:extLst>
                 <a:ext uri="{91240B29-F687-4f45-9708-019B960494DF}">
-                  <a14:hiddenLine xmlns="" xmlns:a14="http://schemas.microsoft.com/office/drawing/2010/main" w="9525">
+                  <a14:hiddenLine xmlns:a14="http://schemas.microsoft.com/office/drawing/2010/main" xmlns="" w="9525">
                     <a:solidFill>
                       <a:srgbClr val="000000"/>
                     </a:solidFill>
@@ -10992,7 +10992,7 @@
               </a:ln>
               <a:extLst>
                 <a:ext uri="{91240B29-F687-4f45-9708-019B960494DF}">
-                  <a14:hiddenLine xmlns="" xmlns:a14="http://schemas.microsoft.com/office/drawing/2010/main" w="9525">
+                  <a14:hiddenLine xmlns:a14="http://schemas.microsoft.com/office/drawing/2010/main" xmlns="" w="9525">
                     <a:solidFill>
                       <a:srgbClr val="000000"/>
                     </a:solidFill>
@@ -11090,7 +11090,7 @@
               </a:ln>
               <a:extLst>
                 <a:ext uri="{91240B29-F687-4f45-9708-019B960494DF}">
-                  <a14:hiddenLine xmlns="" xmlns:a14="http://schemas.microsoft.com/office/drawing/2010/main" w="9525">
+                  <a14:hiddenLine xmlns:a14="http://schemas.microsoft.com/office/drawing/2010/main" xmlns="" w="9525">
                     <a:solidFill>
                       <a:srgbClr val="000000"/>
                     </a:solidFill>
@@ -11205,7 +11205,7 @@
               </a:ln>
               <a:extLst>
                 <a:ext uri="{91240B29-F687-4f45-9708-019B960494DF}">
-                  <a14:hiddenLine xmlns="" xmlns:a14="http://schemas.microsoft.com/office/drawing/2010/main" w="9525">
+                  <a14:hiddenLine xmlns:a14="http://schemas.microsoft.com/office/drawing/2010/main" xmlns="" w="9525">
                     <a:solidFill>
                       <a:srgbClr val="000000"/>
                     </a:solidFill>
@@ -11295,7 +11295,7 @@
               </a:ln>
               <a:extLst>
                 <a:ext uri="{91240B29-F687-4f45-9708-019B960494DF}">
-                  <a14:hiddenLine xmlns="" xmlns:a14="http://schemas.microsoft.com/office/drawing/2010/main" w="9525">
+                  <a14:hiddenLine xmlns:a14="http://schemas.microsoft.com/office/drawing/2010/main" xmlns="" w="9525">
                     <a:solidFill>
                       <a:srgbClr val="000000"/>
                     </a:solidFill>
@@ -11360,7 +11360,7 @@
               </a:ln>
               <a:extLst>
                 <a:ext uri="{91240B29-F687-4f45-9708-019B960494DF}">
-                  <a14:hiddenLine xmlns="" xmlns:a14="http://schemas.microsoft.com/office/drawing/2010/main" w="9525">
+                  <a14:hiddenLine xmlns:a14="http://schemas.microsoft.com/office/drawing/2010/main" xmlns="" w="9525">
                     <a:solidFill>
                       <a:srgbClr val="000000"/>
                     </a:solidFill>
@@ -11450,7 +11450,7 @@
               </a:ln>
               <a:extLst>
                 <a:ext uri="{91240B29-F687-4f45-9708-019B960494DF}">
-                  <a14:hiddenLine xmlns="" xmlns:a14="http://schemas.microsoft.com/office/drawing/2010/main" w="9525">
+                  <a14:hiddenLine xmlns:a14="http://schemas.microsoft.com/office/drawing/2010/main" xmlns="" w="9525">
                     <a:solidFill>
                       <a:srgbClr val="000000"/>
                     </a:solidFill>
@@ -11518,7 +11518,7 @@
               </a:ln>
               <a:extLst>
                 <a:ext uri="{91240B29-F687-4f45-9708-019B960494DF}">
-                  <a14:hiddenLine xmlns="" xmlns:a14="http://schemas.microsoft.com/office/drawing/2010/main" w="9525">
+                  <a14:hiddenLine xmlns:a14="http://schemas.microsoft.com/office/drawing/2010/main" xmlns="" w="9525">
                     <a:solidFill>
                       <a:srgbClr val="000000"/>
                     </a:solidFill>
@@ -11608,7 +11608,7 @@
               </a:ln>
               <a:extLst>
                 <a:ext uri="{91240B29-F687-4f45-9708-019B960494DF}">
-                  <a14:hiddenLine xmlns="" xmlns:a14="http://schemas.microsoft.com/office/drawing/2010/main" w="9525">
+                  <a14:hiddenLine xmlns:a14="http://schemas.microsoft.com/office/drawing/2010/main" xmlns="" w="9525">
                     <a:solidFill>
                       <a:srgbClr val="000000"/>
                     </a:solidFill>
@@ -11676,7 +11676,7 @@
               </a:ln>
               <a:extLst>
                 <a:ext uri="{91240B29-F687-4f45-9708-019B960494DF}">
-                  <a14:hiddenLine xmlns="" xmlns:a14="http://schemas.microsoft.com/office/drawing/2010/main" w="9525">
+                  <a14:hiddenLine xmlns:a14="http://schemas.microsoft.com/office/drawing/2010/main" xmlns="" w="9525">
                     <a:solidFill>
                       <a:srgbClr val="000000"/>
                     </a:solidFill>
@@ -11766,7 +11766,7 @@
               </a:ln>
               <a:extLst>
                 <a:ext uri="{91240B29-F687-4f45-9708-019B960494DF}">
-                  <a14:hiddenLine xmlns="" xmlns:a14="http://schemas.microsoft.com/office/drawing/2010/main" w="9525">
+                  <a14:hiddenLine xmlns:a14="http://schemas.microsoft.com/office/drawing/2010/main" xmlns="" w="9525">
                     <a:solidFill>
                       <a:srgbClr val="000000"/>
                     </a:solidFill>
@@ -11800,7 +11800,7 @@
               </a:ln>
               <a:extLst>
                 <a:ext uri="{91240B29-F687-4f45-9708-019B960494DF}">
-                  <a14:hiddenLine xmlns="" xmlns:a14="http://schemas.microsoft.com/office/drawing/2010/main" w="9525">
+                  <a14:hiddenLine xmlns:a14="http://schemas.microsoft.com/office/drawing/2010/main" xmlns="" w="9525">
                     <a:solidFill>
                       <a:srgbClr val="000000"/>
                     </a:solidFill>
@@ -11941,7 +11941,7 @@
             <a:fld id="{48A87A34-81AB-432B-8DAE-1953F412C126}" type="datetimeFigureOut">
               <a:rPr lang="en-US" dirty="0"/>
               <a:pPr/>
-              <a:t>1/12/2022</a:t>
+              <a:t>1/13/2022</a:t>
             </a:fld>
             <a:endParaRPr lang="en-US" dirty="0"/>
           </a:p>
@@ -16443,14 +16443,14 @@
           <p:nvPr>
             <p:extLst>
               <p:ext uri="{D42A27DB-BD31-4B8C-83A1-F6EECF244321}">
-                <p14:modId xmlns:p14="http://schemas.microsoft.com/office/powerpoint/2010/main" val="1957285131"/>
+                <p14:modId xmlns:p14="http://schemas.microsoft.com/office/powerpoint/2010/main" val="218667945"/>
               </p:ext>
             </p:extLst>
           </p:nvPr>
         </p:nvGraphicFramePr>
         <p:xfrm>
           <a:off x="844492" y="917220"/>
-          <a:ext cx="10503016" cy="5684520"/>
+          <a:ext cx="10503016" cy="5400040"/>
         </p:xfrm>
         <a:graphic>
           <a:graphicData uri="http://schemas.openxmlformats.org/drawingml/2006/table">
@@ -16466,28 +16466,28 @@
                     </a:ext>
                   </a:extLst>
                 </a:gridCol>
-                <a:gridCol w="1577131">
+                <a:gridCol w="1391069">
                   <a:extLst>
                     <a:ext uri="{9D8B030D-6E8A-4147-A177-3AD203B41FA5}">
                       <a16:colId xmlns:a16="http://schemas.microsoft.com/office/drawing/2014/main" val="3863070693"/>
                     </a:ext>
                   </a:extLst>
                 </a:gridCol>
-                <a:gridCol w="3003258">
+                <a:gridCol w="3657600">
                   <a:extLst>
                     <a:ext uri="{9D8B030D-6E8A-4147-A177-3AD203B41FA5}">
                       <a16:colId xmlns:a16="http://schemas.microsoft.com/office/drawing/2014/main" val="429033357"/>
                     </a:ext>
                   </a:extLst>
                 </a:gridCol>
-                <a:gridCol w="3045204">
+                <a:gridCol w="2631057">
                   <a:extLst>
                     <a:ext uri="{9D8B030D-6E8A-4147-A177-3AD203B41FA5}">
                       <a16:colId xmlns:a16="http://schemas.microsoft.com/office/drawing/2014/main" val="3085965303"/>
                     </a:ext>
                   </a:extLst>
                 </a:gridCol>
-                <a:gridCol w="1207280">
+                <a:gridCol w="1153147">
                   <a:extLst>
                     <a:ext uri="{9D8B030D-6E8A-4147-A177-3AD203B41FA5}">
                       <a16:colId xmlns:a16="http://schemas.microsoft.com/office/drawing/2014/main" val="3983995983"/>
@@ -16627,7 +16627,7 @@
                     <a:p>
                       <a:r>
                         <a:rPr lang="en-US" dirty="0"/>
-                        <a:t>Use 5 VDC Power to Arduino </a:t>
+                        <a:t>Use 5 VDC Power to Arduino instead of Vin</a:t>
                       </a:r>
                     </a:p>
                   </a:txBody>
@@ -16657,7 +16657,7 @@
                       </a:pPr>
                       <a:r>
                         <a:rPr lang="en-US" dirty="0"/>
-                        <a:t>Using 7805 gives more flexible input power options including standard 9 volt battery and 12 VDC. Offloads NANO regulator</a:t>
+                        <a:t>Using a 7805 gives more flexible input power options including standard 9 volt battery and 12 VDC. Offloads the NANO regulator</a:t>
                       </a:r>
                     </a:p>
                   </a:txBody>
@@ -16908,7 +16908,7 @@
                       </a:pPr>
                       <a:r>
                         <a:rPr lang="en-US" dirty="0"/>
-                        <a:t>R680 and R470 traditional</a:t>
+                        <a:t>R330 and R470 was traditional</a:t>
                       </a:r>
                     </a:p>
                   </a:txBody>
@@ -16938,7 +16938,7 @@
                       </a:pPr>
                       <a:r>
                         <a:rPr lang="en-US" dirty="0"/>
-                        <a:t>New LED’s more efficient – use R1K. </a:t>
+                        <a:t>New LED’s more efficient use R680 or even R1K </a:t>
                       </a:r>
                     </a:p>
                   </a:txBody>
@@ -17313,6 +17313,14 @@
                     <a:bodyPr/>
                     <a:lstStyle/>
                     <a:p>
+                      <a:r>
+                        <a:rPr lang="en-US" dirty="0"/>
+                        <a:t>Include MP3 </a:t>
+                      </a:r>
+                      <a:r>
+                        <a:rPr lang="en-US" dirty="0" err="1"/>
+                        <a:t>dfPlayer</a:t>
+                      </a:r>
                       <a:endParaRPr lang="en-US" dirty="0"/>
                     </a:p>
                   </a:txBody>
@@ -17340,7 +17348,18 @@
                         <a:tabLst/>
                         <a:defRPr/>
                       </a:pPr>
-                      <a:endParaRPr lang="en-US" dirty="0"/>
+                      <a:r>
+                        <a:rPr lang="en-US" dirty="0"/>
+                        <a:t>Sound </a:t>
+                      </a:r>
+                      <a:r>
+                        <a:rPr lang="en-US" dirty="0" err="1"/>
+                        <a:t>Fx</a:t>
+                      </a:r>
+                      <a:r>
+                        <a:rPr lang="en-US" dirty="0"/>
+                        <a:t> is a whole area of interest.</a:t>
+                      </a:r>
                     </a:p>
                   </a:txBody>
                   <a:tcPr/>
@@ -17367,7 +17386,33 @@
                         <a:tabLst/>
                         <a:defRPr/>
                       </a:pPr>
-                      <a:endParaRPr lang="en-US" dirty="0"/>
+                      <a:r>
+                        <a:rPr lang="en-US" dirty="0"/>
+                        <a:t>Cost in terms of PCB space</a:t>
+                      </a:r>
+                    </a:p>
+                    <a:p>
+                      <a:pPr marL="0" marR="0" lvl="0" indent="0" algn="l" defTabSz="914400" rtl="0" eaLnBrk="1" fontAlgn="auto" latinLnBrk="0" hangingPunct="1">
+                        <a:lnSpc>
+                          <a:spcPct val="100000"/>
+                        </a:lnSpc>
+                        <a:spcBef>
+                          <a:spcPts val="0"/>
+                        </a:spcBef>
+                        <a:spcAft>
+                          <a:spcPts val="0"/>
+                        </a:spcAft>
+                        <a:buClrTx/>
+                        <a:buSzTx/>
+                        <a:buFontTx/>
+                        <a:buNone/>
+                        <a:tabLst/>
+                        <a:defRPr/>
+                      </a:pPr>
+                      <a:r>
+                        <a:rPr lang="en-US" dirty="0"/>
+                        <a:t>Part cost (pennies) </a:t>
+                      </a:r>
                     </a:p>
                   </a:txBody>
                   <a:tcPr/>
@@ -17395,111 +17440,6 @@
                 <a:extLst>
                   <a:ext uri="{0D108BD9-81ED-4DB2-BD59-A6C34878D82A}">
                     <a16:rowId xmlns:a16="http://schemas.microsoft.com/office/drawing/2014/main" val="4283437293"/>
-                  </a:ext>
-                </a:extLst>
-              </a:tr>
-              <a:tr h="370840">
-                <a:tc>
-                  <a:txBody>
-                    <a:bodyPr/>
-                    <a:lstStyle/>
-                    <a:p>
-                      <a:pPr algn="ctr"/>
-                      <a:r>
-                        <a:rPr lang="en-US" dirty="0"/>
-                        <a:t>6</a:t>
-                      </a:r>
-                    </a:p>
-                  </a:txBody>
-                  <a:tcPr/>
-                </a:tc>
-                <a:tc>
-                  <a:txBody>
-                    <a:bodyPr/>
-                    <a:lstStyle/>
-                    <a:p>
-                      <a:endParaRPr lang="en-US" dirty="0"/>
-                    </a:p>
-                  </a:txBody>
-                  <a:tcPr/>
-                </a:tc>
-                <a:tc>
-                  <a:txBody>
-                    <a:bodyPr/>
-                    <a:lstStyle/>
-                    <a:p>
-                      <a:pPr marL="0" marR="0" lvl="0" indent="0" algn="l" defTabSz="914400" rtl="0" eaLnBrk="1" fontAlgn="auto" latinLnBrk="0" hangingPunct="1">
-                        <a:lnSpc>
-                          <a:spcPct val="100000"/>
-                        </a:lnSpc>
-                        <a:spcBef>
-                          <a:spcPts val="0"/>
-                        </a:spcBef>
-                        <a:spcAft>
-                          <a:spcPts val="0"/>
-                        </a:spcAft>
-                        <a:buClrTx/>
-                        <a:buSzTx/>
-                        <a:buFontTx/>
-                        <a:buNone/>
-                        <a:tabLst/>
-                        <a:defRPr/>
-                      </a:pPr>
-                      <a:endParaRPr lang="en-US" dirty="0"/>
-                    </a:p>
-                  </a:txBody>
-                  <a:tcPr/>
-                </a:tc>
-                <a:tc>
-                  <a:txBody>
-                    <a:bodyPr/>
-                    <a:lstStyle/>
-                    <a:p>
-                      <a:pPr marL="0" marR="0" lvl="0" indent="0" algn="l" defTabSz="914400" rtl="0" eaLnBrk="1" fontAlgn="auto" latinLnBrk="0" hangingPunct="1">
-                        <a:lnSpc>
-                          <a:spcPct val="100000"/>
-                        </a:lnSpc>
-                        <a:spcBef>
-                          <a:spcPts val="0"/>
-                        </a:spcBef>
-                        <a:spcAft>
-                          <a:spcPts val="0"/>
-                        </a:spcAft>
-                        <a:buClrTx/>
-                        <a:buSzTx/>
-                        <a:buFontTx/>
-                        <a:buNone/>
-                        <a:tabLst/>
-                        <a:defRPr/>
-                      </a:pPr>
-                      <a:endParaRPr lang="en-US" dirty="0"/>
-                    </a:p>
-                  </a:txBody>
-                  <a:tcPr/>
-                </a:tc>
-                <a:tc>
-                  <a:txBody>
-                    <a:bodyPr/>
-                    <a:lstStyle/>
-                    <a:p>
-                      <a:endParaRPr lang="en-US" dirty="0"/>
-                    </a:p>
-                  </a:txBody>
-                  <a:tcPr/>
-                </a:tc>
-                <a:tc>
-                  <a:txBody>
-                    <a:bodyPr/>
-                    <a:lstStyle/>
-                    <a:p>
-                      <a:endParaRPr lang="en-US" dirty="0"/>
-                    </a:p>
-                  </a:txBody>
-                  <a:tcPr/>
-                </a:tc>
-                <a:extLst>
-                  <a:ext uri="{0D108BD9-81ED-4DB2-BD59-A6C34878D82A}">
-                    <a16:rowId xmlns:a16="http://schemas.microsoft.com/office/drawing/2014/main" val="2176051796"/>
                   </a:ext>
                 </a:extLst>
               </a:tr>

--- a/Practical Arduino - Ground Up.pptx
+++ b/Practical Arduino - Ground Up.pptx
@@ -14,7 +14,6 @@
     <p:sldId id="264" r:id="rId8"/>
     <p:sldId id="265" r:id="rId9"/>
     <p:sldId id="266" r:id="rId10"/>
-    <p:sldId id="263" r:id="rId11"/>
   </p:sldIdLst>
   <p:sldSz cx="12192000" cy="6858000"/>
   <p:notesSz cx="6858000" cy="9144000"/>
@@ -4397,7 +4396,7 @@
           <a:p>
             <a:fld id="{48A87A34-81AB-432B-8DAE-1953F412C126}" type="datetimeFigureOut">
               <a:rPr lang="en-US" dirty="0"/>
-              <a:t>1/13/2022</a:t>
+              <a:t>1/28/2022</a:t>
             </a:fld>
             <a:endParaRPr lang="en-US" dirty="0"/>
           </a:p>
@@ -4659,7 +4658,7 @@
           <a:p>
             <a:fld id="{48A87A34-81AB-432B-8DAE-1953F412C126}" type="datetimeFigureOut">
               <a:rPr lang="en-US" dirty="0"/>
-              <a:t>1/13/2022</a:t>
+              <a:t>1/28/2022</a:t>
             </a:fld>
             <a:endParaRPr lang="en-US" dirty="0"/>
           </a:p>
@@ -4850,7 +4849,7 @@
           <a:p>
             <a:fld id="{48A87A34-81AB-432B-8DAE-1953F412C126}" type="datetimeFigureOut">
               <a:rPr lang="en-US" dirty="0"/>
-              <a:t>1/13/2022</a:t>
+              <a:t>1/28/2022</a:t>
             </a:fld>
             <a:endParaRPr lang="en-US" dirty="0"/>
           </a:p>
@@ -5108,7 +5107,7 @@
           <a:p>
             <a:fld id="{48A87A34-81AB-432B-8DAE-1953F412C126}" type="datetimeFigureOut">
               <a:rPr lang="en-US" dirty="0"/>
-              <a:t>1/13/2022</a:t>
+              <a:t>1/28/2022</a:t>
             </a:fld>
             <a:endParaRPr lang="en-US" dirty="0"/>
           </a:p>
@@ -5537,7 +5536,7 @@
           <a:p>
             <a:fld id="{48A87A34-81AB-432B-8DAE-1953F412C126}" type="datetimeFigureOut">
               <a:rPr lang="en-US" dirty="0"/>
-              <a:t>1/13/2022</a:t>
+              <a:t>1/28/2022</a:t>
             </a:fld>
             <a:endParaRPr lang="en-US" dirty="0"/>
           </a:p>
@@ -6078,7 +6077,7 @@
           <a:p>
             <a:fld id="{48A87A34-81AB-432B-8DAE-1953F412C126}" type="datetimeFigureOut">
               <a:rPr lang="en-US" dirty="0"/>
-              <a:t>1/13/2022</a:t>
+              <a:t>1/28/2022</a:t>
             </a:fld>
             <a:endParaRPr lang="en-US" dirty="0"/>
           </a:p>
@@ -6793,7 +6792,7 @@
           <a:p>
             <a:fld id="{48A87A34-81AB-432B-8DAE-1953F412C126}" type="datetimeFigureOut">
               <a:rPr lang="en-US" dirty="0"/>
-              <a:t>1/13/2022</a:t>
+              <a:t>1/28/2022</a:t>
             </a:fld>
             <a:endParaRPr lang="en-US" dirty="0"/>
           </a:p>
@@ -6958,7 +6957,7 @@
           <a:p>
             <a:fld id="{48A87A34-81AB-432B-8DAE-1953F412C126}" type="datetimeFigureOut">
               <a:rPr lang="en-US" dirty="0"/>
-              <a:t>1/13/2022</a:t>
+              <a:t>1/28/2022</a:t>
             </a:fld>
             <a:endParaRPr lang="en-US" dirty="0"/>
           </a:p>
@@ -7133,7 +7132,7 @@
           <a:p>
             <a:fld id="{48A87A34-81AB-432B-8DAE-1953F412C126}" type="datetimeFigureOut">
               <a:rPr lang="en-US" dirty="0"/>
-              <a:t>1/13/2022</a:t>
+              <a:t>1/28/2022</a:t>
             </a:fld>
             <a:endParaRPr lang="en-US" dirty="0"/>
           </a:p>
@@ -7298,7 +7297,7 @@
           <a:p>
             <a:fld id="{48A87A34-81AB-432B-8DAE-1953F412C126}" type="datetimeFigureOut">
               <a:rPr lang="en-US" dirty="0"/>
-              <a:t>1/13/2022</a:t>
+              <a:t>1/28/2022</a:t>
             </a:fld>
             <a:endParaRPr lang="en-US" dirty="0"/>
           </a:p>
@@ -7543,7 +7542,7 @@
           <a:p>
             <a:fld id="{48A87A34-81AB-432B-8DAE-1953F412C126}" type="datetimeFigureOut">
               <a:rPr lang="en-US" dirty="0"/>
-              <a:t>1/13/2022</a:t>
+              <a:t>1/28/2022</a:t>
             </a:fld>
             <a:endParaRPr lang="en-US" dirty="0"/>
           </a:p>
@@ -7770,7 +7769,7 @@
           <a:p>
             <a:fld id="{48A87A34-81AB-432B-8DAE-1953F412C126}" type="datetimeFigureOut">
               <a:rPr lang="en-US" dirty="0"/>
-              <a:t>1/13/2022</a:t>
+              <a:t>1/28/2022</a:t>
             </a:fld>
             <a:endParaRPr lang="en-US" dirty="0"/>
           </a:p>
@@ -8146,7 +8145,7 @@
           <a:p>
             <a:fld id="{48A87A34-81AB-432B-8DAE-1953F412C126}" type="datetimeFigureOut">
               <a:rPr lang="en-US" dirty="0"/>
-              <a:t>1/13/2022</a:t>
+              <a:t>1/28/2022</a:t>
             </a:fld>
             <a:endParaRPr lang="en-US" dirty="0"/>
           </a:p>
@@ -8259,7 +8258,7 @@
           <a:p>
             <a:fld id="{48A87A34-81AB-432B-8DAE-1953F412C126}" type="datetimeFigureOut">
               <a:rPr lang="en-US" dirty="0"/>
-              <a:t>1/13/2022</a:t>
+              <a:t>1/28/2022</a:t>
             </a:fld>
             <a:endParaRPr lang="en-US" dirty="0"/>
           </a:p>
@@ -8349,7 +8348,7 @@
           <a:p>
             <a:fld id="{48A87A34-81AB-432B-8DAE-1953F412C126}" type="datetimeFigureOut">
               <a:rPr lang="en-US" dirty="0"/>
-              <a:t>1/13/2022</a:t>
+              <a:t>1/28/2022</a:t>
             </a:fld>
             <a:endParaRPr lang="en-US" dirty="0"/>
           </a:p>
@@ -8593,7 +8592,7 @@
           <a:p>
             <a:fld id="{48A87A34-81AB-432B-8DAE-1953F412C126}" type="datetimeFigureOut">
               <a:rPr lang="en-US" dirty="0"/>
-              <a:t>1/13/2022</a:t>
+              <a:t>1/28/2022</a:t>
             </a:fld>
             <a:endParaRPr lang="en-US" dirty="0"/>
           </a:p>
@@ -8868,7 +8867,7 @@
           <a:p>
             <a:fld id="{48A87A34-81AB-432B-8DAE-1953F412C126}" type="datetimeFigureOut">
               <a:rPr lang="en-US" dirty="0"/>
-              <a:t>1/13/2022</a:t>
+              <a:t>1/28/2022</a:t>
             </a:fld>
             <a:endParaRPr lang="en-US" dirty="0"/>
           </a:p>
@@ -11941,7 +11940,7 @@
             <a:fld id="{48A87A34-81AB-432B-8DAE-1953F412C126}" type="datetimeFigureOut">
               <a:rPr lang="en-US" dirty="0"/>
               <a:pPr/>
-              <a:t>1/13/2022</a:t>
+              <a:t>1/28/2022</a:t>
             </a:fld>
             <a:endParaRPr lang="en-US" dirty="0"/>
           </a:p>
@@ -12456,216 +12455,6 @@
 </p:sld>
 </file>
 
-<file path=ppt/slides/slide10.xml><?xml version="1.0" encoding="utf-8"?>
-<p:sld xmlns:a="http://schemas.openxmlformats.org/drawingml/2006/main" xmlns:r="http://schemas.openxmlformats.org/officeDocument/2006/relationships" xmlns:p="http://schemas.openxmlformats.org/presentationml/2006/main">
-  <p:cSld>
-    <p:spTree>
-      <p:nvGrpSpPr>
-        <p:cNvPr id="1" name=""/>
-        <p:cNvGrpSpPr/>
-        <p:nvPr/>
-      </p:nvGrpSpPr>
-      <p:grpSpPr>
-        <a:xfrm>
-          <a:off x="0" y="0"/>
-          <a:ext cx="0" cy="0"/>
-          <a:chOff x="0" y="0"/>
-          <a:chExt cx="0" cy="0"/>
-        </a:xfrm>
-      </p:grpSpPr>
-      <p:sp>
-        <p:nvSpPr>
-          <p:cNvPr id="2" name="Title 1">
-            <a:extLst>
-              <a:ext uri="{FF2B5EF4-FFF2-40B4-BE49-F238E27FC236}">
-                <a16:creationId xmlns:a16="http://schemas.microsoft.com/office/drawing/2014/main" id="{68C3ECC6-4864-4365-A835-A7F076D4DB5C}"/>
-              </a:ext>
-            </a:extLst>
-          </p:cNvPr>
-          <p:cNvSpPr>
-            <a:spLocks noGrp="1"/>
-          </p:cNvSpPr>
-          <p:nvPr>
-            <p:ph type="title"/>
-          </p:nvPr>
-        </p:nvSpPr>
-        <p:spPr>
-          <a:xfrm>
-            <a:off x="1141413" y="618518"/>
-            <a:ext cx="9905998" cy="757276"/>
-          </a:xfrm>
-        </p:spPr>
-        <p:txBody>
-          <a:bodyPr/>
-          <a:lstStyle/>
-          <a:p>
-            <a:r>
-              <a:rPr lang="en-US" dirty="0"/>
-              <a:t>Links and Resources</a:t>
-            </a:r>
-          </a:p>
-        </p:txBody>
-      </p:sp>
-      <p:sp>
-        <p:nvSpPr>
-          <p:cNvPr id="5" name="TextBox 4">
-            <a:extLst>
-              <a:ext uri="{FF2B5EF4-FFF2-40B4-BE49-F238E27FC236}">
-                <a16:creationId xmlns:a16="http://schemas.microsoft.com/office/drawing/2014/main" id="{CBC3A85E-3C37-49F2-B111-0FDD48922253}"/>
-              </a:ext>
-            </a:extLst>
-          </p:cNvPr>
-          <p:cNvSpPr txBox="1"/>
-          <p:nvPr/>
-        </p:nvSpPr>
-        <p:spPr>
-          <a:xfrm>
-            <a:off x="1141412" y="1505634"/>
-            <a:ext cx="10494117" cy="369332"/>
-          </a:xfrm>
-          <a:prstGeom prst="rect">
-            <a:avLst/>
-          </a:prstGeom>
-          <a:noFill/>
-        </p:spPr>
-        <p:txBody>
-          <a:bodyPr wrap="square">
-            <a:spAutoFit/>
-          </a:bodyPr>
-          <a:lstStyle/>
-          <a:p>
-            <a:r>
-              <a:rPr lang="en-US" dirty="0"/>
-              <a:t>https://rudysarduinoprojects.wordpress.com/2019/05/06/fun-with-arduino-29-dcc-accessory-decoder/</a:t>
-            </a:r>
-          </a:p>
-        </p:txBody>
-      </p:sp>
-      <p:pic>
-        <p:nvPicPr>
-          <p:cNvPr id="7" name="Picture 6">
-            <a:extLst>
-              <a:ext uri="{FF2B5EF4-FFF2-40B4-BE49-F238E27FC236}">
-                <a16:creationId xmlns:a16="http://schemas.microsoft.com/office/drawing/2014/main" id="{F02E83F8-9451-4E9D-90DD-198D15EA2BE1}"/>
-              </a:ext>
-            </a:extLst>
-          </p:cNvPr>
-          <p:cNvPicPr>
-            <a:picLocks noChangeAspect="1"/>
-          </p:cNvPicPr>
-          <p:nvPr/>
-        </p:nvPicPr>
-        <p:blipFill>
-          <a:blip r:embed="rId2"/>
-          <a:stretch>
-            <a:fillRect/>
-          </a:stretch>
-        </p:blipFill>
-        <p:spPr>
-          <a:xfrm>
-            <a:off x="1230298" y="1909115"/>
-            <a:ext cx="3207478" cy="1046131"/>
-          </a:xfrm>
-          <a:prstGeom prst="rect">
-            <a:avLst/>
-          </a:prstGeom>
-        </p:spPr>
-      </p:pic>
-      <p:sp>
-        <p:nvSpPr>
-          <p:cNvPr id="9" name="TextBox 8">
-            <a:extLst>
-              <a:ext uri="{FF2B5EF4-FFF2-40B4-BE49-F238E27FC236}">
-                <a16:creationId xmlns:a16="http://schemas.microsoft.com/office/drawing/2014/main" id="{475CF317-0BD7-4A39-A278-3EF77E1FFAB9}"/>
-              </a:ext>
-            </a:extLst>
-          </p:cNvPr>
-          <p:cNvSpPr txBox="1"/>
-          <p:nvPr/>
-        </p:nvSpPr>
-        <p:spPr>
-          <a:xfrm>
-            <a:off x="324287" y="3993052"/>
-            <a:ext cx="6102990" cy="369332"/>
-          </a:xfrm>
-          <a:prstGeom prst="rect">
-            <a:avLst/>
-          </a:prstGeom>
-          <a:noFill/>
-        </p:spPr>
-        <p:txBody>
-          <a:bodyPr wrap="square">
-            <a:spAutoFit/>
-          </a:bodyPr>
-          <a:lstStyle/>
-          <a:p>
-            <a:r>
-              <a:rPr lang="en-US" dirty="0"/>
-              <a:t>http://trainelectronics.com/DCC_Arduino/index.htm</a:t>
-            </a:r>
-          </a:p>
-        </p:txBody>
-      </p:sp>
-      <p:pic>
-        <p:nvPicPr>
-          <p:cNvPr id="1026" name="Picture 2">
-            <a:extLst>
-              <a:ext uri="{FF2B5EF4-FFF2-40B4-BE49-F238E27FC236}">
-                <a16:creationId xmlns:a16="http://schemas.microsoft.com/office/drawing/2014/main" id="{AA7CB4F8-2EB6-43EC-9D99-BA507B9E00AF}"/>
-              </a:ext>
-            </a:extLst>
-          </p:cNvPr>
-          <p:cNvPicPr>
-            <a:picLocks noChangeAspect="1" noChangeArrowheads="1"/>
-          </p:cNvPicPr>
-          <p:nvPr/>
-        </p:nvPicPr>
-        <p:blipFill>
-          <a:blip r:embed="rId3">
-            <a:extLst>
-              <a:ext uri="{28A0092B-C50C-407E-A947-70E740481C1C}">
-                <a14:useLocalDpi xmlns:a14="http://schemas.microsoft.com/office/drawing/2010/main" val="0"/>
-              </a:ext>
-            </a:extLst>
-          </a:blip>
-          <a:srcRect/>
-          <a:stretch>
-            <a:fillRect/>
-          </a:stretch>
-        </p:blipFill>
-        <p:spPr bwMode="auto">
-          <a:xfrm>
-            <a:off x="5343787" y="2527871"/>
-            <a:ext cx="5832632" cy="4074265"/>
-          </a:xfrm>
-          <a:prstGeom prst="rect">
-            <a:avLst/>
-          </a:prstGeom>
-          <a:noFill/>
-          <a:extLst>
-            <a:ext uri="{909E8E84-426E-40DD-AFC4-6F175D3DCCD1}">
-              <a14:hiddenFill xmlns:a14="http://schemas.microsoft.com/office/drawing/2010/main">
-                <a:solidFill>
-                  <a:srgbClr val="FFFFFF"/>
-                </a:solidFill>
-              </a14:hiddenFill>
-            </a:ext>
-          </a:extLst>
-        </p:spPr>
-      </p:pic>
-    </p:spTree>
-    <p:extLst>
-      <p:ext uri="{BB962C8B-B14F-4D97-AF65-F5344CB8AC3E}">
-        <p14:creationId xmlns:p14="http://schemas.microsoft.com/office/powerpoint/2010/main" val="3443242970"/>
-      </p:ext>
-    </p:extLst>
-  </p:cSld>
-  <p:clrMapOvr>
-    <a:masterClrMapping/>
-  </p:clrMapOvr>
-</p:sld>
-</file>
-
 <file path=ppt/slides/slide2.xml><?xml version="1.0" encoding="utf-8"?>
 <p:sld xmlns:a="http://schemas.openxmlformats.org/drawingml/2006/main" xmlns:r="http://schemas.openxmlformats.org/officeDocument/2006/relationships" xmlns:p="http://schemas.openxmlformats.org/presentationml/2006/main">
   <p:cSld>
@@ -13051,10 +12840,10 @@
         </p:nvGrpSpPr>
         <p:grpSpPr>
           <a:xfrm>
-            <a:off x="1137681" y="2690037"/>
-            <a:ext cx="4582634" cy="2955851"/>
-            <a:chOff x="4369979" y="2721934"/>
-            <a:chExt cx="4582634" cy="2955851"/>
+            <a:off x="1084539" y="2742218"/>
+            <a:ext cx="4694258" cy="2955851"/>
+            <a:chOff x="4316837" y="2774115"/>
+            <a:chExt cx="4694258" cy="2955851"/>
           </a:xfrm>
         </p:grpSpPr>
         <p:sp>
@@ -13071,7 +12860,7 @@
           </p:nvSpPr>
           <p:spPr>
             <a:xfrm>
-              <a:off x="4369979" y="2721934"/>
+              <a:off x="4428462" y="2774115"/>
               <a:ext cx="4582633" cy="2955851"/>
             </a:xfrm>
             <a:prstGeom prst="rect">
@@ -13211,10 +13000,10 @@
           </p:nvGrpSpPr>
           <p:grpSpPr>
             <a:xfrm>
-              <a:off x="7302802" y="3059793"/>
-              <a:ext cx="1637415" cy="577081"/>
-              <a:chOff x="7302803" y="3336877"/>
-              <a:chExt cx="1637415" cy="577081"/>
+              <a:off x="7290407" y="2828546"/>
+              <a:ext cx="1593988" cy="577081"/>
+              <a:chOff x="7290408" y="3105630"/>
+              <a:chExt cx="1593988" cy="577081"/>
             </a:xfrm>
           </p:grpSpPr>
           <p:sp>
@@ -13231,7 +13020,7 @@
             </p:nvSpPr>
             <p:spPr>
               <a:xfrm rot="10800000">
-                <a:off x="7302803" y="3385849"/>
+                <a:off x="7290408" y="3195906"/>
                 <a:ext cx="903768" cy="322614"/>
               </a:xfrm>
               <a:prstGeom prst="leftArrow">
@@ -13283,7 +13072,7 @@
             </p:nvSpPr>
             <p:spPr>
               <a:xfrm>
-                <a:off x="8206571" y="3336877"/>
+                <a:off x="8150749" y="3105630"/>
                 <a:ext cx="733647" cy="577081"/>
               </a:xfrm>
               <a:prstGeom prst="rect">
@@ -13323,10 +13112,10 @@
           </p:nvGrpSpPr>
           <p:grpSpPr>
             <a:xfrm>
-              <a:off x="7302802" y="3674960"/>
-              <a:ext cx="1637415" cy="577081"/>
-              <a:chOff x="7302803" y="3336877"/>
-              <a:chExt cx="1637415" cy="577081"/>
+              <a:off x="7246980" y="3397462"/>
+              <a:ext cx="1649814" cy="577081"/>
+              <a:chOff x="7246981" y="3059379"/>
+              <a:chExt cx="1649814" cy="577081"/>
             </a:xfrm>
           </p:grpSpPr>
           <p:sp>
@@ -13343,7 +13132,7 @@
             </p:nvSpPr>
             <p:spPr>
               <a:xfrm rot="10800000">
-                <a:off x="7302803" y="3385849"/>
+                <a:off x="7246981" y="3106042"/>
                 <a:ext cx="903768" cy="322614"/>
               </a:xfrm>
               <a:prstGeom prst="leftArrow">
@@ -13395,7 +13184,7 @@
             </p:nvSpPr>
             <p:spPr>
               <a:xfrm>
-                <a:off x="8206571" y="3336877"/>
+                <a:off x="8163148" y="3059379"/>
                 <a:ext cx="733647" cy="577081"/>
               </a:xfrm>
               <a:prstGeom prst="rect">
@@ -13435,9 +13224,9 @@
           </p:nvGrpSpPr>
           <p:grpSpPr>
             <a:xfrm>
-              <a:off x="7274438" y="4898780"/>
+              <a:off x="7274438" y="4891783"/>
               <a:ext cx="1637415" cy="415498"/>
-              <a:chOff x="7274439" y="3945530"/>
+              <a:chOff x="7274439" y="3938533"/>
               <a:chExt cx="1637415" cy="415498"/>
             </a:xfrm>
           </p:grpSpPr>
@@ -13507,7 +13296,7 @@
             </p:nvSpPr>
             <p:spPr>
               <a:xfrm>
-                <a:off x="8178207" y="3945530"/>
+                <a:off x="8178207" y="3938533"/>
                 <a:ext cx="733647" cy="415498"/>
               </a:xfrm>
               <a:prstGeom prst="rect">
@@ -13547,10 +13336,10 @@
           </p:nvGrpSpPr>
           <p:grpSpPr>
             <a:xfrm>
-              <a:off x="4515311" y="4271320"/>
-              <a:ext cx="1662209" cy="427674"/>
-              <a:chOff x="6804856" y="3684872"/>
-              <a:chExt cx="1662209" cy="427674"/>
+              <a:off x="4473679" y="4312656"/>
+              <a:ext cx="1703841" cy="415498"/>
+              <a:chOff x="6763224" y="3726208"/>
+              <a:chExt cx="1703841" cy="415498"/>
             </a:xfrm>
           </p:grpSpPr>
           <p:sp>
@@ -13619,7 +13408,7 @@
             </p:nvSpPr>
             <p:spPr>
               <a:xfrm>
-                <a:off x="6804856" y="3684872"/>
+                <a:off x="6763224" y="3726208"/>
                 <a:ext cx="839960" cy="415498"/>
               </a:xfrm>
               <a:prstGeom prst="rect">
@@ -13633,6 +13422,7 @@
               </a:bodyPr>
               <a:lstStyle/>
               <a:p>
+                <a:pPr algn="r"/>
                 <a:r>
                   <a:rPr lang="en-US" sz="1050" dirty="0">
                     <a:solidFill>
@@ -13659,10 +13449,10 @@
           </p:nvGrpSpPr>
           <p:grpSpPr>
             <a:xfrm>
-              <a:off x="4481633" y="3697870"/>
-              <a:ext cx="1706524" cy="427674"/>
-              <a:chOff x="6760541" y="3684872"/>
-              <a:chExt cx="1706524" cy="427674"/>
+              <a:off x="4316837" y="3740848"/>
+              <a:ext cx="1871320" cy="415498"/>
+              <a:chOff x="6595745" y="3727850"/>
+              <a:chExt cx="1871320" cy="415498"/>
             </a:xfrm>
           </p:grpSpPr>
           <p:sp>
@@ -13731,7 +13521,7 @@
             </p:nvSpPr>
             <p:spPr>
               <a:xfrm>
-                <a:off x="6760541" y="3684872"/>
+                <a:off x="6595745" y="3727850"/>
                 <a:ext cx="1047297" cy="415498"/>
               </a:xfrm>
               <a:prstGeom prst="rect">
@@ -13745,6 +13535,7 @@
               </a:bodyPr>
               <a:lstStyle/>
               <a:p>
+                <a:pPr algn="r"/>
                 <a:r>
                   <a:rPr lang="en-US" sz="1050" dirty="0">
                     <a:solidFill>
@@ -13857,6 +13648,7 @@
               </a:bodyPr>
               <a:lstStyle/>
               <a:p>
+                <a:pPr algn="r"/>
                 <a:r>
                   <a:rPr lang="en-US" sz="1050" dirty="0">
                     <a:solidFill>
@@ -13883,10 +13675,10 @@
           </p:nvGrpSpPr>
           <p:grpSpPr>
             <a:xfrm>
-              <a:off x="4468335" y="3197723"/>
-              <a:ext cx="1709185" cy="457466"/>
-              <a:chOff x="6757880" y="3789932"/>
-              <a:chExt cx="1709185" cy="457466"/>
+              <a:off x="4549441" y="3197723"/>
+              <a:ext cx="1628079" cy="432632"/>
+              <a:chOff x="6838986" y="3789932"/>
+              <a:chExt cx="1628079" cy="432632"/>
             </a:xfrm>
           </p:grpSpPr>
           <p:sp>
@@ -13954,7 +13746,7 @@
             </p:nvSpPr>
             <p:spPr>
               <a:xfrm>
-                <a:off x="6757880" y="3831900"/>
+                <a:off x="6838986" y="3807066"/>
                 <a:ext cx="962241" cy="415498"/>
               </a:xfrm>
               <a:prstGeom prst="rect">
@@ -14055,7 +13847,7 @@
         <p:spPr>
           <a:xfrm>
             <a:off x="5878040" y="2708531"/>
-            <a:ext cx="5708127" cy="2954655"/>
+            <a:ext cx="5708127" cy="2739211"/>
           </a:xfrm>
           <a:prstGeom prst="rect">
             <a:avLst/>
@@ -14114,7 +13906,7 @@
             </a:pPr>
             <a:r>
               <a:rPr lang="en-US" sz="1400" dirty="0"/>
-              <a:t>On board regulation to 12 </a:t>
+              <a:t>On board regulation to </a:t>
             </a:r>
             <a:r>
               <a:rPr lang="en-US" sz="1400" dirty="0">
@@ -14125,23 +13917,20 @@
                   </a:schemeClr>
                 </a:solidFill>
               </a:rPr>
-              <a:t>(5Vdc) </a:t>
+              <a:t>5Vdc </a:t>
             </a:r>
             <a:r>
               <a:rPr lang="en-US" sz="1400" dirty="0"/>
-              <a:t>at NANO Vin </a:t>
-            </a:r>
-            <a:r>
-              <a:rPr lang="en-US" sz="1400" dirty="0">
-                <a:solidFill>
-                  <a:schemeClr val="accent2">
-                    <a:lumMod val="60000"/>
-                    <a:lumOff val="40000"/>
-                  </a:schemeClr>
-                </a:solidFill>
-              </a:rPr>
-              <a:t>(See later comments )</a:t>
-            </a:r>
+              <a:t>at NANO 5 Volt input</a:t>
+            </a:r>
+            <a:endParaRPr lang="en-US" sz="1400" dirty="0">
+              <a:solidFill>
+                <a:schemeClr val="accent2">
+                  <a:lumMod val="60000"/>
+                  <a:lumOff val="40000"/>
+                </a:schemeClr>
+              </a:solidFill>
+            </a:endParaRPr>
           </a:p>
           <a:p>
             <a:pPr marL="285750" indent="-285750">
@@ -14150,7 +13939,7 @@
             </a:pPr>
             <a:r>
               <a:rPr lang="en-US" sz="1400" dirty="0"/>
-              <a:t>NANO itself produces the 5 VDC for sensors and servos</a:t>
+              <a:t>Header pins aligned with standard servo pinout</a:t>
             </a:r>
           </a:p>
           <a:p>
@@ -14160,7 +13949,7 @@
             </a:pPr>
             <a:r>
               <a:rPr lang="en-US" sz="1400" dirty="0"/>
-              <a:t>Header pins aligned with standard servo pinout</a:t>
+              <a:t>On board output driver chip can power small relays or actuators.</a:t>
             </a:r>
           </a:p>
           <a:p>
@@ -14170,7 +13959,7 @@
             </a:pPr>
             <a:r>
               <a:rPr lang="en-US" sz="1400" dirty="0"/>
-              <a:t>On board output driver chip can power small relays or actuators.</a:t>
+              <a:t>On board R680 current limiting resistors</a:t>
             </a:r>
           </a:p>
           <a:p>
@@ -14180,7 +13969,7 @@
             </a:pPr>
             <a:r>
               <a:rPr lang="en-US" sz="1400" dirty="0"/>
-              <a:t>On board R680 current limiting resistors</a:t>
+              <a:t>2 board mounted Pushbuttons as DI’s </a:t>
             </a:r>
           </a:p>
           <a:p>
@@ -14190,7 +13979,7 @@
             </a:pPr>
             <a:r>
               <a:rPr lang="en-US" sz="1400" dirty="0"/>
-              <a:t>2 board mounted Pushbuttons as DI’s </a:t>
+              <a:t>At least some minimal prototype test area.</a:t>
             </a:r>
           </a:p>
           <a:p>
@@ -14200,7 +13989,7 @@
             </a:pPr>
             <a:r>
               <a:rPr lang="en-US" sz="1400" dirty="0"/>
-              <a:t>Prototype test area.</a:t>
+              <a:t>Multiple communications options </a:t>
             </a:r>
           </a:p>
           <a:p>
@@ -14210,25 +13999,7 @@
             </a:pPr>
             <a:r>
               <a:rPr lang="en-US" sz="1400" dirty="0"/>
-              <a:t>Bring out all unused digital and analog I/O</a:t>
-            </a:r>
-          </a:p>
-          <a:p>
-            <a:pPr marL="285750" indent="-285750">
-              <a:buFont typeface="Arial" panose="020B0604020202020204" pitchFamily="34" charset="0"/>
-              <a:buChar char="•"/>
-            </a:pPr>
-            <a:r>
-              <a:rPr lang="en-US" sz="1400" dirty="0"/>
-              <a:t>A dedicated header for I2C using A4/A5/+5 and </a:t>
-            </a:r>
-            <a:r>
-              <a:rPr lang="en-US" sz="1400" dirty="0" err="1"/>
-              <a:t>Gnd</a:t>
-            </a:r>
-            <a:r>
-              <a:rPr lang="en-US" sz="1400" dirty="0"/>
-              <a:t> </a:t>
+              <a:t>(not all options may be physically possible on the same build)</a:t>
             </a:r>
           </a:p>
         </p:txBody>
@@ -14247,7 +14018,7 @@
         </p:nvSpPr>
         <p:spPr>
           <a:xfrm rot="10800000">
-            <a:off x="4075831" y="4379014"/>
+            <a:off x="4058103" y="3989309"/>
             <a:ext cx="903768" cy="322614"/>
           </a:xfrm>
           <a:prstGeom prst="leftArrow">
@@ -14299,7 +14070,7 @@
         </p:nvSpPr>
         <p:spPr>
           <a:xfrm>
-            <a:off x="4979599" y="4330042"/>
+            <a:off x="4945908" y="3955003"/>
             <a:ext cx="733647" cy="415498"/>
           </a:xfrm>
           <a:prstGeom prst="rect">
@@ -14319,7 +14090,98 @@
                   <a:srgbClr val="FF0000"/>
                 </a:solidFill>
               </a:rPr>
-              <a:t>Spare I/O</a:t>
+              <a:t>RS485 C/MRI</a:t>
+            </a:r>
+          </a:p>
+        </p:txBody>
+      </p:sp>
+      <p:sp>
+        <p:nvSpPr>
+          <p:cNvPr id="34" name="Arrow: Left 33">
+            <a:extLst>
+              <a:ext uri="{FF2B5EF4-FFF2-40B4-BE49-F238E27FC236}">
+                <a16:creationId xmlns:a16="http://schemas.microsoft.com/office/drawing/2014/main" id="{85EDD0D0-C2EC-4FFF-A68F-94B1497EC147}"/>
+              </a:ext>
+            </a:extLst>
+          </p:cNvPr>
+          <p:cNvSpPr/>
+          <p:nvPr/>
+        </p:nvSpPr>
+        <p:spPr>
+          <a:xfrm rot="10800000">
+            <a:off x="4056018" y="4469402"/>
+            <a:ext cx="903768" cy="322614"/>
+          </a:xfrm>
+          <a:prstGeom prst="leftArrow">
+            <a:avLst/>
+          </a:prstGeom>
+          <a:solidFill>
+            <a:schemeClr val="accent2">
+              <a:lumMod val="20000"/>
+              <a:lumOff val="80000"/>
+            </a:schemeClr>
+          </a:solidFill>
+        </p:spPr>
+        <p:style>
+          <a:lnRef idx="2">
+            <a:schemeClr val="accent1">
+              <a:shade val="50000"/>
+            </a:schemeClr>
+          </a:lnRef>
+          <a:fillRef idx="1">
+            <a:schemeClr val="accent1"/>
+          </a:fillRef>
+          <a:effectRef idx="0">
+            <a:schemeClr val="accent1"/>
+          </a:effectRef>
+          <a:fontRef idx="minor">
+            <a:schemeClr val="lt1"/>
+          </a:fontRef>
+        </p:style>
+        <p:txBody>
+          <a:bodyPr rtlCol="0" anchor="ctr"/>
+          <a:lstStyle/>
+          <a:p>
+            <a:pPr algn="ctr"/>
+            <a:endParaRPr lang="en-US"/>
+          </a:p>
+        </p:txBody>
+      </p:sp>
+      <p:sp>
+        <p:nvSpPr>
+          <p:cNvPr id="35" name="TextBox 34">
+            <a:extLst>
+              <a:ext uri="{FF2B5EF4-FFF2-40B4-BE49-F238E27FC236}">
+                <a16:creationId xmlns:a16="http://schemas.microsoft.com/office/drawing/2014/main" id="{3ADDA841-8A9A-46E0-9EED-D152445077EE}"/>
+              </a:ext>
+            </a:extLst>
+          </p:cNvPr>
+          <p:cNvSpPr txBox="1"/>
+          <p:nvPr/>
+        </p:nvSpPr>
+        <p:spPr>
+          <a:xfrm>
+            <a:off x="4924657" y="4501421"/>
+            <a:ext cx="733647" cy="253916"/>
+          </a:xfrm>
+          <a:prstGeom prst="rect">
+            <a:avLst/>
+          </a:prstGeom>
+          <a:noFill/>
+        </p:spPr>
+        <p:txBody>
+          <a:bodyPr wrap="square" rtlCol="0">
+            <a:spAutoFit/>
+          </a:bodyPr>
+          <a:lstStyle/>
+          <a:p>
+            <a:r>
+              <a:rPr lang="en-US" sz="1050" dirty="0">
+                <a:solidFill>
+                  <a:srgbClr val="FF0000"/>
+                </a:solidFill>
+              </a:rPr>
+              <a:t>CAN Bus</a:t>
             </a:r>
           </a:p>
         </p:txBody>
@@ -14399,62 +14261,36 @@
           </a:p>
         </p:txBody>
       </p:sp>
-      <p:sp>
-        <p:nvSpPr>
-          <p:cNvPr id="3" name="Rectangle 2">
+      <p:pic>
+        <p:nvPicPr>
+          <p:cNvPr id="7" name="Picture 6">
             <a:extLst>
               <a:ext uri="{FF2B5EF4-FFF2-40B4-BE49-F238E27FC236}">
-                <a16:creationId xmlns:a16="http://schemas.microsoft.com/office/drawing/2014/main" id="{4E4028D4-8624-4D5C-9EA5-FB86B9AF48CA}"/>
+                <a16:creationId xmlns:a16="http://schemas.microsoft.com/office/drawing/2014/main" id="{4DC49290-1050-43FB-A8F3-8E4078E84333}"/>
               </a:ext>
             </a:extLst>
           </p:cNvPr>
-          <p:cNvSpPr/>
+          <p:cNvPicPr>
+            <a:picLocks noChangeAspect="1"/>
+          </p:cNvPicPr>
           <p:nvPr/>
-        </p:nvSpPr>
+        </p:nvPicPr>
+        <p:blipFill>
+          <a:blip r:embed="rId2"/>
+          <a:stretch>
+            <a:fillRect/>
+          </a:stretch>
+        </p:blipFill>
         <p:spPr>
-          <a:xfrm rot="19606591">
-            <a:off x="2503545" y="3242118"/>
-            <a:ext cx="6917754" cy="1200329"/>
+          <a:xfrm rot="5400000">
+            <a:off x="3399058" y="-310069"/>
+            <a:ext cx="4660462" cy="8277228"/>
           </a:xfrm>
           <a:prstGeom prst="rect">
             <a:avLst/>
           </a:prstGeom>
-          <a:solidFill>
-            <a:srgbClr val="00B050">
-              <a:alpha val="68000"/>
-            </a:srgbClr>
-          </a:solidFill>
         </p:spPr>
-        <p:txBody>
-          <a:bodyPr wrap="square" lIns="91440" tIns="45720" rIns="91440" bIns="45720">
-            <a:spAutoFit/>
-          </a:bodyPr>
-          <a:lstStyle/>
-          <a:p>
-            <a:pPr algn="ctr"/>
-            <a:r>
-              <a:rPr lang="en-US" sz="7200" b="1" cap="none" spc="0" dirty="0">
-                <a:ln w="12700">
-                  <a:solidFill>
-                    <a:schemeClr val="accent3">
-                      <a:lumMod val="50000"/>
-                    </a:schemeClr>
-                  </a:solidFill>
-                  <a:prstDash val="solid"/>
-                </a:ln>
-                <a:effectLst>
-                  <a:innerShdw blurRad="177800">
-                    <a:schemeClr val="accent3">
-                      <a:lumMod val="50000"/>
-                    </a:schemeClr>
-                  </a:innerShdw>
-                </a:effectLst>
-              </a:rPr>
-              <a:t>Coming Soon</a:t>
-            </a:r>
-          </a:p>
-        </p:txBody>
-      </p:sp>
+      </p:pic>
     </p:spTree>
     <p:extLst>
       <p:ext uri="{BB962C8B-B14F-4D97-AF65-F5344CB8AC3E}">
@@ -14551,8 +14387,8 @@
         </p:nvSpPr>
         <p:spPr>
           <a:xfrm>
-            <a:off x="6673006" y="1533525"/>
-            <a:ext cx="5147082" cy="3447098"/>
+            <a:off x="6526357" y="1536923"/>
+            <a:ext cx="5516118" cy="2800767"/>
           </a:xfrm>
           <a:prstGeom prst="rect">
             <a:avLst/>
@@ -14591,7 +14427,7 @@
             </a:pPr>
             <a:r>
               <a:rPr lang="en-US" sz="1400" dirty="0"/>
-              <a:t>On board regulation to 12 vdc at NANO Vin</a:t>
+              <a:t>On board regulation to 5vdc for NANO 5VDC Input</a:t>
             </a:r>
           </a:p>
           <a:p>
@@ -14600,15 +14436,8 @@
               <a:buChar char="•"/>
             </a:pPr>
             <a:r>
-              <a:rPr lang="en-US" sz="1400" dirty="0">
-                <a:solidFill>
-                  <a:schemeClr val="accent2">
-                    <a:lumMod val="60000"/>
-                    <a:lumOff val="40000"/>
-                  </a:schemeClr>
-                </a:solidFill>
-              </a:rPr>
-              <a:t>(Or Regulated 5 vdc direct to Arduino)</a:t>
+              <a:rPr lang="en-US" sz="1400" dirty="0"/>
+              <a:t>Can be built standalone as just a ‘power supply’ providing 5 volts.</a:t>
             </a:r>
           </a:p>
           <a:p>
@@ -14618,7 +14447,7 @@
             </a:pPr>
             <a:r>
               <a:rPr lang="en-US" sz="1400" dirty="0"/>
-              <a:t>Can be built standalone as a ‘power supply’ providing 12 volts.</a:t>
+              <a:t>Lots of header pin positions can be used for power take off.</a:t>
             </a:r>
           </a:p>
           <a:p>
@@ -14628,27 +14457,7 @@
             </a:pPr>
             <a:r>
               <a:rPr lang="en-US" sz="1400" dirty="0"/>
-              <a:t>Header pins to be provided on PCB for power take off.</a:t>
-            </a:r>
-          </a:p>
-          <a:p>
-            <a:pPr marL="285750" indent="-285750">
-              <a:buFont typeface="Arial" panose="020B0604020202020204" pitchFamily="34" charset="0"/>
-              <a:buChar char="•"/>
-            </a:pPr>
-            <a:r>
-              <a:rPr lang="en-US" sz="1400" dirty="0"/>
               <a:t>On board LED for troubleshooting without NANO</a:t>
-            </a:r>
-          </a:p>
-          <a:p>
-            <a:pPr marL="285750" indent="-285750">
-              <a:buFont typeface="Arial" panose="020B0604020202020204" pitchFamily="34" charset="0"/>
-              <a:buChar char="•"/>
-            </a:pPr>
-            <a:r>
-              <a:rPr lang="en-US" sz="1400" dirty="0"/>
-              <a:t>Can learn to take measurements using DMM.</a:t>
             </a:r>
           </a:p>
           <a:p>
@@ -14675,7 +14484,7 @@
             </a:pPr>
             <a:r>
               <a:rPr lang="en-US" sz="1400" dirty="0"/>
-              <a:t>Optically couples DCC to Arduino Pin</a:t>
+              <a:t>Optional if installed - Optically couples DCC onto to Arduino Pin D3</a:t>
             </a:r>
           </a:p>
           <a:p>
@@ -14695,7 +14504,7 @@
             </a:pPr>
             <a:r>
               <a:rPr lang="en-US" sz="1400" dirty="0"/>
-              <a:t>Optional – Can omit if not needed. If it is used board must have an Arduino installed to provide the 5 volts for operation.</a:t>
+              <a:t>Optional – Can omit if not needed. If it is used board must have an</a:t>
             </a:r>
           </a:p>
           <a:p>
@@ -14703,16 +14512,19 @@
               <a:buFont typeface="Arial" panose="020B0604020202020204" pitchFamily="34" charset="0"/>
               <a:buChar char="•"/>
             </a:pPr>
-            <a:endParaRPr lang="en-US" sz="1400" dirty="0"/>
+            <a:r>
+              <a:rPr lang="en-US" sz="1400" dirty="0"/>
+              <a:t>Installed under the NANO to save PCB space.</a:t>
+            </a:r>
           </a:p>
         </p:txBody>
       </p:sp>
       <p:pic>
         <p:nvPicPr>
-          <p:cNvPr id="7" name="Picture 6">
+          <p:cNvPr id="8" name="Picture 7">
             <a:extLst>
               <a:ext uri="{FF2B5EF4-FFF2-40B4-BE49-F238E27FC236}">
-                <a16:creationId xmlns:a16="http://schemas.microsoft.com/office/drawing/2014/main" id="{1C8D7045-FD8E-4F87-B7EB-321E4773406B}"/>
+                <a16:creationId xmlns:a16="http://schemas.microsoft.com/office/drawing/2014/main" id="{DB7B2499-BC39-4D95-AF32-033A3E99BD39}"/>
               </a:ext>
             </a:extLst>
           </p:cNvPr>
@@ -14729,8 +14541,8 @@
         </p:blipFill>
         <p:spPr>
           <a:xfrm>
-            <a:off x="1011353" y="1533525"/>
-            <a:ext cx="5572125" cy="3790950"/>
+            <a:off x="814207" y="1536923"/>
+            <a:ext cx="5629275" cy="4105275"/>
           </a:xfrm>
           <a:prstGeom prst="rect">
             <a:avLst/>
@@ -14834,7 +14646,7 @@
         <p:spPr>
           <a:xfrm>
             <a:off x="5072198" y="917220"/>
-            <a:ext cx="5147082" cy="5724644"/>
+            <a:ext cx="5147082" cy="5232202"/>
           </a:xfrm>
           <a:prstGeom prst="rect">
             <a:avLst/>
@@ -14853,7 +14665,7 @@
                   <a:srgbClr val="FFFF00"/>
                 </a:solidFill>
               </a:rPr>
-              <a:t>Top Left</a:t>
+              <a:t>Left</a:t>
             </a:r>
           </a:p>
           <a:p>
@@ -14872,6 +14684,16 @@
             <a:r>
               <a:rPr lang="en-US" sz="1400" dirty="0"/>
               <a:t>) </a:t>
+            </a:r>
+          </a:p>
+          <a:p>
+            <a:pPr marL="285750" indent="-285750">
+              <a:buFont typeface="Arial" panose="020B0604020202020204" pitchFamily="34" charset="0"/>
+              <a:buChar char="•"/>
+            </a:pPr>
+            <a:r>
+              <a:rPr lang="en-US" sz="1400" dirty="0"/>
+              <a:t>Suitable for Servos and many types of sensors.</a:t>
             </a:r>
           </a:p>
           <a:p>
@@ -14890,46 +14712,6 @@
               <a:buChar char="•"/>
             </a:pPr>
             <a:endParaRPr lang="en-US" sz="1400" dirty="0"/>
-          </a:p>
-          <a:p>
-            <a:r>
-              <a:rPr lang="en-US" dirty="0">
-                <a:solidFill>
-                  <a:srgbClr val="FFFF00"/>
-                </a:solidFill>
-              </a:rPr>
-              <a:t>Top Right</a:t>
-            </a:r>
-          </a:p>
-          <a:p>
-            <a:pPr marL="285750" indent="-285750">
-              <a:buFont typeface="Arial" panose="020B0604020202020204" pitchFamily="34" charset="0"/>
-              <a:buChar char="•"/>
-            </a:pPr>
-            <a:r>
-              <a:rPr lang="en-US" sz="1400" dirty="0"/>
-              <a:t>Standard I/O header but with optional pullup resistor</a:t>
-            </a:r>
-          </a:p>
-          <a:p>
-            <a:pPr marL="285750" indent="-285750">
-              <a:buFont typeface="Arial" panose="020B0604020202020204" pitchFamily="34" charset="0"/>
-              <a:buChar char="•"/>
-            </a:pPr>
-            <a:r>
-              <a:rPr lang="en-US" sz="1400" dirty="0"/>
-              <a:t>Pullup is needed in at least one place on a I2C bus  </a:t>
-            </a:r>
-          </a:p>
-          <a:p>
-            <a:pPr marL="285750" indent="-285750">
-              <a:buFont typeface="Arial" panose="020B0604020202020204" pitchFamily="34" charset="0"/>
-              <a:buChar char="•"/>
-            </a:pPr>
-            <a:r>
-              <a:rPr lang="en-US" sz="1400" dirty="0"/>
-              <a:t>Can also be used for precision voltage divider experiments</a:t>
-            </a:r>
           </a:p>
           <a:p>
             <a:endParaRPr lang="en-US" sz="1400" dirty="0"/>
@@ -14951,7 +14733,7 @@
             </a:pPr>
             <a:r>
               <a:rPr lang="en-US" sz="1400" dirty="0"/>
-              <a:t>On Board buttons for I/O testing</a:t>
+              <a:t>Two on Board buttons for testing or getting user input.</a:t>
             </a:r>
           </a:p>
           <a:p>
@@ -14961,7 +14743,7 @@
             </a:pPr>
             <a:r>
               <a:rPr lang="en-US" sz="1400" dirty="0"/>
-              <a:t>For use with internal pullup</a:t>
+              <a:t>(use with internal pullup).</a:t>
             </a:r>
           </a:p>
           <a:p>
@@ -14971,7 +14753,7 @@
             </a:pPr>
             <a:r>
               <a:rPr lang="en-US" sz="1400" dirty="0"/>
-              <a:t>Includes current limiting resistor in case the pin is accidentally configured for output and then the button is pushed</a:t>
+              <a:t>Also Includes current limiting resistor in case the pin is accidentally configured for output and then the button is pushed</a:t>
             </a:r>
           </a:p>
           <a:p>
@@ -14994,7 +14776,7 @@
             </a:pPr>
             <a:r>
               <a:rPr lang="en-US" sz="1400" dirty="0"/>
-              <a:t>Optional LN2903 output driver.</a:t>
+              <a:t>LN2903 output driver.</a:t>
             </a:r>
           </a:p>
           <a:p>
@@ -15004,7 +14786,7 @@
             </a:pPr>
             <a:r>
               <a:rPr lang="en-US" sz="1400" dirty="0"/>
-              <a:t>If not used jumpers can be installed directly across.</a:t>
+              <a:t>If not used jumpers can easily be installed directly across.</a:t>
             </a:r>
           </a:p>
           <a:p>
@@ -15034,7 +14816,7 @@
             </a:pPr>
             <a:r>
               <a:rPr lang="en-US" sz="1400" dirty="0"/>
-              <a:t>PCB to have pin headers so that LED’s could be remote mounted as signals, building lighting, mimic panel</a:t>
+              <a:t>LED’s could be remote mounted as signals, building lighting, mimic panel</a:t>
             </a:r>
           </a:p>
           <a:p>
@@ -15044,7 +14826,17 @@
             </a:pPr>
             <a:r>
               <a:rPr lang="en-US" sz="1400" dirty="0"/>
-              <a:t>Unused pins to have connection points available</a:t>
+              <a:t>PWM pins available for driving motor shields. (or others) </a:t>
+            </a:r>
+          </a:p>
+          <a:p>
+            <a:pPr marL="285750" indent="-285750">
+              <a:buFont typeface="Arial" panose="020B0604020202020204" pitchFamily="34" charset="0"/>
+              <a:buChar char="•"/>
+            </a:pPr>
+            <a:r>
+              <a:rPr lang="en-US" sz="1400" dirty="0"/>
+              <a:t>Spare driver has in/out connection points available</a:t>
             </a:r>
           </a:p>
           <a:p>
@@ -15058,10 +14850,10 @@
       </p:sp>
       <p:pic>
         <p:nvPicPr>
-          <p:cNvPr id="4" name="Picture 3">
+          <p:cNvPr id="6" name="Picture 5">
             <a:extLst>
               <a:ext uri="{FF2B5EF4-FFF2-40B4-BE49-F238E27FC236}">
-                <a16:creationId xmlns:a16="http://schemas.microsoft.com/office/drawing/2014/main" id="{C299BEDD-D806-4792-A0B9-CFA8E3BA3D5F}"/>
+                <a16:creationId xmlns:a16="http://schemas.microsoft.com/office/drawing/2014/main" id="{C1CF05EA-D2F3-4F3C-AE09-9900FBFACFED}"/>
               </a:ext>
             </a:extLst>
           </p:cNvPr>
@@ -15078,8 +14870,8 @@
         </p:blipFill>
         <p:spPr>
           <a:xfrm>
-            <a:off x="1202988" y="955113"/>
-            <a:ext cx="3343275" cy="1333500"/>
+            <a:off x="1202988" y="993213"/>
+            <a:ext cx="1276350" cy="1295400"/>
           </a:xfrm>
           <a:prstGeom prst="rect">
             <a:avLst/>
@@ -15088,10 +14880,10 @@
       </p:pic>
       <p:pic>
         <p:nvPicPr>
-          <p:cNvPr id="10" name="Picture 9">
+          <p:cNvPr id="8" name="Picture 7">
             <a:extLst>
               <a:ext uri="{FF2B5EF4-FFF2-40B4-BE49-F238E27FC236}">
-                <a16:creationId xmlns:a16="http://schemas.microsoft.com/office/drawing/2014/main" id="{14105CB0-FB64-4FAA-8D4F-D7823839FD13}"/>
+                <a16:creationId xmlns:a16="http://schemas.microsoft.com/office/drawing/2014/main" id="{A7DAD524-DCE4-465E-A1F7-477B4AEB4526}"/>
               </a:ext>
             </a:extLst>
           </p:cNvPr>
@@ -15108,8 +14900,8 @@
         </p:blipFill>
         <p:spPr>
           <a:xfrm>
-            <a:off x="1202988" y="3432918"/>
-            <a:ext cx="3403262" cy="3077794"/>
+            <a:off x="1202988" y="2470240"/>
+            <a:ext cx="1771650" cy="781050"/>
           </a:xfrm>
           <a:prstGeom prst="rect">
             <a:avLst/>
@@ -15118,10 +14910,10 @@
       </p:pic>
       <p:pic>
         <p:nvPicPr>
-          <p:cNvPr id="12" name="Picture 11">
+          <p:cNvPr id="14" name="Picture 13">
             <a:extLst>
               <a:ext uri="{FF2B5EF4-FFF2-40B4-BE49-F238E27FC236}">
-                <a16:creationId xmlns:a16="http://schemas.microsoft.com/office/drawing/2014/main" id="{D41A1CCC-33DC-4B22-900C-3888268E8CD5}"/>
+                <a16:creationId xmlns:a16="http://schemas.microsoft.com/office/drawing/2014/main" id="{DFAE53F2-E421-43A2-8D34-DFA555058940}"/>
               </a:ext>
             </a:extLst>
           </p:cNvPr>
@@ -15138,8 +14930,8 @@
         </p:blipFill>
         <p:spPr>
           <a:xfrm>
-            <a:off x="1202988" y="2475003"/>
-            <a:ext cx="1724025" cy="771525"/>
+            <a:off x="1143001" y="3420018"/>
+            <a:ext cx="3528444" cy="3278038"/>
           </a:xfrm>
           <a:prstGeom prst="rect">
             <a:avLst/>
@@ -15243,7 +15035,7 @@
         <p:spPr>
           <a:xfrm>
             <a:off x="4468189" y="1428948"/>
-            <a:ext cx="7595179" cy="3662541"/>
+            <a:ext cx="7595179" cy="2092881"/>
           </a:xfrm>
           <a:prstGeom prst="rect">
             <a:avLst/>
@@ -15312,7 +15104,7 @@
             </a:pPr>
             <a:r>
               <a:rPr lang="en-US" sz="1400" dirty="0"/>
-              <a:t>I2C (SDA/SCL) have provision for pull up resistors otherwise same as standard analog pins</a:t>
+              <a:t>I2C brought out to 4 pin header for connection to servo expander</a:t>
             </a:r>
           </a:p>
           <a:p>
@@ -15322,17 +15114,31 @@
             </a:pPr>
             <a:r>
               <a:rPr lang="en-US" sz="1400" dirty="0"/>
-              <a:t>I2C brought out to 4 pin header for connection to servo expander</a:t>
-            </a:r>
-          </a:p>
-          <a:p>
-            <a:pPr marL="285750" indent="-285750">
-              <a:buFont typeface="Arial" panose="020B0604020202020204" pitchFamily="34" charset="0"/>
-              <a:buChar char="•"/>
-            </a:pPr>
+              <a:t>Tx/Rx available on 5 pin header (with +5 </a:t>
+            </a:r>
+            <a:r>
+              <a:rPr lang="en-US" sz="1400" dirty="0" err="1"/>
+              <a:t>Gnd</a:t>
+            </a:r>
             <a:r>
               <a:rPr lang="en-US" sz="1400" dirty="0"/>
-              <a:t>Tx/Rx available on 3 pin header</a:t>
+              <a:t> and a 3</a:t>
+            </a:r>
+            <a:r>
+              <a:rPr lang="en-US" sz="1400" baseline="30000" dirty="0"/>
+              <a:t>rd</a:t>
+            </a:r>
+            <a:r>
+              <a:rPr lang="en-US" sz="1400" dirty="0"/>
+              <a:t> digital pin so this is suitable for wide range of coms oriented hat connections. (RS485 / CBUS </a:t>
+            </a:r>
+            <a:r>
+              <a:rPr lang="en-US" sz="1400" dirty="0" err="1"/>
+              <a:t>etc</a:t>
+            </a:r>
+            <a:r>
+              <a:rPr lang="en-US" sz="1400" dirty="0"/>
+              <a:t>)</a:t>
             </a:r>
           </a:p>
           <a:p>
@@ -15342,73 +15148,14 @@
             </a:pPr>
             <a:endParaRPr lang="en-US" sz="1400" dirty="0"/>
           </a:p>
-          <a:p>
-            <a:pPr marL="285750" indent="-285750">
-              <a:buFont typeface="Arial" panose="020B0604020202020204" pitchFamily="34" charset="0"/>
-              <a:buChar char="•"/>
-            </a:pPr>
-            <a:endParaRPr lang="en-US" sz="1400" dirty="0"/>
-          </a:p>
-          <a:p>
-            <a:r>
-              <a:rPr lang="en-US" dirty="0">
-                <a:solidFill>
-                  <a:srgbClr val="FFFF00"/>
-                </a:solidFill>
-              </a:rPr>
-              <a:t>Still considering:</a:t>
-            </a:r>
-          </a:p>
-          <a:p>
-            <a:pPr marL="285750" indent="-285750">
-              <a:buFont typeface="Arial" panose="020B0604020202020204" pitchFamily="34" charset="0"/>
-              <a:buChar char="•"/>
-            </a:pPr>
-            <a:r>
-              <a:rPr lang="en-US" sz="1400" dirty="0"/>
-              <a:t>A row of holes where a </a:t>
-            </a:r>
-            <a:r>
-              <a:rPr lang="en-US" sz="1400" dirty="0" err="1"/>
-              <a:t>DfPlayer</a:t>
-            </a:r>
-            <a:r>
-              <a:rPr lang="en-US" sz="1400" dirty="0"/>
-              <a:t> ‘daughter board’ (MP3 sound effects) could be added.</a:t>
-            </a:r>
-          </a:p>
-          <a:p>
-            <a:pPr marL="285750" indent="-285750">
-              <a:buFont typeface="Arial" panose="020B0604020202020204" pitchFamily="34" charset="0"/>
-              <a:buChar char="•"/>
-            </a:pPr>
-            <a:r>
-              <a:rPr lang="en-US" sz="1400" dirty="0"/>
-              <a:t>A row of holes where a max485 ‘daughter board’ (CMRI interface) or general comm’s could be added.</a:t>
-            </a:r>
-          </a:p>
-          <a:p>
-            <a:pPr marL="285750" indent="-285750">
-              <a:buFont typeface="Arial" panose="020B0604020202020204" pitchFamily="34" charset="0"/>
-              <a:buChar char="•"/>
-            </a:pPr>
-            <a:endParaRPr lang="en-US" sz="1400" dirty="0"/>
-          </a:p>
-          <a:p>
-            <a:pPr marL="285750" indent="-285750">
-              <a:buFont typeface="Arial" panose="020B0604020202020204" pitchFamily="34" charset="0"/>
-              <a:buChar char="•"/>
-            </a:pPr>
-            <a:endParaRPr lang="en-US" sz="1400" dirty="0"/>
-          </a:p>
         </p:txBody>
       </p:sp>
       <p:pic>
         <p:nvPicPr>
-          <p:cNvPr id="6" name="Picture 5">
+          <p:cNvPr id="4" name="Picture 3">
             <a:extLst>
               <a:ext uri="{FF2B5EF4-FFF2-40B4-BE49-F238E27FC236}">
-                <a16:creationId xmlns:a16="http://schemas.microsoft.com/office/drawing/2014/main" id="{FA149DD3-B50F-4D62-B993-AAF9DEE63961}"/>
+                <a16:creationId xmlns:a16="http://schemas.microsoft.com/office/drawing/2014/main" id="{182D4841-F296-4663-BA01-E3DCEB88F210}"/>
               </a:ext>
             </a:extLst>
           </p:cNvPr>
@@ -15425,8 +15172,8 @@
         </p:blipFill>
         <p:spPr>
           <a:xfrm>
-            <a:off x="1356404" y="1528762"/>
-            <a:ext cx="2886075" cy="3800475"/>
+            <a:off x="637276" y="1507330"/>
+            <a:ext cx="3619500" cy="3429000"/>
           </a:xfrm>
           <a:prstGeom prst="rect">
             <a:avLst/>
@@ -15435,10 +15182,10 @@
       </p:pic>
       <p:pic>
         <p:nvPicPr>
-          <p:cNvPr id="8" name="Picture 7">
+          <p:cNvPr id="6" name="Picture 5">
             <a:extLst>
               <a:ext uri="{FF2B5EF4-FFF2-40B4-BE49-F238E27FC236}">
-                <a16:creationId xmlns:a16="http://schemas.microsoft.com/office/drawing/2014/main" id="{264C26F1-AB79-43A3-AC03-8E2C46801251}"/>
+                <a16:creationId xmlns:a16="http://schemas.microsoft.com/office/drawing/2014/main" id="{535EB59A-F4D5-450E-9EF3-FCFE15B6F0B2}"/>
               </a:ext>
             </a:extLst>
           </p:cNvPr>
@@ -15455,8 +15202,8 @@
         </p:blipFill>
         <p:spPr>
           <a:xfrm>
-            <a:off x="1356404" y="5526441"/>
-            <a:ext cx="1581150" cy="828675"/>
+            <a:off x="6578988" y="4578290"/>
+            <a:ext cx="1190625" cy="1238250"/>
           </a:xfrm>
           <a:prstGeom prst="rect">
             <a:avLst/>
@@ -15599,14 +15346,14 @@
           <p:nvPr>
             <p:extLst>
               <p:ext uri="{D42A27DB-BD31-4B8C-83A1-F6EECF244321}">
-                <p14:modId xmlns:p14="http://schemas.microsoft.com/office/powerpoint/2010/main" val="3534783679"/>
+                <p14:modId xmlns:p14="http://schemas.microsoft.com/office/powerpoint/2010/main" val="223950692"/>
               </p:ext>
             </p:extLst>
           </p:nvPr>
         </p:nvGraphicFramePr>
         <p:xfrm>
-          <a:off x="916496" y="1709567"/>
-          <a:ext cx="10635144" cy="2966720"/>
+          <a:off x="890616" y="1219441"/>
+          <a:ext cx="10635144" cy="3510280"/>
         </p:xfrm>
         <a:graphic>
           <a:graphicData uri="http://schemas.openxmlformats.org/drawingml/2006/table">
@@ -15862,7 +15609,7 @@
                     <a:p>
                       <a:r>
                         <a:rPr lang="en-US" dirty="0"/>
-                        <a:t>This is In Progress</a:t>
+                        <a:t>Yes – Alan</a:t>
                       </a:r>
                     </a:p>
                   </a:txBody>
@@ -15939,7 +15686,7 @@
                       </a:pPr>
                       <a:r>
                         <a:rPr lang="en-US" dirty="0"/>
-                        <a:t>Previous stage passed.</a:t>
+                        <a:t>Schematic Laid out</a:t>
                       </a:r>
                     </a:p>
                   </a:txBody>
@@ -15950,7 +15697,27 @@
                     <a:bodyPr/>
                     <a:lstStyle/>
                     <a:p>
-                      <a:endParaRPr lang="en-US" dirty="0"/>
+                      <a:pPr marL="0" marR="0" lvl="0" indent="0" algn="l" defTabSz="914400" rtl="0" eaLnBrk="1" fontAlgn="auto" latinLnBrk="0" hangingPunct="1">
+                        <a:lnSpc>
+                          <a:spcPct val="100000"/>
+                        </a:lnSpc>
+                        <a:spcBef>
+                          <a:spcPts val="0"/>
+                        </a:spcBef>
+                        <a:spcAft>
+                          <a:spcPts val="0"/>
+                        </a:spcAft>
+                        <a:buClrTx/>
+                        <a:buSzTx/>
+                        <a:buFontTx/>
+                        <a:buNone/>
+                        <a:tabLst/>
+                        <a:defRPr/>
+                      </a:pPr>
+                      <a:r>
+                        <a:rPr lang="en-US" dirty="0"/>
+                        <a:t>Yes – Alan</a:t>
+                      </a:r>
                     </a:p>
                   </a:txBody>
                   <a:tcPr/>
@@ -15960,7 +15727,27 @@
                     <a:bodyPr/>
                     <a:lstStyle/>
                     <a:p>
-                      <a:endParaRPr lang="en-US" dirty="0"/>
+                      <a:pPr marL="0" marR="0" lvl="0" indent="0" algn="l" defTabSz="914400" rtl="0" eaLnBrk="1" fontAlgn="auto" latinLnBrk="0" hangingPunct="1">
+                        <a:lnSpc>
+                          <a:spcPct val="100000"/>
+                        </a:lnSpc>
+                        <a:spcBef>
+                          <a:spcPts val="0"/>
+                        </a:spcBef>
+                        <a:spcAft>
+                          <a:spcPts val="0"/>
+                        </a:spcAft>
+                        <a:buClrTx/>
+                        <a:buSzTx/>
+                        <a:buFontTx/>
+                        <a:buNone/>
+                        <a:tabLst/>
+                        <a:defRPr/>
+                      </a:pPr>
+                      <a:r>
+                        <a:rPr lang="en-US" dirty="0"/>
+                        <a:t>Jan 2022</a:t>
+                      </a:r>
                     </a:p>
                   </a:txBody>
                   <a:tcPr/>
@@ -16023,7 +15810,53 @@
                       </a:pPr>
                       <a:r>
                         <a:rPr lang="en-US" dirty="0"/>
-                        <a:t>Previous stage passed.</a:t>
+                        <a:t>PCB Laid Out</a:t>
+                      </a:r>
+                    </a:p>
+                    <a:p>
+                      <a:pPr marL="0" marR="0" lvl="0" indent="0" algn="l" defTabSz="914400" rtl="0" eaLnBrk="1" fontAlgn="auto" latinLnBrk="0" hangingPunct="1">
+                        <a:lnSpc>
+                          <a:spcPct val="100000"/>
+                        </a:lnSpc>
+                        <a:spcBef>
+                          <a:spcPts val="0"/>
+                        </a:spcBef>
+                        <a:spcAft>
+                          <a:spcPts val="0"/>
+                        </a:spcAft>
+                        <a:buClrTx/>
+                        <a:buSzTx/>
+                        <a:buFontTx/>
+                        <a:buNone/>
+                        <a:tabLst/>
+                        <a:defRPr/>
+                      </a:pPr>
+                      <a:r>
+                        <a:rPr lang="en-US" dirty="0"/>
+                        <a:t>Design Review</a:t>
+                      </a:r>
+                    </a:p>
+                    <a:p>
+                      <a:pPr marL="0" marR="0" lvl="0" indent="0" algn="l" defTabSz="914400" rtl="0" eaLnBrk="1" fontAlgn="auto" latinLnBrk="0" hangingPunct="1">
+                        <a:lnSpc>
+                          <a:spcPct val="100000"/>
+                        </a:lnSpc>
+                        <a:spcBef>
+                          <a:spcPts val="0"/>
+                        </a:spcBef>
+                        <a:spcAft>
+                          <a:spcPts val="0"/>
+                        </a:spcAft>
+                        <a:buClrTx/>
+                        <a:buSzTx/>
+                        <a:buFontTx/>
+                        <a:buNone/>
+                        <a:tabLst/>
+                        <a:defRPr/>
+                      </a:pPr>
+                      <a:r>
+                        <a:rPr lang="en-US" dirty="0"/>
+                        <a:t>Map against requirements</a:t>
                       </a:r>
                     </a:p>
                   </a:txBody>
@@ -16118,7 +15951,10 @@
                     <a:bodyPr/>
                     <a:lstStyle/>
                     <a:p>
-                      <a:endParaRPr lang="en-US" dirty="0"/>
+                      <a:r>
+                        <a:rPr lang="en-US" dirty="0"/>
+                        <a:t>Get protos built.</a:t>
+                      </a:r>
                     </a:p>
                   </a:txBody>
                   <a:tcPr/>
@@ -16443,14 +16279,14 @@
           <p:nvPr>
             <p:extLst>
               <p:ext uri="{D42A27DB-BD31-4B8C-83A1-F6EECF244321}">
-                <p14:modId xmlns:p14="http://schemas.microsoft.com/office/powerpoint/2010/main" val="218667945"/>
+                <p14:modId xmlns:p14="http://schemas.microsoft.com/office/powerpoint/2010/main" val="2684239284"/>
               </p:ext>
             </p:extLst>
           </p:nvPr>
         </p:nvGraphicFramePr>
         <p:xfrm>
-          <a:off x="844492" y="917220"/>
-          <a:ext cx="10503016" cy="5400040"/>
+          <a:off x="844491" y="761944"/>
+          <a:ext cx="11068588" cy="5582920"/>
         </p:xfrm>
         <a:graphic>
           <a:graphicData uri="http://schemas.openxmlformats.org/drawingml/2006/table">
@@ -16459,42 +16295,42 @@
                 <a:tableStyleId>{5C22544A-7EE6-4342-B048-85BDC9FD1C3A}</a:tableStyleId>
               </a:tblPr>
               <a:tblGrid>
-                <a:gridCol w="757805">
+                <a:gridCol w="639252">
                   <a:extLst>
                     <a:ext uri="{9D8B030D-6E8A-4147-A177-3AD203B41FA5}">
                       <a16:colId xmlns:a16="http://schemas.microsoft.com/office/drawing/2014/main" val="2598000485"/>
                     </a:ext>
                   </a:extLst>
                 </a:gridCol>
-                <a:gridCol w="1391069">
+                <a:gridCol w="1743518">
                   <a:extLst>
                     <a:ext uri="{9D8B030D-6E8A-4147-A177-3AD203B41FA5}">
                       <a16:colId xmlns:a16="http://schemas.microsoft.com/office/drawing/2014/main" val="3863070693"/>
                     </a:ext>
                   </a:extLst>
                 </a:gridCol>
-                <a:gridCol w="3657600">
+                <a:gridCol w="3909102">
                   <a:extLst>
                     <a:ext uri="{9D8B030D-6E8A-4147-A177-3AD203B41FA5}">
                       <a16:colId xmlns:a16="http://schemas.microsoft.com/office/drawing/2014/main" val="429033357"/>
                     </a:ext>
                   </a:extLst>
                 </a:gridCol>
-                <a:gridCol w="2631057">
+                <a:gridCol w="2600008">
                   <a:extLst>
                     <a:ext uri="{9D8B030D-6E8A-4147-A177-3AD203B41FA5}">
                       <a16:colId xmlns:a16="http://schemas.microsoft.com/office/drawing/2014/main" val="3085965303"/>
                     </a:ext>
                   </a:extLst>
                 </a:gridCol>
-                <a:gridCol w="1153147">
+                <a:gridCol w="1215242">
                   <a:extLst>
                     <a:ext uri="{9D8B030D-6E8A-4147-A177-3AD203B41FA5}">
                       <a16:colId xmlns:a16="http://schemas.microsoft.com/office/drawing/2014/main" val="3983995983"/>
                     </a:ext>
                   </a:extLst>
                 </a:gridCol>
-                <a:gridCol w="912338">
+                <a:gridCol w="961466">
                   <a:extLst>
                     <a:ext uri="{9D8B030D-6E8A-4147-A177-3AD203B41FA5}">
                       <a16:colId xmlns:a16="http://schemas.microsoft.com/office/drawing/2014/main" val="156959021"/>
@@ -16698,7 +16534,10 @@
                     <a:bodyPr/>
                     <a:lstStyle/>
                     <a:p>
-                      <a:endParaRPr lang="en-US" dirty="0"/>
+                      <a:r>
+                        <a:rPr lang="en-US" dirty="0"/>
+                        <a:t>7805</a:t>
+                      </a:r>
                     </a:p>
                   </a:txBody>
                   <a:tcPr/>
@@ -16708,7 +16547,10 @@
                     <a:bodyPr/>
                     <a:lstStyle/>
                     <a:p>
-                      <a:endParaRPr lang="en-US" dirty="0"/>
+                      <a:r>
+                        <a:rPr lang="en-US" dirty="0"/>
+                        <a:t>Jan 2022</a:t>
+                      </a:r>
                     </a:p>
                   </a:txBody>
                   <a:tcPr/>
@@ -16801,9 +16643,29 @@
                       </a:pPr>
                       <a:r>
                         <a:rPr lang="en-US" dirty="0"/>
-                        <a:t>Cost in terms of PCB space</a:t>
+                        <a:t>Cost in terms of PCB space Part cost (pennies) </a:t>
                       </a:r>
                     </a:p>
+                  </a:txBody>
+                  <a:tcPr/>
+                </a:tc>
+                <a:tc>
+                  <a:txBody>
+                    <a:bodyPr/>
+                    <a:lstStyle/>
+                    <a:p>
+                      <a:r>
+                        <a:rPr lang="en-US" dirty="0"/>
+                        <a:t>Keep</a:t>
+                      </a:r>
+                    </a:p>
+                  </a:txBody>
+                  <a:tcPr/>
+                </a:tc>
+                <a:tc>
+                  <a:txBody>
+                    <a:bodyPr/>
+                    <a:lstStyle/>
                     <a:p>
                       <a:pPr marL="0" marR="0" lvl="0" indent="0" algn="l" defTabSz="914400" rtl="0" eaLnBrk="1" fontAlgn="auto" latinLnBrk="0" hangingPunct="1">
                         <a:lnSpc>
@@ -16824,28 +16686,8 @@
                       </a:pPr>
                       <a:r>
                         <a:rPr lang="en-US" dirty="0"/>
-                        <a:t>Part cost (pennies) </a:t>
+                        <a:t>Jan 2022</a:t>
                       </a:r>
-                    </a:p>
-                  </a:txBody>
-                  <a:tcPr/>
-                </a:tc>
-                <a:tc>
-                  <a:txBody>
-                    <a:bodyPr/>
-                    <a:lstStyle/>
-                    <a:p>
-                      <a:endParaRPr lang="en-US" dirty="0"/>
-                    </a:p>
-                  </a:txBody>
-                  <a:tcPr/>
-                </a:tc>
-                <a:tc>
-                  <a:txBody>
-                    <a:bodyPr/>
-                    <a:lstStyle/>
-                    <a:p>
-                      <a:endParaRPr lang="en-US" dirty="0"/>
                     </a:p>
                   </a:txBody>
                   <a:tcPr/>
@@ -16951,8 +16793,13 @@
                     <a:p>
                       <a:r>
                         <a:rPr lang="en-US" dirty="0"/>
-                        <a:t>Do some Testing</a:t>
+                        <a:t>R680</a:t>
                       </a:r>
+                      <a:endParaRPr lang="en-US" dirty="0">
+                        <a:solidFill>
+                          <a:srgbClr val="FF0000"/>
+                        </a:solidFill>
+                      </a:endParaRPr>
                     </a:p>
                   </a:txBody>
                   <a:tcPr/>
@@ -16962,7 +16809,27 @@
                     <a:bodyPr/>
                     <a:lstStyle/>
                     <a:p>
-                      <a:endParaRPr lang="en-US" dirty="0"/>
+                      <a:pPr marL="0" marR="0" lvl="0" indent="0" algn="l" defTabSz="914400" rtl="0" eaLnBrk="1" fontAlgn="auto" latinLnBrk="0" hangingPunct="1">
+                        <a:lnSpc>
+                          <a:spcPct val="100000"/>
+                        </a:lnSpc>
+                        <a:spcBef>
+                          <a:spcPts val="0"/>
+                        </a:spcBef>
+                        <a:spcAft>
+                          <a:spcPts val="0"/>
+                        </a:spcAft>
+                        <a:buClrTx/>
+                        <a:buSzTx/>
+                        <a:buFontTx/>
+                        <a:buNone/>
+                        <a:tabLst/>
+                        <a:defRPr/>
+                      </a:pPr>
+                      <a:r>
+                        <a:rPr lang="en-US" dirty="0"/>
+                        <a:t>Jan 2022</a:t>
+                      </a:r>
                     </a:p>
                   </a:txBody>
                   <a:tcPr/>
@@ -17112,7 +16979,10 @@
                     <a:bodyPr/>
                     <a:lstStyle/>
                     <a:p>
-                      <a:endParaRPr lang="en-US" dirty="0"/>
+                      <a:r>
+                        <a:rPr lang="en-US" dirty="0"/>
+                        <a:t>Internal</a:t>
+                      </a:r>
                     </a:p>
                   </a:txBody>
                   <a:tcPr/>
@@ -17121,6 +16991,29 @@
                   <a:txBody>
                     <a:bodyPr/>
                     <a:lstStyle/>
+                    <a:p>
+                      <a:pPr marL="0" marR="0" lvl="0" indent="0" algn="l" defTabSz="914400" rtl="0" eaLnBrk="1" fontAlgn="auto" latinLnBrk="0" hangingPunct="1">
+                        <a:lnSpc>
+                          <a:spcPct val="100000"/>
+                        </a:lnSpc>
+                        <a:spcBef>
+                          <a:spcPts val="0"/>
+                        </a:spcBef>
+                        <a:spcAft>
+                          <a:spcPts val="0"/>
+                        </a:spcAft>
+                        <a:buClrTx/>
+                        <a:buSzTx/>
+                        <a:buFontTx/>
+                        <a:buNone/>
+                        <a:tabLst/>
+                        <a:defRPr/>
+                      </a:pPr>
+                      <a:r>
+                        <a:rPr lang="en-US" dirty="0"/>
+                        <a:t>Jan 2022</a:t>
+                      </a:r>
+                    </a:p>
                     <a:p>
                       <a:endParaRPr lang="en-US" dirty="0"/>
                     </a:p>
@@ -17185,30 +17078,7 @@
                       </a:pPr>
                       <a:r>
                         <a:rPr lang="en-US" dirty="0"/>
-                        <a:t>General RS485 comms</a:t>
-                      </a:r>
-                    </a:p>
-                    <a:p>
-                      <a:pPr marL="0" marR="0" lvl="0" indent="0" algn="l" defTabSz="914400" rtl="0" eaLnBrk="1" fontAlgn="auto" latinLnBrk="0" hangingPunct="1">
-                        <a:lnSpc>
-                          <a:spcPct val="100000"/>
-                        </a:lnSpc>
-                        <a:spcBef>
-                          <a:spcPts val="0"/>
-                        </a:spcBef>
-                        <a:spcAft>
-                          <a:spcPts val="0"/>
-                        </a:spcAft>
-                        <a:buClrTx/>
-                        <a:buSzTx/>
-                        <a:buFontTx/>
-                        <a:buNone/>
-                        <a:tabLst/>
-                        <a:defRPr/>
-                      </a:pPr>
-                      <a:r>
-                        <a:rPr lang="en-US" dirty="0"/>
-                        <a:t>CMRI connectivity</a:t>
+                        <a:t>Comms/RS485/CMRI connectivity</a:t>
                       </a:r>
                     </a:p>
                   </a:txBody>
@@ -17238,9 +17108,29 @@
                       </a:pPr>
                       <a:r>
                         <a:rPr lang="en-US" dirty="0"/>
-                        <a:t>Cost in terms of PCB space</a:t>
+                        <a:t>Cost in terms of PCB space Part cost (pennies) </a:t>
                       </a:r>
                     </a:p>
+                  </a:txBody>
+                  <a:tcPr/>
+                </a:tc>
+                <a:tc>
+                  <a:txBody>
+                    <a:bodyPr/>
+                    <a:lstStyle/>
+                    <a:p>
+                      <a:r>
+                        <a:rPr lang="en-US" dirty="0"/>
+                        <a:t>No (but header available)</a:t>
+                      </a:r>
+                    </a:p>
+                  </a:txBody>
+                  <a:tcPr/>
+                </a:tc>
+                <a:tc>
+                  <a:txBody>
+                    <a:bodyPr/>
+                    <a:lstStyle/>
                     <a:p>
                       <a:pPr marL="0" marR="0" lvl="0" indent="0" algn="l" defTabSz="914400" rtl="0" eaLnBrk="1" fontAlgn="auto" latinLnBrk="0" hangingPunct="1">
                         <a:lnSpc>
@@ -17261,26 +17151,9 @@
                       </a:pPr>
                       <a:r>
                         <a:rPr lang="en-US" dirty="0"/>
-                        <a:t>Part cost (pennies) </a:t>
+                        <a:t>Jan 2022</a:t>
                       </a:r>
                     </a:p>
-                  </a:txBody>
-                  <a:tcPr/>
-                </a:tc>
-                <a:tc>
-                  <a:txBody>
-                    <a:bodyPr/>
-                    <a:lstStyle/>
-                    <a:p>
-                      <a:endParaRPr lang="en-US" dirty="0"/>
-                    </a:p>
-                  </a:txBody>
-                  <a:tcPr/>
-                </a:tc>
-                <a:tc>
-                  <a:txBody>
-                    <a:bodyPr/>
-                    <a:lstStyle/>
                     <a:p>
                       <a:endParaRPr lang="en-US" dirty="0"/>
                     </a:p>
@@ -17358,7 +17231,7 @@
                       </a:r>
                       <a:r>
                         <a:rPr lang="en-US" dirty="0"/>
-                        <a:t> is a whole area of interest.</a:t>
+                        <a:t> is another area of interest.</a:t>
                       </a:r>
                     </a:p>
                   </a:txBody>
@@ -17388,9 +17261,29 @@
                       </a:pPr>
                       <a:r>
                         <a:rPr lang="en-US" dirty="0"/>
-                        <a:t>Cost in terms of PCB space</a:t>
+                        <a:t>Cost in terms of PCB space Part cost (pennies) </a:t>
                       </a:r>
                     </a:p>
+                  </a:txBody>
+                  <a:tcPr/>
+                </a:tc>
+                <a:tc>
+                  <a:txBody>
+                    <a:bodyPr/>
+                    <a:lstStyle/>
+                    <a:p>
+                      <a:r>
+                        <a:rPr lang="en-US" dirty="0"/>
+                        <a:t>No (but header available)</a:t>
+                      </a:r>
+                    </a:p>
+                  </a:txBody>
+                  <a:tcPr/>
+                </a:tc>
+                <a:tc>
+                  <a:txBody>
+                    <a:bodyPr/>
+                    <a:lstStyle/>
                     <a:p>
                       <a:pPr marL="0" marR="0" lvl="0" indent="0" algn="l" defTabSz="914400" rtl="0" eaLnBrk="1" fontAlgn="auto" latinLnBrk="0" hangingPunct="1">
                         <a:lnSpc>
@@ -17411,26 +17304,9 @@
                       </a:pPr>
                       <a:r>
                         <a:rPr lang="en-US" dirty="0"/>
-                        <a:t>Part cost (pennies) </a:t>
+                        <a:t>Jan 2022</a:t>
                       </a:r>
                     </a:p>
-                  </a:txBody>
-                  <a:tcPr/>
-                </a:tc>
-                <a:tc>
-                  <a:txBody>
-                    <a:bodyPr/>
-                    <a:lstStyle/>
-                    <a:p>
-                      <a:endParaRPr lang="en-US" dirty="0"/>
-                    </a:p>
-                  </a:txBody>
-                  <a:tcPr/>
-                </a:tc>
-                <a:tc>
-                  <a:txBody>
-                    <a:bodyPr/>
-                    <a:lstStyle/>
                     <a:p>
                       <a:endParaRPr lang="en-US" dirty="0"/>
                     </a:p>

--- a/Practical Arduino - Ground Up.pptx
+++ b/Practical Arduino - Ground Up.pptx
@@ -4396,7 +4396,7 @@
           <a:p>
             <a:fld id="{48A87A34-81AB-432B-8DAE-1953F412C126}" type="datetimeFigureOut">
               <a:rPr lang="en-US" dirty="0"/>
-              <a:t>1/28/2022</a:t>
+              <a:t>1/31/2022</a:t>
             </a:fld>
             <a:endParaRPr lang="en-US" dirty="0"/>
           </a:p>
@@ -4658,7 +4658,7 @@
           <a:p>
             <a:fld id="{48A87A34-81AB-432B-8DAE-1953F412C126}" type="datetimeFigureOut">
               <a:rPr lang="en-US" dirty="0"/>
-              <a:t>1/28/2022</a:t>
+              <a:t>1/31/2022</a:t>
             </a:fld>
             <a:endParaRPr lang="en-US" dirty="0"/>
           </a:p>
@@ -4849,7 +4849,7 @@
           <a:p>
             <a:fld id="{48A87A34-81AB-432B-8DAE-1953F412C126}" type="datetimeFigureOut">
               <a:rPr lang="en-US" dirty="0"/>
-              <a:t>1/28/2022</a:t>
+              <a:t>1/31/2022</a:t>
             </a:fld>
             <a:endParaRPr lang="en-US" dirty="0"/>
           </a:p>
@@ -5107,7 +5107,7 @@
           <a:p>
             <a:fld id="{48A87A34-81AB-432B-8DAE-1953F412C126}" type="datetimeFigureOut">
               <a:rPr lang="en-US" dirty="0"/>
-              <a:t>1/28/2022</a:t>
+              <a:t>1/31/2022</a:t>
             </a:fld>
             <a:endParaRPr lang="en-US" dirty="0"/>
           </a:p>
@@ -5536,7 +5536,7 @@
           <a:p>
             <a:fld id="{48A87A34-81AB-432B-8DAE-1953F412C126}" type="datetimeFigureOut">
               <a:rPr lang="en-US" dirty="0"/>
-              <a:t>1/28/2022</a:t>
+              <a:t>1/31/2022</a:t>
             </a:fld>
             <a:endParaRPr lang="en-US" dirty="0"/>
           </a:p>
@@ -6077,7 +6077,7 @@
           <a:p>
             <a:fld id="{48A87A34-81AB-432B-8DAE-1953F412C126}" type="datetimeFigureOut">
               <a:rPr lang="en-US" dirty="0"/>
-              <a:t>1/28/2022</a:t>
+              <a:t>1/31/2022</a:t>
             </a:fld>
             <a:endParaRPr lang="en-US" dirty="0"/>
           </a:p>
@@ -6792,7 +6792,7 @@
           <a:p>
             <a:fld id="{48A87A34-81AB-432B-8DAE-1953F412C126}" type="datetimeFigureOut">
               <a:rPr lang="en-US" dirty="0"/>
-              <a:t>1/28/2022</a:t>
+              <a:t>1/31/2022</a:t>
             </a:fld>
             <a:endParaRPr lang="en-US" dirty="0"/>
           </a:p>
@@ -6957,7 +6957,7 @@
           <a:p>
             <a:fld id="{48A87A34-81AB-432B-8DAE-1953F412C126}" type="datetimeFigureOut">
               <a:rPr lang="en-US" dirty="0"/>
-              <a:t>1/28/2022</a:t>
+              <a:t>1/31/2022</a:t>
             </a:fld>
             <a:endParaRPr lang="en-US" dirty="0"/>
           </a:p>
@@ -7132,7 +7132,7 @@
           <a:p>
             <a:fld id="{48A87A34-81AB-432B-8DAE-1953F412C126}" type="datetimeFigureOut">
               <a:rPr lang="en-US" dirty="0"/>
-              <a:t>1/28/2022</a:t>
+              <a:t>1/31/2022</a:t>
             </a:fld>
             <a:endParaRPr lang="en-US" dirty="0"/>
           </a:p>
@@ -7297,7 +7297,7 @@
           <a:p>
             <a:fld id="{48A87A34-81AB-432B-8DAE-1953F412C126}" type="datetimeFigureOut">
               <a:rPr lang="en-US" dirty="0"/>
-              <a:t>1/28/2022</a:t>
+              <a:t>1/31/2022</a:t>
             </a:fld>
             <a:endParaRPr lang="en-US" dirty="0"/>
           </a:p>
@@ -7542,7 +7542,7 @@
           <a:p>
             <a:fld id="{48A87A34-81AB-432B-8DAE-1953F412C126}" type="datetimeFigureOut">
               <a:rPr lang="en-US" dirty="0"/>
-              <a:t>1/28/2022</a:t>
+              <a:t>1/31/2022</a:t>
             </a:fld>
             <a:endParaRPr lang="en-US" dirty="0"/>
           </a:p>
@@ -7769,7 +7769,7 @@
           <a:p>
             <a:fld id="{48A87A34-81AB-432B-8DAE-1953F412C126}" type="datetimeFigureOut">
               <a:rPr lang="en-US" dirty="0"/>
-              <a:t>1/28/2022</a:t>
+              <a:t>1/31/2022</a:t>
             </a:fld>
             <a:endParaRPr lang="en-US" dirty="0"/>
           </a:p>
@@ -8145,7 +8145,7 @@
           <a:p>
             <a:fld id="{48A87A34-81AB-432B-8DAE-1953F412C126}" type="datetimeFigureOut">
               <a:rPr lang="en-US" dirty="0"/>
-              <a:t>1/28/2022</a:t>
+              <a:t>1/31/2022</a:t>
             </a:fld>
             <a:endParaRPr lang="en-US" dirty="0"/>
           </a:p>
@@ -8258,7 +8258,7 @@
           <a:p>
             <a:fld id="{48A87A34-81AB-432B-8DAE-1953F412C126}" type="datetimeFigureOut">
               <a:rPr lang="en-US" dirty="0"/>
-              <a:t>1/28/2022</a:t>
+              <a:t>1/31/2022</a:t>
             </a:fld>
             <a:endParaRPr lang="en-US" dirty="0"/>
           </a:p>
@@ -8348,7 +8348,7 @@
           <a:p>
             <a:fld id="{48A87A34-81AB-432B-8DAE-1953F412C126}" type="datetimeFigureOut">
               <a:rPr lang="en-US" dirty="0"/>
-              <a:t>1/28/2022</a:t>
+              <a:t>1/31/2022</a:t>
             </a:fld>
             <a:endParaRPr lang="en-US" dirty="0"/>
           </a:p>
@@ -8592,7 +8592,7 @@
           <a:p>
             <a:fld id="{48A87A34-81AB-432B-8DAE-1953F412C126}" type="datetimeFigureOut">
               <a:rPr lang="en-US" dirty="0"/>
-              <a:t>1/28/2022</a:t>
+              <a:t>1/31/2022</a:t>
             </a:fld>
             <a:endParaRPr lang="en-US" dirty="0"/>
           </a:p>
@@ -8867,7 +8867,7 @@
           <a:p>
             <a:fld id="{48A87A34-81AB-432B-8DAE-1953F412C126}" type="datetimeFigureOut">
               <a:rPr lang="en-US" dirty="0"/>
-              <a:t>1/28/2022</a:t>
+              <a:t>1/31/2022</a:t>
             </a:fld>
             <a:endParaRPr lang="en-US" dirty="0"/>
           </a:p>
@@ -11940,7 +11940,7 @@
             <a:fld id="{48A87A34-81AB-432B-8DAE-1953F412C126}" type="datetimeFigureOut">
               <a:rPr lang="en-US" dirty="0"/>
               <a:pPr/>
-              <a:t>1/28/2022</a:t>
+              <a:t>1/31/2022</a:t>
             </a:fld>
             <a:endParaRPr lang="en-US" dirty="0"/>
           </a:p>
@@ -14263,10 +14263,10 @@
       </p:sp>
       <p:pic>
         <p:nvPicPr>
-          <p:cNvPr id="7" name="Picture 6">
+          <p:cNvPr id="4" name="Picture 3">
             <a:extLst>
               <a:ext uri="{FF2B5EF4-FFF2-40B4-BE49-F238E27FC236}">
-                <a16:creationId xmlns:a16="http://schemas.microsoft.com/office/drawing/2014/main" id="{4DC49290-1050-43FB-A8F3-8E4078E84333}"/>
+                <a16:creationId xmlns:a16="http://schemas.microsoft.com/office/drawing/2014/main" id="{9AD7E8AD-CE31-48BB-89C8-3BE422136B20}"/>
               </a:ext>
             </a:extLst>
           </p:cNvPr>
@@ -14283,8 +14283,8 @@
         </p:blipFill>
         <p:spPr>
           <a:xfrm rot="5400000">
-            <a:off x="3399058" y="-310069"/>
-            <a:ext cx="4660462" cy="8277228"/>
+            <a:off x="3968151" y="-182584"/>
+            <a:ext cx="4682736" cy="8412162"/>
           </a:xfrm>
           <a:prstGeom prst="rect">
             <a:avLst/>
@@ -14387,8 +14387,8 @@
         </p:nvSpPr>
         <p:spPr>
           <a:xfrm>
-            <a:off x="6526357" y="1536923"/>
-            <a:ext cx="5516118" cy="2800767"/>
+            <a:off x="6387230" y="1536923"/>
+            <a:ext cx="5620739" cy="2800767"/>
           </a:xfrm>
           <a:prstGeom prst="rect">
             <a:avLst/>
@@ -14437,7 +14437,7 @@
             </a:pPr>
             <a:r>
               <a:rPr lang="en-US" sz="1400" dirty="0"/>
-              <a:t>Can be built standalone as just a ‘power supply’ providing 5 volts.</a:t>
+              <a:t>PS cold be built standalone as just a ‘power supply’ providing 5 volts.</a:t>
             </a:r>
           </a:p>
           <a:p>
@@ -14447,7 +14447,7 @@
             </a:pPr>
             <a:r>
               <a:rPr lang="en-US" sz="1400" dirty="0"/>
-              <a:t>Lots of header pin positions can be used for power take off.</a:t>
+              <a:t>Jumper to select routing DC-in to either regulator circuit or Vin on Nano.</a:t>
             </a:r>
           </a:p>
           <a:p>
@@ -14457,7 +14457,17 @@
             </a:pPr>
             <a:r>
               <a:rPr lang="en-US" sz="1400" dirty="0"/>
-              <a:t>On board LED for troubleshooting without NANO</a:t>
+              <a:t>Lots of header pin positions can be used for power take off.</a:t>
+            </a:r>
+          </a:p>
+          <a:p>
+            <a:pPr marL="285750" indent="-285750">
+              <a:buFont typeface="Arial" panose="020B0604020202020204" pitchFamily="34" charset="0"/>
+              <a:buChar char="•"/>
+            </a:pPr>
+            <a:r>
+              <a:rPr lang="en-US" sz="1400" dirty="0"/>
+              <a:t>On board LED (for troubleshooting without NANO involved)</a:t>
             </a:r>
           </a:p>
           <a:p>
@@ -14484,7 +14494,7 @@
             </a:pPr>
             <a:r>
               <a:rPr lang="en-US" sz="1400" dirty="0"/>
-              <a:t>Optional if installed - Optically couples DCC onto to Arduino Pin D3</a:t>
+              <a:t>Optional. Optically couples DCC onto to Arduino Pin D3</a:t>
             </a:r>
           </a:p>
           <a:p>
@@ -14504,16 +14514,6 @@
             </a:pPr>
             <a:r>
               <a:rPr lang="en-US" sz="1400" dirty="0"/>
-              <a:t>Optional – Can omit if not needed. If it is used board must have an</a:t>
-            </a:r>
-          </a:p>
-          <a:p>
-            <a:pPr marL="285750" indent="-285750">
-              <a:buFont typeface="Arial" panose="020B0604020202020204" pitchFamily="34" charset="0"/>
-              <a:buChar char="•"/>
-            </a:pPr>
-            <a:r>
-              <a:rPr lang="en-US" sz="1400" dirty="0"/>
               <a:t>Installed under the NANO to save PCB space.</a:t>
             </a:r>
           </a:p>
@@ -14521,10 +14521,10 @@
       </p:sp>
       <p:pic>
         <p:nvPicPr>
-          <p:cNvPr id="8" name="Picture 7">
+          <p:cNvPr id="4" name="Picture 3">
             <a:extLst>
               <a:ext uri="{FF2B5EF4-FFF2-40B4-BE49-F238E27FC236}">
-                <a16:creationId xmlns:a16="http://schemas.microsoft.com/office/drawing/2014/main" id="{DB7B2499-BC39-4D95-AF32-033A3E99BD39}"/>
+                <a16:creationId xmlns:a16="http://schemas.microsoft.com/office/drawing/2014/main" id="{4929B59D-41AC-4CC3-9931-92F9FA1F206B}"/>
               </a:ext>
             </a:extLst>
           </p:cNvPr>
@@ -14541,8 +14541,8 @@
         </p:blipFill>
         <p:spPr>
           <a:xfrm>
-            <a:off x="814207" y="1536923"/>
-            <a:ext cx="5629275" cy="4105275"/>
+            <a:off x="853206" y="1385887"/>
+            <a:ext cx="5534025" cy="4086225"/>
           </a:xfrm>
           <a:prstGeom prst="rect">
             <a:avLst/>
@@ -14836,7 +14836,7 @@
             </a:pPr>
             <a:r>
               <a:rPr lang="en-US" sz="1400" dirty="0"/>
-              <a:t>Spare driver has in/out connection points available</a:t>
+              <a:t>One spare driver channel has in/out header connection available</a:t>
             </a:r>
           </a:p>
           <a:p>
@@ -14910,10 +14910,10 @@
       </p:pic>
       <p:pic>
         <p:nvPicPr>
-          <p:cNvPr id="14" name="Picture 13">
+          <p:cNvPr id="4" name="Picture 3">
             <a:extLst>
               <a:ext uri="{FF2B5EF4-FFF2-40B4-BE49-F238E27FC236}">
-                <a16:creationId xmlns:a16="http://schemas.microsoft.com/office/drawing/2014/main" id="{DFAE53F2-E421-43A2-8D34-DFA555058940}"/>
+                <a16:creationId xmlns:a16="http://schemas.microsoft.com/office/drawing/2014/main" id="{47691F68-CCF6-4417-AEB4-38545382BB28}"/>
               </a:ext>
             </a:extLst>
           </p:cNvPr>
@@ -14930,8 +14930,8 @@
         </p:blipFill>
         <p:spPr>
           <a:xfrm>
-            <a:off x="1143001" y="3420018"/>
-            <a:ext cx="3528444" cy="3278038"/>
+            <a:off x="1202988" y="3429000"/>
+            <a:ext cx="3418063" cy="3135702"/>
           </a:xfrm>
           <a:prstGeom prst="rect">
             <a:avLst/>
@@ -15035,7 +15035,7 @@
         <p:spPr>
           <a:xfrm>
             <a:off x="4468189" y="1428948"/>
-            <a:ext cx="7595179" cy="2092881"/>
+            <a:ext cx="7595179" cy="2308324"/>
           </a:xfrm>
           <a:prstGeom prst="rect">
             <a:avLst/>
@@ -15064,7 +15064,7 @@
             </a:pPr>
             <a:r>
               <a:rPr lang="en-US" sz="1400" dirty="0"/>
-              <a:t>To be mounted in header pins which are soldered onto the main board</a:t>
+              <a:t>To be mounted on header pins which are soldered onto the main board</a:t>
             </a:r>
           </a:p>
           <a:p>
@@ -15074,7 +15074,7 @@
             </a:pPr>
             <a:r>
               <a:rPr lang="en-US" sz="1400" dirty="0"/>
-              <a:t>optoisolator and other small components will be under the NANO</a:t>
+              <a:t>Optoisolator and other small components will be under the NANO</a:t>
             </a:r>
           </a:p>
           <a:p>
@@ -15084,7 +15084,7 @@
             </a:pPr>
             <a:r>
               <a:rPr lang="en-US" sz="1400" dirty="0"/>
-              <a:t>All I/O pins land somewhere and are available</a:t>
+              <a:t>All I/O pins land somewhere and are available for use.</a:t>
             </a:r>
           </a:p>
           <a:p>
@@ -15138,7 +15138,7 @@
             </a:r>
             <a:r>
               <a:rPr lang="en-US" sz="1400" dirty="0"/>
-              <a:t>)</a:t>
+              <a:t>). Pins arranged so that reversal of plug should not damage anything.</a:t>
             </a:r>
           </a:p>
           <a:p>
@@ -15152,10 +15152,10 @@
       </p:sp>
       <p:pic>
         <p:nvPicPr>
-          <p:cNvPr id="4" name="Picture 3">
+          <p:cNvPr id="7" name="Picture 6">
             <a:extLst>
               <a:ext uri="{FF2B5EF4-FFF2-40B4-BE49-F238E27FC236}">
-                <a16:creationId xmlns:a16="http://schemas.microsoft.com/office/drawing/2014/main" id="{182D4841-F296-4663-BA01-E3DCEB88F210}"/>
+                <a16:creationId xmlns:a16="http://schemas.microsoft.com/office/drawing/2014/main" id="{2D47CECC-7441-48B7-9A8B-570EAED8F308}"/>
               </a:ext>
             </a:extLst>
           </p:cNvPr>
@@ -15172,8 +15172,8 @@
         </p:blipFill>
         <p:spPr>
           <a:xfrm>
-            <a:off x="637276" y="1507330"/>
-            <a:ext cx="3619500" cy="3429000"/>
+            <a:off x="4892491" y="3524448"/>
+            <a:ext cx="1466850" cy="1076325"/>
           </a:xfrm>
           <a:prstGeom prst="rect">
             <a:avLst/>
@@ -15182,10 +15182,10 @@
       </p:pic>
       <p:pic>
         <p:nvPicPr>
-          <p:cNvPr id="6" name="Picture 5">
+          <p:cNvPr id="9" name="Picture 8">
             <a:extLst>
               <a:ext uri="{FF2B5EF4-FFF2-40B4-BE49-F238E27FC236}">
-                <a16:creationId xmlns:a16="http://schemas.microsoft.com/office/drawing/2014/main" id="{535EB59A-F4D5-450E-9EF3-FCFE15B6F0B2}"/>
+                <a16:creationId xmlns:a16="http://schemas.microsoft.com/office/drawing/2014/main" id="{634C2813-99CB-4BCF-8F1F-AF88E37FCA0A}"/>
               </a:ext>
             </a:extLst>
           </p:cNvPr>
@@ -15202,8 +15202,8 @@
         </p:blipFill>
         <p:spPr>
           <a:xfrm>
-            <a:off x="6578988" y="4578290"/>
-            <a:ext cx="1190625" cy="1238250"/>
+            <a:off x="1179070" y="1428948"/>
+            <a:ext cx="2743200" cy="3171825"/>
           </a:xfrm>
           <a:prstGeom prst="rect">
             <a:avLst/>
@@ -15346,14 +15346,14 @@
           <p:nvPr>
             <p:extLst>
               <p:ext uri="{D42A27DB-BD31-4B8C-83A1-F6EECF244321}">
-                <p14:modId xmlns:p14="http://schemas.microsoft.com/office/powerpoint/2010/main" val="223950692"/>
+                <p14:modId xmlns:p14="http://schemas.microsoft.com/office/powerpoint/2010/main" val="4177928219"/>
               </p:ext>
             </p:extLst>
           </p:nvPr>
         </p:nvGraphicFramePr>
         <p:xfrm>
           <a:off x="890616" y="1219441"/>
-          <a:ext cx="10635144" cy="3510280"/>
+          <a:ext cx="10635144" cy="4323080"/>
         </p:xfrm>
         <a:graphic>
           <a:graphicData uri="http://schemas.openxmlformats.org/drawingml/2006/table">
@@ -15686,7 +15686,7 @@
                       </a:pPr>
                       <a:r>
                         <a:rPr lang="en-US" dirty="0"/>
-                        <a:t>Schematic Laid out</a:t>
+                        <a:t>Schematic Laid out Rev 0.1</a:t>
                       </a:r>
                     </a:p>
                   </a:txBody>
@@ -15810,7 +15810,7 @@
                       </a:pPr>
                       <a:r>
                         <a:rPr lang="en-US" dirty="0"/>
-                        <a:t>PCB Laid Out</a:t>
+                        <a:t>PCB Laid Out Rev 0.1</a:t>
                       </a:r>
                     </a:p>
                     <a:p>
@@ -15833,7 +15833,7 @@
                       </a:pPr>
                       <a:r>
                         <a:rPr lang="en-US" dirty="0"/>
-                        <a:t>Design Review</a:t>
+                        <a:t>Design Review 0.2/0.3/0.4</a:t>
                       </a:r>
                     </a:p>
                     <a:p>
@@ -15856,7 +15856,7 @@
                       </a:pPr>
                       <a:r>
                         <a:rPr lang="en-US" dirty="0"/>
-                        <a:t>Map against requirements</a:t>
+                        <a:t>Mapped against requirements</a:t>
                       </a:r>
                     </a:p>
                   </a:txBody>
@@ -15866,6 +15866,29 @@
                   <a:txBody>
                     <a:bodyPr/>
                     <a:lstStyle/>
+                    <a:p>
+                      <a:pPr marL="0" marR="0" lvl="0" indent="0" algn="l" defTabSz="914400" rtl="0" eaLnBrk="1" fontAlgn="auto" latinLnBrk="0" hangingPunct="1">
+                        <a:lnSpc>
+                          <a:spcPct val="100000"/>
+                        </a:lnSpc>
+                        <a:spcBef>
+                          <a:spcPts val="0"/>
+                        </a:spcBef>
+                        <a:spcAft>
+                          <a:spcPts val="0"/>
+                        </a:spcAft>
+                        <a:buClrTx/>
+                        <a:buSzTx/>
+                        <a:buFontTx/>
+                        <a:buNone/>
+                        <a:tabLst/>
+                        <a:defRPr/>
+                      </a:pPr>
+                      <a:r>
+                        <a:rPr lang="en-US" dirty="0"/>
+                        <a:t>Yes – Alan</a:t>
+                      </a:r>
+                    </a:p>
                     <a:p>
                       <a:endParaRPr lang="en-US" dirty="0"/>
                     </a:p>
@@ -15877,7 +15900,27 @@
                     <a:bodyPr/>
                     <a:lstStyle/>
                     <a:p>
-                      <a:endParaRPr lang="en-US" dirty="0"/>
+                      <a:pPr marL="0" marR="0" lvl="0" indent="0" algn="l" defTabSz="914400" rtl="0" eaLnBrk="1" fontAlgn="auto" latinLnBrk="0" hangingPunct="1">
+                        <a:lnSpc>
+                          <a:spcPct val="100000"/>
+                        </a:lnSpc>
+                        <a:spcBef>
+                          <a:spcPts val="0"/>
+                        </a:spcBef>
+                        <a:spcAft>
+                          <a:spcPts val="0"/>
+                        </a:spcAft>
+                        <a:buClrTx/>
+                        <a:buSzTx/>
+                        <a:buFontTx/>
+                        <a:buNone/>
+                        <a:tabLst/>
+                        <a:defRPr/>
+                      </a:pPr>
+                      <a:r>
+                        <a:rPr lang="en-US" dirty="0"/>
+                        <a:t>Jan 2022</a:t>
+                      </a:r>
                     </a:p>
                   </a:txBody>
                   <a:tcPr/>
@@ -15940,7 +15983,7 @@
                       </a:pPr>
                       <a:r>
                         <a:rPr lang="en-US" dirty="0"/>
-                        <a:t>Previous stage passed.</a:t>
+                        <a:t>Previous stage passed Jan 31/2022</a:t>
                       </a:r>
                     </a:p>
                   </a:txBody>
@@ -15953,7 +15996,7 @@
                     <a:p>
                       <a:r>
                         <a:rPr lang="en-US" dirty="0"/>
-                        <a:t>Get protos built.</a:t>
+                        <a:t>Protos now on order</a:t>
                       </a:r>
                     </a:p>
                   </a:txBody>
@@ -15964,7 +16007,27 @@
                     <a:bodyPr/>
                     <a:lstStyle/>
                     <a:p>
-                      <a:endParaRPr lang="en-US" dirty="0"/>
+                      <a:pPr marL="0" marR="0" lvl="0" indent="0" algn="l" defTabSz="914400" rtl="0" eaLnBrk="1" fontAlgn="auto" latinLnBrk="0" hangingPunct="1">
+                        <a:lnSpc>
+                          <a:spcPct val="100000"/>
+                        </a:lnSpc>
+                        <a:spcBef>
+                          <a:spcPts val="0"/>
+                        </a:spcBef>
+                        <a:spcAft>
+                          <a:spcPts val="0"/>
+                        </a:spcAft>
+                        <a:buClrTx/>
+                        <a:buSzTx/>
+                        <a:buFontTx/>
+                        <a:buNone/>
+                        <a:tabLst/>
+                        <a:defRPr/>
+                      </a:pPr>
+                      <a:r>
+                        <a:rPr lang="en-US" dirty="0"/>
+                        <a:t>Feb 2022</a:t>
+                      </a:r>
                     </a:p>
                   </a:txBody>
                   <a:tcPr/>
@@ -16027,7 +16090,7 @@
                       </a:pPr>
                       <a:r>
                         <a:rPr lang="en-US" dirty="0"/>
-                        <a:t>Previous stage passed.</a:t>
+                        <a:t>Develop first draft assembly instructions. Parts List / options</a:t>
                       </a:r>
                     </a:p>
                   </a:txBody>
@@ -16122,7 +16185,10 @@
                     <a:bodyPr/>
                     <a:lstStyle/>
                     <a:p>
-                      <a:endParaRPr lang="en-US" dirty="0"/>
+                      <a:r>
+                        <a:rPr lang="en-US" dirty="0"/>
+                        <a:t>Here ‘closed’ means ready to develop some learning material against.</a:t>
+                      </a:r>
                     </a:p>
                   </a:txBody>
                   <a:tcPr/>
@@ -16147,41 +16213,6 @@
           </a:graphicData>
         </a:graphic>
       </p:graphicFrame>
-      <p:sp>
-        <p:nvSpPr>
-          <p:cNvPr id="4" name="TextBox 3">
-            <a:extLst>
-              <a:ext uri="{FF2B5EF4-FFF2-40B4-BE49-F238E27FC236}">
-                <a16:creationId xmlns:a16="http://schemas.microsoft.com/office/drawing/2014/main" id="{3A679939-F7FB-4DAE-AD3C-6F85F7B51F2E}"/>
-              </a:ext>
-            </a:extLst>
-          </p:cNvPr>
-          <p:cNvSpPr txBox="1"/>
-          <p:nvPr/>
-        </p:nvSpPr>
-        <p:spPr>
-          <a:xfrm>
-            <a:off x="1213607" y="4932727"/>
-            <a:ext cx="9764786" cy="923330"/>
-          </a:xfrm>
-          <a:prstGeom prst="rect">
-            <a:avLst/>
-          </a:prstGeom>
-          <a:noFill/>
-        </p:spPr>
-        <p:txBody>
-          <a:bodyPr wrap="square" rtlCol="0">
-            <a:spAutoFit/>
-          </a:bodyPr>
-          <a:lstStyle/>
-          <a:p>
-            <a:r>
-              <a:rPr lang="en-US" dirty="0"/>
-              <a:t>Implied is that in all cases a phase can only happen if someone is willing to work that phase (Obviously some resources/effort will be needed).  As MERG is a volunteer organization this could be an individual or a ‘working group’.</a:t>
-            </a:r>
-          </a:p>
-        </p:txBody>
-      </p:sp>
     </p:spTree>
     <p:extLst>
       <p:ext uri="{BB962C8B-B14F-4D97-AF65-F5344CB8AC3E}">

--- a/Practical Arduino - Ground Up.pptx
+++ b/Practical Arduino - Ground Up.pptx
@@ -14,6 +14,7 @@
     <p:sldId id="264" r:id="rId8"/>
     <p:sldId id="265" r:id="rId9"/>
     <p:sldId id="266" r:id="rId10"/>
+    <p:sldId id="267" r:id="rId11"/>
   </p:sldIdLst>
   <p:sldSz cx="12192000" cy="6858000"/>
   <p:notesSz cx="6858000" cy="9144000"/>
@@ -170,7 +171,7 @@
           <a:noFill/>
           <a:extLst>
             <a:ext uri="{909E8E84-426E-40dd-AFC4-6F175D3DCCD1}">
-              <a14:hiddenFill xmlns:a14="http://schemas.microsoft.com/office/drawing/2010/main" xmlns="">
+              <a14:hiddenFill xmlns="" xmlns:a14="http://schemas.microsoft.com/office/drawing/2010/main">
                 <a:solidFill>
                   <a:srgbClr val="FFFFFF"/>
                 </a:solidFill>
@@ -230,7 +231,7 @@
             </a:ln>
             <a:extLst>
               <a:ext uri="{91240B29-F687-4f45-9708-019B960494DF}">
-                <a14:hiddenLine xmlns:a14="http://schemas.microsoft.com/office/drawing/2010/main" xmlns="" w="9525">
+                <a14:hiddenLine xmlns="" xmlns:a14="http://schemas.microsoft.com/office/drawing/2010/main" w="9525">
                   <a:solidFill>
                     <a:srgbClr val="000000"/>
                   </a:solidFill>
@@ -320,7 +321,7 @@
             </a:ln>
             <a:extLst>
               <a:ext uri="{91240B29-F687-4f45-9708-019B960494DF}">
-                <a14:hiddenLine xmlns:a14="http://schemas.microsoft.com/office/drawing/2010/main" xmlns="" w="9525">
+                <a14:hiddenLine xmlns="" xmlns:a14="http://schemas.microsoft.com/office/drawing/2010/main" w="9525">
                   <a:solidFill>
                     <a:srgbClr val="000000"/>
                   </a:solidFill>
@@ -410,7 +411,7 @@
             </a:ln>
             <a:extLst>
               <a:ext uri="{91240B29-F687-4f45-9708-019B960494DF}">
-                <a14:hiddenLine xmlns:a14="http://schemas.microsoft.com/office/drawing/2010/main" xmlns="" w="9525">
+                <a14:hiddenLine xmlns="" xmlns:a14="http://schemas.microsoft.com/office/drawing/2010/main" w="9525">
                   <a:solidFill>
                     <a:srgbClr val="000000"/>
                   </a:solidFill>
@@ -444,7 +445,7 @@
             </a:ln>
             <a:extLst>
               <a:ext uri="{91240B29-F687-4f45-9708-019B960494DF}">
-                <a14:hiddenLine xmlns:a14="http://schemas.microsoft.com/office/drawing/2010/main" xmlns="" w="9525">
+                <a14:hiddenLine xmlns="" xmlns:a14="http://schemas.microsoft.com/office/drawing/2010/main" w="9525">
                   <a:solidFill>
                     <a:srgbClr val="000000"/>
                   </a:solidFill>
@@ -534,7 +535,7 @@
             </a:ln>
             <a:extLst>
               <a:ext uri="{91240B29-F687-4f45-9708-019B960494DF}">
-                <a14:hiddenLine xmlns:a14="http://schemas.microsoft.com/office/drawing/2010/main" xmlns="" w="9525">
+                <a14:hiddenLine xmlns="" xmlns:a14="http://schemas.microsoft.com/office/drawing/2010/main" w="9525">
                   <a:solidFill>
                     <a:srgbClr val="000000"/>
                   </a:solidFill>
@@ -596,7 +597,7 @@
             </a:ln>
             <a:extLst>
               <a:ext uri="{91240B29-F687-4f45-9708-019B960494DF}">
-                <a14:hiddenLine xmlns:a14="http://schemas.microsoft.com/office/drawing/2010/main" xmlns="" w="9525">
+                <a14:hiddenLine xmlns="" xmlns:a14="http://schemas.microsoft.com/office/drawing/2010/main" w="9525">
                   <a:solidFill>
                     <a:srgbClr val="000000"/>
                   </a:solidFill>
@@ -658,7 +659,7 @@
             </a:ln>
             <a:extLst>
               <a:ext uri="{91240B29-F687-4f45-9708-019B960494DF}">
-                <a14:hiddenLine xmlns:a14="http://schemas.microsoft.com/office/drawing/2010/main" xmlns="" w="9525">
+                <a14:hiddenLine xmlns="" xmlns:a14="http://schemas.microsoft.com/office/drawing/2010/main" w="9525">
                   <a:solidFill>
                     <a:srgbClr val="000000"/>
                   </a:solidFill>
@@ -748,7 +749,7 @@
             </a:ln>
             <a:extLst>
               <a:ext uri="{91240B29-F687-4f45-9708-019B960494DF}">
-                <a14:hiddenLine xmlns:a14="http://schemas.microsoft.com/office/drawing/2010/main" xmlns="" w="9525">
+                <a14:hiddenLine xmlns="" xmlns:a14="http://schemas.microsoft.com/office/drawing/2010/main" w="9525">
                   <a:solidFill>
                     <a:srgbClr val="000000"/>
                   </a:solidFill>
@@ -810,7 +811,7 @@
             </a:ln>
             <a:extLst>
               <a:ext uri="{91240B29-F687-4f45-9708-019B960494DF}">
-                <a14:hiddenLine xmlns:a14="http://schemas.microsoft.com/office/drawing/2010/main" xmlns="" w="9525">
+                <a14:hiddenLine xmlns="" xmlns:a14="http://schemas.microsoft.com/office/drawing/2010/main" w="9525">
                   <a:solidFill>
                     <a:srgbClr val="000000"/>
                   </a:solidFill>
@@ -872,7 +873,7 @@
             </a:ln>
             <a:extLst>
               <a:ext uri="{91240B29-F687-4f45-9708-019B960494DF}">
-                <a14:hiddenLine xmlns:a14="http://schemas.microsoft.com/office/drawing/2010/main" xmlns="" w="9525">
+                <a14:hiddenLine xmlns="" xmlns:a14="http://schemas.microsoft.com/office/drawing/2010/main" w="9525">
                   <a:solidFill>
                     <a:srgbClr val="000000"/>
                   </a:solidFill>
@@ -962,7 +963,7 @@
             </a:ln>
             <a:extLst>
               <a:ext uri="{91240B29-F687-4f45-9708-019B960494DF}">
-                <a14:hiddenLine xmlns:a14="http://schemas.microsoft.com/office/drawing/2010/main" xmlns="" w="9525">
+                <a14:hiddenLine xmlns="" xmlns:a14="http://schemas.microsoft.com/office/drawing/2010/main" w="9525">
                   <a:solidFill>
                     <a:srgbClr val="000000"/>
                   </a:solidFill>
@@ -1052,7 +1053,7 @@
             </a:ln>
             <a:extLst>
               <a:ext uri="{91240B29-F687-4f45-9708-019B960494DF}">
-                <a14:hiddenLine xmlns:a14="http://schemas.microsoft.com/office/drawing/2010/main" xmlns="" w="9525">
+                <a14:hiddenLine xmlns="" xmlns:a14="http://schemas.microsoft.com/office/drawing/2010/main" w="9525">
                   <a:solidFill>
                     <a:srgbClr val="000000"/>
                   </a:solidFill>
@@ -1114,7 +1115,7 @@
             </a:ln>
             <a:extLst>
               <a:ext uri="{91240B29-F687-4f45-9708-019B960494DF}">
-                <a14:hiddenLine xmlns:a14="http://schemas.microsoft.com/office/drawing/2010/main" xmlns="" w="9525">
+                <a14:hiddenLine xmlns="" xmlns:a14="http://schemas.microsoft.com/office/drawing/2010/main" w="9525">
                   <a:solidFill>
                     <a:srgbClr val="000000"/>
                   </a:solidFill>
@@ -1224,7 +1225,7 @@
             </a:ln>
             <a:extLst>
               <a:ext uri="{91240B29-F687-4f45-9708-019B960494DF}">
-                <a14:hiddenLine xmlns:a14="http://schemas.microsoft.com/office/drawing/2010/main" xmlns="" w="9525">
+                <a14:hiddenLine xmlns="" xmlns:a14="http://schemas.microsoft.com/office/drawing/2010/main" w="9525">
                   <a:solidFill>
                     <a:srgbClr val="000000"/>
                   </a:solidFill>
@@ -1286,7 +1287,7 @@
             </a:ln>
             <a:extLst>
               <a:ext uri="{91240B29-F687-4f45-9708-019B960494DF}">
-                <a14:hiddenLine xmlns:a14="http://schemas.microsoft.com/office/drawing/2010/main" xmlns="" w="9525">
+                <a14:hiddenLine xmlns="" xmlns:a14="http://schemas.microsoft.com/office/drawing/2010/main" w="9525">
                   <a:solidFill>
                     <a:srgbClr val="000000"/>
                   </a:solidFill>
@@ -1376,7 +1377,7 @@
             </a:ln>
             <a:extLst>
               <a:ext uri="{91240B29-F687-4f45-9708-019B960494DF}">
-                <a14:hiddenLine xmlns:a14="http://schemas.microsoft.com/office/drawing/2010/main" xmlns="" w="9525">
+                <a14:hiddenLine xmlns="" xmlns:a14="http://schemas.microsoft.com/office/drawing/2010/main" w="9525">
                   <a:solidFill>
                     <a:srgbClr val="000000"/>
                   </a:solidFill>
@@ -1466,7 +1467,7 @@
             </a:ln>
             <a:extLst>
               <a:ext uri="{91240B29-F687-4f45-9708-019B960494DF}">
-                <a14:hiddenLine xmlns:a14="http://schemas.microsoft.com/office/drawing/2010/main" xmlns="" w="9525">
+                <a14:hiddenLine xmlns="" xmlns:a14="http://schemas.microsoft.com/office/drawing/2010/main" w="9525">
                   <a:solidFill>
                     <a:srgbClr val="000000"/>
                   </a:solidFill>
@@ -1528,7 +1529,7 @@
             </a:ln>
             <a:extLst>
               <a:ext uri="{91240B29-F687-4f45-9708-019B960494DF}">
-                <a14:hiddenLine xmlns:a14="http://schemas.microsoft.com/office/drawing/2010/main" xmlns="" w="9525">
+                <a14:hiddenLine xmlns="" xmlns:a14="http://schemas.microsoft.com/office/drawing/2010/main" w="9525">
                   <a:solidFill>
                     <a:srgbClr val="000000"/>
                   </a:solidFill>
@@ -1618,7 +1619,7 @@
             </a:ln>
             <a:extLst>
               <a:ext uri="{91240B29-F687-4f45-9708-019B960494DF}">
-                <a14:hiddenLine xmlns:a14="http://schemas.microsoft.com/office/drawing/2010/main" xmlns="" w="9525">
+                <a14:hiddenLine xmlns="" xmlns:a14="http://schemas.microsoft.com/office/drawing/2010/main" w="9525">
                   <a:solidFill>
                     <a:srgbClr val="000000"/>
                   </a:solidFill>
@@ -1708,7 +1709,7 @@
             </a:ln>
             <a:extLst>
               <a:ext uri="{91240B29-F687-4f45-9708-019B960494DF}">
-                <a14:hiddenLine xmlns:a14="http://schemas.microsoft.com/office/drawing/2010/main" xmlns="" w="9525">
+                <a14:hiddenLine xmlns="" xmlns:a14="http://schemas.microsoft.com/office/drawing/2010/main" w="9525">
                   <a:solidFill>
                     <a:srgbClr val="000000"/>
                   </a:solidFill>
@@ -1764,7 +1765,7 @@
             </a:ln>
             <a:extLst>
               <a:ext uri="{91240B29-F687-4f45-9708-019B960494DF}">
-                <a14:hiddenLine xmlns:a14="http://schemas.microsoft.com/office/drawing/2010/main" xmlns="" w="9525">
+                <a14:hiddenLine xmlns="" xmlns:a14="http://schemas.microsoft.com/office/drawing/2010/main" w="9525">
                   <a:solidFill>
                     <a:srgbClr val="000000"/>
                   </a:solidFill>
@@ -1854,7 +1855,7 @@
             </a:ln>
             <a:extLst>
               <a:ext uri="{91240B29-F687-4f45-9708-019B960494DF}">
-                <a14:hiddenLine xmlns:a14="http://schemas.microsoft.com/office/drawing/2010/main" xmlns="" w="9525">
+                <a14:hiddenLine xmlns="" xmlns:a14="http://schemas.microsoft.com/office/drawing/2010/main" w="9525">
                   <a:solidFill>
                     <a:srgbClr val="000000"/>
                   </a:solidFill>
@@ -1910,7 +1911,7 @@
             </a:ln>
             <a:extLst>
               <a:ext uri="{91240B29-F687-4f45-9708-019B960494DF}">
-                <a14:hiddenLine xmlns:a14="http://schemas.microsoft.com/office/drawing/2010/main" xmlns="" w="9525">
+                <a14:hiddenLine xmlns="" xmlns:a14="http://schemas.microsoft.com/office/drawing/2010/main" w="9525">
                   <a:solidFill>
                     <a:srgbClr val="000000"/>
                   </a:solidFill>
@@ -2000,7 +2001,7 @@
             </a:ln>
             <a:extLst>
               <a:ext uri="{91240B29-F687-4f45-9708-019B960494DF}">
-                <a14:hiddenLine xmlns:a14="http://schemas.microsoft.com/office/drawing/2010/main" xmlns="" w="9525">
+                <a14:hiddenLine xmlns="" xmlns:a14="http://schemas.microsoft.com/office/drawing/2010/main" w="9525">
                   <a:solidFill>
                     <a:srgbClr val="000000"/>
                   </a:solidFill>
@@ -2068,7 +2069,7 @@
             </a:ln>
             <a:extLst>
               <a:ext uri="{91240B29-F687-4f45-9708-019B960494DF}">
-                <a14:hiddenLine xmlns:a14="http://schemas.microsoft.com/office/drawing/2010/main" xmlns="" w="9525">
+                <a14:hiddenLine xmlns="" xmlns:a14="http://schemas.microsoft.com/office/drawing/2010/main" w="9525">
                   <a:solidFill>
                     <a:srgbClr val="000000"/>
                   </a:solidFill>
@@ -2158,7 +2159,7 @@
             </a:ln>
             <a:extLst>
               <a:ext uri="{91240B29-F687-4f45-9708-019B960494DF}">
-                <a14:hiddenLine xmlns:a14="http://schemas.microsoft.com/office/drawing/2010/main" xmlns="" w="9525">
+                <a14:hiddenLine xmlns="" xmlns:a14="http://schemas.microsoft.com/office/drawing/2010/main" w="9525">
                   <a:solidFill>
                     <a:srgbClr val="000000"/>
                   </a:solidFill>
@@ -2226,7 +2227,7 @@
             </a:ln>
             <a:extLst>
               <a:ext uri="{91240B29-F687-4f45-9708-019B960494DF}">
-                <a14:hiddenLine xmlns:a14="http://schemas.microsoft.com/office/drawing/2010/main" xmlns="" w="9525">
+                <a14:hiddenLine xmlns="" xmlns:a14="http://schemas.microsoft.com/office/drawing/2010/main" w="9525">
                   <a:solidFill>
                     <a:srgbClr val="000000"/>
                   </a:solidFill>
@@ -2316,7 +2317,7 @@
             </a:ln>
             <a:extLst>
               <a:ext uri="{91240B29-F687-4f45-9708-019B960494DF}">
-                <a14:hiddenLine xmlns:a14="http://schemas.microsoft.com/office/drawing/2010/main" xmlns="" w="9525">
+                <a14:hiddenLine xmlns="" xmlns:a14="http://schemas.microsoft.com/office/drawing/2010/main" w="9525">
                   <a:solidFill>
                     <a:srgbClr val="000000"/>
                   </a:solidFill>
@@ -2350,7 +2351,7 @@
             </a:ln>
             <a:extLst>
               <a:ext uri="{91240B29-F687-4f45-9708-019B960494DF}">
-                <a14:hiddenLine xmlns:a14="http://schemas.microsoft.com/office/drawing/2010/main" xmlns="" w="9525">
+                <a14:hiddenLine xmlns="" xmlns:a14="http://schemas.microsoft.com/office/drawing/2010/main" w="9525">
                   <a:solidFill>
                     <a:srgbClr val="000000"/>
                   </a:solidFill>
@@ -2440,7 +2441,7 @@
             </a:ln>
             <a:extLst>
               <a:ext uri="{91240B29-F687-4f45-9708-019B960494DF}">
-                <a14:hiddenLine xmlns:a14="http://schemas.microsoft.com/office/drawing/2010/main" xmlns="" w="9525">
+                <a14:hiddenLine xmlns="" xmlns:a14="http://schemas.microsoft.com/office/drawing/2010/main" w="9525">
                   <a:solidFill>
                     <a:srgbClr val="000000"/>
                   </a:solidFill>
@@ -2502,7 +2503,7 @@
             </a:ln>
             <a:extLst>
               <a:ext uri="{91240B29-F687-4f45-9708-019B960494DF}">
-                <a14:hiddenLine xmlns:a14="http://schemas.microsoft.com/office/drawing/2010/main" xmlns="" w="9525">
+                <a14:hiddenLine xmlns="" xmlns:a14="http://schemas.microsoft.com/office/drawing/2010/main" w="9525">
                   <a:solidFill>
                     <a:srgbClr val="000000"/>
                   </a:solidFill>
@@ -2564,7 +2565,7 @@
             </a:ln>
             <a:extLst>
               <a:ext uri="{91240B29-F687-4f45-9708-019B960494DF}">
-                <a14:hiddenLine xmlns:a14="http://schemas.microsoft.com/office/drawing/2010/main" xmlns="" w="9525">
+                <a14:hiddenLine xmlns="" xmlns:a14="http://schemas.microsoft.com/office/drawing/2010/main" w="9525">
                   <a:solidFill>
                     <a:srgbClr val="000000"/>
                   </a:solidFill>
@@ -2654,7 +2655,7 @@
             </a:ln>
             <a:extLst>
               <a:ext uri="{91240B29-F687-4f45-9708-019B960494DF}">
-                <a14:hiddenLine xmlns:a14="http://schemas.microsoft.com/office/drawing/2010/main" xmlns="" w="9525">
+                <a14:hiddenLine xmlns="" xmlns:a14="http://schemas.microsoft.com/office/drawing/2010/main" w="9525">
                   <a:solidFill>
                     <a:srgbClr val="000000"/>
                   </a:solidFill>
@@ -2722,7 +2723,7 @@
             </a:ln>
             <a:extLst>
               <a:ext uri="{91240B29-F687-4f45-9708-019B960494DF}">
-                <a14:hiddenLine xmlns:a14="http://schemas.microsoft.com/office/drawing/2010/main" xmlns="" w="9525">
+                <a14:hiddenLine xmlns="" xmlns:a14="http://schemas.microsoft.com/office/drawing/2010/main" w="9525">
                   <a:solidFill>
                     <a:srgbClr val="000000"/>
                   </a:solidFill>
@@ -2784,7 +2785,7 @@
             </a:ln>
             <a:extLst>
               <a:ext uri="{91240B29-F687-4f45-9708-019B960494DF}">
-                <a14:hiddenLine xmlns:a14="http://schemas.microsoft.com/office/drawing/2010/main" xmlns="" w="9525">
+                <a14:hiddenLine xmlns="" xmlns:a14="http://schemas.microsoft.com/office/drawing/2010/main" w="9525">
                   <a:solidFill>
                     <a:srgbClr val="000000"/>
                   </a:solidFill>
@@ -2874,7 +2875,7 @@
             </a:ln>
             <a:extLst>
               <a:ext uri="{91240B29-F687-4f45-9708-019B960494DF}">
-                <a14:hiddenLine xmlns:a14="http://schemas.microsoft.com/office/drawing/2010/main" xmlns="" w="9525">
+                <a14:hiddenLine xmlns="" xmlns:a14="http://schemas.microsoft.com/office/drawing/2010/main" w="9525">
                   <a:solidFill>
                     <a:srgbClr val="000000"/>
                   </a:solidFill>
@@ -2936,7 +2937,7 @@
             </a:ln>
             <a:extLst>
               <a:ext uri="{91240B29-F687-4f45-9708-019B960494DF}">
-                <a14:hiddenLine xmlns:a14="http://schemas.microsoft.com/office/drawing/2010/main" xmlns="" w="9525">
+                <a14:hiddenLine xmlns="" xmlns:a14="http://schemas.microsoft.com/office/drawing/2010/main" w="9525">
                   <a:solidFill>
                     <a:srgbClr val="000000"/>
                   </a:solidFill>
@@ -3026,7 +3027,7 @@
             </a:ln>
             <a:extLst>
               <a:ext uri="{91240B29-F687-4f45-9708-019B960494DF}">
-                <a14:hiddenLine xmlns:a14="http://schemas.microsoft.com/office/drawing/2010/main" xmlns="" w="9525">
+                <a14:hiddenLine xmlns="" xmlns:a14="http://schemas.microsoft.com/office/drawing/2010/main" w="9525">
                   <a:solidFill>
                     <a:srgbClr val="000000"/>
                   </a:solidFill>
@@ -3088,7 +3089,7 @@
             </a:ln>
             <a:extLst>
               <a:ext uri="{91240B29-F687-4f45-9708-019B960494DF}">
-                <a14:hiddenLine xmlns:a14="http://schemas.microsoft.com/office/drawing/2010/main" xmlns="" w="9525">
+                <a14:hiddenLine xmlns="" xmlns:a14="http://schemas.microsoft.com/office/drawing/2010/main" w="9525">
                   <a:solidFill>
                     <a:srgbClr val="000000"/>
                   </a:solidFill>
@@ -3178,7 +3179,7 @@
             </a:ln>
             <a:extLst>
               <a:ext uri="{91240B29-F687-4f45-9708-019B960494DF}">
-                <a14:hiddenLine xmlns:a14="http://schemas.microsoft.com/office/drawing/2010/main" xmlns="" w="9525">
+                <a14:hiddenLine xmlns="" xmlns:a14="http://schemas.microsoft.com/office/drawing/2010/main" w="9525">
                   <a:solidFill>
                     <a:srgbClr val="000000"/>
                   </a:solidFill>
@@ -3212,7 +3213,7 @@
             </a:ln>
             <a:extLst>
               <a:ext uri="{91240B29-F687-4f45-9708-019B960494DF}">
-                <a14:hiddenLine xmlns:a14="http://schemas.microsoft.com/office/drawing/2010/main" xmlns="" w="9525">
+                <a14:hiddenLine xmlns="" xmlns:a14="http://schemas.microsoft.com/office/drawing/2010/main" w="9525">
                   <a:solidFill>
                     <a:srgbClr val="000000"/>
                   </a:solidFill>
@@ -3277,7 +3278,7 @@
             </a:ln>
             <a:extLst>
               <a:ext uri="{91240B29-F687-4f45-9708-019B960494DF}">
-                <a14:hiddenLine xmlns:a14="http://schemas.microsoft.com/office/drawing/2010/main" xmlns="" w="9525">
+                <a14:hiddenLine xmlns="" xmlns:a14="http://schemas.microsoft.com/office/drawing/2010/main" w="9525">
                   <a:solidFill>
                     <a:srgbClr val="000000"/>
                   </a:solidFill>
@@ -3367,7 +3368,7 @@
             </a:ln>
             <a:extLst>
               <a:ext uri="{91240B29-F687-4f45-9708-019B960494DF}">
-                <a14:hiddenLine xmlns:a14="http://schemas.microsoft.com/office/drawing/2010/main" xmlns="" w="9525">
+                <a14:hiddenLine xmlns="" xmlns:a14="http://schemas.microsoft.com/office/drawing/2010/main" w="9525">
                   <a:solidFill>
                     <a:srgbClr val="000000"/>
                   </a:solidFill>
@@ -3429,7 +3430,7 @@
             </a:ln>
             <a:extLst>
               <a:ext uri="{91240B29-F687-4f45-9708-019B960494DF}">
-                <a14:hiddenLine xmlns:a14="http://schemas.microsoft.com/office/drawing/2010/main" xmlns="" w="9525">
+                <a14:hiddenLine xmlns="" xmlns:a14="http://schemas.microsoft.com/office/drawing/2010/main" w="9525">
                   <a:solidFill>
                     <a:srgbClr val="000000"/>
                   </a:solidFill>
@@ -3519,7 +3520,7 @@
             </a:ln>
             <a:extLst>
               <a:ext uri="{91240B29-F687-4f45-9708-019B960494DF}">
-                <a14:hiddenLine xmlns:a14="http://schemas.microsoft.com/office/drawing/2010/main" xmlns="" w="9525">
+                <a14:hiddenLine xmlns="" xmlns:a14="http://schemas.microsoft.com/office/drawing/2010/main" w="9525">
                   <a:solidFill>
                     <a:srgbClr val="000000"/>
                   </a:solidFill>
@@ -3609,7 +3610,7 @@
             </a:ln>
             <a:extLst>
               <a:ext uri="{91240B29-F687-4f45-9708-019B960494DF}">
-                <a14:hiddenLine xmlns:a14="http://schemas.microsoft.com/office/drawing/2010/main" xmlns="" w="9525">
+                <a14:hiddenLine xmlns="" xmlns:a14="http://schemas.microsoft.com/office/drawing/2010/main" w="9525">
                   <a:solidFill>
                     <a:srgbClr val="000000"/>
                   </a:solidFill>
@@ -3674,7 +3675,7 @@
             </a:ln>
             <a:extLst>
               <a:ext uri="{91240B29-F687-4f45-9708-019B960494DF}">
-                <a14:hiddenLine xmlns:a14="http://schemas.microsoft.com/office/drawing/2010/main" xmlns="" w="9525">
+                <a14:hiddenLine xmlns="" xmlns:a14="http://schemas.microsoft.com/office/drawing/2010/main" w="9525">
                   <a:solidFill>
                     <a:srgbClr val="000000"/>
                   </a:solidFill>
@@ -3736,7 +3737,7 @@
             </a:ln>
             <a:extLst>
               <a:ext uri="{91240B29-F687-4f45-9708-019B960494DF}">
-                <a14:hiddenLine xmlns:a14="http://schemas.microsoft.com/office/drawing/2010/main" xmlns="" w="9525">
+                <a14:hiddenLine xmlns="" xmlns:a14="http://schemas.microsoft.com/office/drawing/2010/main" w="9525">
                   <a:solidFill>
                     <a:srgbClr val="000000"/>
                   </a:solidFill>
@@ -3826,7 +3827,7 @@
             </a:ln>
             <a:extLst>
               <a:ext uri="{91240B29-F687-4f45-9708-019B960494DF}">
-                <a14:hiddenLine xmlns:a14="http://schemas.microsoft.com/office/drawing/2010/main" xmlns="" w="9525">
+                <a14:hiddenLine xmlns="" xmlns:a14="http://schemas.microsoft.com/office/drawing/2010/main" w="9525">
                   <a:solidFill>
                     <a:srgbClr val="000000"/>
                   </a:solidFill>
@@ -3916,7 +3917,7 @@
             </a:ln>
             <a:extLst>
               <a:ext uri="{91240B29-F687-4f45-9708-019B960494DF}">
-                <a14:hiddenLine xmlns:a14="http://schemas.microsoft.com/office/drawing/2010/main" xmlns="" w="9525">
+                <a14:hiddenLine xmlns="" xmlns:a14="http://schemas.microsoft.com/office/drawing/2010/main" w="9525">
                   <a:solidFill>
                     <a:srgbClr val="000000"/>
                   </a:solidFill>
@@ -3978,7 +3979,7 @@
             </a:ln>
             <a:extLst>
               <a:ext uri="{91240B29-F687-4f45-9708-019B960494DF}">
-                <a14:hiddenLine xmlns:a14="http://schemas.microsoft.com/office/drawing/2010/main" xmlns="" w="9525">
+                <a14:hiddenLine xmlns="" xmlns:a14="http://schemas.microsoft.com/office/drawing/2010/main" w="9525">
                   <a:solidFill>
                     <a:srgbClr val="000000"/>
                   </a:solidFill>
@@ -4098,7 +4099,7 @@
             </a:ln>
             <a:extLst>
               <a:ext uri="{91240B29-F687-4f45-9708-019B960494DF}">
-                <a14:hiddenLine xmlns:a14="http://schemas.microsoft.com/office/drawing/2010/main" xmlns="" w="9525">
+                <a14:hiddenLine xmlns="" xmlns:a14="http://schemas.microsoft.com/office/drawing/2010/main" w="9525">
                   <a:solidFill>
                     <a:srgbClr val="000000"/>
                   </a:solidFill>
@@ -4166,7 +4167,7 @@
             </a:ln>
             <a:extLst>
               <a:ext uri="{91240B29-F687-4f45-9708-019B960494DF}">
-                <a14:hiddenLine xmlns:a14="http://schemas.microsoft.com/office/drawing/2010/main" xmlns="" w="9525">
+                <a14:hiddenLine xmlns="" xmlns:a14="http://schemas.microsoft.com/office/drawing/2010/main" w="9525">
                   <a:solidFill>
                     <a:srgbClr val="000000"/>
                   </a:solidFill>
@@ -4256,7 +4257,7 @@
             </a:ln>
             <a:extLst>
               <a:ext uri="{91240B29-F687-4f45-9708-019B960494DF}">
-                <a14:hiddenLine xmlns:a14="http://schemas.microsoft.com/office/drawing/2010/main" xmlns="" w="9525">
+                <a14:hiddenLine xmlns="" xmlns:a14="http://schemas.microsoft.com/office/drawing/2010/main" w="9525">
                   <a:solidFill>
                     <a:srgbClr val="000000"/>
                   </a:solidFill>
@@ -4396,7 +4397,7 @@
           <a:p>
             <a:fld id="{48A87A34-81AB-432B-8DAE-1953F412C126}" type="datetimeFigureOut">
               <a:rPr lang="en-US" dirty="0"/>
-              <a:t>1/31/2022</a:t>
+              <a:t>2/2/2022</a:t>
             </a:fld>
             <a:endParaRPr lang="en-US" dirty="0"/>
           </a:p>
@@ -4658,7 +4659,7 @@
           <a:p>
             <a:fld id="{48A87A34-81AB-432B-8DAE-1953F412C126}" type="datetimeFigureOut">
               <a:rPr lang="en-US" dirty="0"/>
-              <a:t>1/31/2022</a:t>
+              <a:t>2/2/2022</a:t>
             </a:fld>
             <a:endParaRPr lang="en-US" dirty="0"/>
           </a:p>
@@ -4849,7 +4850,7 @@
           <a:p>
             <a:fld id="{48A87A34-81AB-432B-8DAE-1953F412C126}" type="datetimeFigureOut">
               <a:rPr lang="en-US" dirty="0"/>
-              <a:t>1/31/2022</a:t>
+              <a:t>2/2/2022</a:t>
             </a:fld>
             <a:endParaRPr lang="en-US" dirty="0"/>
           </a:p>
@@ -5107,7 +5108,7 @@
           <a:p>
             <a:fld id="{48A87A34-81AB-432B-8DAE-1953F412C126}" type="datetimeFigureOut">
               <a:rPr lang="en-US" dirty="0"/>
-              <a:t>1/31/2022</a:t>
+              <a:t>2/2/2022</a:t>
             </a:fld>
             <a:endParaRPr lang="en-US" dirty="0"/>
           </a:p>
@@ -5536,7 +5537,7 @@
           <a:p>
             <a:fld id="{48A87A34-81AB-432B-8DAE-1953F412C126}" type="datetimeFigureOut">
               <a:rPr lang="en-US" dirty="0"/>
-              <a:t>1/31/2022</a:t>
+              <a:t>2/2/2022</a:t>
             </a:fld>
             <a:endParaRPr lang="en-US" dirty="0"/>
           </a:p>
@@ -6077,7 +6078,7 @@
           <a:p>
             <a:fld id="{48A87A34-81AB-432B-8DAE-1953F412C126}" type="datetimeFigureOut">
               <a:rPr lang="en-US" dirty="0"/>
-              <a:t>1/31/2022</a:t>
+              <a:t>2/2/2022</a:t>
             </a:fld>
             <a:endParaRPr lang="en-US" dirty="0"/>
           </a:p>
@@ -6792,7 +6793,7 @@
           <a:p>
             <a:fld id="{48A87A34-81AB-432B-8DAE-1953F412C126}" type="datetimeFigureOut">
               <a:rPr lang="en-US" dirty="0"/>
-              <a:t>1/31/2022</a:t>
+              <a:t>2/2/2022</a:t>
             </a:fld>
             <a:endParaRPr lang="en-US" dirty="0"/>
           </a:p>
@@ -6957,7 +6958,7 @@
           <a:p>
             <a:fld id="{48A87A34-81AB-432B-8DAE-1953F412C126}" type="datetimeFigureOut">
               <a:rPr lang="en-US" dirty="0"/>
-              <a:t>1/31/2022</a:t>
+              <a:t>2/2/2022</a:t>
             </a:fld>
             <a:endParaRPr lang="en-US" dirty="0"/>
           </a:p>
@@ -7132,7 +7133,7 @@
           <a:p>
             <a:fld id="{48A87A34-81AB-432B-8DAE-1953F412C126}" type="datetimeFigureOut">
               <a:rPr lang="en-US" dirty="0"/>
-              <a:t>1/31/2022</a:t>
+              <a:t>2/2/2022</a:t>
             </a:fld>
             <a:endParaRPr lang="en-US" dirty="0"/>
           </a:p>
@@ -7297,7 +7298,7 @@
           <a:p>
             <a:fld id="{48A87A34-81AB-432B-8DAE-1953F412C126}" type="datetimeFigureOut">
               <a:rPr lang="en-US" dirty="0"/>
-              <a:t>1/31/2022</a:t>
+              <a:t>2/2/2022</a:t>
             </a:fld>
             <a:endParaRPr lang="en-US" dirty="0"/>
           </a:p>
@@ -7542,7 +7543,7 @@
           <a:p>
             <a:fld id="{48A87A34-81AB-432B-8DAE-1953F412C126}" type="datetimeFigureOut">
               <a:rPr lang="en-US" dirty="0"/>
-              <a:t>1/31/2022</a:t>
+              <a:t>2/2/2022</a:t>
             </a:fld>
             <a:endParaRPr lang="en-US" dirty="0"/>
           </a:p>
@@ -7769,7 +7770,7 @@
           <a:p>
             <a:fld id="{48A87A34-81AB-432B-8DAE-1953F412C126}" type="datetimeFigureOut">
               <a:rPr lang="en-US" dirty="0"/>
-              <a:t>1/31/2022</a:t>
+              <a:t>2/2/2022</a:t>
             </a:fld>
             <a:endParaRPr lang="en-US" dirty="0"/>
           </a:p>
@@ -8145,7 +8146,7 @@
           <a:p>
             <a:fld id="{48A87A34-81AB-432B-8DAE-1953F412C126}" type="datetimeFigureOut">
               <a:rPr lang="en-US" dirty="0"/>
-              <a:t>1/31/2022</a:t>
+              <a:t>2/2/2022</a:t>
             </a:fld>
             <a:endParaRPr lang="en-US" dirty="0"/>
           </a:p>
@@ -8258,7 +8259,7 @@
           <a:p>
             <a:fld id="{48A87A34-81AB-432B-8DAE-1953F412C126}" type="datetimeFigureOut">
               <a:rPr lang="en-US" dirty="0"/>
-              <a:t>1/31/2022</a:t>
+              <a:t>2/2/2022</a:t>
             </a:fld>
             <a:endParaRPr lang="en-US" dirty="0"/>
           </a:p>
@@ -8348,7 +8349,7 @@
           <a:p>
             <a:fld id="{48A87A34-81AB-432B-8DAE-1953F412C126}" type="datetimeFigureOut">
               <a:rPr lang="en-US" dirty="0"/>
-              <a:t>1/31/2022</a:t>
+              <a:t>2/2/2022</a:t>
             </a:fld>
             <a:endParaRPr lang="en-US" dirty="0"/>
           </a:p>
@@ -8592,7 +8593,7 @@
           <a:p>
             <a:fld id="{48A87A34-81AB-432B-8DAE-1953F412C126}" type="datetimeFigureOut">
               <a:rPr lang="en-US" dirty="0"/>
-              <a:t>1/31/2022</a:t>
+              <a:t>2/2/2022</a:t>
             </a:fld>
             <a:endParaRPr lang="en-US" dirty="0"/>
           </a:p>
@@ -8867,7 +8868,7 @@
           <a:p>
             <a:fld id="{48A87A34-81AB-432B-8DAE-1953F412C126}" type="datetimeFigureOut">
               <a:rPr lang="en-US" dirty="0"/>
-              <a:t>1/31/2022</a:t>
+              <a:t>2/2/2022</a:t>
             </a:fld>
             <a:endParaRPr lang="en-US" dirty="0"/>
           </a:p>
@@ -8978,7 +8979,7 @@
           <a:noFill/>
           <a:extLst>
             <a:ext uri="{909E8E84-426E-40dd-AFC4-6F175D3DCCD1}">
-              <a14:hiddenFill xmlns:a14="http://schemas.microsoft.com/office/drawing/2010/main" xmlns="">
+              <a14:hiddenFill xmlns="" xmlns:a14="http://schemas.microsoft.com/office/drawing/2010/main">
                 <a:solidFill>
                   <a:srgbClr val="FFFFFF"/>
                 </a:solidFill>
@@ -9052,7 +9053,7 @@
               </a:ln>
               <a:extLst>
                 <a:ext uri="{91240B29-F687-4f45-9708-019B960494DF}">
-                  <a14:hiddenLine xmlns:a14="http://schemas.microsoft.com/office/drawing/2010/main" xmlns="" w="9525">
+                  <a14:hiddenLine xmlns="" xmlns:a14="http://schemas.microsoft.com/office/drawing/2010/main" w="9525">
                     <a:solidFill>
                       <a:srgbClr val="000000"/>
                     </a:solidFill>
@@ -9142,7 +9143,7 @@
               </a:ln>
               <a:extLst>
                 <a:ext uri="{91240B29-F687-4f45-9708-019B960494DF}">
-                  <a14:hiddenLine xmlns:a14="http://schemas.microsoft.com/office/drawing/2010/main" xmlns="" w="9525">
+                  <a14:hiddenLine xmlns="" xmlns:a14="http://schemas.microsoft.com/office/drawing/2010/main" w="9525">
                     <a:solidFill>
                       <a:srgbClr val="000000"/>
                     </a:solidFill>
@@ -9232,7 +9233,7 @@
               </a:ln>
               <a:extLst>
                 <a:ext uri="{91240B29-F687-4f45-9708-019B960494DF}">
-                  <a14:hiddenLine xmlns:a14="http://schemas.microsoft.com/office/drawing/2010/main" xmlns="" w="9525">
+                  <a14:hiddenLine xmlns="" xmlns:a14="http://schemas.microsoft.com/office/drawing/2010/main" w="9525">
                     <a:solidFill>
                       <a:srgbClr val="000000"/>
                     </a:solidFill>
@@ -9294,7 +9295,7 @@
               </a:ln>
               <a:extLst>
                 <a:ext uri="{91240B29-F687-4f45-9708-019B960494DF}">
-                  <a14:hiddenLine xmlns:a14="http://schemas.microsoft.com/office/drawing/2010/main" xmlns="" w="9525">
+                  <a14:hiddenLine xmlns="" xmlns:a14="http://schemas.microsoft.com/office/drawing/2010/main" w="9525">
                     <a:solidFill>
                       <a:srgbClr val="000000"/>
                     </a:solidFill>
@@ -9384,7 +9385,7 @@
               </a:ln>
               <a:extLst>
                 <a:ext uri="{91240B29-F687-4f45-9708-019B960494DF}">
-                  <a14:hiddenLine xmlns:a14="http://schemas.microsoft.com/office/drawing/2010/main" xmlns="" w="9525">
+                  <a14:hiddenLine xmlns="" xmlns:a14="http://schemas.microsoft.com/office/drawing/2010/main" w="9525">
                     <a:solidFill>
                       <a:srgbClr val="000000"/>
                     </a:solidFill>
@@ -9446,7 +9447,7 @@
               </a:ln>
               <a:extLst>
                 <a:ext uri="{91240B29-F687-4f45-9708-019B960494DF}">
-                  <a14:hiddenLine xmlns:a14="http://schemas.microsoft.com/office/drawing/2010/main" xmlns="" w="9525">
+                  <a14:hiddenLine xmlns="" xmlns:a14="http://schemas.microsoft.com/office/drawing/2010/main" w="9525">
                     <a:solidFill>
                       <a:srgbClr val="000000"/>
                     </a:solidFill>
@@ -9508,7 +9509,7 @@
               </a:ln>
               <a:extLst>
                 <a:ext uri="{91240B29-F687-4f45-9708-019B960494DF}">
-                  <a14:hiddenLine xmlns:a14="http://schemas.microsoft.com/office/drawing/2010/main" xmlns="" w="9525">
+                  <a14:hiddenLine xmlns="" xmlns:a14="http://schemas.microsoft.com/office/drawing/2010/main" w="9525">
                     <a:solidFill>
                       <a:srgbClr val="000000"/>
                     </a:solidFill>
@@ -9598,7 +9599,7 @@
               </a:ln>
               <a:extLst>
                 <a:ext uri="{91240B29-F687-4f45-9708-019B960494DF}">
-                  <a14:hiddenLine xmlns:a14="http://schemas.microsoft.com/office/drawing/2010/main" xmlns="" w="9525">
+                  <a14:hiddenLine xmlns="" xmlns:a14="http://schemas.microsoft.com/office/drawing/2010/main" w="9525">
                     <a:solidFill>
                       <a:srgbClr val="000000"/>
                     </a:solidFill>
@@ -9688,7 +9689,7 @@
               </a:ln>
               <a:extLst>
                 <a:ext uri="{91240B29-F687-4f45-9708-019B960494DF}">
-                  <a14:hiddenLine xmlns:a14="http://schemas.microsoft.com/office/drawing/2010/main" xmlns="" w="9525">
+                  <a14:hiddenLine xmlns="" xmlns:a14="http://schemas.microsoft.com/office/drawing/2010/main" w="9525">
                     <a:solidFill>
                       <a:srgbClr val="000000"/>
                     </a:solidFill>
@@ -9750,7 +9751,7 @@
               </a:ln>
               <a:extLst>
                 <a:ext uri="{91240B29-F687-4f45-9708-019B960494DF}">
-                  <a14:hiddenLine xmlns:a14="http://schemas.microsoft.com/office/drawing/2010/main" xmlns="" w="9525">
+                  <a14:hiddenLine xmlns="" xmlns:a14="http://schemas.microsoft.com/office/drawing/2010/main" w="9525">
                     <a:solidFill>
                       <a:srgbClr val="000000"/>
                     </a:solidFill>
@@ -9860,7 +9861,7 @@
               </a:ln>
               <a:extLst>
                 <a:ext uri="{91240B29-F687-4f45-9708-019B960494DF}">
-                  <a14:hiddenLine xmlns:a14="http://schemas.microsoft.com/office/drawing/2010/main" xmlns="" w="9525">
+                  <a14:hiddenLine xmlns="" xmlns:a14="http://schemas.microsoft.com/office/drawing/2010/main" w="9525">
                     <a:solidFill>
                       <a:srgbClr val="000000"/>
                     </a:solidFill>
@@ -9944,7 +9945,7 @@
               </a:ln>
               <a:extLst>
                 <a:ext uri="{91240B29-F687-4f45-9708-019B960494DF}">
-                  <a14:hiddenLine xmlns:a14="http://schemas.microsoft.com/office/drawing/2010/main" xmlns="" w="9525">
+                  <a14:hiddenLine xmlns="" xmlns:a14="http://schemas.microsoft.com/office/drawing/2010/main" w="9525">
                     <a:solidFill>
                       <a:srgbClr val="000000"/>
                     </a:solidFill>
@@ -10006,7 +10007,7 @@
               </a:ln>
               <a:extLst>
                 <a:ext uri="{91240B29-F687-4f45-9708-019B960494DF}">
-                  <a14:hiddenLine xmlns:a14="http://schemas.microsoft.com/office/drawing/2010/main" xmlns="" w="9525">
+                  <a14:hiddenLine xmlns="" xmlns:a14="http://schemas.microsoft.com/office/drawing/2010/main" w="9525">
                     <a:solidFill>
                       <a:srgbClr val="000000"/>
                     </a:solidFill>
@@ -10068,7 +10069,7 @@
               </a:ln>
               <a:extLst>
                 <a:ext uri="{91240B29-F687-4f45-9708-019B960494DF}">
-                  <a14:hiddenLine xmlns:a14="http://schemas.microsoft.com/office/drawing/2010/main" xmlns="" w="9525">
+                  <a14:hiddenLine xmlns="" xmlns:a14="http://schemas.microsoft.com/office/drawing/2010/main" w="9525">
                     <a:solidFill>
                       <a:srgbClr val="000000"/>
                     </a:solidFill>
@@ -10158,7 +10159,7 @@
               </a:ln>
               <a:extLst>
                 <a:ext uri="{91240B29-F687-4f45-9708-019B960494DF}">
-                  <a14:hiddenLine xmlns:a14="http://schemas.microsoft.com/office/drawing/2010/main" xmlns="" w="9525">
+                  <a14:hiddenLine xmlns="" xmlns:a14="http://schemas.microsoft.com/office/drawing/2010/main" w="9525">
                     <a:solidFill>
                       <a:srgbClr val="000000"/>
                     </a:solidFill>
@@ -10192,7 +10193,7 @@
               </a:ln>
               <a:extLst>
                 <a:ext uri="{91240B29-F687-4f45-9708-019B960494DF}">
-                  <a14:hiddenLine xmlns:a14="http://schemas.microsoft.com/office/drawing/2010/main" xmlns="" w="9525">
+                  <a14:hiddenLine xmlns="" xmlns:a14="http://schemas.microsoft.com/office/drawing/2010/main" w="9525">
                     <a:solidFill>
                       <a:srgbClr val="000000"/>
                     </a:solidFill>
@@ -10257,7 +10258,7 @@
               </a:ln>
               <a:extLst>
                 <a:ext uri="{91240B29-F687-4f45-9708-019B960494DF}">
-                  <a14:hiddenLine xmlns:a14="http://schemas.microsoft.com/office/drawing/2010/main" xmlns="" w="9525">
+                  <a14:hiddenLine xmlns="" xmlns:a14="http://schemas.microsoft.com/office/drawing/2010/main" w="9525">
                     <a:solidFill>
                       <a:srgbClr val="000000"/>
                     </a:solidFill>
@@ -10347,7 +10348,7 @@
               </a:ln>
               <a:extLst>
                 <a:ext uri="{91240B29-F687-4f45-9708-019B960494DF}">
-                  <a14:hiddenLine xmlns:a14="http://schemas.microsoft.com/office/drawing/2010/main" xmlns="" w="9525">
+                  <a14:hiddenLine xmlns="" xmlns:a14="http://schemas.microsoft.com/office/drawing/2010/main" w="9525">
                     <a:solidFill>
                       <a:srgbClr val="000000"/>
                     </a:solidFill>
@@ -10409,7 +10410,7 @@
               </a:ln>
               <a:extLst>
                 <a:ext uri="{91240B29-F687-4f45-9708-019B960494DF}">
-                  <a14:hiddenLine xmlns:a14="http://schemas.microsoft.com/office/drawing/2010/main" xmlns="" w="9525">
+                  <a14:hiddenLine xmlns="" xmlns:a14="http://schemas.microsoft.com/office/drawing/2010/main" w="9525">
                     <a:solidFill>
                       <a:srgbClr val="000000"/>
                     </a:solidFill>
@@ -10499,7 +10500,7 @@
               </a:ln>
               <a:extLst>
                 <a:ext uri="{91240B29-F687-4f45-9708-019B960494DF}">
-                  <a14:hiddenLine xmlns:a14="http://schemas.microsoft.com/office/drawing/2010/main" xmlns="" w="9525">
+                  <a14:hiddenLine xmlns="" xmlns:a14="http://schemas.microsoft.com/office/drawing/2010/main" w="9525">
                     <a:solidFill>
                       <a:srgbClr val="000000"/>
                     </a:solidFill>
@@ -10564,7 +10565,7 @@
               </a:ln>
               <a:extLst>
                 <a:ext uri="{91240B29-F687-4f45-9708-019B960494DF}">
-                  <a14:hiddenLine xmlns:a14="http://schemas.microsoft.com/office/drawing/2010/main" xmlns="" w="9525">
+                  <a14:hiddenLine xmlns="" xmlns:a14="http://schemas.microsoft.com/office/drawing/2010/main" w="9525">
                     <a:solidFill>
                       <a:srgbClr val="000000"/>
                     </a:solidFill>
@@ -10626,7 +10627,7 @@
               </a:ln>
               <a:extLst>
                 <a:ext uri="{91240B29-F687-4f45-9708-019B960494DF}">
-                  <a14:hiddenLine xmlns:a14="http://schemas.microsoft.com/office/drawing/2010/main" xmlns="" w="9525">
+                  <a14:hiddenLine xmlns="" xmlns:a14="http://schemas.microsoft.com/office/drawing/2010/main" w="9525">
                     <a:solidFill>
                       <a:srgbClr val="000000"/>
                     </a:solidFill>
@@ -10716,7 +10717,7 @@
               </a:ln>
               <a:extLst>
                 <a:ext uri="{91240B29-F687-4f45-9708-019B960494DF}">
-                  <a14:hiddenLine xmlns:a14="http://schemas.microsoft.com/office/drawing/2010/main" xmlns="" w="9525">
+                  <a14:hiddenLine xmlns="" xmlns:a14="http://schemas.microsoft.com/office/drawing/2010/main" w="9525">
                     <a:solidFill>
                       <a:srgbClr val="000000"/>
                     </a:solidFill>
@@ -10806,7 +10807,7 @@
               </a:ln>
               <a:extLst>
                 <a:ext uri="{91240B29-F687-4f45-9708-019B960494DF}">
-                  <a14:hiddenLine xmlns:a14="http://schemas.microsoft.com/office/drawing/2010/main" xmlns="" w="9525">
+                  <a14:hiddenLine xmlns="" xmlns:a14="http://schemas.microsoft.com/office/drawing/2010/main" w="9525">
                     <a:solidFill>
                       <a:srgbClr val="000000"/>
                     </a:solidFill>
@@ -10871,7 +10872,7 @@
               </a:ln>
               <a:extLst>
                 <a:ext uri="{91240B29-F687-4f45-9708-019B960494DF}">
-                  <a14:hiddenLine xmlns:a14="http://schemas.microsoft.com/office/drawing/2010/main" xmlns="" w="9525">
+                  <a14:hiddenLine xmlns="" xmlns:a14="http://schemas.microsoft.com/office/drawing/2010/main" w="9525">
                     <a:solidFill>
                       <a:srgbClr val="000000"/>
                     </a:solidFill>
@@ -10991,7 +10992,7 @@
               </a:ln>
               <a:extLst>
                 <a:ext uri="{91240B29-F687-4f45-9708-019B960494DF}">
-                  <a14:hiddenLine xmlns:a14="http://schemas.microsoft.com/office/drawing/2010/main" xmlns="" w="9525">
+                  <a14:hiddenLine xmlns="" xmlns:a14="http://schemas.microsoft.com/office/drawing/2010/main" w="9525">
                     <a:solidFill>
                       <a:srgbClr val="000000"/>
                     </a:solidFill>
@@ -11089,7 +11090,7 @@
               </a:ln>
               <a:extLst>
                 <a:ext uri="{91240B29-F687-4f45-9708-019B960494DF}">
-                  <a14:hiddenLine xmlns:a14="http://schemas.microsoft.com/office/drawing/2010/main" xmlns="" w="9525">
+                  <a14:hiddenLine xmlns="" xmlns:a14="http://schemas.microsoft.com/office/drawing/2010/main" w="9525">
                     <a:solidFill>
                       <a:srgbClr val="000000"/>
                     </a:solidFill>
@@ -11204,7 +11205,7 @@
               </a:ln>
               <a:extLst>
                 <a:ext uri="{91240B29-F687-4f45-9708-019B960494DF}">
-                  <a14:hiddenLine xmlns:a14="http://schemas.microsoft.com/office/drawing/2010/main" xmlns="" w="9525">
+                  <a14:hiddenLine xmlns="" xmlns:a14="http://schemas.microsoft.com/office/drawing/2010/main" w="9525">
                     <a:solidFill>
                       <a:srgbClr val="000000"/>
                     </a:solidFill>
@@ -11294,7 +11295,7 @@
               </a:ln>
               <a:extLst>
                 <a:ext uri="{91240B29-F687-4f45-9708-019B960494DF}">
-                  <a14:hiddenLine xmlns:a14="http://schemas.microsoft.com/office/drawing/2010/main" xmlns="" w="9525">
+                  <a14:hiddenLine xmlns="" xmlns:a14="http://schemas.microsoft.com/office/drawing/2010/main" w="9525">
                     <a:solidFill>
                       <a:srgbClr val="000000"/>
                     </a:solidFill>
@@ -11359,7 +11360,7 @@
               </a:ln>
               <a:extLst>
                 <a:ext uri="{91240B29-F687-4f45-9708-019B960494DF}">
-                  <a14:hiddenLine xmlns:a14="http://schemas.microsoft.com/office/drawing/2010/main" xmlns="" w="9525">
+                  <a14:hiddenLine xmlns="" xmlns:a14="http://schemas.microsoft.com/office/drawing/2010/main" w="9525">
                     <a:solidFill>
                       <a:srgbClr val="000000"/>
                     </a:solidFill>
@@ -11449,7 +11450,7 @@
               </a:ln>
               <a:extLst>
                 <a:ext uri="{91240B29-F687-4f45-9708-019B960494DF}">
-                  <a14:hiddenLine xmlns:a14="http://schemas.microsoft.com/office/drawing/2010/main" xmlns="" w="9525">
+                  <a14:hiddenLine xmlns="" xmlns:a14="http://schemas.microsoft.com/office/drawing/2010/main" w="9525">
                     <a:solidFill>
                       <a:srgbClr val="000000"/>
                     </a:solidFill>
@@ -11517,7 +11518,7 @@
               </a:ln>
               <a:extLst>
                 <a:ext uri="{91240B29-F687-4f45-9708-019B960494DF}">
-                  <a14:hiddenLine xmlns:a14="http://schemas.microsoft.com/office/drawing/2010/main" xmlns="" w="9525">
+                  <a14:hiddenLine xmlns="" xmlns:a14="http://schemas.microsoft.com/office/drawing/2010/main" w="9525">
                     <a:solidFill>
                       <a:srgbClr val="000000"/>
                     </a:solidFill>
@@ -11607,7 +11608,7 @@
               </a:ln>
               <a:extLst>
                 <a:ext uri="{91240B29-F687-4f45-9708-019B960494DF}">
-                  <a14:hiddenLine xmlns:a14="http://schemas.microsoft.com/office/drawing/2010/main" xmlns="" w="9525">
+                  <a14:hiddenLine xmlns="" xmlns:a14="http://schemas.microsoft.com/office/drawing/2010/main" w="9525">
                     <a:solidFill>
                       <a:srgbClr val="000000"/>
                     </a:solidFill>
@@ -11675,7 +11676,7 @@
               </a:ln>
               <a:extLst>
                 <a:ext uri="{91240B29-F687-4f45-9708-019B960494DF}">
-                  <a14:hiddenLine xmlns:a14="http://schemas.microsoft.com/office/drawing/2010/main" xmlns="" w="9525">
+                  <a14:hiddenLine xmlns="" xmlns:a14="http://schemas.microsoft.com/office/drawing/2010/main" w="9525">
                     <a:solidFill>
                       <a:srgbClr val="000000"/>
                     </a:solidFill>
@@ -11765,7 +11766,7 @@
               </a:ln>
               <a:extLst>
                 <a:ext uri="{91240B29-F687-4f45-9708-019B960494DF}">
-                  <a14:hiddenLine xmlns:a14="http://schemas.microsoft.com/office/drawing/2010/main" xmlns="" w="9525">
+                  <a14:hiddenLine xmlns="" xmlns:a14="http://schemas.microsoft.com/office/drawing/2010/main" w="9525">
                     <a:solidFill>
                       <a:srgbClr val="000000"/>
                     </a:solidFill>
@@ -11799,7 +11800,7 @@
               </a:ln>
               <a:extLst>
                 <a:ext uri="{91240B29-F687-4f45-9708-019B960494DF}">
-                  <a14:hiddenLine xmlns:a14="http://schemas.microsoft.com/office/drawing/2010/main" xmlns="" w="9525">
+                  <a14:hiddenLine xmlns="" xmlns:a14="http://schemas.microsoft.com/office/drawing/2010/main" w="9525">
                     <a:solidFill>
                       <a:srgbClr val="000000"/>
                     </a:solidFill>
@@ -11940,7 +11941,7 @@
             <a:fld id="{48A87A34-81AB-432B-8DAE-1953F412C126}" type="datetimeFigureOut">
               <a:rPr lang="en-US" dirty="0"/>
               <a:pPr/>
-              <a:t>1/31/2022</a:t>
+              <a:t>2/2/2022</a:t>
             </a:fld>
             <a:endParaRPr lang="en-US" dirty="0"/>
           </a:p>
@@ -12455,6 +12456,185 @@
 </p:sld>
 </file>
 
+<file path=ppt/slides/slide10.xml><?xml version="1.0" encoding="utf-8"?>
+<p:sld xmlns:a="http://schemas.openxmlformats.org/drawingml/2006/main" xmlns:r="http://schemas.openxmlformats.org/officeDocument/2006/relationships" xmlns:p="http://schemas.openxmlformats.org/presentationml/2006/main">
+  <p:cSld>
+    <p:spTree>
+      <p:nvGrpSpPr>
+        <p:cNvPr id="1" name=""/>
+        <p:cNvGrpSpPr/>
+        <p:nvPr/>
+      </p:nvGrpSpPr>
+      <p:grpSpPr>
+        <a:xfrm>
+          <a:off x="0" y="0"/>
+          <a:ext cx="0" cy="0"/>
+          <a:chOff x="0" y="0"/>
+          <a:chExt cx="0" cy="0"/>
+        </a:xfrm>
+      </p:grpSpPr>
+      <p:sp>
+        <p:nvSpPr>
+          <p:cNvPr id="2" name="Title 1">
+            <a:extLst>
+              <a:ext uri="{FF2B5EF4-FFF2-40B4-BE49-F238E27FC236}">
+                <a16:creationId xmlns:a16="http://schemas.microsoft.com/office/drawing/2014/main" id="{68C3ECC6-4864-4365-A835-A7F076D4DB5C}"/>
+              </a:ext>
+            </a:extLst>
+          </p:cNvPr>
+          <p:cNvSpPr>
+            <a:spLocks noGrp="1"/>
+          </p:cNvSpPr>
+          <p:nvPr>
+            <p:ph type="title"/>
+          </p:nvPr>
+        </p:nvSpPr>
+        <p:spPr>
+          <a:xfrm>
+            <a:off x="1143001" y="159944"/>
+            <a:ext cx="9905998" cy="757276"/>
+          </a:xfrm>
+        </p:spPr>
+        <p:txBody>
+          <a:bodyPr/>
+          <a:lstStyle/>
+          <a:p>
+            <a:r>
+              <a:rPr lang="en-US" dirty="0">
+                <a:solidFill>
+                  <a:srgbClr val="FFFF00"/>
+                </a:solidFill>
+                <a:latin typeface="Checkbook" panose="020B0000000000000000" pitchFamily="34" charset="0"/>
+              </a:rPr>
+              <a:t>MERGduino</a:t>
+            </a:r>
+            <a:r>
+              <a:rPr lang="en-US" dirty="0">
+                <a:solidFill>
+                  <a:srgbClr val="00B050"/>
+                </a:solidFill>
+                <a:latin typeface="Checkbook" panose="020B0000000000000000" pitchFamily="34" charset="0"/>
+              </a:rPr>
+              <a:t>: </a:t>
+            </a:r>
+            <a:r>
+              <a:rPr lang="en-US" dirty="0">
+                <a:solidFill>
+                  <a:srgbClr val="C00000"/>
+                </a:solidFill>
+                <a:latin typeface="Checkbook" panose="020B0000000000000000" pitchFamily="34" charset="0"/>
+              </a:rPr>
+              <a:t>Feb 2 / 2022 Update</a:t>
+            </a:r>
+          </a:p>
+        </p:txBody>
+      </p:sp>
+      <p:sp>
+        <p:nvSpPr>
+          <p:cNvPr id="4" name="TextBox 3">
+            <a:extLst>
+              <a:ext uri="{FF2B5EF4-FFF2-40B4-BE49-F238E27FC236}">
+                <a16:creationId xmlns:a16="http://schemas.microsoft.com/office/drawing/2014/main" id="{CB0722FA-64B6-476A-A083-C57E7741606F}"/>
+              </a:ext>
+            </a:extLst>
+          </p:cNvPr>
+          <p:cNvSpPr txBox="1"/>
+          <p:nvPr/>
+        </p:nvSpPr>
+        <p:spPr>
+          <a:xfrm>
+            <a:off x="1050983" y="1466491"/>
+            <a:ext cx="9998016" cy="2246769"/>
+          </a:xfrm>
+          <a:prstGeom prst="rect">
+            <a:avLst/>
+          </a:prstGeom>
+          <a:noFill/>
+        </p:spPr>
+        <p:txBody>
+          <a:bodyPr wrap="square" rtlCol="0">
+            <a:spAutoFit/>
+          </a:bodyPr>
+          <a:lstStyle/>
+          <a:p>
+            <a:pPr marL="342900" indent="-342900">
+              <a:buFont typeface="Arial" panose="020B0604020202020204" pitchFamily="34" charset="0"/>
+              <a:buChar char="•"/>
+            </a:pPr>
+            <a:r>
+              <a:rPr lang="en-US" sz="2000" dirty="0"/>
+              <a:t>Pre-Production schematic done – (Rev 0.4)</a:t>
+            </a:r>
+          </a:p>
+          <a:p>
+            <a:pPr marL="342900" indent="-342900">
+              <a:buFont typeface="Arial" panose="020B0604020202020204" pitchFamily="34" charset="0"/>
+              <a:buChar char="•"/>
+            </a:pPr>
+            <a:r>
+              <a:rPr lang="en-US" sz="2000" dirty="0"/>
+              <a:t>PCB laid out and verified</a:t>
+            </a:r>
+          </a:p>
+          <a:p>
+            <a:pPr marL="342900" indent="-342900">
+              <a:buFont typeface="Arial" panose="020B0604020202020204" pitchFamily="34" charset="0"/>
+              <a:buChar char="•"/>
+            </a:pPr>
+            <a:r>
+              <a:rPr lang="en-US" sz="2000" dirty="0"/>
+              <a:t>Small order (3 boards only) placed. Additional Components for build-out are coming in now.</a:t>
+            </a:r>
+          </a:p>
+          <a:p>
+            <a:pPr marL="342900" indent="-342900">
+              <a:buFont typeface="Arial" panose="020B0604020202020204" pitchFamily="34" charset="0"/>
+              <a:buChar char="•"/>
+            </a:pPr>
+            <a:endParaRPr lang="en-US" sz="2000" dirty="0"/>
+          </a:p>
+          <a:p>
+            <a:pPr marL="342900" indent="-342900">
+              <a:buFont typeface="Arial" panose="020B0604020202020204" pitchFamily="34" charset="0"/>
+              <a:buChar char="•"/>
+            </a:pPr>
+            <a:r>
+              <a:rPr lang="en-US" sz="2000" dirty="0"/>
+              <a:t>Interest?   Thoughts?   </a:t>
+            </a:r>
+          </a:p>
+          <a:p>
+            <a:pPr marL="342900" indent="-342900">
+              <a:buFont typeface="Arial" panose="020B0604020202020204" pitchFamily="34" charset="0"/>
+              <a:buChar char="•"/>
+            </a:pPr>
+            <a:endParaRPr lang="en-US" sz="2000" dirty="0"/>
+          </a:p>
+          <a:p>
+            <a:pPr marL="342900" indent="-342900">
+              <a:buFont typeface="Arial" panose="020B0604020202020204" pitchFamily="34" charset="0"/>
+              <a:buChar char="•"/>
+            </a:pPr>
+            <a:r>
+              <a:rPr lang="en-US" sz="2000" dirty="0"/>
+              <a:t>Down the road … (after preliminary build / test)   Form a team to lead evaluation?</a:t>
+            </a:r>
+          </a:p>
+        </p:txBody>
+      </p:sp>
+    </p:spTree>
+    <p:extLst>
+      <p:ext uri="{BB962C8B-B14F-4D97-AF65-F5344CB8AC3E}">
+        <p14:creationId xmlns:p14="http://schemas.microsoft.com/office/powerpoint/2010/main" val="2294546228"/>
+      </p:ext>
+    </p:extLst>
+  </p:cSld>
+  <p:clrMapOvr>
+    <a:masterClrMapping/>
+  </p:clrMapOvr>
+</p:sld>
+</file>
+
 <file path=ppt/slides/slide2.xml><?xml version="1.0" encoding="utf-8"?>
 <p:sld xmlns:a="http://schemas.openxmlformats.org/drawingml/2006/main" xmlns:r="http://schemas.openxmlformats.org/officeDocument/2006/relationships" xmlns:p="http://schemas.openxmlformats.org/presentationml/2006/main">
   <p:cSld>
@@ -12553,8 +12733,16 @@
               <a:buAutoNum type="arabicPeriod"/>
             </a:pPr>
             <a:r>
+              <a:rPr lang="en-US" dirty="0">
+                <a:solidFill>
+                  <a:srgbClr val="FFFF00"/>
+                </a:solidFill>
+              </a:rPr>
+              <a:t>Crawl: </a:t>
+            </a:r>
+            <a:r>
               <a:rPr lang="en-US" dirty="0"/>
-              <a:t>Review Design Objectives. What you will learn. What you will need. Primer on Components and Symbols. Conductors, Insulators and Ohms Law. Introduce the kit and the included parts and how to obtain one.</a:t>
+              <a:t>What you will learn. What you will need. Primer on Components and Symbols. Conductors, Insulators and Ohms Law. Introduce the kit and how to obtain one.</a:t>
             </a:r>
           </a:p>
           <a:p>
@@ -12563,6 +12751,14 @@
               <a:buAutoNum type="arabicPeriod"/>
             </a:pPr>
             <a:r>
+              <a:rPr lang="en-US" dirty="0">
+                <a:solidFill>
+                  <a:srgbClr val="FFFF00"/>
+                </a:solidFill>
+              </a:rPr>
+              <a:t>Walk: </a:t>
+            </a:r>
+            <a:r>
               <a:rPr lang="en-US" dirty="0"/>
               <a:t>Schematic vs PCB. Start it simple. Work up to this design complete walkthrough. (parts orientation, details, tips and tricks, how to solder, assemble board.) Build up the power supply portion the board. How to test your work with visual inspection and basic electrical testing. </a:t>
             </a:r>
@@ -12573,14 +12769,17 @@
               <a:buAutoNum type="arabicPeriod"/>
             </a:pPr>
             <a:r>
+              <a:rPr lang="en-US" dirty="0">
+                <a:solidFill>
+                  <a:srgbClr val="FFFF00"/>
+                </a:solidFill>
+              </a:rPr>
+              <a:t>Run: </a:t>
+            </a:r>
+            <a:r>
               <a:rPr lang="en-US" dirty="0"/>
-              <a:t>Finish the build. Introduce The Arduino IDE. Use of in built test programs like Blink, Servo </a:t>
-            </a:r>
-            <a:r>
-              <a:rPr lang="en-US" dirty="0" err="1"/>
-              <a:t>etc</a:t>
-            </a:r>
-            <a:endParaRPr lang="en-US" dirty="0"/>
+              <a:t>Finish the build. Introduce The Arduino IDE. Use of built in test programs like Blink, Servo. Show how to modify and test beyond the default. Use of serial monitor and serial plotter for debugging. </a:t>
+            </a:r>
           </a:p>
           <a:p>
             <a:pPr marL="457200" indent="-457200">
@@ -12588,8 +12787,24 @@
               <a:buAutoNum type="arabicPeriod"/>
             </a:pPr>
             <a:r>
+              <a:rPr lang="en-US" dirty="0" err="1">
+                <a:solidFill>
+                  <a:srgbClr val="FFFF00"/>
+                </a:solidFill>
+              </a:rPr>
+              <a:t>Mergduino</a:t>
+            </a:r>
+            <a:r>
+              <a:rPr lang="en-US" dirty="0">
+                <a:solidFill>
+                  <a:srgbClr val="FFFF00"/>
+                </a:solidFill>
+              </a:rPr>
+              <a:t> Applications: </a:t>
+            </a:r>
+            <a:r>
               <a:rPr lang="en-US" dirty="0"/>
-              <a:t>More on Arduino IDE and simple program design. Use of serial monitor for debugging. Examples of practical use (Each as a standalone short video) </a:t>
+              <a:t>Examples of practical use (Each as a standalone short video) </a:t>
             </a:r>
           </a:p>
           <a:p>
@@ -12711,8 +12926,16 @@
           <a:lstStyle/>
           <a:p>
             <a:r>
+              <a:rPr lang="en-US" sz="2000" dirty="0" err="1">
+                <a:solidFill>
+                  <a:srgbClr val="FFFF00"/>
+                </a:solidFill>
+              </a:rPr>
+              <a:t>MergDuino</a:t>
+            </a:r>
+            <a:r>
               <a:rPr lang="en-US" sz="2000" dirty="0"/>
-              <a:t>General Requirements</a:t>
+              <a:t> Overview</a:t>
             </a:r>
           </a:p>
         </p:txBody>
@@ -12761,7 +12984,7 @@
             </a:pPr>
             <a:r>
               <a:rPr lang="en-US" sz="1400" dirty="0"/>
-              <a:t>An Arduino based hardware and software project that will serve as a learning platform</a:t>
+              <a:t>An Arduino based hardware and software project that will serve as a learning platform and a useful tool when completed.</a:t>
             </a:r>
           </a:p>
           <a:p>
@@ -12771,7 +12994,7 @@
             </a:pPr>
             <a:r>
               <a:rPr lang="en-US" sz="1400" dirty="0"/>
-              <a:t>Finished product would be very useful in a variety of situations on any layout.</a:t>
+              <a:t>Finished product would be very useful in a variety of situations on any layout and has good growth potential.</a:t>
             </a:r>
           </a:p>
           <a:p>
@@ -12811,7 +13034,7 @@
             </a:pPr>
             <a:r>
               <a:rPr lang="en-US" sz="1400" dirty="0"/>
-              <a:t>PCB design should be flexible in that I/O can be reconfigured without too much fuss. (for example taking the LED’s off board) </a:t>
+              <a:t>PCB design should be flexible in that I/O can be reconfigured without too much fuss. (for example taking LED’s off board) </a:t>
             </a:r>
           </a:p>
           <a:p>
@@ -13906,31 +14129,8 @@
             </a:pPr>
             <a:r>
               <a:rPr lang="en-US" sz="1400" dirty="0"/>
-              <a:t>On board regulation to </a:t>
-            </a:r>
-            <a:r>
-              <a:rPr lang="en-US" sz="1400" dirty="0">
-                <a:solidFill>
-                  <a:schemeClr val="accent2">
-                    <a:lumMod val="60000"/>
-                    <a:lumOff val="40000"/>
-                  </a:schemeClr>
-                </a:solidFill>
-              </a:rPr>
-              <a:t>5Vdc </a:t>
-            </a:r>
-            <a:r>
-              <a:rPr lang="en-US" sz="1400" dirty="0"/>
-              <a:t>at NANO 5 Volt input</a:t>
-            </a:r>
-            <a:endParaRPr lang="en-US" sz="1400" dirty="0">
-              <a:solidFill>
-                <a:schemeClr val="accent2">
-                  <a:lumMod val="60000"/>
-                  <a:lumOff val="40000"/>
-                </a:schemeClr>
-              </a:solidFill>
-            </a:endParaRPr>
+              <a:t>On board regulation to 5Vdc direct into NANO 5 Volt input</a:t>
+            </a:r>
           </a:p>
           <a:p>
             <a:pPr marL="285750" indent="-285750">
@@ -13979,7 +14179,7 @@
             </a:pPr>
             <a:r>
               <a:rPr lang="en-US" sz="1400" dirty="0"/>
-              <a:t>At least some minimal prototype test area.</a:t>
+              <a:t>A small prototype test area.</a:t>
             </a:r>
           </a:p>
           <a:p>
@@ -13989,17 +14189,7 @@
             </a:pPr>
             <a:r>
               <a:rPr lang="en-US" sz="1400" dirty="0"/>
-              <a:t>Multiple communications options </a:t>
-            </a:r>
-          </a:p>
-          <a:p>
-            <a:pPr marL="285750" indent="-285750">
-              <a:buFont typeface="Arial" panose="020B0604020202020204" pitchFamily="34" charset="0"/>
-              <a:buChar char="•"/>
-            </a:pPr>
-            <a:r>
-              <a:rPr lang="en-US" sz="1400" dirty="0"/>
-              <a:t>(not all options may be physically possible on the same build)</a:t>
+              <a:t>Multiple communications options (Although not all options may be physically possible on the same build)</a:t>
             </a:r>
           </a:p>
         </p:txBody>
@@ -14245,19 +14435,30 @@
           <a:lstStyle/>
           <a:p>
             <a:r>
-              <a:rPr lang="en-US" dirty="0"/>
-              <a:t>Introducing:    </a:t>
-            </a:r>
-            <a:r>
               <a:rPr lang="en-US" sz="6000" dirty="0">
                 <a:solidFill>
-                  <a:srgbClr val="00B050"/>
+                  <a:srgbClr val="FFFF00"/>
                 </a:solidFill>
                 <a:latin typeface="Checkbook" panose="020B0000000000000000" pitchFamily="34" charset="0"/>
               </a:rPr>
-              <a:t>MERGduino</a:t>
-            </a:r>
-            <a:endParaRPr lang="en-US" sz="6000" dirty="0"/>
+              <a:t>MERGduino : </a:t>
+            </a:r>
+            <a:r>
+              <a:rPr lang="en-US" sz="6000" dirty="0">
+                <a:solidFill>
+                  <a:schemeClr val="accent3">
+                    <a:lumMod val="75000"/>
+                  </a:schemeClr>
+                </a:solidFill>
+                <a:latin typeface="Checkbook" panose="020B0000000000000000" pitchFamily="34" charset="0"/>
+              </a:rPr>
+              <a:t>PCB</a:t>
+            </a:r>
+            <a:endParaRPr lang="en-US" sz="6000" dirty="0">
+              <a:solidFill>
+                <a:srgbClr val="FFFF00"/>
+              </a:solidFill>
+            </a:endParaRPr>
           </a:p>
         </p:txBody>
       </p:sp>
@@ -14350,16 +14551,27 @@
             <a:r>
               <a:rPr lang="en-US" dirty="0">
                 <a:solidFill>
+                  <a:srgbClr val="FFFF00"/>
+                </a:solidFill>
+                <a:latin typeface="Checkbook" panose="020B0000000000000000" pitchFamily="34" charset="0"/>
+              </a:rPr>
+              <a:t>MERGduino</a:t>
+            </a:r>
+            <a:r>
+              <a:rPr lang="en-US" dirty="0">
+                <a:solidFill>
                   <a:srgbClr val="00B050"/>
                 </a:solidFill>
                 <a:latin typeface="Checkbook" panose="020B0000000000000000" pitchFamily="34" charset="0"/>
               </a:rPr>
-              <a:t>MERGduino: </a:t>
+              <a:t>: </a:t>
             </a:r>
             <a:r>
               <a:rPr lang="en-US" dirty="0">
                 <a:solidFill>
-                  <a:srgbClr val="C00000"/>
+                  <a:schemeClr val="accent3">
+                    <a:lumMod val="75000"/>
+                  </a:schemeClr>
                 </a:solidFill>
                 <a:latin typeface="Checkbook" panose="020B0000000000000000" pitchFamily="34" charset="0"/>
               </a:rPr>
@@ -14367,7 +14579,9 @@
             </a:r>
             <a:endParaRPr lang="en-US" dirty="0">
               <a:solidFill>
-                <a:srgbClr val="C00000"/>
+                <a:schemeClr val="accent3">
+                  <a:lumMod val="75000"/>
+                </a:schemeClr>
               </a:solidFill>
             </a:endParaRPr>
           </a:p>
@@ -14608,11 +14822,20 @@
             <a:r>
               <a:rPr lang="en-US" dirty="0">
                 <a:solidFill>
+                  <a:srgbClr val="FFFF00"/>
+                </a:solidFill>
+                <a:latin typeface="Checkbook" panose="020B0000000000000000" pitchFamily="34" charset="0"/>
+              </a:rPr>
+              <a:t>MERGduino</a:t>
+            </a:r>
+            <a:r>
+              <a:rPr lang="en-US" dirty="0">
+                <a:solidFill>
                   <a:srgbClr val="00B050"/>
                 </a:solidFill>
                 <a:latin typeface="Checkbook" panose="020B0000000000000000" pitchFamily="34" charset="0"/>
               </a:rPr>
-              <a:t>MERGduino: </a:t>
+              <a:t>: </a:t>
             </a:r>
             <a:r>
               <a:rPr lang="en-US" dirty="0">
@@ -14711,7 +14934,10 @@
               <a:buFont typeface="Arial" panose="020B0604020202020204" pitchFamily="34" charset="0"/>
               <a:buChar char="•"/>
             </a:pPr>
-            <a:endParaRPr lang="en-US" sz="1400" dirty="0"/>
+            <a:r>
+              <a:rPr lang="en-US" sz="1400" dirty="0"/>
+              <a:t>8 Analog pins and 4 digital pins</a:t>
+            </a:r>
           </a:p>
           <a:p>
             <a:endParaRPr lang="en-US" sz="1400" dirty="0"/>
@@ -14997,11 +15223,20 @@
             <a:r>
               <a:rPr lang="en-US" dirty="0">
                 <a:solidFill>
+                  <a:srgbClr val="FFFF00"/>
+                </a:solidFill>
+                <a:latin typeface="Checkbook" panose="020B0000000000000000" pitchFamily="34" charset="0"/>
+              </a:rPr>
+              <a:t>MERGduino</a:t>
+            </a:r>
+            <a:r>
+              <a:rPr lang="en-US" dirty="0">
+                <a:solidFill>
                   <a:srgbClr val="00B050"/>
                 </a:solidFill>
                 <a:latin typeface="Checkbook" panose="020B0000000000000000" pitchFamily="34" charset="0"/>
               </a:rPr>
-              <a:t>MERGduino: </a:t>
+              <a:t>: </a:t>
             </a:r>
             <a:r>
               <a:rPr lang="en-US" dirty="0">
@@ -15269,64 +15504,29 @@
             <a:r>
               <a:rPr lang="en-US" dirty="0">
                 <a:solidFill>
+                  <a:srgbClr val="FFFF00"/>
+                </a:solidFill>
+                <a:latin typeface="Checkbook" panose="020B0000000000000000" pitchFamily="34" charset="0"/>
+              </a:rPr>
+              <a:t>MERGduino</a:t>
+            </a:r>
+            <a:r>
+              <a:rPr lang="en-US" dirty="0">
+                <a:solidFill>
                   <a:srgbClr val="00B050"/>
                 </a:solidFill>
                 <a:latin typeface="Checkbook" panose="020B0000000000000000" pitchFamily="34" charset="0"/>
               </a:rPr>
-              <a:t>MERGduino: </a:t>
+              <a:t>: </a:t>
             </a:r>
             <a:r>
               <a:rPr lang="en-US" dirty="0">
                 <a:solidFill>
-                  <a:srgbClr val="FF0000"/>
+                  <a:srgbClr val="C00000"/>
                 </a:solidFill>
                 <a:latin typeface="Checkbook" panose="020B0000000000000000" pitchFamily="34" charset="0"/>
               </a:rPr>
-              <a:t>Work Phases</a:t>
-            </a:r>
-            <a:endParaRPr lang="en-US" dirty="0">
-              <a:solidFill>
-                <a:srgbClr val="FF0000"/>
-              </a:solidFill>
-            </a:endParaRPr>
-          </a:p>
-        </p:txBody>
-      </p:sp>
-      <p:sp>
-        <p:nvSpPr>
-          <p:cNvPr id="5" name="TextBox 4">
-            <a:extLst>
-              <a:ext uri="{FF2B5EF4-FFF2-40B4-BE49-F238E27FC236}">
-                <a16:creationId xmlns:a16="http://schemas.microsoft.com/office/drawing/2014/main" id="{FFEC40BD-F54C-4EBC-AFDF-B49252F8875F}"/>
-              </a:ext>
-            </a:extLst>
-          </p:cNvPr>
-          <p:cNvSpPr txBox="1"/>
-          <p:nvPr/>
-        </p:nvSpPr>
-        <p:spPr>
-          <a:xfrm>
-            <a:off x="1649489" y="850109"/>
-            <a:ext cx="7595179" cy="369332"/>
-          </a:xfrm>
-          <a:prstGeom prst="rect">
-            <a:avLst/>
-          </a:prstGeom>
-          <a:noFill/>
-        </p:spPr>
-        <p:txBody>
-          <a:bodyPr wrap="square" rtlCol="0">
-            <a:spAutoFit/>
-          </a:bodyPr>
-          <a:lstStyle/>
-          <a:p>
-            <a:r>
-              <a:rPr lang="en-US" dirty="0">
-                <a:solidFill>
-                  <a:srgbClr val="FFFF00"/>
-                </a:solidFill>
-              </a:rPr>
-              <a:t>All Projects go through phases (whether they are recognized as such or not)</a:t>
+              <a:t>Status</a:t>
             </a:r>
           </a:p>
         </p:txBody>
@@ -15346,14 +15546,14 @@
           <p:nvPr>
             <p:extLst>
               <p:ext uri="{D42A27DB-BD31-4B8C-83A1-F6EECF244321}">
-                <p14:modId xmlns:p14="http://schemas.microsoft.com/office/powerpoint/2010/main" val="4177928219"/>
+                <p14:modId xmlns:p14="http://schemas.microsoft.com/office/powerpoint/2010/main" val="565090642"/>
               </p:ext>
             </p:extLst>
           </p:nvPr>
         </p:nvGraphicFramePr>
         <p:xfrm>
-          <a:off x="890616" y="1219441"/>
-          <a:ext cx="10635144" cy="4323080"/>
+          <a:off x="881990" y="917220"/>
+          <a:ext cx="10635144" cy="5415280"/>
         </p:xfrm>
         <a:graphic>
           <a:graphicData uri="http://schemas.openxmlformats.org/drawingml/2006/table">
@@ -15362,35 +15562,35 @@
                 <a:tableStyleId>{5C22544A-7EE6-4342-B048-85BDC9FD1C3A}</a:tableStyleId>
               </a:tblPr>
               <a:tblGrid>
-                <a:gridCol w="817417">
+                <a:gridCol w="757029">
                   <a:extLst>
                     <a:ext uri="{9D8B030D-6E8A-4147-A177-3AD203B41FA5}">
                       <a16:colId xmlns:a16="http://schemas.microsoft.com/office/drawing/2014/main" val="2598000485"/>
                     </a:ext>
                   </a:extLst>
                 </a:gridCol>
-                <a:gridCol w="1655239">
+                <a:gridCol w="1518249">
                   <a:extLst>
                     <a:ext uri="{9D8B030D-6E8A-4147-A177-3AD203B41FA5}">
                       <a16:colId xmlns:a16="http://schemas.microsoft.com/office/drawing/2014/main" val="3863070693"/>
                     </a:ext>
                   </a:extLst>
                 </a:gridCol>
-                <a:gridCol w="3816991">
+                <a:gridCol w="3899140">
                   <a:extLst>
                     <a:ext uri="{9D8B030D-6E8A-4147-A177-3AD203B41FA5}">
                       <a16:colId xmlns:a16="http://schemas.microsoft.com/office/drawing/2014/main" val="429033357"/>
                     </a:ext>
                   </a:extLst>
                 </a:gridCol>
-                <a:gridCol w="2969703">
+                <a:gridCol w="3338423">
                   <a:extLst>
                     <a:ext uri="{9D8B030D-6E8A-4147-A177-3AD203B41FA5}">
                       <a16:colId xmlns:a16="http://schemas.microsoft.com/office/drawing/2014/main" val="3983995983"/>
                     </a:ext>
                   </a:extLst>
                 </a:gridCol>
-                <a:gridCol w="1375794">
+                <a:gridCol w="1122303">
                   <a:extLst>
                     <a:ext uri="{9D8B030D-6E8A-4147-A177-3AD203B41FA5}">
                       <a16:colId xmlns:a16="http://schemas.microsoft.com/office/drawing/2014/main" val="156959021"/>
@@ -15983,7 +16183,76 @@
                       </a:pPr>
                       <a:r>
                         <a:rPr lang="en-US" dirty="0"/>
-                        <a:t>Previous stage passed Jan 31/2022</a:t>
+                        <a:t>Previous stage completed Jan 31/2022</a:t>
+                      </a:r>
+                    </a:p>
+                    <a:p>
+                      <a:pPr marL="0" marR="0" lvl="0" indent="0" algn="l" defTabSz="914400" rtl="0" eaLnBrk="1" fontAlgn="auto" latinLnBrk="0" hangingPunct="1">
+                        <a:lnSpc>
+                          <a:spcPct val="100000"/>
+                        </a:lnSpc>
+                        <a:spcBef>
+                          <a:spcPts val="0"/>
+                        </a:spcBef>
+                        <a:spcAft>
+                          <a:spcPts val="0"/>
+                        </a:spcAft>
+                        <a:buClrTx/>
+                        <a:buSzTx/>
+                        <a:buFontTx/>
+                        <a:buNone/>
+                        <a:tabLst/>
+                        <a:defRPr/>
+                      </a:pPr>
+                      <a:r>
+                        <a:rPr lang="en-US" dirty="0"/>
+                        <a:t>Test build. </a:t>
+                      </a:r>
+                    </a:p>
+                    <a:p>
+                      <a:pPr marL="0" marR="0" lvl="0" indent="0" algn="l" defTabSz="914400" rtl="0" eaLnBrk="1" fontAlgn="auto" latinLnBrk="0" hangingPunct="1">
+                        <a:lnSpc>
+                          <a:spcPct val="100000"/>
+                        </a:lnSpc>
+                        <a:spcBef>
+                          <a:spcPts val="0"/>
+                        </a:spcBef>
+                        <a:spcAft>
+                          <a:spcPts val="0"/>
+                        </a:spcAft>
+                        <a:buClrTx/>
+                        <a:buSzTx/>
+                        <a:buFontTx/>
+                        <a:buNone/>
+                        <a:tabLst/>
+                        <a:defRPr/>
+                      </a:pPr>
+                      <a:r>
+                        <a:rPr lang="en-US" dirty="0"/>
+                        <a:t>Develop first draft assembly instructions </a:t>
+                      </a:r>
+                    </a:p>
+                    <a:p>
+                      <a:pPr marL="0" marR="0" lvl="0" indent="0" algn="l" defTabSz="914400" rtl="0" eaLnBrk="1" fontAlgn="auto" latinLnBrk="0" hangingPunct="1">
+                        <a:lnSpc>
+                          <a:spcPct val="100000"/>
+                        </a:lnSpc>
+                        <a:spcBef>
+                          <a:spcPts val="0"/>
+                        </a:spcBef>
+                        <a:spcAft>
+                          <a:spcPts val="0"/>
+                        </a:spcAft>
+                        <a:buClrTx/>
+                        <a:buSzTx/>
+                        <a:buFontTx/>
+                        <a:buNone/>
+                        <a:tabLst/>
+                        <a:defRPr/>
+                      </a:pPr>
+                      <a:r>
+                        <a:rPr lang="en-US" dirty="0"/>
+                        <a:t>Early experimentation</a:t>
                       </a:r>
                     </a:p>
                   </a:txBody>
@@ -15996,7 +16265,7 @@
                     <a:p>
                       <a:r>
                         <a:rPr lang="en-US" dirty="0"/>
-                        <a:t>Protos now on order</a:t>
+                        <a:t>Prototypes on order</a:t>
                       </a:r>
                     </a:p>
                   </a:txBody>
@@ -16090,7 +16359,53 @@
                       </a:pPr>
                       <a:r>
                         <a:rPr lang="en-US" dirty="0"/>
-                        <a:t>Develop first draft assembly instructions. Parts List / options</a:t>
+                        <a:t>Rev 1assembly instructions </a:t>
+                      </a:r>
+                    </a:p>
+                    <a:p>
+                      <a:pPr marL="0" marR="0" lvl="0" indent="0" algn="l" defTabSz="914400" rtl="0" eaLnBrk="1" fontAlgn="auto" latinLnBrk="0" hangingPunct="1">
+                        <a:lnSpc>
+                          <a:spcPct val="100000"/>
+                        </a:lnSpc>
+                        <a:spcBef>
+                          <a:spcPts val="0"/>
+                        </a:spcBef>
+                        <a:spcAft>
+                          <a:spcPts val="0"/>
+                        </a:spcAft>
+                        <a:buClrTx/>
+                        <a:buSzTx/>
+                        <a:buFontTx/>
+                        <a:buNone/>
+                        <a:tabLst/>
+                        <a:defRPr/>
+                      </a:pPr>
+                      <a:r>
+                        <a:rPr lang="en-US" dirty="0"/>
+                        <a:t>Parts List. </a:t>
+                      </a:r>
+                    </a:p>
+                    <a:p>
+                      <a:pPr marL="0" marR="0" lvl="0" indent="0" algn="l" defTabSz="914400" rtl="0" eaLnBrk="1" fontAlgn="auto" latinLnBrk="0" hangingPunct="1">
+                        <a:lnSpc>
+                          <a:spcPct val="100000"/>
+                        </a:lnSpc>
+                        <a:spcBef>
+                          <a:spcPts val="0"/>
+                        </a:spcBef>
+                        <a:spcAft>
+                          <a:spcPts val="0"/>
+                        </a:spcAft>
+                        <a:buClrTx/>
+                        <a:buSzTx/>
+                        <a:buFontTx/>
+                        <a:buNone/>
+                        <a:tabLst/>
+                        <a:defRPr/>
+                      </a:pPr>
+                      <a:r>
+                        <a:rPr lang="en-US" dirty="0"/>
+                        <a:t>Early adopter / broaden code base.</a:t>
                       </a:r>
                     </a:p>
                   </a:txBody>
@@ -16187,7 +16502,7 @@
                     <a:p>
                       <a:r>
                         <a:rPr lang="en-US" dirty="0"/>
-                        <a:t>Here ‘closed’ means ready to develop some learning material against.</a:t>
+                        <a:t>Here ‘closed’ means ready to publish for early adopters and develop learning material against.</a:t>
                       </a:r>
                     </a:p>
                   </a:txBody>
@@ -16272,11 +16587,29 @@
             <a:r>
               <a:rPr lang="en-US" dirty="0">
                 <a:solidFill>
+                  <a:srgbClr val="FFFF00"/>
+                </a:solidFill>
+                <a:latin typeface="Checkbook" panose="020B0000000000000000" pitchFamily="34" charset="0"/>
+              </a:rPr>
+              <a:t>MERGduino</a:t>
+            </a:r>
+            <a:r>
+              <a:rPr lang="en-US" dirty="0">
+                <a:solidFill>
                   <a:srgbClr val="00B050"/>
                 </a:solidFill>
                 <a:latin typeface="Checkbook" panose="020B0000000000000000" pitchFamily="34" charset="0"/>
               </a:rPr>
-              <a:t>MERGduino: </a:t>
+              <a:t>: </a:t>
+            </a:r>
+            <a:r>
+              <a:rPr lang="en-US" dirty="0">
+                <a:solidFill>
+                  <a:srgbClr val="C00000"/>
+                </a:solidFill>
+                <a:latin typeface="Checkbook" panose="020B0000000000000000" pitchFamily="34" charset="0"/>
+              </a:rPr>
+              <a:t>issues</a:t>
             </a:r>
             <a:r>
               <a:rPr lang="en-US" dirty="0">
@@ -16285,13 +16618,35 @@
                 </a:solidFill>
                 <a:latin typeface="Checkbook" panose="020B0000000000000000" pitchFamily="34" charset="0"/>
               </a:rPr>
-              <a:t>issues and outcomes</a:t>
-            </a:r>
-            <a:endParaRPr lang="en-US" dirty="0">
-              <a:solidFill>
-                <a:srgbClr val="FF0000"/>
-              </a:solidFill>
-            </a:endParaRPr>
+              <a:t> </a:t>
+            </a:r>
+            <a:r>
+              <a:rPr lang="en-US" dirty="0">
+                <a:solidFill>
+                  <a:srgbClr val="C00000"/>
+                </a:solidFill>
+                <a:latin typeface="Checkbook" panose="020B0000000000000000" pitchFamily="34" charset="0"/>
+              </a:rPr>
+              <a:t>and</a:t>
+            </a:r>
+            <a:r>
+              <a:rPr lang="en-US" dirty="0">
+                <a:solidFill>
+                  <a:srgbClr val="FF0000"/>
+                </a:solidFill>
+                <a:latin typeface="Checkbook" panose="020B0000000000000000" pitchFamily="34" charset="0"/>
+              </a:rPr>
+              <a:t> </a:t>
+            </a:r>
+            <a:r>
+              <a:rPr lang="en-US" dirty="0">
+                <a:solidFill>
+                  <a:srgbClr val="C00000"/>
+                </a:solidFill>
+                <a:latin typeface="Checkbook" panose="020B0000000000000000" pitchFamily="34" charset="0"/>
+              </a:rPr>
+              <a:t>outcomes</a:t>
+            </a:r>
           </a:p>
         </p:txBody>
       </p:sp>
@@ -16310,13 +16665,13 @@
           <p:nvPr>
             <p:extLst>
               <p:ext uri="{D42A27DB-BD31-4B8C-83A1-F6EECF244321}">
-                <p14:modId xmlns:p14="http://schemas.microsoft.com/office/powerpoint/2010/main" val="2684239284"/>
+                <p14:modId xmlns:p14="http://schemas.microsoft.com/office/powerpoint/2010/main" val="3613891396"/>
               </p:ext>
             </p:extLst>
           </p:nvPr>
         </p:nvGraphicFramePr>
         <p:xfrm>
-          <a:off x="844491" y="761944"/>
+          <a:off x="809985" y="917220"/>
           <a:ext cx="11068588" cy="5582920"/>
         </p:xfrm>
         <a:graphic>
@@ -16524,7 +16879,7 @@
                       </a:pPr>
                       <a:r>
                         <a:rPr lang="en-US" dirty="0"/>
-                        <a:t>Using a 7805 gives more flexible input power options including standard 9 volt battery and 12 VDC. Offloads the NANO regulator</a:t>
+                        <a:t>Using a 7805 gives more flexible input power options including standard 9 volt battery and 12 VDC. Offloads the NANO regulator.</a:t>
                       </a:r>
                     </a:p>
                   </a:txBody>
@@ -16614,7 +16969,7 @@
                     <a:p>
                       <a:r>
                         <a:rPr lang="en-US" dirty="0"/>
-                        <a:t>Keep Line Driver IC</a:t>
+                        <a:t>Line Driver IC</a:t>
                       </a:r>
                     </a:p>
                   </a:txBody>
@@ -16893,7 +17248,7 @@
                     <a:p>
                       <a:r>
                         <a:rPr lang="en-US" dirty="0"/>
-                        <a:t>External I2C pullup</a:t>
+                        <a:t>External I2C pullup R</a:t>
                       </a:r>
                     </a:p>
                   </a:txBody>
@@ -16923,30 +17278,7 @@
                       </a:pPr>
                       <a:r>
                         <a:rPr lang="en-US" dirty="0"/>
-                        <a:t>Allows control over I2C value</a:t>
-                      </a:r>
-                    </a:p>
-                    <a:p>
-                      <a:pPr marL="0" marR="0" lvl="0" indent="0" algn="l" defTabSz="914400" rtl="0" eaLnBrk="1" fontAlgn="auto" latinLnBrk="0" hangingPunct="1">
-                        <a:lnSpc>
-                          <a:spcPct val="100000"/>
-                        </a:lnSpc>
-                        <a:spcBef>
-                          <a:spcPts val="0"/>
-                        </a:spcBef>
-                        <a:spcAft>
-                          <a:spcPts val="0"/>
-                        </a:spcAft>
-                        <a:buClrTx/>
-                        <a:buSzTx/>
-                        <a:buFontTx/>
-                        <a:buNone/>
-                        <a:tabLst/>
-                        <a:defRPr/>
-                      </a:pPr>
-                      <a:r>
-                        <a:rPr lang="en-US" dirty="0"/>
-                        <a:t>Simple soldering job and use of DMM lessons. Ohms Law.</a:t>
+                        <a:t>Education. Simple soldering job and use of DMM lessons. Ohms Law.</a:t>
                       </a:r>
                     </a:p>
                   </a:txBody>
@@ -16976,7 +17308,7 @@
                       </a:pPr>
                       <a:r>
                         <a:rPr lang="en-US" dirty="0"/>
-                        <a:t>Could use internal pullups</a:t>
+                        <a:t>Internal pullups work.</a:t>
                       </a:r>
                     </a:p>
                     <a:p>
@@ -16999,7 +17331,7 @@
                       </a:pPr>
                       <a:r>
                         <a:rPr lang="en-US" dirty="0"/>
-                        <a:t>Save real estate and cost (pennies) </a:t>
+                        <a:t>Ohms law and I2C are opposite ends of pool.</a:t>
                       </a:r>
                     </a:p>
                   </a:txBody>

--- a/Practical Arduino - Ground Up.pptx
+++ b/Practical Arduino - Ground Up.pptx
@@ -171,7 +171,7 @@
           <a:noFill/>
           <a:extLst>
             <a:ext uri="{909E8E84-426E-40dd-AFC4-6F175D3DCCD1}">
-              <a14:hiddenFill xmlns="" xmlns:a14="http://schemas.microsoft.com/office/drawing/2010/main">
+              <a14:hiddenFill xmlns:a14="http://schemas.microsoft.com/office/drawing/2010/main" xmlns="">
                 <a:solidFill>
                   <a:srgbClr val="FFFFFF"/>
                 </a:solidFill>
@@ -231,7 +231,7 @@
             </a:ln>
             <a:extLst>
               <a:ext uri="{91240B29-F687-4f45-9708-019B960494DF}">
-                <a14:hiddenLine xmlns="" xmlns:a14="http://schemas.microsoft.com/office/drawing/2010/main" w="9525">
+                <a14:hiddenLine xmlns:a14="http://schemas.microsoft.com/office/drawing/2010/main" xmlns="" w="9525">
                   <a:solidFill>
                     <a:srgbClr val="000000"/>
                   </a:solidFill>
@@ -321,7 +321,7 @@
             </a:ln>
             <a:extLst>
               <a:ext uri="{91240B29-F687-4f45-9708-019B960494DF}">
-                <a14:hiddenLine xmlns="" xmlns:a14="http://schemas.microsoft.com/office/drawing/2010/main" w="9525">
+                <a14:hiddenLine xmlns:a14="http://schemas.microsoft.com/office/drawing/2010/main" xmlns="" w="9525">
                   <a:solidFill>
                     <a:srgbClr val="000000"/>
                   </a:solidFill>
@@ -411,7 +411,7 @@
             </a:ln>
             <a:extLst>
               <a:ext uri="{91240B29-F687-4f45-9708-019B960494DF}">
-                <a14:hiddenLine xmlns="" xmlns:a14="http://schemas.microsoft.com/office/drawing/2010/main" w="9525">
+                <a14:hiddenLine xmlns:a14="http://schemas.microsoft.com/office/drawing/2010/main" xmlns="" w="9525">
                   <a:solidFill>
                     <a:srgbClr val="000000"/>
                   </a:solidFill>
@@ -445,7 +445,7 @@
             </a:ln>
             <a:extLst>
               <a:ext uri="{91240B29-F687-4f45-9708-019B960494DF}">
-                <a14:hiddenLine xmlns="" xmlns:a14="http://schemas.microsoft.com/office/drawing/2010/main" w="9525">
+                <a14:hiddenLine xmlns:a14="http://schemas.microsoft.com/office/drawing/2010/main" xmlns="" w="9525">
                   <a:solidFill>
                     <a:srgbClr val="000000"/>
                   </a:solidFill>
@@ -535,7 +535,7 @@
             </a:ln>
             <a:extLst>
               <a:ext uri="{91240B29-F687-4f45-9708-019B960494DF}">
-                <a14:hiddenLine xmlns="" xmlns:a14="http://schemas.microsoft.com/office/drawing/2010/main" w="9525">
+                <a14:hiddenLine xmlns:a14="http://schemas.microsoft.com/office/drawing/2010/main" xmlns="" w="9525">
                   <a:solidFill>
                     <a:srgbClr val="000000"/>
                   </a:solidFill>
@@ -597,7 +597,7 @@
             </a:ln>
             <a:extLst>
               <a:ext uri="{91240B29-F687-4f45-9708-019B960494DF}">
-                <a14:hiddenLine xmlns="" xmlns:a14="http://schemas.microsoft.com/office/drawing/2010/main" w="9525">
+                <a14:hiddenLine xmlns:a14="http://schemas.microsoft.com/office/drawing/2010/main" xmlns="" w="9525">
                   <a:solidFill>
                     <a:srgbClr val="000000"/>
                   </a:solidFill>
@@ -659,7 +659,7 @@
             </a:ln>
             <a:extLst>
               <a:ext uri="{91240B29-F687-4f45-9708-019B960494DF}">
-                <a14:hiddenLine xmlns="" xmlns:a14="http://schemas.microsoft.com/office/drawing/2010/main" w="9525">
+                <a14:hiddenLine xmlns:a14="http://schemas.microsoft.com/office/drawing/2010/main" xmlns="" w="9525">
                   <a:solidFill>
                     <a:srgbClr val="000000"/>
                   </a:solidFill>
@@ -749,7 +749,7 @@
             </a:ln>
             <a:extLst>
               <a:ext uri="{91240B29-F687-4f45-9708-019B960494DF}">
-                <a14:hiddenLine xmlns="" xmlns:a14="http://schemas.microsoft.com/office/drawing/2010/main" w="9525">
+                <a14:hiddenLine xmlns:a14="http://schemas.microsoft.com/office/drawing/2010/main" xmlns="" w="9525">
                   <a:solidFill>
                     <a:srgbClr val="000000"/>
                   </a:solidFill>
@@ -811,7 +811,7 @@
             </a:ln>
             <a:extLst>
               <a:ext uri="{91240B29-F687-4f45-9708-019B960494DF}">
-                <a14:hiddenLine xmlns="" xmlns:a14="http://schemas.microsoft.com/office/drawing/2010/main" w="9525">
+                <a14:hiddenLine xmlns:a14="http://schemas.microsoft.com/office/drawing/2010/main" xmlns="" w="9525">
                   <a:solidFill>
                     <a:srgbClr val="000000"/>
                   </a:solidFill>
@@ -873,7 +873,7 @@
             </a:ln>
             <a:extLst>
               <a:ext uri="{91240B29-F687-4f45-9708-019B960494DF}">
-                <a14:hiddenLine xmlns="" xmlns:a14="http://schemas.microsoft.com/office/drawing/2010/main" w="9525">
+                <a14:hiddenLine xmlns:a14="http://schemas.microsoft.com/office/drawing/2010/main" xmlns="" w="9525">
                   <a:solidFill>
                     <a:srgbClr val="000000"/>
                   </a:solidFill>
@@ -963,7 +963,7 @@
             </a:ln>
             <a:extLst>
               <a:ext uri="{91240B29-F687-4f45-9708-019B960494DF}">
-                <a14:hiddenLine xmlns="" xmlns:a14="http://schemas.microsoft.com/office/drawing/2010/main" w="9525">
+                <a14:hiddenLine xmlns:a14="http://schemas.microsoft.com/office/drawing/2010/main" xmlns="" w="9525">
                   <a:solidFill>
                     <a:srgbClr val="000000"/>
                   </a:solidFill>
@@ -1053,7 +1053,7 @@
             </a:ln>
             <a:extLst>
               <a:ext uri="{91240B29-F687-4f45-9708-019B960494DF}">
-                <a14:hiddenLine xmlns="" xmlns:a14="http://schemas.microsoft.com/office/drawing/2010/main" w="9525">
+                <a14:hiddenLine xmlns:a14="http://schemas.microsoft.com/office/drawing/2010/main" xmlns="" w="9525">
                   <a:solidFill>
                     <a:srgbClr val="000000"/>
                   </a:solidFill>
@@ -1115,7 +1115,7 @@
             </a:ln>
             <a:extLst>
               <a:ext uri="{91240B29-F687-4f45-9708-019B960494DF}">
-                <a14:hiddenLine xmlns="" xmlns:a14="http://schemas.microsoft.com/office/drawing/2010/main" w="9525">
+                <a14:hiddenLine xmlns:a14="http://schemas.microsoft.com/office/drawing/2010/main" xmlns="" w="9525">
                   <a:solidFill>
                     <a:srgbClr val="000000"/>
                   </a:solidFill>
@@ -1225,7 +1225,7 @@
             </a:ln>
             <a:extLst>
               <a:ext uri="{91240B29-F687-4f45-9708-019B960494DF}">
-                <a14:hiddenLine xmlns="" xmlns:a14="http://schemas.microsoft.com/office/drawing/2010/main" w="9525">
+                <a14:hiddenLine xmlns:a14="http://schemas.microsoft.com/office/drawing/2010/main" xmlns="" w="9525">
                   <a:solidFill>
                     <a:srgbClr val="000000"/>
                   </a:solidFill>
@@ -1287,7 +1287,7 @@
             </a:ln>
             <a:extLst>
               <a:ext uri="{91240B29-F687-4f45-9708-019B960494DF}">
-                <a14:hiddenLine xmlns="" xmlns:a14="http://schemas.microsoft.com/office/drawing/2010/main" w="9525">
+                <a14:hiddenLine xmlns:a14="http://schemas.microsoft.com/office/drawing/2010/main" xmlns="" w="9525">
                   <a:solidFill>
                     <a:srgbClr val="000000"/>
                   </a:solidFill>
@@ -1377,7 +1377,7 @@
             </a:ln>
             <a:extLst>
               <a:ext uri="{91240B29-F687-4f45-9708-019B960494DF}">
-                <a14:hiddenLine xmlns="" xmlns:a14="http://schemas.microsoft.com/office/drawing/2010/main" w="9525">
+                <a14:hiddenLine xmlns:a14="http://schemas.microsoft.com/office/drawing/2010/main" xmlns="" w="9525">
                   <a:solidFill>
                     <a:srgbClr val="000000"/>
                   </a:solidFill>
@@ -1467,7 +1467,7 @@
             </a:ln>
             <a:extLst>
               <a:ext uri="{91240B29-F687-4f45-9708-019B960494DF}">
-                <a14:hiddenLine xmlns="" xmlns:a14="http://schemas.microsoft.com/office/drawing/2010/main" w="9525">
+                <a14:hiddenLine xmlns:a14="http://schemas.microsoft.com/office/drawing/2010/main" xmlns="" w="9525">
                   <a:solidFill>
                     <a:srgbClr val="000000"/>
                   </a:solidFill>
@@ -1529,7 +1529,7 @@
             </a:ln>
             <a:extLst>
               <a:ext uri="{91240B29-F687-4f45-9708-019B960494DF}">
-                <a14:hiddenLine xmlns="" xmlns:a14="http://schemas.microsoft.com/office/drawing/2010/main" w="9525">
+                <a14:hiddenLine xmlns:a14="http://schemas.microsoft.com/office/drawing/2010/main" xmlns="" w="9525">
                   <a:solidFill>
                     <a:srgbClr val="000000"/>
                   </a:solidFill>
@@ -1619,7 +1619,7 @@
             </a:ln>
             <a:extLst>
               <a:ext uri="{91240B29-F687-4f45-9708-019B960494DF}">
-                <a14:hiddenLine xmlns="" xmlns:a14="http://schemas.microsoft.com/office/drawing/2010/main" w="9525">
+                <a14:hiddenLine xmlns:a14="http://schemas.microsoft.com/office/drawing/2010/main" xmlns="" w="9525">
                   <a:solidFill>
                     <a:srgbClr val="000000"/>
                   </a:solidFill>
@@ -1709,7 +1709,7 @@
             </a:ln>
             <a:extLst>
               <a:ext uri="{91240B29-F687-4f45-9708-019B960494DF}">
-                <a14:hiddenLine xmlns="" xmlns:a14="http://schemas.microsoft.com/office/drawing/2010/main" w="9525">
+                <a14:hiddenLine xmlns:a14="http://schemas.microsoft.com/office/drawing/2010/main" xmlns="" w="9525">
                   <a:solidFill>
                     <a:srgbClr val="000000"/>
                   </a:solidFill>
@@ -1765,7 +1765,7 @@
             </a:ln>
             <a:extLst>
               <a:ext uri="{91240B29-F687-4f45-9708-019B960494DF}">
-                <a14:hiddenLine xmlns="" xmlns:a14="http://schemas.microsoft.com/office/drawing/2010/main" w="9525">
+                <a14:hiddenLine xmlns:a14="http://schemas.microsoft.com/office/drawing/2010/main" xmlns="" w="9525">
                   <a:solidFill>
                     <a:srgbClr val="000000"/>
                   </a:solidFill>
@@ -1855,7 +1855,7 @@
             </a:ln>
             <a:extLst>
               <a:ext uri="{91240B29-F687-4f45-9708-019B960494DF}">
-                <a14:hiddenLine xmlns="" xmlns:a14="http://schemas.microsoft.com/office/drawing/2010/main" w="9525">
+                <a14:hiddenLine xmlns:a14="http://schemas.microsoft.com/office/drawing/2010/main" xmlns="" w="9525">
                   <a:solidFill>
                     <a:srgbClr val="000000"/>
                   </a:solidFill>
@@ -1911,7 +1911,7 @@
             </a:ln>
             <a:extLst>
               <a:ext uri="{91240B29-F687-4f45-9708-019B960494DF}">
-                <a14:hiddenLine xmlns="" xmlns:a14="http://schemas.microsoft.com/office/drawing/2010/main" w="9525">
+                <a14:hiddenLine xmlns:a14="http://schemas.microsoft.com/office/drawing/2010/main" xmlns="" w="9525">
                   <a:solidFill>
                     <a:srgbClr val="000000"/>
                   </a:solidFill>
@@ -2001,7 +2001,7 @@
             </a:ln>
             <a:extLst>
               <a:ext uri="{91240B29-F687-4f45-9708-019B960494DF}">
-                <a14:hiddenLine xmlns="" xmlns:a14="http://schemas.microsoft.com/office/drawing/2010/main" w="9525">
+                <a14:hiddenLine xmlns:a14="http://schemas.microsoft.com/office/drawing/2010/main" xmlns="" w="9525">
                   <a:solidFill>
                     <a:srgbClr val="000000"/>
                   </a:solidFill>
@@ -2069,7 +2069,7 @@
             </a:ln>
             <a:extLst>
               <a:ext uri="{91240B29-F687-4f45-9708-019B960494DF}">
-                <a14:hiddenLine xmlns="" xmlns:a14="http://schemas.microsoft.com/office/drawing/2010/main" w="9525">
+                <a14:hiddenLine xmlns:a14="http://schemas.microsoft.com/office/drawing/2010/main" xmlns="" w="9525">
                   <a:solidFill>
                     <a:srgbClr val="000000"/>
                   </a:solidFill>
@@ -2159,7 +2159,7 @@
             </a:ln>
             <a:extLst>
               <a:ext uri="{91240B29-F687-4f45-9708-019B960494DF}">
-                <a14:hiddenLine xmlns="" xmlns:a14="http://schemas.microsoft.com/office/drawing/2010/main" w="9525">
+                <a14:hiddenLine xmlns:a14="http://schemas.microsoft.com/office/drawing/2010/main" xmlns="" w="9525">
                   <a:solidFill>
                     <a:srgbClr val="000000"/>
                   </a:solidFill>
@@ -2227,7 +2227,7 @@
             </a:ln>
             <a:extLst>
               <a:ext uri="{91240B29-F687-4f45-9708-019B960494DF}">
-                <a14:hiddenLine xmlns="" xmlns:a14="http://schemas.microsoft.com/office/drawing/2010/main" w="9525">
+                <a14:hiddenLine xmlns:a14="http://schemas.microsoft.com/office/drawing/2010/main" xmlns="" w="9525">
                   <a:solidFill>
                     <a:srgbClr val="000000"/>
                   </a:solidFill>
@@ -2317,7 +2317,7 @@
             </a:ln>
             <a:extLst>
               <a:ext uri="{91240B29-F687-4f45-9708-019B960494DF}">
-                <a14:hiddenLine xmlns="" xmlns:a14="http://schemas.microsoft.com/office/drawing/2010/main" w="9525">
+                <a14:hiddenLine xmlns:a14="http://schemas.microsoft.com/office/drawing/2010/main" xmlns="" w="9525">
                   <a:solidFill>
                     <a:srgbClr val="000000"/>
                   </a:solidFill>
@@ -2351,7 +2351,7 @@
             </a:ln>
             <a:extLst>
               <a:ext uri="{91240B29-F687-4f45-9708-019B960494DF}">
-                <a14:hiddenLine xmlns="" xmlns:a14="http://schemas.microsoft.com/office/drawing/2010/main" w="9525">
+                <a14:hiddenLine xmlns:a14="http://schemas.microsoft.com/office/drawing/2010/main" xmlns="" w="9525">
                   <a:solidFill>
                     <a:srgbClr val="000000"/>
                   </a:solidFill>
@@ -2441,7 +2441,7 @@
             </a:ln>
             <a:extLst>
               <a:ext uri="{91240B29-F687-4f45-9708-019B960494DF}">
-                <a14:hiddenLine xmlns="" xmlns:a14="http://schemas.microsoft.com/office/drawing/2010/main" w="9525">
+                <a14:hiddenLine xmlns:a14="http://schemas.microsoft.com/office/drawing/2010/main" xmlns="" w="9525">
                   <a:solidFill>
                     <a:srgbClr val="000000"/>
                   </a:solidFill>
@@ -2503,7 +2503,7 @@
             </a:ln>
             <a:extLst>
               <a:ext uri="{91240B29-F687-4f45-9708-019B960494DF}">
-                <a14:hiddenLine xmlns="" xmlns:a14="http://schemas.microsoft.com/office/drawing/2010/main" w="9525">
+                <a14:hiddenLine xmlns:a14="http://schemas.microsoft.com/office/drawing/2010/main" xmlns="" w="9525">
                   <a:solidFill>
                     <a:srgbClr val="000000"/>
                   </a:solidFill>
@@ -2565,7 +2565,7 @@
             </a:ln>
             <a:extLst>
               <a:ext uri="{91240B29-F687-4f45-9708-019B960494DF}">
-                <a14:hiddenLine xmlns="" xmlns:a14="http://schemas.microsoft.com/office/drawing/2010/main" w="9525">
+                <a14:hiddenLine xmlns:a14="http://schemas.microsoft.com/office/drawing/2010/main" xmlns="" w="9525">
                   <a:solidFill>
                     <a:srgbClr val="000000"/>
                   </a:solidFill>
@@ -2655,7 +2655,7 @@
             </a:ln>
             <a:extLst>
               <a:ext uri="{91240B29-F687-4f45-9708-019B960494DF}">
-                <a14:hiddenLine xmlns="" xmlns:a14="http://schemas.microsoft.com/office/drawing/2010/main" w="9525">
+                <a14:hiddenLine xmlns:a14="http://schemas.microsoft.com/office/drawing/2010/main" xmlns="" w="9525">
                   <a:solidFill>
                     <a:srgbClr val="000000"/>
                   </a:solidFill>
@@ -2723,7 +2723,7 @@
             </a:ln>
             <a:extLst>
               <a:ext uri="{91240B29-F687-4f45-9708-019B960494DF}">
-                <a14:hiddenLine xmlns="" xmlns:a14="http://schemas.microsoft.com/office/drawing/2010/main" w="9525">
+                <a14:hiddenLine xmlns:a14="http://schemas.microsoft.com/office/drawing/2010/main" xmlns="" w="9525">
                   <a:solidFill>
                     <a:srgbClr val="000000"/>
                   </a:solidFill>
@@ -2785,7 +2785,7 @@
             </a:ln>
             <a:extLst>
               <a:ext uri="{91240B29-F687-4f45-9708-019B960494DF}">
-                <a14:hiddenLine xmlns="" xmlns:a14="http://schemas.microsoft.com/office/drawing/2010/main" w="9525">
+                <a14:hiddenLine xmlns:a14="http://schemas.microsoft.com/office/drawing/2010/main" xmlns="" w="9525">
                   <a:solidFill>
                     <a:srgbClr val="000000"/>
                   </a:solidFill>
@@ -2875,7 +2875,7 @@
             </a:ln>
             <a:extLst>
               <a:ext uri="{91240B29-F687-4f45-9708-019B960494DF}">
-                <a14:hiddenLine xmlns="" xmlns:a14="http://schemas.microsoft.com/office/drawing/2010/main" w="9525">
+                <a14:hiddenLine xmlns:a14="http://schemas.microsoft.com/office/drawing/2010/main" xmlns="" w="9525">
                   <a:solidFill>
                     <a:srgbClr val="000000"/>
                   </a:solidFill>
@@ -2937,7 +2937,7 @@
             </a:ln>
             <a:extLst>
               <a:ext uri="{91240B29-F687-4f45-9708-019B960494DF}">
-                <a14:hiddenLine xmlns="" xmlns:a14="http://schemas.microsoft.com/office/drawing/2010/main" w="9525">
+                <a14:hiddenLine xmlns:a14="http://schemas.microsoft.com/office/drawing/2010/main" xmlns="" w="9525">
                   <a:solidFill>
                     <a:srgbClr val="000000"/>
                   </a:solidFill>
@@ -3027,7 +3027,7 @@
             </a:ln>
             <a:extLst>
               <a:ext uri="{91240B29-F687-4f45-9708-019B960494DF}">
-                <a14:hiddenLine xmlns="" xmlns:a14="http://schemas.microsoft.com/office/drawing/2010/main" w="9525">
+                <a14:hiddenLine xmlns:a14="http://schemas.microsoft.com/office/drawing/2010/main" xmlns="" w="9525">
                   <a:solidFill>
                     <a:srgbClr val="000000"/>
                   </a:solidFill>
@@ -3089,7 +3089,7 @@
             </a:ln>
             <a:extLst>
               <a:ext uri="{91240B29-F687-4f45-9708-019B960494DF}">
-                <a14:hiddenLine xmlns="" xmlns:a14="http://schemas.microsoft.com/office/drawing/2010/main" w="9525">
+                <a14:hiddenLine xmlns:a14="http://schemas.microsoft.com/office/drawing/2010/main" xmlns="" w="9525">
                   <a:solidFill>
                     <a:srgbClr val="000000"/>
                   </a:solidFill>
@@ -3179,7 +3179,7 @@
             </a:ln>
             <a:extLst>
               <a:ext uri="{91240B29-F687-4f45-9708-019B960494DF}">
-                <a14:hiddenLine xmlns="" xmlns:a14="http://schemas.microsoft.com/office/drawing/2010/main" w="9525">
+                <a14:hiddenLine xmlns:a14="http://schemas.microsoft.com/office/drawing/2010/main" xmlns="" w="9525">
                   <a:solidFill>
                     <a:srgbClr val="000000"/>
                   </a:solidFill>
@@ -3213,7 +3213,7 @@
             </a:ln>
             <a:extLst>
               <a:ext uri="{91240B29-F687-4f45-9708-019B960494DF}">
-                <a14:hiddenLine xmlns="" xmlns:a14="http://schemas.microsoft.com/office/drawing/2010/main" w="9525">
+                <a14:hiddenLine xmlns:a14="http://schemas.microsoft.com/office/drawing/2010/main" xmlns="" w="9525">
                   <a:solidFill>
                     <a:srgbClr val="000000"/>
                   </a:solidFill>
@@ -3278,7 +3278,7 @@
             </a:ln>
             <a:extLst>
               <a:ext uri="{91240B29-F687-4f45-9708-019B960494DF}">
-                <a14:hiddenLine xmlns="" xmlns:a14="http://schemas.microsoft.com/office/drawing/2010/main" w="9525">
+                <a14:hiddenLine xmlns:a14="http://schemas.microsoft.com/office/drawing/2010/main" xmlns="" w="9525">
                   <a:solidFill>
                     <a:srgbClr val="000000"/>
                   </a:solidFill>
@@ -3368,7 +3368,7 @@
             </a:ln>
             <a:extLst>
               <a:ext uri="{91240B29-F687-4f45-9708-019B960494DF}">
-                <a14:hiddenLine xmlns="" xmlns:a14="http://schemas.microsoft.com/office/drawing/2010/main" w="9525">
+                <a14:hiddenLine xmlns:a14="http://schemas.microsoft.com/office/drawing/2010/main" xmlns="" w="9525">
                   <a:solidFill>
                     <a:srgbClr val="000000"/>
                   </a:solidFill>
@@ -3430,7 +3430,7 @@
             </a:ln>
             <a:extLst>
               <a:ext uri="{91240B29-F687-4f45-9708-019B960494DF}">
-                <a14:hiddenLine xmlns="" xmlns:a14="http://schemas.microsoft.com/office/drawing/2010/main" w="9525">
+                <a14:hiddenLine xmlns:a14="http://schemas.microsoft.com/office/drawing/2010/main" xmlns="" w="9525">
                   <a:solidFill>
                     <a:srgbClr val="000000"/>
                   </a:solidFill>
@@ -3520,7 +3520,7 @@
             </a:ln>
             <a:extLst>
               <a:ext uri="{91240B29-F687-4f45-9708-019B960494DF}">
-                <a14:hiddenLine xmlns="" xmlns:a14="http://schemas.microsoft.com/office/drawing/2010/main" w="9525">
+                <a14:hiddenLine xmlns:a14="http://schemas.microsoft.com/office/drawing/2010/main" xmlns="" w="9525">
                   <a:solidFill>
                     <a:srgbClr val="000000"/>
                   </a:solidFill>
@@ -3610,7 +3610,7 @@
             </a:ln>
             <a:extLst>
               <a:ext uri="{91240B29-F687-4f45-9708-019B960494DF}">
-                <a14:hiddenLine xmlns="" xmlns:a14="http://schemas.microsoft.com/office/drawing/2010/main" w="9525">
+                <a14:hiddenLine xmlns:a14="http://schemas.microsoft.com/office/drawing/2010/main" xmlns="" w="9525">
                   <a:solidFill>
                     <a:srgbClr val="000000"/>
                   </a:solidFill>
@@ -3675,7 +3675,7 @@
             </a:ln>
             <a:extLst>
               <a:ext uri="{91240B29-F687-4f45-9708-019B960494DF}">
-                <a14:hiddenLine xmlns="" xmlns:a14="http://schemas.microsoft.com/office/drawing/2010/main" w="9525">
+                <a14:hiddenLine xmlns:a14="http://schemas.microsoft.com/office/drawing/2010/main" xmlns="" w="9525">
                   <a:solidFill>
                     <a:srgbClr val="000000"/>
                   </a:solidFill>
@@ -3737,7 +3737,7 @@
             </a:ln>
             <a:extLst>
               <a:ext uri="{91240B29-F687-4f45-9708-019B960494DF}">
-                <a14:hiddenLine xmlns="" xmlns:a14="http://schemas.microsoft.com/office/drawing/2010/main" w="9525">
+                <a14:hiddenLine xmlns:a14="http://schemas.microsoft.com/office/drawing/2010/main" xmlns="" w="9525">
                   <a:solidFill>
                     <a:srgbClr val="000000"/>
                   </a:solidFill>
@@ -3827,7 +3827,7 @@
             </a:ln>
             <a:extLst>
               <a:ext uri="{91240B29-F687-4f45-9708-019B960494DF}">
-                <a14:hiddenLine xmlns="" xmlns:a14="http://schemas.microsoft.com/office/drawing/2010/main" w="9525">
+                <a14:hiddenLine xmlns:a14="http://schemas.microsoft.com/office/drawing/2010/main" xmlns="" w="9525">
                   <a:solidFill>
                     <a:srgbClr val="000000"/>
                   </a:solidFill>
@@ -3917,7 +3917,7 @@
             </a:ln>
             <a:extLst>
               <a:ext uri="{91240B29-F687-4f45-9708-019B960494DF}">
-                <a14:hiddenLine xmlns="" xmlns:a14="http://schemas.microsoft.com/office/drawing/2010/main" w="9525">
+                <a14:hiddenLine xmlns:a14="http://schemas.microsoft.com/office/drawing/2010/main" xmlns="" w="9525">
                   <a:solidFill>
                     <a:srgbClr val="000000"/>
                   </a:solidFill>
@@ -3979,7 +3979,7 @@
             </a:ln>
             <a:extLst>
               <a:ext uri="{91240B29-F687-4f45-9708-019B960494DF}">
-                <a14:hiddenLine xmlns="" xmlns:a14="http://schemas.microsoft.com/office/drawing/2010/main" w="9525">
+                <a14:hiddenLine xmlns:a14="http://schemas.microsoft.com/office/drawing/2010/main" xmlns="" w="9525">
                   <a:solidFill>
                     <a:srgbClr val="000000"/>
                   </a:solidFill>
@@ -4099,7 +4099,7 @@
             </a:ln>
             <a:extLst>
               <a:ext uri="{91240B29-F687-4f45-9708-019B960494DF}">
-                <a14:hiddenLine xmlns="" xmlns:a14="http://schemas.microsoft.com/office/drawing/2010/main" w="9525">
+                <a14:hiddenLine xmlns:a14="http://schemas.microsoft.com/office/drawing/2010/main" xmlns="" w="9525">
                   <a:solidFill>
                     <a:srgbClr val="000000"/>
                   </a:solidFill>
@@ -4167,7 +4167,7 @@
             </a:ln>
             <a:extLst>
               <a:ext uri="{91240B29-F687-4f45-9708-019B960494DF}">
-                <a14:hiddenLine xmlns="" xmlns:a14="http://schemas.microsoft.com/office/drawing/2010/main" w="9525">
+                <a14:hiddenLine xmlns:a14="http://schemas.microsoft.com/office/drawing/2010/main" xmlns="" w="9525">
                   <a:solidFill>
                     <a:srgbClr val="000000"/>
                   </a:solidFill>
@@ -4257,7 +4257,7 @@
             </a:ln>
             <a:extLst>
               <a:ext uri="{91240B29-F687-4f45-9708-019B960494DF}">
-                <a14:hiddenLine xmlns="" xmlns:a14="http://schemas.microsoft.com/office/drawing/2010/main" w="9525">
+                <a14:hiddenLine xmlns:a14="http://schemas.microsoft.com/office/drawing/2010/main" xmlns="" w="9525">
                   <a:solidFill>
                     <a:srgbClr val="000000"/>
                   </a:solidFill>
@@ -4397,7 +4397,7 @@
           <a:p>
             <a:fld id="{48A87A34-81AB-432B-8DAE-1953F412C126}" type="datetimeFigureOut">
               <a:rPr lang="en-US" dirty="0"/>
-              <a:t>2/2/2022</a:t>
+              <a:t>2/3/2022</a:t>
             </a:fld>
             <a:endParaRPr lang="en-US" dirty="0"/>
           </a:p>
@@ -4659,7 +4659,7 @@
           <a:p>
             <a:fld id="{48A87A34-81AB-432B-8DAE-1953F412C126}" type="datetimeFigureOut">
               <a:rPr lang="en-US" dirty="0"/>
-              <a:t>2/2/2022</a:t>
+              <a:t>2/3/2022</a:t>
             </a:fld>
             <a:endParaRPr lang="en-US" dirty="0"/>
           </a:p>
@@ -4850,7 +4850,7 @@
           <a:p>
             <a:fld id="{48A87A34-81AB-432B-8DAE-1953F412C126}" type="datetimeFigureOut">
               <a:rPr lang="en-US" dirty="0"/>
-              <a:t>2/2/2022</a:t>
+              <a:t>2/3/2022</a:t>
             </a:fld>
             <a:endParaRPr lang="en-US" dirty="0"/>
           </a:p>
@@ -5108,7 +5108,7 @@
           <a:p>
             <a:fld id="{48A87A34-81AB-432B-8DAE-1953F412C126}" type="datetimeFigureOut">
               <a:rPr lang="en-US" dirty="0"/>
-              <a:t>2/2/2022</a:t>
+              <a:t>2/3/2022</a:t>
             </a:fld>
             <a:endParaRPr lang="en-US" dirty="0"/>
           </a:p>
@@ -5537,7 +5537,7 @@
           <a:p>
             <a:fld id="{48A87A34-81AB-432B-8DAE-1953F412C126}" type="datetimeFigureOut">
               <a:rPr lang="en-US" dirty="0"/>
-              <a:t>2/2/2022</a:t>
+              <a:t>2/3/2022</a:t>
             </a:fld>
             <a:endParaRPr lang="en-US" dirty="0"/>
           </a:p>
@@ -6078,7 +6078,7 @@
           <a:p>
             <a:fld id="{48A87A34-81AB-432B-8DAE-1953F412C126}" type="datetimeFigureOut">
               <a:rPr lang="en-US" dirty="0"/>
-              <a:t>2/2/2022</a:t>
+              <a:t>2/3/2022</a:t>
             </a:fld>
             <a:endParaRPr lang="en-US" dirty="0"/>
           </a:p>
@@ -6793,7 +6793,7 @@
           <a:p>
             <a:fld id="{48A87A34-81AB-432B-8DAE-1953F412C126}" type="datetimeFigureOut">
               <a:rPr lang="en-US" dirty="0"/>
-              <a:t>2/2/2022</a:t>
+              <a:t>2/3/2022</a:t>
             </a:fld>
             <a:endParaRPr lang="en-US" dirty="0"/>
           </a:p>
@@ -6958,7 +6958,7 @@
           <a:p>
             <a:fld id="{48A87A34-81AB-432B-8DAE-1953F412C126}" type="datetimeFigureOut">
               <a:rPr lang="en-US" dirty="0"/>
-              <a:t>2/2/2022</a:t>
+              <a:t>2/3/2022</a:t>
             </a:fld>
             <a:endParaRPr lang="en-US" dirty="0"/>
           </a:p>
@@ -7133,7 +7133,7 @@
           <a:p>
             <a:fld id="{48A87A34-81AB-432B-8DAE-1953F412C126}" type="datetimeFigureOut">
               <a:rPr lang="en-US" dirty="0"/>
-              <a:t>2/2/2022</a:t>
+              <a:t>2/3/2022</a:t>
             </a:fld>
             <a:endParaRPr lang="en-US" dirty="0"/>
           </a:p>
@@ -7298,7 +7298,7 @@
           <a:p>
             <a:fld id="{48A87A34-81AB-432B-8DAE-1953F412C126}" type="datetimeFigureOut">
               <a:rPr lang="en-US" dirty="0"/>
-              <a:t>2/2/2022</a:t>
+              <a:t>2/3/2022</a:t>
             </a:fld>
             <a:endParaRPr lang="en-US" dirty="0"/>
           </a:p>
@@ -7543,7 +7543,7 @@
           <a:p>
             <a:fld id="{48A87A34-81AB-432B-8DAE-1953F412C126}" type="datetimeFigureOut">
               <a:rPr lang="en-US" dirty="0"/>
-              <a:t>2/2/2022</a:t>
+              <a:t>2/3/2022</a:t>
             </a:fld>
             <a:endParaRPr lang="en-US" dirty="0"/>
           </a:p>
@@ -7770,7 +7770,7 @@
           <a:p>
             <a:fld id="{48A87A34-81AB-432B-8DAE-1953F412C126}" type="datetimeFigureOut">
               <a:rPr lang="en-US" dirty="0"/>
-              <a:t>2/2/2022</a:t>
+              <a:t>2/3/2022</a:t>
             </a:fld>
             <a:endParaRPr lang="en-US" dirty="0"/>
           </a:p>
@@ -8146,7 +8146,7 @@
           <a:p>
             <a:fld id="{48A87A34-81AB-432B-8DAE-1953F412C126}" type="datetimeFigureOut">
               <a:rPr lang="en-US" dirty="0"/>
-              <a:t>2/2/2022</a:t>
+              <a:t>2/3/2022</a:t>
             </a:fld>
             <a:endParaRPr lang="en-US" dirty="0"/>
           </a:p>
@@ -8259,7 +8259,7 @@
           <a:p>
             <a:fld id="{48A87A34-81AB-432B-8DAE-1953F412C126}" type="datetimeFigureOut">
               <a:rPr lang="en-US" dirty="0"/>
-              <a:t>2/2/2022</a:t>
+              <a:t>2/3/2022</a:t>
             </a:fld>
             <a:endParaRPr lang="en-US" dirty="0"/>
           </a:p>
@@ -8349,7 +8349,7 @@
           <a:p>
             <a:fld id="{48A87A34-81AB-432B-8DAE-1953F412C126}" type="datetimeFigureOut">
               <a:rPr lang="en-US" dirty="0"/>
-              <a:t>2/2/2022</a:t>
+              <a:t>2/3/2022</a:t>
             </a:fld>
             <a:endParaRPr lang="en-US" dirty="0"/>
           </a:p>
@@ -8593,7 +8593,7 @@
           <a:p>
             <a:fld id="{48A87A34-81AB-432B-8DAE-1953F412C126}" type="datetimeFigureOut">
               <a:rPr lang="en-US" dirty="0"/>
-              <a:t>2/2/2022</a:t>
+              <a:t>2/3/2022</a:t>
             </a:fld>
             <a:endParaRPr lang="en-US" dirty="0"/>
           </a:p>
@@ -8868,7 +8868,7 @@
           <a:p>
             <a:fld id="{48A87A34-81AB-432B-8DAE-1953F412C126}" type="datetimeFigureOut">
               <a:rPr lang="en-US" dirty="0"/>
-              <a:t>2/2/2022</a:t>
+              <a:t>2/3/2022</a:t>
             </a:fld>
             <a:endParaRPr lang="en-US" dirty="0"/>
           </a:p>
@@ -8979,7 +8979,7 @@
           <a:noFill/>
           <a:extLst>
             <a:ext uri="{909E8E84-426E-40dd-AFC4-6F175D3DCCD1}">
-              <a14:hiddenFill xmlns="" xmlns:a14="http://schemas.microsoft.com/office/drawing/2010/main">
+              <a14:hiddenFill xmlns:a14="http://schemas.microsoft.com/office/drawing/2010/main" xmlns="">
                 <a:solidFill>
                   <a:srgbClr val="FFFFFF"/>
                 </a:solidFill>
@@ -9053,7 +9053,7 @@
               </a:ln>
               <a:extLst>
                 <a:ext uri="{91240B29-F687-4f45-9708-019B960494DF}">
-                  <a14:hiddenLine xmlns="" xmlns:a14="http://schemas.microsoft.com/office/drawing/2010/main" w="9525">
+                  <a14:hiddenLine xmlns:a14="http://schemas.microsoft.com/office/drawing/2010/main" xmlns="" w="9525">
                     <a:solidFill>
                       <a:srgbClr val="000000"/>
                     </a:solidFill>
@@ -9143,7 +9143,7 @@
               </a:ln>
               <a:extLst>
                 <a:ext uri="{91240B29-F687-4f45-9708-019B960494DF}">
-                  <a14:hiddenLine xmlns="" xmlns:a14="http://schemas.microsoft.com/office/drawing/2010/main" w="9525">
+                  <a14:hiddenLine xmlns:a14="http://schemas.microsoft.com/office/drawing/2010/main" xmlns="" w="9525">
                     <a:solidFill>
                       <a:srgbClr val="000000"/>
                     </a:solidFill>
@@ -9233,7 +9233,7 @@
               </a:ln>
               <a:extLst>
                 <a:ext uri="{91240B29-F687-4f45-9708-019B960494DF}">
-                  <a14:hiddenLine xmlns="" xmlns:a14="http://schemas.microsoft.com/office/drawing/2010/main" w="9525">
+                  <a14:hiddenLine xmlns:a14="http://schemas.microsoft.com/office/drawing/2010/main" xmlns="" w="9525">
                     <a:solidFill>
                       <a:srgbClr val="000000"/>
                     </a:solidFill>
@@ -9295,7 +9295,7 @@
               </a:ln>
               <a:extLst>
                 <a:ext uri="{91240B29-F687-4f45-9708-019B960494DF}">
-                  <a14:hiddenLine xmlns="" xmlns:a14="http://schemas.microsoft.com/office/drawing/2010/main" w="9525">
+                  <a14:hiddenLine xmlns:a14="http://schemas.microsoft.com/office/drawing/2010/main" xmlns="" w="9525">
                     <a:solidFill>
                       <a:srgbClr val="000000"/>
                     </a:solidFill>
@@ -9385,7 +9385,7 @@
               </a:ln>
               <a:extLst>
                 <a:ext uri="{91240B29-F687-4f45-9708-019B960494DF}">
-                  <a14:hiddenLine xmlns="" xmlns:a14="http://schemas.microsoft.com/office/drawing/2010/main" w="9525">
+                  <a14:hiddenLine xmlns:a14="http://schemas.microsoft.com/office/drawing/2010/main" xmlns="" w="9525">
                     <a:solidFill>
                       <a:srgbClr val="000000"/>
                     </a:solidFill>
@@ -9447,7 +9447,7 @@
               </a:ln>
               <a:extLst>
                 <a:ext uri="{91240B29-F687-4f45-9708-019B960494DF}">
-                  <a14:hiddenLine xmlns="" xmlns:a14="http://schemas.microsoft.com/office/drawing/2010/main" w="9525">
+                  <a14:hiddenLine xmlns:a14="http://schemas.microsoft.com/office/drawing/2010/main" xmlns="" w="9525">
                     <a:solidFill>
                       <a:srgbClr val="000000"/>
                     </a:solidFill>
@@ -9509,7 +9509,7 @@
               </a:ln>
               <a:extLst>
                 <a:ext uri="{91240B29-F687-4f45-9708-019B960494DF}">
-                  <a14:hiddenLine xmlns="" xmlns:a14="http://schemas.microsoft.com/office/drawing/2010/main" w="9525">
+                  <a14:hiddenLine xmlns:a14="http://schemas.microsoft.com/office/drawing/2010/main" xmlns="" w="9525">
                     <a:solidFill>
                       <a:srgbClr val="000000"/>
                     </a:solidFill>
@@ -9599,7 +9599,7 @@
               </a:ln>
               <a:extLst>
                 <a:ext uri="{91240B29-F687-4f45-9708-019B960494DF}">
-                  <a14:hiddenLine xmlns="" xmlns:a14="http://schemas.microsoft.com/office/drawing/2010/main" w="9525">
+                  <a14:hiddenLine xmlns:a14="http://schemas.microsoft.com/office/drawing/2010/main" xmlns="" w="9525">
                     <a:solidFill>
                       <a:srgbClr val="000000"/>
                     </a:solidFill>
@@ -9689,7 +9689,7 @@
               </a:ln>
               <a:extLst>
                 <a:ext uri="{91240B29-F687-4f45-9708-019B960494DF}">
-                  <a14:hiddenLine xmlns="" xmlns:a14="http://schemas.microsoft.com/office/drawing/2010/main" w="9525">
+                  <a14:hiddenLine xmlns:a14="http://schemas.microsoft.com/office/drawing/2010/main" xmlns="" w="9525">
                     <a:solidFill>
                       <a:srgbClr val="000000"/>
                     </a:solidFill>
@@ -9751,7 +9751,7 @@
               </a:ln>
               <a:extLst>
                 <a:ext uri="{91240B29-F687-4f45-9708-019B960494DF}">
-                  <a14:hiddenLine xmlns="" xmlns:a14="http://schemas.microsoft.com/office/drawing/2010/main" w="9525">
+                  <a14:hiddenLine xmlns:a14="http://schemas.microsoft.com/office/drawing/2010/main" xmlns="" w="9525">
                     <a:solidFill>
                       <a:srgbClr val="000000"/>
                     </a:solidFill>
@@ -9861,7 +9861,7 @@
               </a:ln>
               <a:extLst>
                 <a:ext uri="{91240B29-F687-4f45-9708-019B960494DF}">
-                  <a14:hiddenLine xmlns="" xmlns:a14="http://schemas.microsoft.com/office/drawing/2010/main" w="9525">
+                  <a14:hiddenLine xmlns:a14="http://schemas.microsoft.com/office/drawing/2010/main" xmlns="" w="9525">
                     <a:solidFill>
                       <a:srgbClr val="000000"/>
                     </a:solidFill>
@@ -9945,7 +9945,7 @@
               </a:ln>
               <a:extLst>
                 <a:ext uri="{91240B29-F687-4f45-9708-019B960494DF}">
-                  <a14:hiddenLine xmlns="" xmlns:a14="http://schemas.microsoft.com/office/drawing/2010/main" w="9525">
+                  <a14:hiddenLine xmlns:a14="http://schemas.microsoft.com/office/drawing/2010/main" xmlns="" w="9525">
                     <a:solidFill>
                       <a:srgbClr val="000000"/>
                     </a:solidFill>
@@ -10007,7 +10007,7 @@
               </a:ln>
               <a:extLst>
                 <a:ext uri="{91240B29-F687-4f45-9708-019B960494DF}">
-                  <a14:hiddenLine xmlns="" xmlns:a14="http://schemas.microsoft.com/office/drawing/2010/main" w="9525">
+                  <a14:hiddenLine xmlns:a14="http://schemas.microsoft.com/office/drawing/2010/main" xmlns="" w="9525">
                     <a:solidFill>
                       <a:srgbClr val="000000"/>
                     </a:solidFill>
@@ -10069,7 +10069,7 @@
               </a:ln>
               <a:extLst>
                 <a:ext uri="{91240B29-F687-4f45-9708-019B960494DF}">
-                  <a14:hiddenLine xmlns="" xmlns:a14="http://schemas.microsoft.com/office/drawing/2010/main" w="9525">
+                  <a14:hiddenLine xmlns:a14="http://schemas.microsoft.com/office/drawing/2010/main" xmlns="" w="9525">
                     <a:solidFill>
                       <a:srgbClr val="000000"/>
                     </a:solidFill>
@@ -10159,7 +10159,7 @@
               </a:ln>
               <a:extLst>
                 <a:ext uri="{91240B29-F687-4f45-9708-019B960494DF}">
-                  <a14:hiddenLine xmlns="" xmlns:a14="http://schemas.microsoft.com/office/drawing/2010/main" w="9525">
+                  <a14:hiddenLine xmlns:a14="http://schemas.microsoft.com/office/drawing/2010/main" xmlns="" w="9525">
                     <a:solidFill>
                       <a:srgbClr val="000000"/>
                     </a:solidFill>
@@ -10193,7 +10193,7 @@
               </a:ln>
               <a:extLst>
                 <a:ext uri="{91240B29-F687-4f45-9708-019B960494DF}">
-                  <a14:hiddenLine xmlns="" xmlns:a14="http://schemas.microsoft.com/office/drawing/2010/main" w="9525">
+                  <a14:hiddenLine xmlns:a14="http://schemas.microsoft.com/office/drawing/2010/main" xmlns="" w="9525">
                     <a:solidFill>
                       <a:srgbClr val="000000"/>
                     </a:solidFill>
@@ -10258,7 +10258,7 @@
               </a:ln>
               <a:extLst>
                 <a:ext uri="{91240B29-F687-4f45-9708-019B960494DF}">
-                  <a14:hiddenLine xmlns="" xmlns:a14="http://schemas.microsoft.com/office/drawing/2010/main" w="9525">
+                  <a14:hiddenLine xmlns:a14="http://schemas.microsoft.com/office/drawing/2010/main" xmlns="" w="9525">
                     <a:solidFill>
                       <a:srgbClr val="000000"/>
                     </a:solidFill>
@@ -10348,7 +10348,7 @@
               </a:ln>
               <a:extLst>
                 <a:ext uri="{91240B29-F687-4f45-9708-019B960494DF}">
-                  <a14:hiddenLine xmlns="" xmlns:a14="http://schemas.microsoft.com/office/drawing/2010/main" w="9525">
+                  <a14:hiddenLine xmlns:a14="http://schemas.microsoft.com/office/drawing/2010/main" xmlns="" w="9525">
                     <a:solidFill>
                       <a:srgbClr val="000000"/>
                     </a:solidFill>
@@ -10410,7 +10410,7 @@
               </a:ln>
               <a:extLst>
                 <a:ext uri="{91240B29-F687-4f45-9708-019B960494DF}">
-                  <a14:hiddenLine xmlns="" xmlns:a14="http://schemas.microsoft.com/office/drawing/2010/main" w="9525">
+                  <a14:hiddenLine xmlns:a14="http://schemas.microsoft.com/office/drawing/2010/main" xmlns="" w="9525">
                     <a:solidFill>
                       <a:srgbClr val="000000"/>
                     </a:solidFill>
@@ -10500,7 +10500,7 @@
               </a:ln>
               <a:extLst>
                 <a:ext uri="{91240B29-F687-4f45-9708-019B960494DF}">
-                  <a14:hiddenLine xmlns="" xmlns:a14="http://schemas.microsoft.com/office/drawing/2010/main" w="9525">
+                  <a14:hiddenLine xmlns:a14="http://schemas.microsoft.com/office/drawing/2010/main" xmlns="" w="9525">
                     <a:solidFill>
                       <a:srgbClr val="000000"/>
                     </a:solidFill>
@@ -10565,7 +10565,7 @@
               </a:ln>
               <a:extLst>
                 <a:ext uri="{91240B29-F687-4f45-9708-019B960494DF}">
-                  <a14:hiddenLine xmlns="" xmlns:a14="http://schemas.microsoft.com/office/drawing/2010/main" w="9525">
+                  <a14:hiddenLine xmlns:a14="http://schemas.microsoft.com/office/drawing/2010/main" xmlns="" w="9525">
                     <a:solidFill>
                       <a:srgbClr val="000000"/>
                     </a:solidFill>
@@ -10627,7 +10627,7 @@
               </a:ln>
               <a:extLst>
                 <a:ext uri="{91240B29-F687-4f45-9708-019B960494DF}">
-                  <a14:hiddenLine xmlns="" xmlns:a14="http://schemas.microsoft.com/office/drawing/2010/main" w="9525">
+                  <a14:hiddenLine xmlns:a14="http://schemas.microsoft.com/office/drawing/2010/main" xmlns="" w="9525">
                     <a:solidFill>
                       <a:srgbClr val="000000"/>
                     </a:solidFill>
@@ -10717,7 +10717,7 @@
               </a:ln>
               <a:extLst>
                 <a:ext uri="{91240B29-F687-4f45-9708-019B960494DF}">
-                  <a14:hiddenLine xmlns="" xmlns:a14="http://schemas.microsoft.com/office/drawing/2010/main" w="9525">
+                  <a14:hiddenLine xmlns:a14="http://schemas.microsoft.com/office/drawing/2010/main" xmlns="" w="9525">
                     <a:solidFill>
                       <a:srgbClr val="000000"/>
                     </a:solidFill>
@@ -10807,7 +10807,7 @@
               </a:ln>
               <a:extLst>
                 <a:ext uri="{91240B29-F687-4f45-9708-019B960494DF}">
-                  <a14:hiddenLine xmlns="" xmlns:a14="http://schemas.microsoft.com/office/drawing/2010/main" w="9525">
+                  <a14:hiddenLine xmlns:a14="http://schemas.microsoft.com/office/drawing/2010/main" xmlns="" w="9525">
                     <a:solidFill>
                       <a:srgbClr val="000000"/>
                     </a:solidFill>
@@ -10872,7 +10872,7 @@
               </a:ln>
               <a:extLst>
                 <a:ext uri="{91240B29-F687-4f45-9708-019B960494DF}">
-                  <a14:hiddenLine xmlns="" xmlns:a14="http://schemas.microsoft.com/office/drawing/2010/main" w="9525">
+                  <a14:hiddenLine xmlns:a14="http://schemas.microsoft.com/office/drawing/2010/main" xmlns="" w="9525">
                     <a:solidFill>
                       <a:srgbClr val="000000"/>
                     </a:solidFill>
@@ -10992,7 +10992,7 @@
               </a:ln>
               <a:extLst>
                 <a:ext uri="{91240B29-F687-4f45-9708-019B960494DF}">
-                  <a14:hiddenLine xmlns="" xmlns:a14="http://schemas.microsoft.com/office/drawing/2010/main" w="9525">
+                  <a14:hiddenLine xmlns:a14="http://schemas.microsoft.com/office/drawing/2010/main" xmlns="" w="9525">
                     <a:solidFill>
                       <a:srgbClr val="000000"/>
                     </a:solidFill>
@@ -11090,7 +11090,7 @@
               </a:ln>
               <a:extLst>
                 <a:ext uri="{91240B29-F687-4f45-9708-019B960494DF}">
-                  <a14:hiddenLine xmlns="" xmlns:a14="http://schemas.microsoft.com/office/drawing/2010/main" w="9525">
+                  <a14:hiddenLine xmlns:a14="http://schemas.microsoft.com/office/drawing/2010/main" xmlns="" w="9525">
                     <a:solidFill>
                       <a:srgbClr val="000000"/>
                     </a:solidFill>
@@ -11205,7 +11205,7 @@
               </a:ln>
               <a:extLst>
                 <a:ext uri="{91240B29-F687-4f45-9708-019B960494DF}">
-                  <a14:hiddenLine xmlns="" xmlns:a14="http://schemas.microsoft.com/office/drawing/2010/main" w="9525">
+                  <a14:hiddenLine xmlns:a14="http://schemas.microsoft.com/office/drawing/2010/main" xmlns="" w="9525">
                     <a:solidFill>
                       <a:srgbClr val="000000"/>
                     </a:solidFill>
@@ -11295,7 +11295,7 @@
               </a:ln>
               <a:extLst>
                 <a:ext uri="{91240B29-F687-4f45-9708-019B960494DF}">
-                  <a14:hiddenLine xmlns="" xmlns:a14="http://schemas.microsoft.com/office/drawing/2010/main" w="9525">
+                  <a14:hiddenLine xmlns:a14="http://schemas.microsoft.com/office/drawing/2010/main" xmlns="" w="9525">
                     <a:solidFill>
                       <a:srgbClr val="000000"/>
                     </a:solidFill>
@@ -11360,7 +11360,7 @@
               </a:ln>
               <a:extLst>
                 <a:ext uri="{91240B29-F687-4f45-9708-019B960494DF}">
-                  <a14:hiddenLine xmlns="" xmlns:a14="http://schemas.microsoft.com/office/drawing/2010/main" w="9525">
+                  <a14:hiddenLine xmlns:a14="http://schemas.microsoft.com/office/drawing/2010/main" xmlns="" w="9525">
                     <a:solidFill>
                       <a:srgbClr val="000000"/>
                     </a:solidFill>
@@ -11450,7 +11450,7 @@
               </a:ln>
               <a:extLst>
                 <a:ext uri="{91240B29-F687-4f45-9708-019B960494DF}">
-                  <a14:hiddenLine xmlns="" xmlns:a14="http://schemas.microsoft.com/office/drawing/2010/main" w="9525">
+                  <a14:hiddenLine xmlns:a14="http://schemas.microsoft.com/office/drawing/2010/main" xmlns="" w="9525">
                     <a:solidFill>
                       <a:srgbClr val="000000"/>
                     </a:solidFill>
@@ -11518,7 +11518,7 @@
               </a:ln>
               <a:extLst>
                 <a:ext uri="{91240B29-F687-4f45-9708-019B960494DF}">
-                  <a14:hiddenLine xmlns="" xmlns:a14="http://schemas.microsoft.com/office/drawing/2010/main" w="9525">
+                  <a14:hiddenLine xmlns:a14="http://schemas.microsoft.com/office/drawing/2010/main" xmlns="" w="9525">
                     <a:solidFill>
                       <a:srgbClr val="000000"/>
                     </a:solidFill>
@@ -11608,7 +11608,7 @@
               </a:ln>
               <a:extLst>
                 <a:ext uri="{91240B29-F687-4f45-9708-019B960494DF}">
-                  <a14:hiddenLine xmlns="" xmlns:a14="http://schemas.microsoft.com/office/drawing/2010/main" w="9525">
+                  <a14:hiddenLine xmlns:a14="http://schemas.microsoft.com/office/drawing/2010/main" xmlns="" w="9525">
                     <a:solidFill>
                       <a:srgbClr val="000000"/>
                     </a:solidFill>
@@ -11676,7 +11676,7 @@
               </a:ln>
               <a:extLst>
                 <a:ext uri="{91240B29-F687-4f45-9708-019B960494DF}">
-                  <a14:hiddenLine xmlns="" xmlns:a14="http://schemas.microsoft.com/office/drawing/2010/main" w="9525">
+                  <a14:hiddenLine xmlns:a14="http://schemas.microsoft.com/office/drawing/2010/main" xmlns="" w="9525">
                     <a:solidFill>
                       <a:srgbClr val="000000"/>
                     </a:solidFill>
@@ -11766,7 +11766,7 @@
               </a:ln>
               <a:extLst>
                 <a:ext uri="{91240B29-F687-4f45-9708-019B960494DF}">
-                  <a14:hiddenLine xmlns="" xmlns:a14="http://schemas.microsoft.com/office/drawing/2010/main" w="9525">
+                  <a14:hiddenLine xmlns:a14="http://schemas.microsoft.com/office/drawing/2010/main" xmlns="" w="9525">
                     <a:solidFill>
                       <a:srgbClr val="000000"/>
                     </a:solidFill>
@@ -11800,7 +11800,7 @@
               </a:ln>
               <a:extLst>
                 <a:ext uri="{91240B29-F687-4f45-9708-019B960494DF}">
-                  <a14:hiddenLine xmlns="" xmlns:a14="http://schemas.microsoft.com/office/drawing/2010/main" w="9525">
+                  <a14:hiddenLine xmlns:a14="http://schemas.microsoft.com/office/drawing/2010/main" xmlns="" w="9525">
                     <a:solidFill>
                       <a:srgbClr val="000000"/>
                     </a:solidFill>
@@ -11941,7 +11941,7 @@
             <a:fld id="{48A87A34-81AB-432B-8DAE-1953F412C126}" type="datetimeFigureOut">
               <a:rPr lang="en-US" dirty="0"/>
               <a:pPr/>
-              <a:t>2/2/2022</a:t>
+              <a:t>2/3/2022</a:t>
             </a:fld>
             <a:endParaRPr lang="en-US" dirty="0"/>
           </a:p>
@@ -13063,10 +13063,10 @@
         </p:nvGrpSpPr>
         <p:grpSpPr>
           <a:xfrm>
-            <a:off x="1084539" y="2742218"/>
-            <a:ext cx="4694258" cy="2955851"/>
-            <a:chOff x="4316837" y="2774115"/>
-            <a:chExt cx="4694258" cy="2955851"/>
+            <a:off x="1084539" y="2653951"/>
+            <a:ext cx="4735019" cy="3685895"/>
+            <a:chOff x="4316837" y="2673372"/>
+            <a:chExt cx="4735019" cy="3159194"/>
           </a:xfrm>
         </p:grpSpPr>
         <p:sp>
@@ -13083,8 +13083,8 @@
           </p:nvSpPr>
           <p:spPr>
             <a:xfrm>
-              <a:off x="4428462" y="2774115"/>
-              <a:ext cx="4582633" cy="2955851"/>
+              <a:off x="4430913" y="2673372"/>
+              <a:ext cx="4582633" cy="3153182"/>
             </a:xfrm>
             <a:prstGeom prst="rect">
               <a:avLst/>
@@ -13188,7 +13188,7 @@
           </p:nvSpPr>
           <p:spPr>
             <a:xfrm>
-              <a:off x="7485319" y="5308453"/>
+              <a:off x="7584562" y="5463234"/>
               <a:ext cx="1467294" cy="369332"/>
             </a:xfrm>
             <a:prstGeom prst="rect">
@@ -13223,10 +13223,10 @@
           </p:nvGrpSpPr>
           <p:grpSpPr>
             <a:xfrm>
-              <a:off x="7290407" y="2828546"/>
-              <a:ext cx="1593988" cy="577081"/>
-              <a:chOff x="7290408" y="3105630"/>
-              <a:chExt cx="1593988" cy="577081"/>
+              <a:off x="7290407" y="2898246"/>
+              <a:ext cx="1578085" cy="356125"/>
+              <a:chOff x="7290408" y="3175330"/>
+              <a:chExt cx="1578085" cy="356125"/>
             </a:xfrm>
           </p:grpSpPr>
           <p:sp>
@@ -13295,8 +13295,8 @@
             </p:nvSpPr>
             <p:spPr>
               <a:xfrm>
-                <a:off x="8150749" y="3105630"/>
-                <a:ext cx="733647" cy="577081"/>
+                <a:off x="8134846" y="3175330"/>
+                <a:ext cx="733647" cy="356125"/>
               </a:xfrm>
               <a:prstGeom prst="rect">
                 <a:avLst/>
@@ -13315,7 +13315,7 @@
                       <a:srgbClr val="FF0000"/>
                     </a:solidFill>
                   </a:rPr>
-                  <a:t>4 LED on board via R680</a:t>
+                  <a:t>4 LEDs on board</a:t>
                 </a:r>
               </a:p>
             </p:txBody>
@@ -13335,10 +13335,10 @@
           </p:nvGrpSpPr>
           <p:grpSpPr>
             <a:xfrm>
-              <a:off x="7246980" y="3397462"/>
-              <a:ext cx="1649814" cy="577081"/>
-              <a:chOff x="7246981" y="3059379"/>
-              <a:chExt cx="1649814" cy="577081"/>
+              <a:off x="7239006" y="3742646"/>
+              <a:ext cx="1649278" cy="577081"/>
+              <a:chOff x="7239007" y="3404563"/>
+              <a:chExt cx="1649278" cy="577081"/>
             </a:xfrm>
           </p:grpSpPr>
           <p:sp>
@@ -13355,7 +13355,7 @@
             </p:nvSpPr>
             <p:spPr>
               <a:xfrm rot="10800000">
-                <a:off x="7246981" y="3106042"/>
+                <a:off x="7239007" y="3470343"/>
                 <a:ext cx="903768" cy="322614"/>
               </a:xfrm>
               <a:prstGeom prst="leftArrow">
@@ -13407,7 +13407,7 @@
             </p:nvSpPr>
             <p:spPr>
               <a:xfrm>
-                <a:off x="8163148" y="3059379"/>
+                <a:off x="8154638" y="3404563"/>
                 <a:ext cx="733647" cy="577081"/>
               </a:xfrm>
               <a:prstGeom prst="rect">
@@ -13447,10 +13447,10 @@
           </p:nvGrpSpPr>
           <p:grpSpPr>
             <a:xfrm>
-              <a:off x="7274438" y="4891783"/>
-              <a:ext cx="1637415" cy="415498"/>
-              <a:chOff x="7274439" y="3938533"/>
-              <a:chExt cx="1637415" cy="415498"/>
+              <a:off x="6678138" y="5135019"/>
+              <a:ext cx="2018638" cy="322614"/>
+              <a:chOff x="6678139" y="4181769"/>
+              <a:chExt cx="2018638" cy="322614"/>
             </a:xfrm>
           </p:grpSpPr>
           <p:sp>
@@ -13467,8 +13467,8 @@
             </p:nvSpPr>
             <p:spPr>
               <a:xfrm rot="10800000">
-                <a:off x="7274439" y="3994502"/>
-                <a:ext cx="903768" cy="322614"/>
+                <a:off x="6678139" y="4181769"/>
+                <a:ext cx="726330" cy="322614"/>
               </a:xfrm>
               <a:prstGeom prst="leftArrow">
                 <a:avLst/>
@@ -13519,8 +13519,8 @@
             </p:nvSpPr>
             <p:spPr>
               <a:xfrm>
-                <a:off x="8178207" y="3938533"/>
-                <a:ext cx="733647" cy="415498"/>
+                <a:off x="7421163" y="4216118"/>
+                <a:ext cx="1275614" cy="253916"/>
               </a:xfrm>
               <a:prstGeom prst="rect">
                 <a:avLst/>
@@ -13539,7 +13539,7 @@
                       <a:srgbClr val="FF0000"/>
                     </a:solidFill>
                   </a:rPr>
-                  <a:t>I2C via A4/A5</a:t>
+                  <a:t>I2C with SDA/SCL</a:t>
                 </a:r>
               </a:p>
             </p:txBody>
@@ -13559,10 +13559,10 @@
           </p:nvGrpSpPr>
           <p:grpSpPr>
             <a:xfrm>
-              <a:off x="4473679" y="4312656"/>
-              <a:ext cx="1703841" cy="415498"/>
-              <a:chOff x="6763224" y="3726208"/>
-              <a:chExt cx="1703841" cy="415498"/>
+              <a:off x="4464257" y="4277420"/>
+              <a:ext cx="1721234" cy="415498"/>
+              <a:chOff x="6753802" y="3690972"/>
+              <a:chExt cx="1721234" cy="415498"/>
             </a:xfrm>
           </p:grpSpPr>
           <p:sp>
@@ -13579,7 +13579,7 @@
             </p:nvSpPr>
             <p:spPr>
               <a:xfrm rot="10800000">
-                <a:off x="7563297" y="3789932"/>
+                <a:off x="7571268" y="3722018"/>
                 <a:ext cx="903768" cy="322614"/>
               </a:xfrm>
               <a:prstGeom prst="leftArrow">
@@ -13631,7 +13631,7 @@
             </p:nvSpPr>
             <p:spPr>
               <a:xfrm>
-                <a:off x="6763224" y="3726208"/>
+                <a:off x="6753802" y="3690972"/>
                 <a:ext cx="839960" cy="415498"/>
               </a:xfrm>
               <a:prstGeom prst="rect">
@@ -13785,10 +13785,10 @@
           </p:nvGrpSpPr>
           <p:grpSpPr>
             <a:xfrm>
-              <a:off x="4451501" y="4834559"/>
-              <a:ext cx="1726019" cy="427674"/>
-              <a:chOff x="6741046" y="3684872"/>
-              <a:chExt cx="1726019" cy="427674"/>
+              <a:off x="4425799" y="4661169"/>
+              <a:ext cx="1751720" cy="633111"/>
+              <a:chOff x="6715344" y="3511482"/>
+              <a:chExt cx="1751720" cy="633111"/>
             </a:xfrm>
           </p:grpSpPr>
           <p:sp>
@@ -13805,7 +13805,7 @@
             </p:nvSpPr>
             <p:spPr>
               <a:xfrm rot="10800000">
-                <a:off x="7563297" y="3789932"/>
+                <a:off x="7563296" y="3711202"/>
                 <a:ext cx="903768" cy="322614"/>
               </a:xfrm>
               <a:prstGeom prst="leftArrow">
@@ -13857,8 +13857,8 @@
             </p:nvSpPr>
             <p:spPr>
               <a:xfrm>
-                <a:off x="6741046" y="3684872"/>
-                <a:ext cx="903769" cy="415498"/>
+                <a:off x="6715344" y="3511482"/>
+                <a:ext cx="903769" cy="633111"/>
               </a:xfrm>
               <a:prstGeom prst="rect">
                 <a:avLst/>
@@ -13878,7 +13878,7 @@
                       <a:srgbClr val="FF0000"/>
                     </a:solidFill>
                   </a:rPr>
-                  <a:t>4 Sensors via 3 pin header</a:t>
+                  <a:t>8 Analog &amp; 4 Digital Sensors via 3 pin header</a:t>
                 </a:r>
               </a:p>
             </p:txBody>
@@ -13898,10 +13898,10 @@
           </p:nvGrpSpPr>
           <p:grpSpPr>
             <a:xfrm>
-              <a:off x="4549441" y="3197723"/>
-              <a:ext cx="1628079" cy="432632"/>
-              <a:chOff x="6838986" y="3789932"/>
-              <a:chExt cx="1628079" cy="432632"/>
+              <a:off x="4482794" y="2871398"/>
+              <a:ext cx="1687236" cy="546797"/>
+              <a:chOff x="6772339" y="3463607"/>
+              <a:chExt cx="1687236" cy="546797"/>
             </a:xfrm>
           </p:grpSpPr>
           <p:sp>
@@ -13918,7 +13918,7 @@
             </p:nvSpPr>
             <p:spPr>
               <a:xfrm rot="10800000">
-                <a:off x="7563297" y="3789932"/>
+                <a:off x="7555807" y="3463607"/>
                 <a:ext cx="903768" cy="322614"/>
               </a:xfrm>
               <a:prstGeom prst="leftArrow">
@@ -13969,7 +13969,7 @@
             </p:nvSpPr>
             <p:spPr>
               <a:xfrm>
-                <a:off x="6838986" y="3807066"/>
+                <a:off x="6772339" y="3594906"/>
                 <a:ext cx="962241" cy="415498"/>
               </a:xfrm>
               <a:prstGeom prst="rect">
@@ -14009,8 +14009,8 @@
           </p:nvSpPr>
           <p:spPr>
             <a:xfrm rot="16200000">
-              <a:off x="5718309" y="3968835"/>
-              <a:ext cx="2628503" cy="515679"/>
+              <a:off x="6429906" y="3257238"/>
+              <a:ext cx="1400233" cy="710599"/>
             </a:xfrm>
             <a:prstGeom prst="rect">
               <a:avLst/>
@@ -14196,10 +14196,10 @@
       </p:sp>
       <p:sp>
         <p:nvSpPr>
-          <p:cNvPr id="32" name="Arrow: Left 31">
+          <p:cNvPr id="34" name="Arrow: Left 33">
             <a:extLst>
               <a:ext uri="{FF2B5EF4-FFF2-40B4-BE49-F238E27FC236}">
-                <a16:creationId xmlns:a16="http://schemas.microsoft.com/office/drawing/2014/main" id="{7C67F660-CD91-4F54-B40F-1240359F5162}"/>
+                <a16:creationId xmlns:a16="http://schemas.microsoft.com/office/drawing/2014/main" id="{85EDD0D0-C2EC-4FFF-A68F-94B1497EC147}"/>
               </a:ext>
             </a:extLst>
           </p:cNvPr>
@@ -14208,8 +14208,8 @@
         </p:nvSpPr>
         <p:spPr>
           <a:xfrm rot="10800000">
-            <a:off x="4058103" y="3989309"/>
-            <a:ext cx="903768" cy="322614"/>
+            <a:off x="3445839" y="4703667"/>
+            <a:ext cx="726331" cy="322614"/>
           </a:xfrm>
           <a:prstGeom prst="leftArrow">
             <a:avLst/>
@@ -14248,97 +14248,6 @@
       </p:sp>
       <p:sp>
         <p:nvSpPr>
-          <p:cNvPr id="33" name="TextBox 32">
-            <a:extLst>
-              <a:ext uri="{FF2B5EF4-FFF2-40B4-BE49-F238E27FC236}">
-                <a16:creationId xmlns:a16="http://schemas.microsoft.com/office/drawing/2014/main" id="{87622156-D02D-464B-88E4-DBFF4D558F8D}"/>
-              </a:ext>
-            </a:extLst>
-          </p:cNvPr>
-          <p:cNvSpPr txBox="1"/>
-          <p:nvPr/>
-        </p:nvSpPr>
-        <p:spPr>
-          <a:xfrm>
-            <a:off x="4945908" y="3955003"/>
-            <a:ext cx="733647" cy="415498"/>
-          </a:xfrm>
-          <a:prstGeom prst="rect">
-            <a:avLst/>
-          </a:prstGeom>
-          <a:noFill/>
-        </p:spPr>
-        <p:txBody>
-          <a:bodyPr wrap="square" rtlCol="0">
-            <a:spAutoFit/>
-          </a:bodyPr>
-          <a:lstStyle/>
-          <a:p>
-            <a:r>
-              <a:rPr lang="en-US" sz="1050" dirty="0">
-                <a:solidFill>
-                  <a:srgbClr val="FF0000"/>
-                </a:solidFill>
-              </a:rPr>
-              <a:t>RS485 C/MRI</a:t>
-            </a:r>
-          </a:p>
-        </p:txBody>
-      </p:sp>
-      <p:sp>
-        <p:nvSpPr>
-          <p:cNvPr id="34" name="Arrow: Left 33">
-            <a:extLst>
-              <a:ext uri="{FF2B5EF4-FFF2-40B4-BE49-F238E27FC236}">
-                <a16:creationId xmlns:a16="http://schemas.microsoft.com/office/drawing/2014/main" id="{85EDD0D0-C2EC-4FFF-A68F-94B1497EC147}"/>
-              </a:ext>
-            </a:extLst>
-          </p:cNvPr>
-          <p:cNvSpPr/>
-          <p:nvPr/>
-        </p:nvSpPr>
-        <p:spPr>
-          <a:xfrm rot="10800000">
-            <a:off x="4056018" y="4469402"/>
-            <a:ext cx="903768" cy="322614"/>
-          </a:xfrm>
-          <a:prstGeom prst="leftArrow">
-            <a:avLst/>
-          </a:prstGeom>
-          <a:solidFill>
-            <a:schemeClr val="accent2">
-              <a:lumMod val="20000"/>
-              <a:lumOff val="80000"/>
-            </a:schemeClr>
-          </a:solidFill>
-        </p:spPr>
-        <p:style>
-          <a:lnRef idx="2">
-            <a:schemeClr val="accent1">
-              <a:shade val="50000"/>
-            </a:schemeClr>
-          </a:lnRef>
-          <a:fillRef idx="1">
-            <a:schemeClr val="accent1"/>
-          </a:fillRef>
-          <a:effectRef idx="0">
-            <a:schemeClr val="accent1"/>
-          </a:effectRef>
-          <a:fontRef idx="minor">
-            <a:schemeClr val="lt1"/>
-          </a:fontRef>
-        </p:style>
-        <p:txBody>
-          <a:bodyPr rtlCol="0" anchor="ctr"/>
-          <a:lstStyle/>
-          <a:p>
-            <a:pPr algn="ctr"/>
-            <a:endParaRPr lang="en-US"/>
-          </a:p>
-        </p:txBody>
-      </p:sp>
-      <p:sp>
-        <p:nvSpPr>
           <p:cNvPr id="35" name="TextBox 34">
             <a:extLst>
               <a:ext uri="{FF2B5EF4-FFF2-40B4-BE49-F238E27FC236}">
@@ -14351,8 +14260,8 @@
         </p:nvSpPr>
         <p:spPr>
           <a:xfrm>
-            <a:off x="4924657" y="4501421"/>
-            <a:ext cx="733647" cy="253916"/>
+            <a:off x="4172170" y="4639264"/>
+            <a:ext cx="1504507" cy="415498"/>
           </a:xfrm>
           <a:prstGeom prst="rect">
             <a:avLst/>
@@ -14371,7 +14280,7 @@
                   <a:srgbClr val="FF0000"/>
                 </a:solidFill>
               </a:rPr>
-              <a:t>CAN Bus</a:t>
+              <a:t>Comms Header for CMRI/CBUS (Rx, Tx, D2)</a:t>
             </a:r>
           </a:p>
         </p:txBody>
